--- a/profile/nvp_sim/sine_wave/Presentation.pptx
+++ b/profile/nvp_sim/sine_wave/Presentation.pptx
@@ -2,19 +2,22 @@
 <file path=ppt/presentation.xml><?xml version="1.0" encoding="utf-8"?>
 <p:presentation xmlns:a="http://schemas.openxmlformats.org/drawingml/2006/main" xmlns:r="http://schemas.openxmlformats.org/officeDocument/2006/relationships" xmlns:p="http://schemas.openxmlformats.org/presentationml/2006/main" saveSubsetFonts="1">
   <p:sldMasterIdLst>
-    <p:sldMasterId id="2147483648" r:id="rId1"/>
+    <p:sldMasterId id="2147483732" r:id="rId1"/>
   </p:sldMasterIdLst>
   <p:sldIdLst>
-    <p:sldId id="256" r:id="rId2"/>
-    <p:sldId id="257" r:id="rId3"/>
-    <p:sldId id="258" r:id="rId4"/>
-    <p:sldId id="259" r:id="rId5"/>
-    <p:sldId id="262" r:id="rId6"/>
-    <p:sldId id="260" r:id="rId7"/>
-    <p:sldId id="261" r:id="rId8"/>
-    <p:sldId id="263" r:id="rId9"/>
-    <p:sldId id="264" r:id="rId10"/>
-    <p:sldId id="265" r:id="rId11"/>
+    <p:sldId id="266" r:id="rId2"/>
+    <p:sldId id="256" r:id="rId3"/>
+    <p:sldId id="257" r:id="rId4"/>
+    <p:sldId id="258" r:id="rId5"/>
+    <p:sldId id="259" r:id="rId6"/>
+    <p:sldId id="262" r:id="rId7"/>
+    <p:sldId id="260" r:id="rId8"/>
+    <p:sldId id="261" r:id="rId9"/>
+    <p:sldId id="263" r:id="rId10"/>
+    <p:sldId id="264" r:id="rId11"/>
+    <p:sldId id="265" r:id="rId12"/>
+    <p:sldId id="267" r:id="rId13"/>
+    <p:sldId id="268" r:id="rId14"/>
   </p:sldIdLst>
   <p:sldSz cx="12192000" cy="6858000"/>
   <p:notesSz cx="6858000" cy="9144000"/>
@@ -22,7 +25,7 @@
     <a:defPPr>
       <a:defRPr lang="en-US"/>
     </a:defPPr>
-    <a:lvl1pPr marL="0" algn="l" defTabSz="914400" rtl="0" eaLnBrk="1" latinLnBrk="0" hangingPunct="1">
+    <a:lvl1pPr marL="0" algn="l" defTabSz="457200" rtl="0" eaLnBrk="1" latinLnBrk="0" hangingPunct="1">
       <a:defRPr sz="1800" kern="1200">
         <a:solidFill>
           <a:schemeClr val="tx1"/>
@@ -32,7 +35,7 @@
         <a:cs typeface="+mn-cs"/>
       </a:defRPr>
     </a:lvl1pPr>
-    <a:lvl2pPr marL="457200" algn="l" defTabSz="914400" rtl="0" eaLnBrk="1" latinLnBrk="0" hangingPunct="1">
+    <a:lvl2pPr marL="457200" algn="l" defTabSz="457200" rtl="0" eaLnBrk="1" latinLnBrk="0" hangingPunct="1">
       <a:defRPr sz="1800" kern="1200">
         <a:solidFill>
           <a:schemeClr val="tx1"/>
@@ -42,7 +45,7 @@
         <a:cs typeface="+mn-cs"/>
       </a:defRPr>
     </a:lvl2pPr>
-    <a:lvl3pPr marL="914400" algn="l" defTabSz="914400" rtl="0" eaLnBrk="1" latinLnBrk="0" hangingPunct="1">
+    <a:lvl3pPr marL="914400" algn="l" defTabSz="457200" rtl="0" eaLnBrk="1" latinLnBrk="0" hangingPunct="1">
       <a:defRPr sz="1800" kern="1200">
         <a:solidFill>
           <a:schemeClr val="tx1"/>
@@ -52,7 +55,7 @@
         <a:cs typeface="+mn-cs"/>
       </a:defRPr>
     </a:lvl3pPr>
-    <a:lvl4pPr marL="1371600" algn="l" defTabSz="914400" rtl="0" eaLnBrk="1" latinLnBrk="0" hangingPunct="1">
+    <a:lvl4pPr marL="1371600" algn="l" defTabSz="457200" rtl="0" eaLnBrk="1" latinLnBrk="0" hangingPunct="1">
       <a:defRPr sz="1800" kern="1200">
         <a:solidFill>
           <a:schemeClr val="tx1"/>
@@ -62,7 +65,7 @@
         <a:cs typeface="+mn-cs"/>
       </a:defRPr>
     </a:lvl4pPr>
-    <a:lvl5pPr marL="1828800" algn="l" defTabSz="914400" rtl="0" eaLnBrk="1" latinLnBrk="0" hangingPunct="1">
+    <a:lvl5pPr marL="1828800" algn="l" defTabSz="457200" rtl="0" eaLnBrk="1" latinLnBrk="0" hangingPunct="1">
       <a:defRPr sz="1800" kern="1200">
         <a:solidFill>
           <a:schemeClr val="tx1"/>
@@ -72,7 +75,7 @@
         <a:cs typeface="+mn-cs"/>
       </a:defRPr>
     </a:lvl5pPr>
-    <a:lvl6pPr marL="2286000" algn="l" defTabSz="914400" rtl="0" eaLnBrk="1" latinLnBrk="0" hangingPunct="1">
+    <a:lvl6pPr marL="2286000" algn="l" defTabSz="457200" rtl="0" eaLnBrk="1" latinLnBrk="0" hangingPunct="1">
       <a:defRPr sz="1800" kern="1200">
         <a:solidFill>
           <a:schemeClr val="tx1"/>
@@ -82,7 +85,7 @@
         <a:cs typeface="+mn-cs"/>
       </a:defRPr>
     </a:lvl6pPr>
-    <a:lvl7pPr marL="2743200" algn="l" defTabSz="914400" rtl="0" eaLnBrk="1" latinLnBrk="0" hangingPunct="1">
+    <a:lvl7pPr marL="2743200" algn="l" defTabSz="457200" rtl="0" eaLnBrk="1" latinLnBrk="0" hangingPunct="1">
       <a:defRPr sz="1800" kern="1200">
         <a:solidFill>
           <a:schemeClr val="tx1"/>
@@ -92,7 +95,7 @@
         <a:cs typeface="+mn-cs"/>
       </a:defRPr>
     </a:lvl7pPr>
-    <a:lvl8pPr marL="3200400" algn="l" defTabSz="914400" rtl="0" eaLnBrk="1" latinLnBrk="0" hangingPunct="1">
+    <a:lvl8pPr marL="3200400" algn="l" defTabSz="457200" rtl="0" eaLnBrk="1" latinLnBrk="0" hangingPunct="1">
       <a:defRPr sz="1800" kern="1200">
         <a:solidFill>
           <a:schemeClr val="tx1"/>
@@ -102,7 +105,7 @@
         <a:cs typeface="+mn-cs"/>
       </a:defRPr>
     </a:lvl8pPr>
-    <a:lvl9pPr marL="3657600" algn="l" defTabSz="914400" rtl="0" eaLnBrk="1" latinLnBrk="0" hangingPunct="1">
+    <a:lvl9pPr marL="3657600" algn="l" defTabSz="457200" rtl="0" eaLnBrk="1" latinLnBrk="0" hangingPunct="1">
       <a:defRPr sz="1800" kern="1200">
         <a:solidFill>
           <a:schemeClr val="tx1"/>
@@ -116,9 +119,291 @@
 </p:presentation>
 </file>
 
+<file path=ppt/changesInfos/changesInfo1.xml><?xml version="1.0" encoding="utf-8"?>
+<pc:chgInfo xmlns:a="http://schemas.openxmlformats.org/drawingml/2006/main" xmlns:r="http://schemas.openxmlformats.org/officeDocument/2006/relationships" xmlns:ac="http://schemas.microsoft.com/office/drawing/2013/main/command" xmlns:pc="http://schemas.microsoft.com/office/powerpoint/2013/main/command">
+  <pc:docChgLst>
+    <pc:chgData name="Gudukbay, Gulsum" userId="33ab478b-42a3-4d08-ae05-3f67cf1d32a2" providerId="ADAL" clId="{27E69447-91EA-4D01-AF66-70A6FC4BA94F}"/>
+    <pc:docChg chg="undo custSel addSld delSld modSld">
+      <pc:chgData name="Gudukbay, Gulsum" userId="33ab478b-42a3-4d08-ae05-3f67cf1d32a2" providerId="ADAL" clId="{27E69447-91EA-4D01-AF66-70A6FC4BA94F}" dt="2018-11-28T21:14:30.699" v="95"/>
+      <pc:docMkLst>
+        <pc:docMk/>
+      </pc:docMkLst>
+      <pc:sldChg chg="setBg">
+        <pc:chgData name="Gudukbay, Gulsum" userId="33ab478b-42a3-4d08-ae05-3f67cf1d32a2" providerId="ADAL" clId="{27E69447-91EA-4D01-AF66-70A6FC4BA94F}" dt="2018-11-28T21:14:30.699" v="95"/>
+        <pc:sldMkLst>
+          <pc:docMk/>
+          <pc:sldMk cId="3705530050" sldId="256"/>
+        </pc:sldMkLst>
+      </pc:sldChg>
+      <pc:sldChg chg="setBg">
+        <pc:chgData name="Gudukbay, Gulsum" userId="33ab478b-42a3-4d08-ae05-3f67cf1d32a2" providerId="ADAL" clId="{27E69447-91EA-4D01-AF66-70A6FC4BA94F}" dt="2018-11-28T21:14:30.699" v="95"/>
+        <pc:sldMkLst>
+          <pc:docMk/>
+          <pc:sldMk cId="3117564443" sldId="257"/>
+        </pc:sldMkLst>
+      </pc:sldChg>
+      <pc:sldChg chg="modSp setBg">
+        <pc:chgData name="Gudukbay, Gulsum" userId="33ab478b-42a3-4d08-ae05-3f67cf1d32a2" providerId="ADAL" clId="{27E69447-91EA-4D01-AF66-70A6FC4BA94F}" dt="2018-11-28T21:14:30.699" v="95"/>
+        <pc:sldMkLst>
+          <pc:docMk/>
+          <pc:sldMk cId="2317889955" sldId="258"/>
+        </pc:sldMkLst>
+        <pc:picChg chg="mod">
+          <ac:chgData name="Gudukbay, Gulsum" userId="33ab478b-42a3-4d08-ae05-3f67cf1d32a2" providerId="ADAL" clId="{27E69447-91EA-4D01-AF66-70A6FC4BA94F}" dt="2018-11-28T20:46:27.139" v="51" actId="1076"/>
+          <ac:picMkLst>
+            <pc:docMk/>
+            <pc:sldMk cId="2317889955" sldId="258"/>
+            <ac:picMk id="3" creationId="{E93B996E-0136-494E-B826-78C6EC9A6044}"/>
+          </ac:picMkLst>
+        </pc:picChg>
+      </pc:sldChg>
+      <pc:sldChg chg="setBg">
+        <pc:chgData name="Gudukbay, Gulsum" userId="33ab478b-42a3-4d08-ae05-3f67cf1d32a2" providerId="ADAL" clId="{27E69447-91EA-4D01-AF66-70A6FC4BA94F}" dt="2018-11-28T21:14:30.699" v="95"/>
+        <pc:sldMkLst>
+          <pc:docMk/>
+          <pc:sldMk cId="3506399184" sldId="259"/>
+        </pc:sldMkLst>
+      </pc:sldChg>
+      <pc:sldChg chg="setBg">
+        <pc:chgData name="Gudukbay, Gulsum" userId="33ab478b-42a3-4d08-ae05-3f67cf1d32a2" providerId="ADAL" clId="{27E69447-91EA-4D01-AF66-70A6FC4BA94F}" dt="2018-11-28T21:14:30.699" v="95"/>
+        <pc:sldMkLst>
+          <pc:docMk/>
+          <pc:sldMk cId="2347409190" sldId="260"/>
+        </pc:sldMkLst>
+      </pc:sldChg>
+      <pc:sldChg chg="setBg">
+        <pc:chgData name="Gudukbay, Gulsum" userId="33ab478b-42a3-4d08-ae05-3f67cf1d32a2" providerId="ADAL" clId="{27E69447-91EA-4D01-AF66-70A6FC4BA94F}" dt="2018-11-28T21:14:30.699" v="95"/>
+        <pc:sldMkLst>
+          <pc:docMk/>
+          <pc:sldMk cId="3069383323" sldId="261"/>
+        </pc:sldMkLst>
+      </pc:sldChg>
+      <pc:sldChg chg="setBg">
+        <pc:chgData name="Gudukbay, Gulsum" userId="33ab478b-42a3-4d08-ae05-3f67cf1d32a2" providerId="ADAL" clId="{27E69447-91EA-4D01-AF66-70A6FC4BA94F}" dt="2018-11-28T21:14:30.699" v="95"/>
+        <pc:sldMkLst>
+          <pc:docMk/>
+          <pc:sldMk cId="3660655663" sldId="262"/>
+        </pc:sldMkLst>
+      </pc:sldChg>
+      <pc:sldChg chg="setBg">
+        <pc:chgData name="Gudukbay, Gulsum" userId="33ab478b-42a3-4d08-ae05-3f67cf1d32a2" providerId="ADAL" clId="{27E69447-91EA-4D01-AF66-70A6FC4BA94F}" dt="2018-11-28T21:14:30.699" v="95"/>
+        <pc:sldMkLst>
+          <pc:docMk/>
+          <pc:sldMk cId="453171510" sldId="263"/>
+        </pc:sldMkLst>
+      </pc:sldChg>
+      <pc:sldChg chg="setBg">
+        <pc:chgData name="Gudukbay, Gulsum" userId="33ab478b-42a3-4d08-ae05-3f67cf1d32a2" providerId="ADAL" clId="{27E69447-91EA-4D01-AF66-70A6FC4BA94F}" dt="2018-11-28T21:14:30.699" v="95"/>
+        <pc:sldMkLst>
+          <pc:docMk/>
+          <pc:sldMk cId="3795526922" sldId="264"/>
+        </pc:sldMkLst>
+      </pc:sldChg>
+      <pc:sldChg chg="addSp delSp modSp setBg">
+        <pc:chgData name="Gudukbay, Gulsum" userId="33ab478b-42a3-4d08-ae05-3f67cf1d32a2" providerId="ADAL" clId="{27E69447-91EA-4D01-AF66-70A6FC4BA94F}" dt="2018-11-28T21:14:30.699" v="95"/>
+        <pc:sldMkLst>
+          <pc:docMk/>
+          <pc:sldMk cId="1561767516" sldId="265"/>
+        </pc:sldMkLst>
+        <pc:graphicFrameChg chg="add">
+          <ac:chgData name="Gudukbay, Gulsum" userId="33ab478b-42a3-4d08-ae05-3f67cf1d32a2" providerId="ADAL" clId="{27E69447-91EA-4D01-AF66-70A6FC4BA94F}" dt="2018-11-28T20:59:27.264" v="52"/>
+          <ac:graphicFrameMkLst>
+            <pc:docMk/>
+            <pc:sldMk cId="1561767516" sldId="265"/>
+            <ac:graphicFrameMk id="2" creationId="{475D04E1-1B33-4E65-813E-F14BD5306BB2}"/>
+          </ac:graphicFrameMkLst>
+        </pc:graphicFrameChg>
+        <pc:graphicFrameChg chg="add">
+          <ac:chgData name="Gudukbay, Gulsum" userId="33ab478b-42a3-4d08-ae05-3f67cf1d32a2" providerId="ADAL" clId="{27E69447-91EA-4D01-AF66-70A6FC4BA94F}" dt="2018-11-28T21:00:54.655" v="59"/>
+          <ac:graphicFrameMkLst>
+            <pc:docMk/>
+            <pc:sldMk cId="1561767516" sldId="265"/>
+            <ac:graphicFrameMk id="4" creationId="{475D04E1-1B33-4E65-813E-F14BD5306BB2}"/>
+          </ac:graphicFrameMkLst>
+        </pc:graphicFrameChg>
+        <pc:graphicFrameChg chg="add">
+          <ac:chgData name="Gudukbay, Gulsum" userId="33ab478b-42a3-4d08-ae05-3f67cf1d32a2" providerId="ADAL" clId="{27E69447-91EA-4D01-AF66-70A6FC4BA94F}" dt="2018-11-28T21:03:13.626" v="60"/>
+          <ac:graphicFrameMkLst>
+            <pc:docMk/>
+            <pc:sldMk cId="1561767516" sldId="265"/>
+            <ac:graphicFrameMk id="5" creationId="{475D04E1-1B33-4E65-813E-F14BD5306BB2}"/>
+          </ac:graphicFrameMkLst>
+        </pc:graphicFrameChg>
+        <pc:graphicFrameChg chg="add">
+          <ac:chgData name="Gudukbay, Gulsum" userId="33ab478b-42a3-4d08-ae05-3f67cf1d32a2" providerId="ADAL" clId="{27E69447-91EA-4D01-AF66-70A6FC4BA94F}" dt="2018-11-28T21:08:45.477" v="75"/>
+          <ac:graphicFrameMkLst>
+            <pc:docMk/>
+            <pc:sldMk cId="1561767516" sldId="265"/>
+            <ac:graphicFrameMk id="7" creationId="{475D04E1-1B33-4E65-813E-F14BD5306BB2}"/>
+          </ac:graphicFrameMkLst>
+        </pc:graphicFrameChg>
+        <pc:picChg chg="add del">
+          <ac:chgData name="Gudukbay, Gulsum" userId="33ab478b-42a3-4d08-ae05-3f67cf1d32a2" providerId="ADAL" clId="{27E69447-91EA-4D01-AF66-70A6FC4BA94F}" dt="2018-11-28T21:00:12.203" v="58" actId="478"/>
+          <ac:picMkLst>
+            <pc:docMk/>
+            <pc:sldMk cId="1561767516" sldId="265"/>
+            <ac:picMk id="3" creationId="{CE1BCCB0-5830-4308-8B4A-DA09A6E94666}"/>
+          </ac:picMkLst>
+        </pc:picChg>
+        <pc:picChg chg="add del mod">
+          <ac:chgData name="Gudukbay, Gulsum" userId="33ab478b-42a3-4d08-ae05-3f67cf1d32a2" providerId="ADAL" clId="{27E69447-91EA-4D01-AF66-70A6FC4BA94F}" dt="2018-11-28T21:08:05.922" v="74" actId="478"/>
+          <ac:picMkLst>
+            <pc:docMk/>
+            <pc:sldMk cId="1561767516" sldId="265"/>
+            <ac:picMk id="6" creationId="{2560B354-D8B8-4F26-913A-297CE3B2755B}"/>
+          </ac:picMkLst>
+        </pc:picChg>
+        <pc:picChg chg="add mod">
+          <ac:chgData name="Gudukbay, Gulsum" userId="33ab478b-42a3-4d08-ae05-3f67cf1d32a2" providerId="ADAL" clId="{27E69447-91EA-4D01-AF66-70A6FC4BA94F}" dt="2018-11-28T21:08:59.494" v="78" actId="14100"/>
+          <ac:picMkLst>
+            <pc:docMk/>
+            <pc:sldMk cId="1561767516" sldId="265"/>
+            <ac:picMk id="8" creationId="{DAB4F0E6-C363-424E-8220-88833C7ACE63}"/>
+          </ac:picMkLst>
+        </pc:picChg>
+      </pc:sldChg>
+      <pc:sldChg chg="add del">
+        <pc:chgData name="Gudukbay, Gulsum" userId="33ab478b-42a3-4d08-ae05-3f67cf1d32a2" providerId="ADAL" clId="{27E69447-91EA-4D01-AF66-70A6FC4BA94F}" dt="2018-11-28T20:38:30.683" v="1"/>
+        <pc:sldMkLst>
+          <pc:docMk/>
+          <pc:sldMk cId="2129047087" sldId="266"/>
+        </pc:sldMkLst>
+      </pc:sldChg>
+      <pc:sldChg chg="addSp modSp add">
+        <pc:chgData name="Gudukbay, Gulsum" userId="33ab478b-42a3-4d08-ae05-3f67cf1d32a2" providerId="ADAL" clId="{27E69447-91EA-4D01-AF66-70A6FC4BA94F}" dt="2018-11-28T21:13:56.709" v="94" actId="113"/>
+        <pc:sldMkLst>
+          <pc:docMk/>
+          <pc:sldMk cId="2264776561" sldId="266"/>
+        </pc:sldMkLst>
+        <pc:spChg chg="mod">
+          <ac:chgData name="Gudukbay, Gulsum" userId="33ab478b-42a3-4d08-ae05-3f67cf1d32a2" providerId="ADAL" clId="{27E69447-91EA-4D01-AF66-70A6FC4BA94F}" dt="2018-11-28T21:13:56.709" v="94" actId="113"/>
+          <ac:spMkLst>
+            <pc:docMk/>
+            <pc:sldMk cId="2264776561" sldId="266"/>
+            <ac:spMk id="2" creationId="{1CE7EA1D-3D98-4FDA-9942-F9A3C8B5AE33}"/>
+          </ac:spMkLst>
+        </pc:spChg>
+        <pc:spChg chg="mod">
+          <ac:chgData name="Gudukbay, Gulsum" userId="33ab478b-42a3-4d08-ae05-3f67cf1d32a2" providerId="ADAL" clId="{27E69447-91EA-4D01-AF66-70A6FC4BA94F}" dt="2018-11-28T21:13:56.709" v="94" actId="113"/>
+          <ac:spMkLst>
+            <pc:docMk/>
+            <pc:sldMk cId="2264776561" sldId="266"/>
+            <ac:spMk id="3" creationId="{F501072F-B26B-4179-AD13-21DC6E071FA6}"/>
+          </ac:spMkLst>
+        </pc:spChg>
+        <pc:graphicFrameChg chg="add mod modGraphic">
+          <ac:chgData name="Gudukbay, Gulsum" userId="33ab478b-42a3-4d08-ae05-3f67cf1d32a2" providerId="ADAL" clId="{27E69447-91EA-4D01-AF66-70A6FC4BA94F}" dt="2018-11-28T21:13:42.355" v="93"/>
+          <ac:graphicFrameMkLst>
+            <pc:docMk/>
+            <pc:sldMk cId="2264776561" sldId="266"/>
+            <ac:graphicFrameMk id="4" creationId="{C8963D07-8EEE-452E-852C-D4A4789142A8}"/>
+          </ac:graphicFrameMkLst>
+        </pc:graphicFrameChg>
+      </pc:sldChg>
+      <pc:sldChg chg="addSp delSp modSp add setBg">
+        <pc:chgData name="Gudukbay, Gulsum" userId="33ab478b-42a3-4d08-ae05-3f67cf1d32a2" providerId="ADAL" clId="{27E69447-91EA-4D01-AF66-70A6FC4BA94F}" dt="2018-11-28T21:14:30.699" v="95"/>
+        <pc:sldMkLst>
+          <pc:docMk/>
+          <pc:sldMk cId="609321786" sldId="267"/>
+        </pc:sldMkLst>
+        <pc:graphicFrameChg chg="add">
+          <ac:chgData name="Gudukbay, Gulsum" userId="33ab478b-42a3-4d08-ae05-3f67cf1d32a2" providerId="ADAL" clId="{27E69447-91EA-4D01-AF66-70A6FC4BA94F}" dt="2018-11-28T21:04:20.542" v="66"/>
+          <ac:graphicFrameMkLst>
+            <pc:docMk/>
+            <pc:sldMk cId="609321786" sldId="267"/>
+            <ac:graphicFrameMk id="2" creationId="{F8E834D4-C3A8-4689-AC08-1EA71FC97BC8}"/>
+          </ac:graphicFrameMkLst>
+        </pc:graphicFrameChg>
+        <pc:graphicFrameChg chg="add">
+          <ac:chgData name="Gudukbay, Gulsum" userId="33ab478b-42a3-4d08-ae05-3f67cf1d32a2" providerId="ADAL" clId="{27E69447-91EA-4D01-AF66-70A6FC4BA94F}" dt="2018-11-28T21:09:14.560" v="80"/>
+          <ac:graphicFrameMkLst>
+            <pc:docMk/>
+            <pc:sldMk cId="609321786" sldId="267"/>
+            <ac:graphicFrameMk id="4" creationId="{F8E834D4-C3A8-4689-AC08-1EA71FC97BC8}"/>
+          </ac:graphicFrameMkLst>
+        </pc:graphicFrameChg>
+        <pc:picChg chg="add del mod">
+          <ac:chgData name="Gudukbay, Gulsum" userId="33ab478b-42a3-4d08-ae05-3f67cf1d32a2" providerId="ADAL" clId="{27E69447-91EA-4D01-AF66-70A6FC4BA94F}" dt="2018-11-28T21:09:02.914" v="79" actId="478"/>
+          <ac:picMkLst>
+            <pc:docMk/>
+            <pc:sldMk cId="609321786" sldId="267"/>
+            <ac:picMk id="3" creationId="{C89B3FC1-1721-4E41-ACAF-0EE1D41A1646}"/>
+          </ac:picMkLst>
+        </pc:picChg>
+        <pc:picChg chg="add mod">
+          <ac:chgData name="Gudukbay, Gulsum" userId="33ab478b-42a3-4d08-ae05-3f67cf1d32a2" providerId="ADAL" clId="{27E69447-91EA-4D01-AF66-70A6FC4BA94F}" dt="2018-11-28T21:10:30.531" v="92" actId="14100"/>
+          <ac:picMkLst>
+            <pc:docMk/>
+            <pc:sldMk cId="609321786" sldId="267"/>
+            <ac:picMk id="5" creationId="{063ED534-33A9-4856-8579-6425D093B911}"/>
+          </ac:picMkLst>
+        </pc:picChg>
+      </pc:sldChg>
+      <pc:sldChg chg="addSp delSp modSp add setBg">
+        <pc:chgData name="Gudukbay, Gulsum" userId="33ab478b-42a3-4d08-ae05-3f67cf1d32a2" providerId="ADAL" clId="{27E69447-91EA-4D01-AF66-70A6FC4BA94F}" dt="2018-11-28T21:14:30.699" v="95"/>
+        <pc:sldMkLst>
+          <pc:docMk/>
+          <pc:sldMk cId="4228326820" sldId="268"/>
+        </pc:sldMkLst>
+        <pc:graphicFrameChg chg="add">
+          <ac:chgData name="Gudukbay, Gulsum" userId="33ab478b-42a3-4d08-ae05-3f67cf1d32a2" providerId="ADAL" clId="{27E69447-91EA-4D01-AF66-70A6FC4BA94F}" dt="2018-11-28T21:05:14.574" v="72"/>
+          <ac:graphicFrameMkLst>
+            <pc:docMk/>
+            <pc:sldMk cId="4228326820" sldId="268"/>
+            <ac:graphicFrameMk id="2" creationId="{70372529-5000-4F2F-AB5E-58BA5F436BF4}"/>
+          </ac:graphicFrameMkLst>
+        </pc:graphicFrameChg>
+        <pc:graphicFrameChg chg="add del mod">
+          <ac:chgData name="Gudukbay, Gulsum" userId="33ab478b-42a3-4d08-ae05-3f67cf1d32a2" providerId="ADAL" clId="{27E69447-91EA-4D01-AF66-70A6FC4BA94F}" dt="2018-11-28T21:10:04.290" v="85" actId="478"/>
+          <ac:graphicFrameMkLst>
+            <pc:docMk/>
+            <pc:sldMk cId="4228326820" sldId="268"/>
+            <ac:graphicFrameMk id="4" creationId="{70372529-5000-4F2F-AB5E-58BA5F436BF4}"/>
+          </ac:graphicFrameMkLst>
+        </pc:graphicFrameChg>
+        <pc:graphicFrameChg chg="add">
+          <ac:chgData name="Gudukbay, Gulsum" userId="33ab478b-42a3-4d08-ae05-3f67cf1d32a2" providerId="ADAL" clId="{27E69447-91EA-4D01-AF66-70A6FC4BA94F}" dt="2018-11-28T21:10:08.793" v="86"/>
+          <ac:graphicFrameMkLst>
+            <pc:docMk/>
+            <pc:sldMk cId="4228326820" sldId="268"/>
+            <ac:graphicFrameMk id="5" creationId="{70372529-5000-4F2F-AB5E-58BA5F436BF4}"/>
+          </ac:graphicFrameMkLst>
+        </pc:graphicFrameChg>
+        <pc:picChg chg="add del">
+          <ac:chgData name="Gudukbay, Gulsum" userId="33ab478b-42a3-4d08-ae05-3f67cf1d32a2" providerId="ADAL" clId="{27E69447-91EA-4D01-AF66-70A6FC4BA94F}" dt="2018-11-28T21:09:25.287" v="82" actId="478"/>
+          <ac:picMkLst>
+            <pc:docMk/>
+            <pc:sldMk cId="4228326820" sldId="268"/>
+            <ac:picMk id="3" creationId="{87D2D591-7A48-418E-94F4-4344B328E488}"/>
+          </ac:picMkLst>
+        </pc:picChg>
+        <pc:picChg chg="add mod">
+          <ac:chgData name="Gudukbay, Gulsum" userId="33ab478b-42a3-4d08-ae05-3f67cf1d32a2" providerId="ADAL" clId="{27E69447-91EA-4D01-AF66-70A6FC4BA94F}" dt="2018-11-28T21:10:21.289" v="89" actId="14100"/>
+          <ac:picMkLst>
+            <pc:docMk/>
+            <pc:sldMk cId="4228326820" sldId="268"/>
+            <ac:picMk id="6" creationId="{4DE7C741-AD84-4ADC-A450-270E13A1CA25}"/>
+          </ac:picMkLst>
+        </pc:picChg>
+      </pc:sldChg>
+    </pc:docChg>
+  </pc:docChgLst>
+</pc:chgInfo>
+</file>
+
 <file path=ppt/slideLayouts/slideLayout1.xml><?xml version="1.0" encoding="utf-8"?>
-<p:sldLayout xmlns:a="http://schemas.openxmlformats.org/drawingml/2006/main" xmlns:r="http://schemas.openxmlformats.org/officeDocument/2006/relationships" xmlns:p="http://schemas.openxmlformats.org/presentationml/2006/main" type="title" preserve="1">
+<p:sldLayout xmlns:a="http://schemas.openxmlformats.org/drawingml/2006/main" xmlns:r="http://schemas.openxmlformats.org/officeDocument/2006/relationships" xmlns:p="http://schemas.openxmlformats.org/presentationml/2006/main" showMasterSp="0" type="title" preserve="1">
   <p:cSld name="Title Slide">
+    <p:bg>
+      <p:bgPr>
+        <a:solidFill>
+          <a:schemeClr val="bg2">
+            <a:lumMod val="75000"/>
+          </a:schemeClr>
+        </a:solidFill>
+        <a:effectLst/>
+      </p:bgPr>
+    </p:bg>
     <p:spTree>
       <p:nvGrpSpPr>
         <p:cNvPr id="1" name=""/>
@@ -135,13 +420,7 @@
       </p:grpSpPr>
       <p:sp>
         <p:nvSpPr>
-          <p:cNvPr id="2" name="Title 1">
-            <a:extLst>
-              <a:ext uri="{FF2B5EF4-FFF2-40B4-BE49-F238E27FC236}">
-                <a16:creationId xmlns:a16="http://schemas.microsoft.com/office/drawing/2014/main" id="{EF285FFC-E6C8-44F6-8156-22B36A6C6925}"/>
-              </a:ext>
-            </a:extLst>
-          </p:cNvPr>
+          <p:cNvPr id="2" name="Title 1"/>
           <p:cNvSpPr>
             <a:spLocks noGrp="1"/>
           </p:cNvSpPr>
@@ -151,15 +430,24 @@
         </p:nvSpPr>
         <p:spPr>
           <a:xfrm>
-            <a:off x="1524000" y="1122363"/>
-            <a:ext cx="9144000" cy="2387600"/>
+            <a:off x="1261872" y="758952"/>
+            <a:ext cx="9418320" cy="4041648"/>
           </a:xfrm>
         </p:spPr>
         <p:txBody>
-          <a:bodyPr anchor="b"/>
+          <a:bodyPr anchor="b">
+            <a:normAutofit/>
+          </a:bodyPr>
           <a:lstStyle>
-            <a:lvl1pPr algn="ctr">
-              <a:defRPr sz="6000"/>
+            <a:lvl1pPr algn="l">
+              <a:lnSpc>
+                <a:spcPct val="85000"/>
+              </a:lnSpc>
+              <a:defRPr sz="7200" baseline="0">
+                <a:solidFill>
+                  <a:schemeClr val="tx1"/>
+                </a:solidFill>
+              </a:defRPr>
             </a:lvl1pPr>
           </a:lstStyle>
           <a:p>
@@ -167,18 +455,13 @@
               <a:rPr lang="en-US"/>
               <a:t>Click to edit Master title style</a:t>
             </a:r>
-          </a:p>
-        </p:txBody>
-      </p:sp>
-      <p:sp>
-        <p:nvSpPr>
-          <p:cNvPr id="3" name="Subtitle 2">
-            <a:extLst>
-              <a:ext uri="{FF2B5EF4-FFF2-40B4-BE49-F238E27FC236}">
-                <a16:creationId xmlns:a16="http://schemas.microsoft.com/office/drawing/2014/main" id="{08F66F64-71E3-495A-AFED-69AEC082C5D9}"/>
-              </a:ext>
-            </a:extLst>
-          </p:cNvPr>
+            <a:endParaRPr lang="en-US" dirty="0"/>
+          </a:p>
+        </p:txBody>
+      </p:sp>
+      <p:sp>
+        <p:nvSpPr>
+          <p:cNvPr id="3" name="Subtitle 2"/>
           <p:cNvSpPr>
             <a:spLocks noGrp="1"/>
           </p:cNvSpPr>
@@ -188,78 +471,91 @@
         </p:nvSpPr>
         <p:spPr>
           <a:xfrm>
-            <a:off x="1524000" y="3602038"/>
-            <a:ext cx="9144000" cy="1655762"/>
+            <a:off x="1261872" y="4800600"/>
+            <a:ext cx="9418320" cy="1691640"/>
           </a:xfrm>
         </p:spPr>
         <p:txBody>
+          <a:bodyPr>
+            <a:normAutofit/>
+          </a:bodyPr>
+          <a:lstStyle>
+            <a:lvl1pPr marL="0" indent="0" algn="l">
+              <a:buNone/>
+              <a:defRPr sz="2200" baseline="0">
+                <a:solidFill>
+                  <a:schemeClr val="tx1">
+                    <a:lumMod val="75000"/>
+                  </a:schemeClr>
+                </a:solidFill>
+              </a:defRPr>
+            </a:lvl1pPr>
+            <a:lvl2pPr marL="457200" indent="0" algn="ctr">
+              <a:buNone/>
+              <a:defRPr sz="2200"/>
+            </a:lvl2pPr>
+            <a:lvl3pPr marL="914400" indent="0" algn="ctr">
+              <a:buNone/>
+              <a:defRPr sz="2200"/>
+            </a:lvl3pPr>
+            <a:lvl4pPr marL="1371600" indent="0" algn="ctr">
+              <a:buNone/>
+              <a:defRPr sz="2000"/>
+            </a:lvl4pPr>
+            <a:lvl5pPr marL="1828800" indent="0" algn="ctr">
+              <a:buNone/>
+              <a:defRPr sz="2000"/>
+            </a:lvl5pPr>
+            <a:lvl6pPr marL="2286000" indent="0" algn="ctr">
+              <a:buNone/>
+              <a:defRPr sz="2000"/>
+            </a:lvl6pPr>
+            <a:lvl7pPr marL="2743200" indent="0" algn="ctr">
+              <a:buNone/>
+              <a:defRPr sz="2000"/>
+            </a:lvl7pPr>
+            <a:lvl8pPr marL="3200400" indent="0" algn="ctr">
+              <a:buNone/>
+              <a:defRPr sz="2000"/>
+            </a:lvl8pPr>
+            <a:lvl9pPr marL="3657600" indent="0" algn="ctr">
+              <a:buNone/>
+              <a:defRPr sz="2000"/>
+            </a:lvl9pPr>
+          </a:lstStyle>
+          <a:p>
+            <a:r>
+              <a:rPr lang="en-US"/>
+              <a:t>Click to edit Master subtitle style</a:t>
+            </a:r>
+            <a:endParaRPr lang="en-US" dirty="0"/>
+          </a:p>
+        </p:txBody>
+      </p:sp>
+      <p:sp>
+        <p:nvSpPr>
+          <p:cNvPr id="4" name="Date Placeholder 3"/>
+          <p:cNvSpPr>
+            <a:spLocks noGrp="1"/>
+          </p:cNvSpPr>
+          <p:nvPr>
+            <p:ph type="dt" sz="half" idx="10"/>
+          </p:nvPr>
+        </p:nvSpPr>
+        <p:spPr/>
+        <p:txBody>
           <a:bodyPr/>
           <a:lstStyle>
-            <a:lvl1pPr marL="0" indent="0" algn="ctr">
-              <a:buNone/>
-              <a:defRPr sz="2400"/>
+            <a:lvl1pPr>
+              <a:defRPr>
+                <a:solidFill>
+                  <a:schemeClr val="tx1">
+                    <a:lumMod val="50000"/>
+                  </a:schemeClr>
+                </a:solidFill>
+              </a:defRPr>
             </a:lvl1pPr>
-            <a:lvl2pPr marL="457200" indent="0" algn="ctr">
-              <a:buNone/>
-              <a:defRPr sz="2000"/>
-            </a:lvl2pPr>
-            <a:lvl3pPr marL="914400" indent="0" algn="ctr">
-              <a:buNone/>
-              <a:defRPr sz="1800"/>
-            </a:lvl3pPr>
-            <a:lvl4pPr marL="1371600" indent="0" algn="ctr">
-              <a:buNone/>
-              <a:defRPr sz="1600"/>
-            </a:lvl4pPr>
-            <a:lvl5pPr marL="1828800" indent="0" algn="ctr">
-              <a:buNone/>
-              <a:defRPr sz="1600"/>
-            </a:lvl5pPr>
-            <a:lvl6pPr marL="2286000" indent="0" algn="ctr">
-              <a:buNone/>
-              <a:defRPr sz="1600"/>
-            </a:lvl6pPr>
-            <a:lvl7pPr marL="2743200" indent="0" algn="ctr">
-              <a:buNone/>
-              <a:defRPr sz="1600"/>
-            </a:lvl7pPr>
-            <a:lvl8pPr marL="3200400" indent="0" algn="ctr">
-              <a:buNone/>
-              <a:defRPr sz="1600"/>
-            </a:lvl8pPr>
-            <a:lvl9pPr marL="3657600" indent="0" algn="ctr">
-              <a:buNone/>
-              <a:defRPr sz="1600"/>
-            </a:lvl9pPr>
           </a:lstStyle>
-          <a:p>
-            <a:r>
-              <a:rPr lang="en-US"/>
-              <a:t>Click to edit Master subtitle style</a:t>
-            </a:r>
-          </a:p>
-        </p:txBody>
-      </p:sp>
-      <p:sp>
-        <p:nvSpPr>
-          <p:cNvPr id="4" name="Date Placeholder 3">
-            <a:extLst>
-              <a:ext uri="{FF2B5EF4-FFF2-40B4-BE49-F238E27FC236}">
-                <a16:creationId xmlns:a16="http://schemas.microsoft.com/office/drawing/2014/main" id="{1F701801-44FF-4BCA-A898-8AC78207016B}"/>
-              </a:ext>
-            </a:extLst>
-          </p:cNvPr>
-          <p:cNvSpPr>
-            <a:spLocks noGrp="1"/>
-          </p:cNvSpPr>
-          <p:nvPr>
-            <p:ph type="dt" sz="half" idx="10"/>
-          </p:nvPr>
-        </p:nvSpPr>
-        <p:spPr/>
-        <p:txBody>
-          <a:bodyPr/>
-          <a:lstStyle/>
           <a:p>
             <a:fld id="{66011186-D425-4A7F-A0C9-E895AD7CC7DC}" type="datetimeFigureOut">
               <a:rPr lang="en-US" smtClean="0"/>
@@ -271,13 +567,7 @@
       </p:sp>
       <p:sp>
         <p:nvSpPr>
-          <p:cNvPr id="5" name="Footer Placeholder 4">
-            <a:extLst>
-              <a:ext uri="{FF2B5EF4-FFF2-40B4-BE49-F238E27FC236}">
-                <a16:creationId xmlns:a16="http://schemas.microsoft.com/office/drawing/2014/main" id="{6883BEEA-A153-4C32-AB6D-9E4E3D47ABE6}"/>
-              </a:ext>
-            </a:extLst>
-          </p:cNvPr>
+          <p:cNvPr id="5" name="Footer Placeholder 4"/>
           <p:cNvSpPr>
             <a:spLocks noGrp="1"/>
           </p:cNvSpPr>
@@ -288,7 +578,17 @@
         <p:spPr/>
         <p:txBody>
           <a:bodyPr/>
-          <a:lstStyle/>
+          <a:lstStyle>
+            <a:lvl1pPr>
+              <a:defRPr>
+                <a:solidFill>
+                  <a:schemeClr val="tx1">
+                    <a:lumMod val="65000"/>
+                  </a:schemeClr>
+                </a:solidFill>
+              </a:defRPr>
+            </a:lvl1pPr>
+          </a:lstStyle>
           <a:p>
             <a:endParaRPr lang="en-US"/>
           </a:p>
@@ -296,13 +596,7 @@
       </p:sp>
       <p:sp>
         <p:nvSpPr>
-          <p:cNvPr id="6" name="Slide Number Placeholder 5">
-            <a:extLst>
-              <a:ext uri="{FF2B5EF4-FFF2-40B4-BE49-F238E27FC236}">
-                <a16:creationId xmlns:a16="http://schemas.microsoft.com/office/drawing/2014/main" id="{5E695170-2852-40B6-958D-CCB3EF85CF21}"/>
-              </a:ext>
-            </a:extLst>
-          </p:cNvPr>
+          <p:cNvPr id="6" name="Slide Number Placeholder 5"/>
           <p:cNvSpPr>
             <a:spLocks noGrp="1"/>
           </p:cNvSpPr>
@@ -313,7 +607,17 @@
         <p:spPr/>
         <p:txBody>
           <a:bodyPr/>
-          <a:lstStyle/>
+          <a:lstStyle>
+            <a:lvl1pPr>
+              <a:defRPr>
+                <a:solidFill>
+                  <a:schemeClr val="tx1">
+                    <a:lumMod val="65000"/>
+                  </a:schemeClr>
+                </a:solidFill>
+              </a:defRPr>
+            </a:lvl1pPr>
+          </a:lstStyle>
           <a:p>
             <a:fld id="{96E3326B-10C4-45D3-914A-DBB200BE1838}" type="slidenum">
               <a:rPr lang="en-US" smtClean="0"/>
@@ -323,15 +627,53 @@
           </a:p>
         </p:txBody>
       </p:sp>
+      <p:sp>
+        <p:nvSpPr>
+          <p:cNvPr id="7" name="Rectangle 6"/>
+          <p:cNvSpPr/>
+          <p:nvPr/>
+        </p:nvSpPr>
+        <p:spPr>
+          <a:xfrm>
+            <a:off x="0" y="0"/>
+            <a:ext cx="457200" cy="6858000"/>
+          </a:xfrm>
+          <a:prstGeom prst="rect">
+            <a:avLst/>
+          </a:prstGeom>
+          <a:solidFill>
+            <a:schemeClr val="accent1"/>
+          </a:solidFill>
+          <a:ln>
+            <a:noFill/>
+          </a:ln>
+        </p:spPr>
+        <p:style>
+          <a:lnRef idx="2">
+            <a:schemeClr val="accent1">
+              <a:shade val="50000"/>
+            </a:schemeClr>
+          </a:lnRef>
+          <a:fillRef idx="1">
+            <a:schemeClr val="accent1"/>
+          </a:fillRef>
+          <a:effectRef idx="0">
+            <a:schemeClr val="accent1"/>
+          </a:effectRef>
+          <a:fontRef idx="minor">
+            <a:schemeClr val="lt1"/>
+          </a:fontRef>
+        </p:style>
+      </p:sp>
     </p:spTree>
     <p:extLst>
       <p:ext uri="{BB962C8B-B14F-4D97-AF65-F5344CB8AC3E}">
-        <p14:creationId xmlns:p14="http://schemas.microsoft.com/office/powerpoint/2010/main" val="3688928495"/>
+        <p14:creationId xmlns:p14="http://schemas.microsoft.com/office/powerpoint/2010/main" val="2521029560"/>
       </p:ext>
     </p:extLst>
   </p:cSld>
   <p:clrMapOvr>
-    <a:masterClrMapping/>
+    <a:overrideClrMapping bg1="dk1" tx1="lt1" bg2="dk2" tx2="lt2" accent1="accent1" accent2="accent2" accent3="accent3" accent4="accent4" accent5="accent5" accent6="accent6" hlink="hlink" folHlink="folHlink"/>
   </p:clrMapOvr>
 </p:sldLayout>
 </file>
@@ -355,13 +697,7 @@
       </p:grpSpPr>
       <p:sp>
         <p:nvSpPr>
-          <p:cNvPr id="2" name="Title 1">
-            <a:extLst>
-              <a:ext uri="{FF2B5EF4-FFF2-40B4-BE49-F238E27FC236}">
-                <a16:creationId xmlns:a16="http://schemas.microsoft.com/office/drawing/2014/main" id="{58BDD1CD-1C7A-4D45-8629-7B78CD73934B}"/>
-              </a:ext>
-            </a:extLst>
-          </p:cNvPr>
+          <p:cNvPr id="2" name="Title 1"/>
           <p:cNvSpPr>
             <a:spLocks noGrp="1"/>
           </p:cNvSpPr>
@@ -378,18 +714,13 @@
               <a:rPr lang="en-US"/>
               <a:t>Click to edit Master title style</a:t>
             </a:r>
-          </a:p>
-        </p:txBody>
-      </p:sp>
-      <p:sp>
-        <p:nvSpPr>
-          <p:cNvPr id="3" name="Vertical Text Placeholder 2">
-            <a:extLst>
-              <a:ext uri="{FF2B5EF4-FFF2-40B4-BE49-F238E27FC236}">
-                <a16:creationId xmlns:a16="http://schemas.microsoft.com/office/drawing/2014/main" id="{D3B32C18-8525-4727-81AE-F317E9F40E21}"/>
-              </a:ext>
-            </a:extLst>
-          </p:cNvPr>
+            <a:endParaRPr lang="en-US" dirty="0"/>
+          </a:p>
+        </p:txBody>
+      </p:sp>
+      <p:sp>
+        <p:nvSpPr>
+          <p:cNvPr id="3" name="Vertical Text Placeholder 2"/>
           <p:cNvSpPr>
             <a:spLocks noGrp="1"/>
           </p:cNvSpPr>
@@ -435,18 +766,13 @@
               <a:rPr lang="en-US"/>
               <a:t>Fifth level</a:t>
             </a:r>
-          </a:p>
-        </p:txBody>
-      </p:sp>
-      <p:sp>
-        <p:nvSpPr>
-          <p:cNvPr id="4" name="Date Placeholder 3">
-            <a:extLst>
-              <a:ext uri="{FF2B5EF4-FFF2-40B4-BE49-F238E27FC236}">
-                <a16:creationId xmlns:a16="http://schemas.microsoft.com/office/drawing/2014/main" id="{383270BB-D723-46E8-B4B2-4EACE17069E7}"/>
-              </a:ext>
-            </a:extLst>
-          </p:cNvPr>
+            <a:endParaRPr lang="en-US" dirty="0"/>
+          </a:p>
+        </p:txBody>
+      </p:sp>
+      <p:sp>
+        <p:nvSpPr>
+          <p:cNvPr id="4" name="Date Placeholder 3"/>
           <p:cNvSpPr>
             <a:spLocks noGrp="1"/>
           </p:cNvSpPr>
@@ -469,13 +795,7 @@
       </p:sp>
       <p:sp>
         <p:nvSpPr>
-          <p:cNvPr id="5" name="Footer Placeholder 4">
-            <a:extLst>
-              <a:ext uri="{FF2B5EF4-FFF2-40B4-BE49-F238E27FC236}">
-                <a16:creationId xmlns:a16="http://schemas.microsoft.com/office/drawing/2014/main" id="{46A45690-85C3-4547-8C23-805934CBF1AC}"/>
-              </a:ext>
-            </a:extLst>
-          </p:cNvPr>
+          <p:cNvPr id="5" name="Footer Placeholder 4"/>
           <p:cNvSpPr>
             <a:spLocks noGrp="1"/>
           </p:cNvSpPr>
@@ -494,13 +814,7 @@
       </p:sp>
       <p:sp>
         <p:nvSpPr>
-          <p:cNvPr id="6" name="Slide Number Placeholder 5">
-            <a:extLst>
-              <a:ext uri="{FF2B5EF4-FFF2-40B4-BE49-F238E27FC236}">
-                <a16:creationId xmlns:a16="http://schemas.microsoft.com/office/drawing/2014/main" id="{730C0D08-C6D6-4741-A58F-2D854534CCCF}"/>
-              </a:ext>
-            </a:extLst>
-          </p:cNvPr>
+          <p:cNvPr id="6" name="Slide Number Placeholder 5"/>
           <p:cNvSpPr>
             <a:spLocks noGrp="1"/>
           </p:cNvSpPr>
@@ -524,7 +838,7 @@
     </p:spTree>
     <p:extLst>
       <p:ext uri="{BB962C8B-B14F-4D97-AF65-F5344CB8AC3E}">
-        <p14:creationId xmlns:p14="http://schemas.microsoft.com/office/powerpoint/2010/main" val="433096274"/>
+        <p14:creationId xmlns:p14="http://schemas.microsoft.com/office/powerpoint/2010/main" val="3892236319"/>
       </p:ext>
     </p:extLst>
   </p:cSld>
@@ -553,13 +867,7 @@
       </p:grpSpPr>
       <p:sp>
         <p:nvSpPr>
-          <p:cNvPr id="2" name="Vertical Title 1">
-            <a:extLst>
-              <a:ext uri="{FF2B5EF4-FFF2-40B4-BE49-F238E27FC236}">
-                <a16:creationId xmlns:a16="http://schemas.microsoft.com/office/drawing/2014/main" id="{6D706F5B-1FF0-4823-AAC8-68ED2727493F}"/>
-              </a:ext>
-            </a:extLst>
-          </p:cNvPr>
+          <p:cNvPr id="2" name="Vertical Title 1"/>
           <p:cNvSpPr>
             <a:spLocks noGrp="1"/>
           </p:cNvSpPr>
@@ -569,8 +877,8 @@
         </p:nvSpPr>
         <p:spPr>
           <a:xfrm>
-            <a:off x="8724900" y="365125"/>
-            <a:ext cx="2628900" cy="5811838"/>
+            <a:off x="8648700" y="381000"/>
+            <a:ext cx="2476500" cy="5897562"/>
           </a:xfrm>
         </p:spPr>
         <p:txBody>
@@ -581,18 +889,13 @@
               <a:rPr lang="en-US"/>
               <a:t>Click to edit Master title style</a:t>
             </a:r>
-          </a:p>
-        </p:txBody>
-      </p:sp>
-      <p:sp>
-        <p:nvSpPr>
-          <p:cNvPr id="3" name="Vertical Text Placeholder 2">
-            <a:extLst>
-              <a:ext uri="{FF2B5EF4-FFF2-40B4-BE49-F238E27FC236}">
-                <a16:creationId xmlns:a16="http://schemas.microsoft.com/office/drawing/2014/main" id="{D8726FA3-3E45-407F-AF90-B60171F5E8F6}"/>
-              </a:ext>
-            </a:extLst>
-          </p:cNvPr>
+            <a:endParaRPr lang="en-US" dirty="0"/>
+          </a:p>
+        </p:txBody>
+      </p:sp>
+      <p:sp>
+        <p:nvSpPr>
+          <p:cNvPr id="3" name="Vertical Text Placeholder 2"/>
           <p:cNvSpPr>
             <a:spLocks noGrp="1"/>
           </p:cNvSpPr>
@@ -602,8 +905,8 @@
         </p:nvSpPr>
         <p:spPr>
           <a:xfrm>
-            <a:off x="838200" y="365125"/>
-            <a:ext cx="7734300" cy="5811838"/>
+            <a:off x="762000" y="381000"/>
+            <a:ext cx="7734300" cy="5897562"/>
           </a:xfrm>
         </p:spPr>
         <p:txBody>
@@ -643,18 +946,13 @@
               <a:rPr lang="en-US"/>
               <a:t>Fifth level</a:t>
             </a:r>
-          </a:p>
-        </p:txBody>
-      </p:sp>
-      <p:sp>
-        <p:nvSpPr>
-          <p:cNvPr id="4" name="Date Placeholder 3">
-            <a:extLst>
-              <a:ext uri="{FF2B5EF4-FFF2-40B4-BE49-F238E27FC236}">
-                <a16:creationId xmlns:a16="http://schemas.microsoft.com/office/drawing/2014/main" id="{47633EBA-2233-461A-8063-DA5E106A31CD}"/>
-              </a:ext>
-            </a:extLst>
-          </p:cNvPr>
+            <a:endParaRPr lang="en-US" dirty="0"/>
+          </a:p>
+        </p:txBody>
+      </p:sp>
+      <p:sp>
+        <p:nvSpPr>
+          <p:cNvPr id="4" name="Date Placeholder 3"/>
           <p:cNvSpPr>
             <a:spLocks noGrp="1"/>
           </p:cNvSpPr>
@@ -677,13 +975,7 @@
       </p:sp>
       <p:sp>
         <p:nvSpPr>
-          <p:cNvPr id="5" name="Footer Placeholder 4">
-            <a:extLst>
-              <a:ext uri="{FF2B5EF4-FFF2-40B4-BE49-F238E27FC236}">
-                <a16:creationId xmlns:a16="http://schemas.microsoft.com/office/drawing/2014/main" id="{DA38A598-37F0-4B41-ADFA-37D1443210AF}"/>
-              </a:ext>
-            </a:extLst>
-          </p:cNvPr>
+          <p:cNvPr id="5" name="Footer Placeholder 4"/>
           <p:cNvSpPr>
             <a:spLocks noGrp="1"/>
           </p:cNvSpPr>
@@ -702,13 +994,7 @@
       </p:sp>
       <p:sp>
         <p:nvSpPr>
-          <p:cNvPr id="6" name="Slide Number Placeholder 5">
-            <a:extLst>
-              <a:ext uri="{FF2B5EF4-FFF2-40B4-BE49-F238E27FC236}">
-                <a16:creationId xmlns:a16="http://schemas.microsoft.com/office/drawing/2014/main" id="{9D6BAE1C-3508-433F-9143-79E00689B5E9}"/>
-              </a:ext>
-            </a:extLst>
-          </p:cNvPr>
+          <p:cNvPr id="6" name="Slide Number Placeholder 5"/>
           <p:cNvSpPr>
             <a:spLocks noGrp="1"/>
           </p:cNvSpPr>
@@ -732,7 +1018,7 @@
     </p:spTree>
     <p:extLst>
       <p:ext uri="{BB962C8B-B14F-4D97-AF65-F5344CB8AC3E}">
-        <p14:creationId xmlns:p14="http://schemas.microsoft.com/office/powerpoint/2010/main" val="15483732"/>
+        <p14:creationId xmlns:p14="http://schemas.microsoft.com/office/powerpoint/2010/main" val="1686323089"/>
       </p:ext>
     </p:extLst>
   </p:cSld>
@@ -761,13 +1047,7 @@
       </p:grpSpPr>
       <p:sp>
         <p:nvSpPr>
-          <p:cNvPr id="2" name="Title 1">
-            <a:extLst>
-              <a:ext uri="{FF2B5EF4-FFF2-40B4-BE49-F238E27FC236}">
-                <a16:creationId xmlns:a16="http://schemas.microsoft.com/office/drawing/2014/main" id="{8AF10723-3278-459E-BF18-3FB84C78F4CC}"/>
-              </a:ext>
-            </a:extLst>
-          </p:cNvPr>
+          <p:cNvPr id="2" name="Title 1"/>
           <p:cNvSpPr>
             <a:spLocks noGrp="1"/>
           </p:cNvSpPr>
@@ -784,18 +1064,13 @@
               <a:rPr lang="en-US"/>
               <a:t>Click to edit Master title style</a:t>
             </a:r>
-          </a:p>
-        </p:txBody>
-      </p:sp>
-      <p:sp>
-        <p:nvSpPr>
-          <p:cNvPr id="3" name="Content Placeholder 2">
-            <a:extLst>
-              <a:ext uri="{FF2B5EF4-FFF2-40B4-BE49-F238E27FC236}">
-                <a16:creationId xmlns:a16="http://schemas.microsoft.com/office/drawing/2014/main" id="{DA1595FB-84C2-4057-8E44-59DA731EEF24}"/>
-              </a:ext>
-            </a:extLst>
-          </p:cNvPr>
+            <a:endParaRPr lang="en-US" dirty="0"/>
+          </a:p>
+        </p:txBody>
+      </p:sp>
+      <p:sp>
+        <p:nvSpPr>
+          <p:cNvPr id="3" name="Content Placeholder 2"/>
           <p:cNvSpPr>
             <a:spLocks noGrp="1"/>
           </p:cNvSpPr>
@@ -841,18 +1116,13 @@
               <a:rPr lang="en-US"/>
               <a:t>Fifth level</a:t>
             </a:r>
-          </a:p>
-        </p:txBody>
-      </p:sp>
-      <p:sp>
-        <p:nvSpPr>
-          <p:cNvPr id="4" name="Date Placeholder 3">
-            <a:extLst>
-              <a:ext uri="{FF2B5EF4-FFF2-40B4-BE49-F238E27FC236}">
-                <a16:creationId xmlns:a16="http://schemas.microsoft.com/office/drawing/2014/main" id="{AE16FC30-0738-4240-9F13-B09CE4878E1A}"/>
-              </a:ext>
-            </a:extLst>
-          </p:cNvPr>
+            <a:endParaRPr lang="en-US" dirty="0"/>
+          </a:p>
+        </p:txBody>
+      </p:sp>
+      <p:sp>
+        <p:nvSpPr>
+          <p:cNvPr id="4" name="Date Placeholder 3"/>
           <p:cNvSpPr>
             <a:spLocks noGrp="1"/>
           </p:cNvSpPr>
@@ -875,13 +1145,7 @@
       </p:sp>
       <p:sp>
         <p:nvSpPr>
-          <p:cNvPr id="5" name="Footer Placeholder 4">
-            <a:extLst>
-              <a:ext uri="{FF2B5EF4-FFF2-40B4-BE49-F238E27FC236}">
-                <a16:creationId xmlns:a16="http://schemas.microsoft.com/office/drawing/2014/main" id="{2E2A32DE-293B-45C3-A082-849CEBDD75E1}"/>
-              </a:ext>
-            </a:extLst>
-          </p:cNvPr>
+          <p:cNvPr id="5" name="Footer Placeholder 4"/>
           <p:cNvSpPr>
             <a:spLocks noGrp="1"/>
           </p:cNvSpPr>
@@ -900,13 +1164,7 @@
       </p:sp>
       <p:sp>
         <p:nvSpPr>
-          <p:cNvPr id="6" name="Slide Number Placeholder 5">
-            <a:extLst>
-              <a:ext uri="{FF2B5EF4-FFF2-40B4-BE49-F238E27FC236}">
-                <a16:creationId xmlns:a16="http://schemas.microsoft.com/office/drawing/2014/main" id="{EE58F790-A9F8-498E-A134-477E3250F4F9}"/>
-              </a:ext>
-            </a:extLst>
-          </p:cNvPr>
+          <p:cNvPr id="6" name="Slide Number Placeholder 5"/>
           <p:cNvSpPr>
             <a:spLocks noGrp="1"/>
           </p:cNvSpPr>
@@ -930,7 +1188,7 @@
     </p:spTree>
     <p:extLst>
       <p:ext uri="{BB962C8B-B14F-4D97-AF65-F5344CB8AC3E}">
-        <p14:creationId xmlns:p14="http://schemas.microsoft.com/office/powerpoint/2010/main" val="2683999729"/>
+        <p14:creationId xmlns:p14="http://schemas.microsoft.com/office/powerpoint/2010/main" val="3997909013"/>
       </p:ext>
     </p:extLst>
   </p:cSld>
@@ -959,13 +1217,7 @@
       </p:grpSpPr>
       <p:sp>
         <p:nvSpPr>
-          <p:cNvPr id="2" name="Title 1">
-            <a:extLst>
-              <a:ext uri="{FF2B5EF4-FFF2-40B4-BE49-F238E27FC236}">
-                <a16:creationId xmlns:a16="http://schemas.microsoft.com/office/drawing/2014/main" id="{D904AFF8-25C7-4FD3-B082-4AD67DB2C9D7}"/>
-              </a:ext>
-            </a:extLst>
-          </p:cNvPr>
+          <p:cNvPr id="2" name="Title 1"/>
           <p:cNvSpPr>
             <a:spLocks noGrp="1"/>
           </p:cNvSpPr>
@@ -975,15 +1227,20 @@
         </p:nvSpPr>
         <p:spPr>
           <a:xfrm>
-            <a:off x="831850" y="1709738"/>
-            <a:ext cx="10515600" cy="2852737"/>
+            <a:off x="1261872" y="758952"/>
+            <a:ext cx="9418320" cy="4041648"/>
           </a:xfrm>
         </p:spPr>
         <p:txBody>
-          <a:bodyPr anchor="b"/>
+          <a:bodyPr anchor="b">
+            <a:normAutofit/>
+          </a:bodyPr>
           <a:lstStyle>
             <a:lvl1pPr>
-              <a:defRPr sz="6000"/>
+              <a:lnSpc>
+                <a:spcPct val="85000"/>
+              </a:lnSpc>
+              <a:defRPr sz="7200" b="0"/>
             </a:lvl1pPr>
           </a:lstStyle>
           <a:p>
@@ -991,18 +1248,13 @@
               <a:rPr lang="en-US"/>
               <a:t>Click to edit Master title style</a:t>
             </a:r>
-          </a:p>
-        </p:txBody>
-      </p:sp>
-      <p:sp>
-        <p:nvSpPr>
-          <p:cNvPr id="3" name="Text Placeholder 2">
-            <a:extLst>
-              <a:ext uri="{FF2B5EF4-FFF2-40B4-BE49-F238E27FC236}">
-                <a16:creationId xmlns:a16="http://schemas.microsoft.com/office/drawing/2014/main" id="{4976346F-5C36-41A0-B3E6-F8E529A8887B}"/>
-              </a:ext>
-            </a:extLst>
-          </p:cNvPr>
+            <a:endParaRPr lang="en-US" dirty="0"/>
+          </a:p>
+        </p:txBody>
+      </p:sp>
+      <p:sp>
+        <p:nvSpPr>
+          <p:cNvPr id="3" name="Text Placeholder 2"/>
           <p:cNvSpPr>
             <a:spLocks noGrp="1"/>
           </p:cNvSpPr>
@@ -1012,26 +1264,29 @@
         </p:nvSpPr>
         <p:spPr>
           <a:xfrm>
-            <a:off x="831850" y="4589463"/>
-            <a:ext cx="10515600" cy="1500187"/>
+            <a:off x="1261872" y="4800600"/>
+            <a:ext cx="9418320" cy="1691640"/>
           </a:xfrm>
         </p:spPr>
         <p:txBody>
-          <a:bodyPr/>
+          <a:bodyPr anchor="t">
+            <a:normAutofit/>
+          </a:bodyPr>
           <a:lstStyle>
             <a:lvl1pPr marL="0" indent="0">
               <a:buNone/>
-              <a:defRPr sz="2400">
+              <a:defRPr sz="2200">
                 <a:solidFill>
                   <a:schemeClr val="tx1">
-                    <a:tint val="75000"/>
+                    <a:lumMod val="65000"/>
+                    <a:lumOff val="35000"/>
                   </a:schemeClr>
                 </a:solidFill>
               </a:defRPr>
             </a:lvl1pPr>
             <a:lvl2pPr marL="457200" indent="0">
               <a:buNone/>
-              <a:defRPr sz="2000">
+              <a:defRPr sz="1800">
                 <a:solidFill>
                   <a:schemeClr val="tx1">
                     <a:tint val="75000"/>
@@ -1041,7 +1296,7 @@
             </a:lvl2pPr>
             <a:lvl3pPr marL="914400" indent="0">
               <a:buNone/>
-              <a:defRPr sz="1800">
+              <a:defRPr sz="1600">
                 <a:solidFill>
                   <a:schemeClr val="tx1">
                     <a:tint val="75000"/>
@@ -1051,7 +1306,7 @@
             </a:lvl3pPr>
             <a:lvl4pPr marL="1371600" indent="0">
               <a:buNone/>
-              <a:defRPr sz="1600">
+              <a:defRPr sz="1400">
                 <a:solidFill>
                   <a:schemeClr val="tx1">
                     <a:tint val="75000"/>
@@ -1061,7 +1316,7 @@
             </a:lvl4pPr>
             <a:lvl5pPr marL="1828800" indent="0">
               <a:buNone/>
-              <a:defRPr sz="1600">
+              <a:defRPr sz="1400">
                 <a:solidFill>
                   <a:schemeClr val="tx1">
                     <a:tint val="75000"/>
@@ -1071,7 +1326,7 @@
             </a:lvl5pPr>
             <a:lvl6pPr marL="2286000" indent="0">
               <a:buNone/>
-              <a:defRPr sz="1600">
+              <a:defRPr sz="1400">
                 <a:solidFill>
                   <a:schemeClr val="tx1">
                     <a:tint val="75000"/>
@@ -1081,7 +1336,7 @@
             </a:lvl6pPr>
             <a:lvl7pPr marL="2743200" indent="0">
               <a:buNone/>
-              <a:defRPr sz="1600">
+              <a:defRPr sz="1400">
                 <a:solidFill>
                   <a:schemeClr val="tx1">
                     <a:tint val="75000"/>
@@ -1091,7 +1346,7 @@
             </a:lvl7pPr>
             <a:lvl8pPr marL="3200400" indent="0">
               <a:buNone/>
-              <a:defRPr sz="1600">
+              <a:defRPr sz="1400">
                 <a:solidFill>
                   <a:schemeClr val="tx1">
                     <a:tint val="75000"/>
@@ -1101,7 +1356,7 @@
             </a:lvl8pPr>
             <a:lvl9pPr marL="3657600" indent="0">
               <a:buNone/>
-              <a:defRPr sz="1600">
+              <a:defRPr sz="1400">
                 <a:solidFill>
                   <a:schemeClr val="tx1">
                     <a:tint val="75000"/>
@@ -1121,13 +1376,7 @@
       </p:sp>
       <p:sp>
         <p:nvSpPr>
-          <p:cNvPr id="4" name="Date Placeholder 3">
-            <a:extLst>
-              <a:ext uri="{FF2B5EF4-FFF2-40B4-BE49-F238E27FC236}">
-                <a16:creationId xmlns:a16="http://schemas.microsoft.com/office/drawing/2014/main" id="{63913D23-5217-4573-8FB5-E139C0634A20}"/>
-              </a:ext>
-            </a:extLst>
-          </p:cNvPr>
+          <p:cNvPr id="4" name="Date Placeholder 3"/>
           <p:cNvSpPr>
             <a:spLocks noGrp="1"/>
           </p:cNvSpPr>
@@ -1150,13 +1399,7 @@
       </p:sp>
       <p:sp>
         <p:nvSpPr>
-          <p:cNvPr id="5" name="Footer Placeholder 4">
-            <a:extLst>
-              <a:ext uri="{FF2B5EF4-FFF2-40B4-BE49-F238E27FC236}">
-                <a16:creationId xmlns:a16="http://schemas.microsoft.com/office/drawing/2014/main" id="{BEC40D1A-63D3-4E37-A30B-C32D464C2104}"/>
-              </a:ext>
-            </a:extLst>
-          </p:cNvPr>
+          <p:cNvPr id="5" name="Footer Placeholder 4"/>
           <p:cNvSpPr>
             <a:spLocks noGrp="1"/>
           </p:cNvSpPr>
@@ -1175,13 +1418,7 @@
       </p:sp>
       <p:sp>
         <p:nvSpPr>
-          <p:cNvPr id="6" name="Slide Number Placeholder 5">
-            <a:extLst>
-              <a:ext uri="{FF2B5EF4-FFF2-40B4-BE49-F238E27FC236}">
-                <a16:creationId xmlns:a16="http://schemas.microsoft.com/office/drawing/2014/main" id="{2B7341C8-DF71-4B7E-AF64-81971907ACA9}"/>
-              </a:ext>
-            </a:extLst>
-          </p:cNvPr>
+          <p:cNvPr id="6" name="Slide Number Placeholder 5"/>
           <p:cNvSpPr>
             <a:spLocks noGrp="1"/>
           </p:cNvSpPr>
@@ -1202,10 +1439,48 @@
           </a:p>
         </p:txBody>
       </p:sp>
+      <p:sp>
+        <p:nvSpPr>
+          <p:cNvPr id="7" name="Rectangle 6"/>
+          <p:cNvSpPr/>
+          <p:nvPr/>
+        </p:nvSpPr>
+        <p:spPr>
+          <a:xfrm>
+            <a:off x="0" y="0"/>
+            <a:ext cx="457200" cy="6858000"/>
+          </a:xfrm>
+          <a:prstGeom prst="rect">
+            <a:avLst/>
+          </a:prstGeom>
+          <a:solidFill>
+            <a:schemeClr val="accent1"/>
+          </a:solidFill>
+          <a:ln>
+            <a:noFill/>
+          </a:ln>
+        </p:spPr>
+        <p:style>
+          <a:lnRef idx="2">
+            <a:schemeClr val="accent1">
+              <a:shade val="50000"/>
+            </a:schemeClr>
+          </a:lnRef>
+          <a:fillRef idx="1">
+            <a:schemeClr val="accent1"/>
+          </a:fillRef>
+          <a:effectRef idx="0">
+            <a:schemeClr val="accent1"/>
+          </a:effectRef>
+          <a:fontRef idx="minor">
+            <a:schemeClr val="lt1"/>
+          </a:fontRef>
+        </p:style>
+      </p:sp>
     </p:spTree>
     <p:extLst>
       <p:ext uri="{BB962C8B-B14F-4D97-AF65-F5344CB8AC3E}">
-        <p14:creationId xmlns:p14="http://schemas.microsoft.com/office/powerpoint/2010/main" val="914172068"/>
+        <p14:creationId xmlns:p14="http://schemas.microsoft.com/office/powerpoint/2010/main" val="981140728"/>
       </p:ext>
     </p:extLst>
   </p:cSld>
@@ -1234,13 +1509,7 @@
       </p:grpSpPr>
       <p:sp>
         <p:nvSpPr>
-          <p:cNvPr id="2" name="Title 1">
-            <a:extLst>
-              <a:ext uri="{FF2B5EF4-FFF2-40B4-BE49-F238E27FC236}">
-                <a16:creationId xmlns:a16="http://schemas.microsoft.com/office/drawing/2014/main" id="{E1F9B5DF-E6C3-43B1-B70F-5C156D0FAB48}"/>
-              </a:ext>
-            </a:extLst>
-          </p:cNvPr>
+          <p:cNvPr id="2" name="Title 1"/>
           <p:cNvSpPr>
             <a:spLocks noGrp="1"/>
           </p:cNvSpPr>
@@ -1257,18 +1526,13 @@
               <a:rPr lang="en-US"/>
               <a:t>Click to edit Master title style</a:t>
             </a:r>
-          </a:p>
-        </p:txBody>
-      </p:sp>
-      <p:sp>
-        <p:nvSpPr>
-          <p:cNvPr id="3" name="Content Placeholder 2">
-            <a:extLst>
-              <a:ext uri="{FF2B5EF4-FFF2-40B4-BE49-F238E27FC236}">
-                <a16:creationId xmlns:a16="http://schemas.microsoft.com/office/drawing/2014/main" id="{7E128A4F-F217-4769-B9FC-60D56A14D531}"/>
-              </a:ext>
-            </a:extLst>
-          </p:cNvPr>
+            <a:endParaRPr lang="en-US" dirty="0"/>
+          </a:p>
+        </p:txBody>
+      </p:sp>
+      <p:sp>
+        <p:nvSpPr>
+          <p:cNvPr id="3" name="Content Placeholder 2"/>
           <p:cNvSpPr>
             <a:spLocks noGrp="1"/>
           </p:cNvSpPr>
@@ -1278,13 +1542,41 @@
         </p:nvSpPr>
         <p:spPr>
           <a:xfrm>
-            <a:off x="838200" y="1825625"/>
-            <a:ext cx="5181600" cy="4351338"/>
+            <a:off x="1261872" y="1828800"/>
+            <a:ext cx="4480560" cy="4351337"/>
           </a:xfrm>
         </p:spPr>
         <p:txBody>
           <a:bodyPr/>
-          <a:lstStyle/>
+          <a:lstStyle>
+            <a:lvl1pPr>
+              <a:defRPr sz="1800"/>
+            </a:lvl1pPr>
+            <a:lvl2pPr>
+              <a:defRPr sz="1600"/>
+            </a:lvl2pPr>
+            <a:lvl3pPr>
+              <a:defRPr sz="1400"/>
+            </a:lvl3pPr>
+            <a:lvl4pPr>
+              <a:defRPr sz="1400"/>
+            </a:lvl4pPr>
+            <a:lvl5pPr>
+              <a:defRPr sz="1400"/>
+            </a:lvl5pPr>
+            <a:lvl6pPr>
+              <a:defRPr sz="1400"/>
+            </a:lvl6pPr>
+            <a:lvl7pPr>
+              <a:defRPr sz="1400"/>
+            </a:lvl7pPr>
+            <a:lvl8pPr>
+              <a:defRPr sz="1400"/>
+            </a:lvl8pPr>
+            <a:lvl9pPr>
+              <a:defRPr sz="1400"/>
+            </a:lvl9pPr>
+          </a:lstStyle>
           <a:p>
             <a:pPr lvl="0"/>
             <a:r>
@@ -1319,18 +1611,13 @@
               <a:rPr lang="en-US"/>
               <a:t>Fifth level</a:t>
             </a:r>
-          </a:p>
-        </p:txBody>
-      </p:sp>
-      <p:sp>
-        <p:nvSpPr>
-          <p:cNvPr id="4" name="Content Placeholder 3">
-            <a:extLst>
-              <a:ext uri="{FF2B5EF4-FFF2-40B4-BE49-F238E27FC236}">
-                <a16:creationId xmlns:a16="http://schemas.microsoft.com/office/drawing/2014/main" id="{3B8A1A88-3156-40B5-A2CE-F18CFC18FBCD}"/>
-              </a:ext>
-            </a:extLst>
-          </p:cNvPr>
+            <a:endParaRPr lang="en-US" dirty="0"/>
+          </a:p>
+        </p:txBody>
+      </p:sp>
+      <p:sp>
+        <p:nvSpPr>
+          <p:cNvPr id="4" name="Content Placeholder 3"/>
           <p:cNvSpPr>
             <a:spLocks noGrp="1"/>
           </p:cNvSpPr>
@@ -1340,13 +1627,41 @@
         </p:nvSpPr>
         <p:spPr>
           <a:xfrm>
-            <a:off x="6172200" y="1825625"/>
-            <a:ext cx="5181600" cy="4351338"/>
+            <a:off x="6126480" y="1828800"/>
+            <a:ext cx="4480560" cy="4351337"/>
           </a:xfrm>
         </p:spPr>
         <p:txBody>
           <a:bodyPr/>
-          <a:lstStyle/>
+          <a:lstStyle>
+            <a:lvl1pPr>
+              <a:defRPr sz="1800"/>
+            </a:lvl1pPr>
+            <a:lvl2pPr>
+              <a:defRPr sz="1600"/>
+            </a:lvl2pPr>
+            <a:lvl3pPr>
+              <a:defRPr sz="1400"/>
+            </a:lvl3pPr>
+            <a:lvl4pPr>
+              <a:defRPr sz="1400"/>
+            </a:lvl4pPr>
+            <a:lvl5pPr>
+              <a:defRPr sz="1400"/>
+            </a:lvl5pPr>
+            <a:lvl6pPr>
+              <a:defRPr sz="1400"/>
+            </a:lvl6pPr>
+            <a:lvl7pPr>
+              <a:defRPr sz="1400"/>
+            </a:lvl7pPr>
+            <a:lvl8pPr>
+              <a:defRPr sz="1400"/>
+            </a:lvl8pPr>
+            <a:lvl9pPr>
+              <a:defRPr sz="1400"/>
+            </a:lvl9pPr>
+          </a:lstStyle>
           <a:p>
             <a:pPr lvl="0"/>
             <a:r>
@@ -1381,18 +1696,13 @@
               <a:rPr lang="en-US"/>
               <a:t>Fifth level</a:t>
             </a:r>
-          </a:p>
-        </p:txBody>
-      </p:sp>
-      <p:sp>
-        <p:nvSpPr>
-          <p:cNvPr id="5" name="Date Placeholder 4">
-            <a:extLst>
-              <a:ext uri="{FF2B5EF4-FFF2-40B4-BE49-F238E27FC236}">
-                <a16:creationId xmlns:a16="http://schemas.microsoft.com/office/drawing/2014/main" id="{64B4CF58-1FDF-497D-9473-F90DD0DCF5F7}"/>
-              </a:ext>
-            </a:extLst>
-          </p:cNvPr>
+            <a:endParaRPr lang="en-US" dirty="0"/>
+          </a:p>
+        </p:txBody>
+      </p:sp>
+      <p:sp>
+        <p:nvSpPr>
+          <p:cNvPr id="5" name="Date Placeholder 4"/>
           <p:cNvSpPr>
             <a:spLocks noGrp="1"/>
           </p:cNvSpPr>
@@ -1415,13 +1725,7 @@
       </p:sp>
       <p:sp>
         <p:nvSpPr>
-          <p:cNvPr id="6" name="Footer Placeholder 5">
-            <a:extLst>
-              <a:ext uri="{FF2B5EF4-FFF2-40B4-BE49-F238E27FC236}">
-                <a16:creationId xmlns:a16="http://schemas.microsoft.com/office/drawing/2014/main" id="{25861484-32AB-4C72-9063-FEF9C84FD9B4}"/>
-              </a:ext>
-            </a:extLst>
-          </p:cNvPr>
+          <p:cNvPr id="6" name="Footer Placeholder 5"/>
           <p:cNvSpPr>
             <a:spLocks noGrp="1"/>
           </p:cNvSpPr>
@@ -1440,13 +1744,7 @@
       </p:sp>
       <p:sp>
         <p:nvSpPr>
-          <p:cNvPr id="7" name="Slide Number Placeholder 6">
-            <a:extLst>
-              <a:ext uri="{FF2B5EF4-FFF2-40B4-BE49-F238E27FC236}">
-                <a16:creationId xmlns:a16="http://schemas.microsoft.com/office/drawing/2014/main" id="{1146CC53-042D-48BD-9513-CA0C01959DAC}"/>
-              </a:ext>
-            </a:extLst>
-          </p:cNvPr>
+          <p:cNvPr id="7" name="Slide Number Placeholder 6"/>
           <p:cNvSpPr>
             <a:spLocks noGrp="1"/>
           </p:cNvSpPr>
@@ -1470,7 +1768,7 @@
     </p:spTree>
     <p:extLst>
       <p:ext uri="{BB962C8B-B14F-4D97-AF65-F5344CB8AC3E}">
-        <p14:creationId xmlns:p14="http://schemas.microsoft.com/office/powerpoint/2010/main" val="2956030256"/>
+        <p14:creationId xmlns:p14="http://schemas.microsoft.com/office/powerpoint/2010/main" val="3775280401"/>
       </p:ext>
     </p:extLst>
   </p:cSld>
@@ -1499,65 +1797,58 @@
       </p:grpSpPr>
       <p:sp>
         <p:nvSpPr>
-          <p:cNvPr id="2" name="Title 1">
-            <a:extLst>
-              <a:ext uri="{FF2B5EF4-FFF2-40B4-BE49-F238E27FC236}">
-                <a16:creationId xmlns:a16="http://schemas.microsoft.com/office/drawing/2014/main" id="{5413248D-6607-40AB-928E-D500FC44CB4C}"/>
-              </a:ext>
-            </a:extLst>
-          </p:cNvPr>
+          <p:cNvPr id="10" name="Title 9"/>
           <p:cNvSpPr>
             <a:spLocks noGrp="1"/>
           </p:cNvSpPr>
           <p:nvPr>
             <p:ph type="title"/>
+          </p:nvPr>
+        </p:nvSpPr>
+        <p:spPr/>
+        <p:txBody>
+          <a:bodyPr/>
+          <a:lstStyle/>
+          <a:p>
+            <a:r>
+              <a:rPr lang="en-US"/>
+              <a:t>Click to edit Master title style</a:t>
+            </a:r>
+            <a:endParaRPr lang="en-US" dirty="0"/>
+          </a:p>
+        </p:txBody>
+      </p:sp>
+      <p:sp>
+        <p:nvSpPr>
+          <p:cNvPr id="3" name="Text Placeholder 2"/>
+          <p:cNvSpPr>
+            <a:spLocks noGrp="1"/>
+          </p:cNvSpPr>
+          <p:nvPr>
+            <p:ph type="body" idx="1"/>
           </p:nvPr>
         </p:nvSpPr>
         <p:spPr>
           <a:xfrm>
-            <a:off x="839788" y="365125"/>
-            <a:ext cx="10515600" cy="1325563"/>
+            <a:off x="1261872" y="1713655"/>
+            <a:ext cx="4480560" cy="731520"/>
           </a:xfrm>
         </p:spPr>
         <p:txBody>
-          <a:bodyPr/>
-          <a:lstStyle/>
-          <a:p>
-            <a:r>
-              <a:rPr lang="en-US"/>
-              <a:t>Click to edit Master title style</a:t>
-            </a:r>
-          </a:p>
-        </p:txBody>
-      </p:sp>
-      <p:sp>
-        <p:nvSpPr>
-          <p:cNvPr id="3" name="Text Placeholder 2">
-            <a:extLst>
-              <a:ext uri="{FF2B5EF4-FFF2-40B4-BE49-F238E27FC236}">
-                <a16:creationId xmlns:a16="http://schemas.microsoft.com/office/drawing/2014/main" id="{B4E68D61-0EFB-49AC-AC24-A47B20DD06AD}"/>
-              </a:ext>
-            </a:extLst>
-          </p:cNvPr>
-          <p:cNvSpPr>
-            <a:spLocks noGrp="1"/>
-          </p:cNvSpPr>
-          <p:nvPr>
-            <p:ph type="body" idx="1"/>
-          </p:nvPr>
-        </p:nvSpPr>
-        <p:spPr>
-          <a:xfrm>
-            <a:off x="839788" y="1681163"/>
-            <a:ext cx="5157787" cy="823912"/>
-          </a:xfrm>
-        </p:spPr>
-        <p:txBody>
-          <a:bodyPr anchor="b"/>
+          <a:bodyPr anchor="b">
+            <a:normAutofit/>
+          </a:bodyPr>
           <a:lstStyle>
             <a:lvl1pPr marL="0" indent="0">
-              <a:buNone/>
-              <a:defRPr sz="2400" b="1"/>
+              <a:spcBef>
+                <a:spcPts val="0"/>
+              </a:spcBef>
+              <a:buNone/>
+              <a:defRPr sz="2000" b="0">
+                <a:solidFill>
+                  <a:schemeClr val="tx2"/>
+                </a:solidFill>
+              </a:defRPr>
             </a:lvl1pPr>
             <a:lvl2pPr marL="457200" indent="0">
               <a:buNone/>
@@ -1603,13 +1894,7 @@
       </p:sp>
       <p:sp>
         <p:nvSpPr>
-          <p:cNvPr id="4" name="Content Placeholder 3">
-            <a:extLst>
-              <a:ext uri="{FF2B5EF4-FFF2-40B4-BE49-F238E27FC236}">
-                <a16:creationId xmlns:a16="http://schemas.microsoft.com/office/drawing/2014/main" id="{7774DC50-3F37-4AC6-91B3-7F8A74C9A15A}"/>
-              </a:ext>
-            </a:extLst>
-          </p:cNvPr>
+          <p:cNvPr id="4" name="Content Placeholder 3"/>
           <p:cNvSpPr>
             <a:spLocks noGrp="1"/>
           </p:cNvSpPr>
@@ -1619,13 +1904,41 @@
         </p:nvSpPr>
         <p:spPr>
           <a:xfrm>
-            <a:off x="839788" y="2505075"/>
-            <a:ext cx="5157787" cy="3684588"/>
+            <a:off x="1261872" y="2507550"/>
+            <a:ext cx="4480560" cy="3664650"/>
           </a:xfrm>
         </p:spPr>
         <p:txBody>
           <a:bodyPr/>
-          <a:lstStyle/>
+          <a:lstStyle>
+            <a:lvl1pPr>
+              <a:defRPr sz="1800"/>
+            </a:lvl1pPr>
+            <a:lvl2pPr>
+              <a:defRPr sz="1600"/>
+            </a:lvl2pPr>
+            <a:lvl3pPr>
+              <a:defRPr sz="1400"/>
+            </a:lvl3pPr>
+            <a:lvl4pPr>
+              <a:defRPr sz="1400"/>
+            </a:lvl4pPr>
+            <a:lvl5pPr>
+              <a:defRPr sz="1400"/>
+            </a:lvl5pPr>
+            <a:lvl6pPr>
+              <a:defRPr sz="1400"/>
+            </a:lvl6pPr>
+            <a:lvl7pPr>
+              <a:defRPr sz="1400"/>
+            </a:lvl7pPr>
+            <a:lvl8pPr>
+              <a:defRPr sz="1400"/>
+            </a:lvl8pPr>
+            <a:lvl9pPr>
+              <a:defRPr sz="1400"/>
+            </a:lvl9pPr>
+          </a:lstStyle>
           <a:p>
             <a:pPr lvl="0"/>
             <a:r>
@@ -1660,18 +1973,13 @@
               <a:rPr lang="en-US"/>
               <a:t>Fifth level</a:t>
             </a:r>
-          </a:p>
-        </p:txBody>
-      </p:sp>
-      <p:sp>
-        <p:nvSpPr>
-          <p:cNvPr id="5" name="Text Placeholder 4">
-            <a:extLst>
-              <a:ext uri="{FF2B5EF4-FFF2-40B4-BE49-F238E27FC236}">
-                <a16:creationId xmlns:a16="http://schemas.microsoft.com/office/drawing/2014/main" id="{64DF19B7-8DA1-44A8-B634-DF29B0D352C4}"/>
-              </a:ext>
-            </a:extLst>
-          </p:cNvPr>
+            <a:endParaRPr lang="en-US" dirty="0"/>
+          </a:p>
+        </p:txBody>
+      </p:sp>
+      <p:sp>
+        <p:nvSpPr>
+          <p:cNvPr id="5" name="Text Placeholder 4"/>
           <p:cNvSpPr>
             <a:spLocks noGrp="1"/>
           </p:cNvSpPr>
@@ -1681,16 +1989,31 @@
         </p:nvSpPr>
         <p:spPr>
           <a:xfrm>
-            <a:off x="6172200" y="1681163"/>
-            <a:ext cx="5183188" cy="823912"/>
+            <a:off x="6126480" y="1713655"/>
+            <a:ext cx="4480560" cy="731520"/>
           </a:xfrm>
         </p:spPr>
         <p:txBody>
-          <a:bodyPr anchor="b"/>
+          <a:bodyPr anchor="b">
+            <a:normAutofit/>
+          </a:bodyPr>
           <a:lstStyle>
             <a:lvl1pPr marL="0" indent="0">
-              <a:buNone/>
-              <a:defRPr sz="2400" b="1"/>
+              <a:lnSpc>
+                <a:spcPct val="95000"/>
+              </a:lnSpc>
+              <a:spcBef>
+                <a:spcPts val="0"/>
+              </a:spcBef>
+              <a:buNone/>
+              <a:defRPr lang="en-US" sz="2000" b="0" kern="1200" dirty="0">
+                <a:solidFill>
+                  <a:schemeClr val="tx2"/>
+                </a:solidFill>
+                <a:latin typeface="+mn-lt"/>
+                <a:ea typeface="+mn-ea"/>
+                <a:cs typeface="+mn-cs"/>
+              </a:defRPr>
             </a:lvl1pPr>
             <a:lvl2pPr marL="457200" indent="0">
               <a:buNone/>
@@ -1726,7 +2049,16 @@
             </a:lvl9pPr>
           </a:lstStyle>
           <a:p>
-            <a:pPr lvl="0"/>
+            <a:pPr marL="0" lvl="0" indent="0" algn="l" defTabSz="914400" rtl="0" eaLnBrk="1" latinLnBrk="0" hangingPunct="1">
+              <a:lnSpc>
+                <a:spcPct val="90000"/>
+              </a:lnSpc>
+              <a:spcBef>
+                <a:spcPts val="2000"/>
+              </a:spcBef>
+              <a:buFontTx/>
+              <a:buNone/>
+            </a:pPr>
             <a:r>
               <a:rPr lang="en-US"/>
               <a:t>Edit Master text styles</a:t>
@@ -1736,13 +2068,7 @@
       </p:sp>
       <p:sp>
         <p:nvSpPr>
-          <p:cNvPr id="6" name="Content Placeholder 5">
-            <a:extLst>
-              <a:ext uri="{FF2B5EF4-FFF2-40B4-BE49-F238E27FC236}">
-                <a16:creationId xmlns:a16="http://schemas.microsoft.com/office/drawing/2014/main" id="{522868B3-594B-4535-8D16-B9BD059F0443}"/>
-              </a:ext>
-            </a:extLst>
-          </p:cNvPr>
+          <p:cNvPr id="6" name="Content Placeholder 5"/>
           <p:cNvSpPr>
             <a:spLocks noGrp="1"/>
           </p:cNvSpPr>
@@ -1752,13 +2078,41 @@
         </p:nvSpPr>
         <p:spPr>
           <a:xfrm>
-            <a:off x="6172200" y="2505075"/>
-            <a:ext cx="5183188" cy="3684588"/>
+            <a:off x="6126480" y="2507550"/>
+            <a:ext cx="4480560" cy="3664650"/>
           </a:xfrm>
         </p:spPr>
         <p:txBody>
           <a:bodyPr/>
-          <a:lstStyle/>
+          <a:lstStyle>
+            <a:lvl1pPr>
+              <a:defRPr sz="1800"/>
+            </a:lvl1pPr>
+            <a:lvl2pPr>
+              <a:defRPr sz="1600"/>
+            </a:lvl2pPr>
+            <a:lvl3pPr>
+              <a:defRPr sz="1400"/>
+            </a:lvl3pPr>
+            <a:lvl4pPr>
+              <a:defRPr sz="1400"/>
+            </a:lvl4pPr>
+            <a:lvl5pPr>
+              <a:defRPr sz="1400"/>
+            </a:lvl5pPr>
+            <a:lvl6pPr>
+              <a:defRPr sz="1400"/>
+            </a:lvl6pPr>
+            <a:lvl7pPr>
+              <a:defRPr sz="1400"/>
+            </a:lvl7pPr>
+            <a:lvl8pPr>
+              <a:defRPr sz="1400"/>
+            </a:lvl8pPr>
+            <a:lvl9pPr>
+              <a:defRPr sz="1400"/>
+            </a:lvl9pPr>
+          </a:lstStyle>
           <a:p>
             <a:pPr lvl="0"/>
             <a:r>
@@ -1793,18 +2147,13 @@
               <a:rPr lang="en-US"/>
               <a:t>Fifth level</a:t>
             </a:r>
-          </a:p>
-        </p:txBody>
-      </p:sp>
-      <p:sp>
-        <p:nvSpPr>
-          <p:cNvPr id="7" name="Date Placeholder 6">
-            <a:extLst>
-              <a:ext uri="{FF2B5EF4-FFF2-40B4-BE49-F238E27FC236}">
-                <a16:creationId xmlns:a16="http://schemas.microsoft.com/office/drawing/2014/main" id="{6D4D6E5E-FB0F-407D-AED4-B5C443C1EAFA}"/>
-              </a:ext>
-            </a:extLst>
-          </p:cNvPr>
+            <a:endParaRPr lang="en-US" dirty="0"/>
+          </a:p>
+        </p:txBody>
+      </p:sp>
+      <p:sp>
+        <p:nvSpPr>
+          <p:cNvPr id="7" name="Date Placeholder 6"/>
           <p:cNvSpPr>
             <a:spLocks noGrp="1"/>
           </p:cNvSpPr>
@@ -1827,13 +2176,7 @@
       </p:sp>
       <p:sp>
         <p:nvSpPr>
-          <p:cNvPr id="8" name="Footer Placeholder 7">
-            <a:extLst>
-              <a:ext uri="{FF2B5EF4-FFF2-40B4-BE49-F238E27FC236}">
-                <a16:creationId xmlns:a16="http://schemas.microsoft.com/office/drawing/2014/main" id="{0AFA6289-5EF2-4A6F-B0BA-ABE01D8892A2}"/>
-              </a:ext>
-            </a:extLst>
-          </p:cNvPr>
+          <p:cNvPr id="8" name="Footer Placeholder 7"/>
           <p:cNvSpPr>
             <a:spLocks noGrp="1"/>
           </p:cNvSpPr>
@@ -1852,13 +2195,7 @@
       </p:sp>
       <p:sp>
         <p:nvSpPr>
-          <p:cNvPr id="9" name="Slide Number Placeholder 8">
-            <a:extLst>
-              <a:ext uri="{FF2B5EF4-FFF2-40B4-BE49-F238E27FC236}">
-                <a16:creationId xmlns:a16="http://schemas.microsoft.com/office/drawing/2014/main" id="{773EBF34-6320-4369-9D9F-359E79D7D1A2}"/>
-              </a:ext>
-            </a:extLst>
-          </p:cNvPr>
+          <p:cNvPr id="9" name="Slide Number Placeholder 8"/>
           <p:cNvSpPr>
             <a:spLocks noGrp="1"/>
           </p:cNvSpPr>
@@ -1882,7 +2219,7 @@
     </p:spTree>
     <p:extLst>
       <p:ext uri="{BB962C8B-B14F-4D97-AF65-F5344CB8AC3E}">
-        <p14:creationId xmlns:p14="http://schemas.microsoft.com/office/powerpoint/2010/main" val="3823843115"/>
+        <p14:creationId xmlns:p14="http://schemas.microsoft.com/office/powerpoint/2010/main" val="2202066702"/>
       </p:ext>
     </p:extLst>
   </p:cSld>
@@ -1911,13 +2248,7 @@
       </p:grpSpPr>
       <p:sp>
         <p:nvSpPr>
-          <p:cNvPr id="2" name="Title 1">
-            <a:extLst>
-              <a:ext uri="{FF2B5EF4-FFF2-40B4-BE49-F238E27FC236}">
-                <a16:creationId xmlns:a16="http://schemas.microsoft.com/office/drawing/2014/main" id="{062C7E49-A9CD-488D-83B2-48034AD53A2E}"/>
-              </a:ext>
-            </a:extLst>
-          </p:cNvPr>
+          <p:cNvPr id="6" name="Title 5"/>
           <p:cNvSpPr>
             <a:spLocks noGrp="1"/>
           </p:cNvSpPr>
@@ -1934,18 +2265,13 @@
               <a:rPr lang="en-US"/>
               <a:t>Click to edit Master title style</a:t>
             </a:r>
-          </a:p>
-        </p:txBody>
-      </p:sp>
-      <p:sp>
-        <p:nvSpPr>
-          <p:cNvPr id="3" name="Date Placeholder 2">
-            <a:extLst>
-              <a:ext uri="{FF2B5EF4-FFF2-40B4-BE49-F238E27FC236}">
-                <a16:creationId xmlns:a16="http://schemas.microsoft.com/office/drawing/2014/main" id="{CE3D1EDA-F50D-4034-BD88-CF37FBC8AB3C}"/>
-              </a:ext>
-            </a:extLst>
-          </p:cNvPr>
+            <a:endParaRPr lang="en-US" dirty="0"/>
+          </a:p>
+        </p:txBody>
+      </p:sp>
+      <p:sp>
+        <p:nvSpPr>
+          <p:cNvPr id="3" name="Date Placeholder 2"/>
           <p:cNvSpPr>
             <a:spLocks noGrp="1"/>
           </p:cNvSpPr>
@@ -1968,13 +2294,7 @@
       </p:sp>
       <p:sp>
         <p:nvSpPr>
-          <p:cNvPr id="4" name="Footer Placeholder 3">
-            <a:extLst>
-              <a:ext uri="{FF2B5EF4-FFF2-40B4-BE49-F238E27FC236}">
-                <a16:creationId xmlns:a16="http://schemas.microsoft.com/office/drawing/2014/main" id="{D01030A6-6A87-4A99-AC6E-2F73A959B352}"/>
-              </a:ext>
-            </a:extLst>
-          </p:cNvPr>
+          <p:cNvPr id="4" name="Footer Placeholder 3"/>
           <p:cNvSpPr>
             <a:spLocks noGrp="1"/>
           </p:cNvSpPr>
@@ -1993,13 +2313,7 @@
       </p:sp>
       <p:sp>
         <p:nvSpPr>
-          <p:cNvPr id="5" name="Slide Number Placeholder 4">
-            <a:extLst>
-              <a:ext uri="{FF2B5EF4-FFF2-40B4-BE49-F238E27FC236}">
-                <a16:creationId xmlns:a16="http://schemas.microsoft.com/office/drawing/2014/main" id="{511EBDB7-D144-4D10-A079-4E3867569F51}"/>
-              </a:ext>
-            </a:extLst>
-          </p:cNvPr>
+          <p:cNvPr id="5" name="Slide Number Placeholder 4"/>
           <p:cNvSpPr>
             <a:spLocks noGrp="1"/>
           </p:cNvSpPr>
@@ -2023,7 +2337,7 @@
     </p:spTree>
     <p:extLst>
       <p:ext uri="{BB962C8B-B14F-4D97-AF65-F5344CB8AC3E}">
-        <p14:creationId xmlns:p14="http://schemas.microsoft.com/office/powerpoint/2010/main" val="4168475241"/>
+        <p14:creationId xmlns:p14="http://schemas.microsoft.com/office/powerpoint/2010/main" val="1875640979"/>
       </p:ext>
     </p:extLst>
   </p:cSld>
@@ -2052,13 +2366,7 @@
       </p:grpSpPr>
       <p:sp>
         <p:nvSpPr>
-          <p:cNvPr id="2" name="Date Placeholder 1">
-            <a:extLst>
-              <a:ext uri="{FF2B5EF4-FFF2-40B4-BE49-F238E27FC236}">
-                <a16:creationId xmlns:a16="http://schemas.microsoft.com/office/drawing/2014/main" id="{023331C9-97D8-41B8-8A8C-70BBBDB3E666}"/>
-              </a:ext>
-            </a:extLst>
-          </p:cNvPr>
+          <p:cNvPr id="2" name="Date Placeholder 1"/>
           <p:cNvSpPr>
             <a:spLocks noGrp="1"/>
           </p:cNvSpPr>
@@ -2081,13 +2389,7 @@
       </p:sp>
       <p:sp>
         <p:nvSpPr>
-          <p:cNvPr id="3" name="Footer Placeholder 2">
-            <a:extLst>
-              <a:ext uri="{FF2B5EF4-FFF2-40B4-BE49-F238E27FC236}">
-                <a16:creationId xmlns:a16="http://schemas.microsoft.com/office/drawing/2014/main" id="{38341128-D821-432E-85CE-4F6A44D1B1FB}"/>
-              </a:ext>
-            </a:extLst>
-          </p:cNvPr>
+          <p:cNvPr id="3" name="Footer Placeholder 2"/>
           <p:cNvSpPr>
             <a:spLocks noGrp="1"/>
           </p:cNvSpPr>
@@ -2106,13 +2408,7 @@
       </p:sp>
       <p:sp>
         <p:nvSpPr>
-          <p:cNvPr id="4" name="Slide Number Placeholder 3">
-            <a:extLst>
-              <a:ext uri="{FF2B5EF4-FFF2-40B4-BE49-F238E27FC236}">
-                <a16:creationId xmlns:a16="http://schemas.microsoft.com/office/drawing/2014/main" id="{E8E057EB-E641-42AF-8769-F257DD1F3276}"/>
-              </a:ext>
-            </a:extLst>
-          </p:cNvPr>
+          <p:cNvPr id="4" name="Slide Number Placeholder 3"/>
           <p:cNvSpPr>
             <a:spLocks noGrp="1"/>
           </p:cNvSpPr>
@@ -2136,7 +2432,7 @@
     </p:spTree>
     <p:extLst>
       <p:ext uri="{BB962C8B-B14F-4D97-AF65-F5344CB8AC3E}">
-        <p14:creationId xmlns:p14="http://schemas.microsoft.com/office/powerpoint/2010/main" val="2708153490"/>
+        <p14:creationId xmlns:p14="http://schemas.microsoft.com/office/powerpoint/2010/main" val="2796234135"/>
       </p:ext>
     </p:extLst>
   </p:cSld>
@@ -2165,13 +2461,7 @@
       </p:grpSpPr>
       <p:sp>
         <p:nvSpPr>
-          <p:cNvPr id="2" name="Title 1">
-            <a:extLst>
-              <a:ext uri="{FF2B5EF4-FFF2-40B4-BE49-F238E27FC236}">
-                <a16:creationId xmlns:a16="http://schemas.microsoft.com/office/drawing/2014/main" id="{986DF073-046B-4500-82BF-728D3427B7FD}"/>
-              </a:ext>
-            </a:extLst>
-          </p:cNvPr>
+          <p:cNvPr id="2" name="Title 1"/>
           <p:cNvSpPr>
             <a:spLocks noGrp="1"/>
           </p:cNvSpPr>
@@ -2181,15 +2471,17 @@
         </p:nvSpPr>
         <p:spPr>
           <a:xfrm>
-            <a:off x="839788" y="457200"/>
-            <a:ext cx="3932237" cy="1600200"/>
+            <a:off x="841248" y="457200"/>
+            <a:ext cx="3200400" cy="1600197"/>
           </a:xfrm>
         </p:spPr>
         <p:txBody>
-          <a:bodyPr anchor="b"/>
+          <a:bodyPr anchor="b">
+            <a:normAutofit/>
+          </a:bodyPr>
           <a:lstStyle>
             <a:lvl1pPr>
-              <a:defRPr sz="3200"/>
+              <a:defRPr sz="3200" b="0" baseline="0"/>
             </a:lvl1pPr>
           </a:lstStyle>
           <a:p>
@@ -2197,18 +2489,13 @@
               <a:rPr lang="en-US"/>
               <a:t>Click to edit Master title style</a:t>
             </a:r>
-          </a:p>
-        </p:txBody>
-      </p:sp>
-      <p:sp>
-        <p:nvSpPr>
-          <p:cNvPr id="3" name="Content Placeholder 2">
-            <a:extLst>
-              <a:ext uri="{FF2B5EF4-FFF2-40B4-BE49-F238E27FC236}">
-                <a16:creationId xmlns:a16="http://schemas.microsoft.com/office/drawing/2014/main" id="{4BD4EF0E-B22E-49E8-946E-BF7CE8AD43A5}"/>
-              </a:ext>
-            </a:extLst>
-          </p:cNvPr>
+            <a:endParaRPr lang="en-US" dirty="0"/>
+          </a:p>
+        </p:txBody>
+      </p:sp>
+      <p:sp>
+        <p:nvSpPr>
+          <p:cNvPr id="3" name="Content Placeholder 2"/>
           <p:cNvSpPr>
             <a:spLocks noGrp="1"/>
           </p:cNvSpPr>
@@ -2218,39 +2505,39 @@
         </p:nvSpPr>
         <p:spPr>
           <a:xfrm>
-            <a:off x="5183188" y="987425"/>
-            <a:ext cx="6172200" cy="4873625"/>
+            <a:off x="4504267" y="685800"/>
+            <a:ext cx="6079066" cy="5486400"/>
           </a:xfrm>
         </p:spPr>
         <p:txBody>
           <a:bodyPr/>
           <a:lstStyle>
             <a:lvl1pPr>
-              <a:defRPr sz="3200"/>
+              <a:defRPr sz="2000"/>
             </a:lvl1pPr>
             <a:lvl2pPr>
-              <a:defRPr sz="2800"/>
+              <a:defRPr sz="1800"/>
             </a:lvl2pPr>
             <a:lvl3pPr>
-              <a:defRPr sz="2400"/>
+              <a:defRPr sz="1600"/>
             </a:lvl3pPr>
             <a:lvl4pPr>
-              <a:defRPr sz="2000"/>
+              <a:defRPr sz="1400"/>
             </a:lvl4pPr>
             <a:lvl5pPr>
-              <a:defRPr sz="2000"/>
+              <a:defRPr sz="1400"/>
             </a:lvl5pPr>
             <a:lvl6pPr>
-              <a:defRPr sz="2000"/>
+              <a:defRPr sz="1400"/>
             </a:lvl6pPr>
             <a:lvl7pPr>
-              <a:defRPr sz="2000"/>
+              <a:defRPr sz="1400"/>
             </a:lvl7pPr>
             <a:lvl8pPr>
-              <a:defRPr sz="2000"/>
+              <a:defRPr sz="1400"/>
             </a:lvl8pPr>
             <a:lvl9pPr>
-              <a:defRPr sz="2000"/>
+              <a:defRPr sz="1400"/>
             </a:lvl9pPr>
           </a:lstStyle>
           <a:p>
@@ -2287,18 +2574,13 @@
               <a:rPr lang="en-US"/>
               <a:t>Fifth level</a:t>
             </a:r>
-          </a:p>
-        </p:txBody>
-      </p:sp>
-      <p:sp>
-        <p:nvSpPr>
-          <p:cNvPr id="4" name="Text Placeholder 3">
-            <a:extLst>
-              <a:ext uri="{FF2B5EF4-FFF2-40B4-BE49-F238E27FC236}">
-                <a16:creationId xmlns:a16="http://schemas.microsoft.com/office/drawing/2014/main" id="{94034705-71B6-491F-A942-6F03AFBE5A4B}"/>
-              </a:ext>
-            </a:extLst>
-          </p:cNvPr>
+            <a:endParaRPr lang="en-US" dirty="0"/>
+          </a:p>
+        </p:txBody>
+      </p:sp>
+      <p:sp>
+        <p:nvSpPr>
+          <p:cNvPr id="4" name="Text Placeholder 3"/>
           <p:cNvSpPr>
             <a:spLocks noGrp="1"/>
           </p:cNvSpPr>
@@ -2308,48 +2590,56 @@
         </p:nvSpPr>
         <p:spPr>
           <a:xfrm>
-            <a:off x="839788" y="2057400"/>
-            <a:ext cx="3932237" cy="3811588"/>
+            <a:off x="841248" y="2099734"/>
+            <a:ext cx="3200400" cy="3810001"/>
           </a:xfrm>
         </p:spPr>
         <p:txBody>
-          <a:bodyPr/>
+          <a:bodyPr>
+            <a:normAutofit/>
+          </a:bodyPr>
           <a:lstStyle>
             <a:lvl1pPr marL="0" indent="0">
-              <a:buNone/>
-              <a:defRPr sz="1600"/>
+              <a:lnSpc>
+                <a:spcPct val="114000"/>
+              </a:lnSpc>
+              <a:spcBef>
+                <a:spcPts val="800"/>
+              </a:spcBef>
+              <a:buNone/>
+              <a:defRPr sz="1300"/>
             </a:lvl1pPr>
             <a:lvl2pPr marL="457200" indent="0">
               <a:buNone/>
-              <a:defRPr sz="1400"/>
+              <a:defRPr sz="1200"/>
             </a:lvl2pPr>
             <a:lvl3pPr marL="914400" indent="0">
               <a:buNone/>
-              <a:defRPr sz="1200"/>
+              <a:defRPr sz="1000"/>
             </a:lvl3pPr>
             <a:lvl4pPr marL="1371600" indent="0">
               <a:buNone/>
-              <a:defRPr sz="1000"/>
+              <a:defRPr sz="900"/>
             </a:lvl4pPr>
             <a:lvl5pPr marL="1828800" indent="0">
               <a:buNone/>
-              <a:defRPr sz="1000"/>
+              <a:defRPr sz="900"/>
             </a:lvl5pPr>
             <a:lvl6pPr marL="2286000" indent="0">
               <a:buNone/>
-              <a:defRPr sz="1000"/>
+              <a:defRPr sz="900"/>
             </a:lvl6pPr>
             <a:lvl7pPr marL="2743200" indent="0">
               <a:buNone/>
-              <a:defRPr sz="1000"/>
+              <a:defRPr sz="900"/>
             </a:lvl7pPr>
             <a:lvl8pPr marL="3200400" indent="0">
               <a:buNone/>
-              <a:defRPr sz="1000"/>
+              <a:defRPr sz="900"/>
             </a:lvl8pPr>
             <a:lvl9pPr marL="3657600" indent="0">
               <a:buNone/>
-              <a:defRPr sz="1000"/>
+              <a:defRPr sz="900"/>
             </a:lvl9pPr>
           </a:lstStyle>
           <a:p>
@@ -2363,13 +2653,7 @@
       </p:sp>
       <p:sp>
         <p:nvSpPr>
-          <p:cNvPr id="5" name="Date Placeholder 4">
-            <a:extLst>
-              <a:ext uri="{FF2B5EF4-FFF2-40B4-BE49-F238E27FC236}">
-                <a16:creationId xmlns:a16="http://schemas.microsoft.com/office/drawing/2014/main" id="{60F3BCAB-7551-4916-9437-B3DC2723C62F}"/>
-              </a:ext>
-            </a:extLst>
-          </p:cNvPr>
+          <p:cNvPr id="5" name="Date Placeholder 4"/>
           <p:cNvSpPr>
             <a:spLocks noGrp="1"/>
           </p:cNvSpPr>
@@ -2392,13 +2676,7 @@
       </p:sp>
       <p:sp>
         <p:nvSpPr>
-          <p:cNvPr id="6" name="Footer Placeholder 5">
-            <a:extLst>
-              <a:ext uri="{FF2B5EF4-FFF2-40B4-BE49-F238E27FC236}">
-                <a16:creationId xmlns:a16="http://schemas.microsoft.com/office/drawing/2014/main" id="{A782ADB8-E828-49B4-A5BB-04900BF58E94}"/>
-              </a:ext>
-            </a:extLst>
-          </p:cNvPr>
+          <p:cNvPr id="6" name="Footer Placeholder 5"/>
           <p:cNvSpPr>
             <a:spLocks noGrp="1"/>
           </p:cNvSpPr>
@@ -2417,13 +2695,7 @@
       </p:sp>
       <p:sp>
         <p:nvSpPr>
-          <p:cNvPr id="7" name="Slide Number Placeholder 6">
-            <a:extLst>
-              <a:ext uri="{FF2B5EF4-FFF2-40B4-BE49-F238E27FC236}">
-                <a16:creationId xmlns:a16="http://schemas.microsoft.com/office/drawing/2014/main" id="{FE94EBEC-D6B3-460D-B2C4-FC739E6EE6C2}"/>
-              </a:ext>
-            </a:extLst>
-          </p:cNvPr>
+          <p:cNvPr id="7" name="Slide Number Placeholder 6"/>
           <p:cNvSpPr>
             <a:spLocks noGrp="1"/>
           </p:cNvSpPr>
@@ -2447,7 +2719,7 @@
     </p:spTree>
     <p:extLst>
       <p:ext uri="{BB962C8B-B14F-4D97-AF65-F5344CB8AC3E}">
-        <p14:creationId xmlns:p14="http://schemas.microsoft.com/office/powerpoint/2010/main" val="3760765009"/>
+        <p14:creationId xmlns:p14="http://schemas.microsoft.com/office/powerpoint/2010/main" val="95772787"/>
       </p:ext>
     </p:extLst>
   </p:cSld>
@@ -2476,31 +2748,69 @@
       </p:grpSpPr>
       <p:sp>
         <p:nvSpPr>
-          <p:cNvPr id="2" name="Title 1">
-            <a:extLst>
-              <a:ext uri="{FF2B5EF4-FFF2-40B4-BE49-F238E27FC236}">
-                <a16:creationId xmlns:a16="http://schemas.microsoft.com/office/drawing/2014/main" id="{897E3A8B-40A1-4A28-8306-C3ABDFF639F2}"/>
-              </a:ext>
-            </a:extLst>
-          </p:cNvPr>
-          <p:cNvSpPr>
-            <a:spLocks noGrp="1"/>
-          </p:cNvSpPr>
-          <p:nvPr>
-            <p:ph type="title"/>
-          </p:nvPr>
+          <p:cNvPr id="8" name="Rectangle 7"/>
+          <p:cNvSpPr/>
+          <p:nvPr/>
         </p:nvSpPr>
         <p:spPr>
           <a:xfrm>
-            <a:off x="839788" y="457200"/>
-            <a:ext cx="3932237" cy="1600200"/>
+            <a:off x="0" y="5105400"/>
+            <a:ext cx="11292840" cy="1752600"/>
+          </a:xfrm>
+          <a:prstGeom prst="rect">
+            <a:avLst/>
+          </a:prstGeom>
+          <a:solidFill>
+            <a:srgbClr val="000000"/>
+          </a:solidFill>
+          <a:ln>
+            <a:noFill/>
+          </a:ln>
+        </p:spPr>
+        <p:style>
+          <a:lnRef idx="2">
+            <a:schemeClr val="accent1">
+              <a:shade val="50000"/>
+            </a:schemeClr>
+          </a:lnRef>
+          <a:fillRef idx="1">
+            <a:schemeClr val="accent1"/>
+          </a:fillRef>
+          <a:effectRef idx="0">
+            <a:schemeClr val="accent1"/>
+          </a:effectRef>
+          <a:fontRef idx="minor">
+            <a:schemeClr val="lt1"/>
+          </a:fontRef>
+        </p:style>
+      </p:sp>
+      <p:sp>
+        <p:nvSpPr>
+          <p:cNvPr id="2" name="Title 1"/>
+          <p:cNvSpPr>
+            <a:spLocks noGrp="1"/>
+          </p:cNvSpPr>
+          <p:nvPr>
+            <p:ph type="title"/>
+          </p:nvPr>
+        </p:nvSpPr>
+        <p:spPr>
+          <a:xfrm>
+            <a:off x="914400" y="5257800"/>
+            <a:ext cx="9982200" cy="914400"/>
           </a:xfrm>
         </p:spPr>
         <p:txBody>
-          <a:bodyPr anchor="b"/>
+          <a:bodyPr anchor="b">
+            <a:normAutofit/>
+          </a:bodyPr>
           <a:lstStyle>
             <a:lvl1pPr>
-              <a:defRPr sz="3200"/>
+              <a:defRPr sz="2800" b="0">
+                <a:solidFill>
+                  <a:schemeClr val="bg1"/>
+                </a:solidFill>
+              </a:defRPr>
             </a:lvl1pPr>
           </a:lstStyle>
           <a:p>
@@ -2508,20 +2818,15 @@
               <a:rPr lang="en-US"/>
               <a:t>Click to edit Master title style</a:t>
             </a:r>
-          </a:p>
-        </p:txBody>
-      </p:sp>
-      <p:sp>
-        <p:nvSpPr>
-          <p:cNvPr id="3" name="Picture Placeholder 2">
-            <a:extLst>
-              <a:ext uri="{FF2B5EF4-FFF2-40B4-BE49-F238E27FC236}">
-                <a16:creationId xmlns:a16="http://schemas.microsoft.com/office/drawing/2014/main" id="{8914A4B0-5E0D-43A1-9E1B-E8F0C333CB87}"/>
-              </a:ext>
-            </a:extLst>
-          </p:cNvPr>
-          <p:cNvSpPr>
-            <a:spLocks noGrp="1"/>
+            <a:endParaRPr lang="en-US" dirty="0"/>
+          </a:p>
+        </p:txBody>
+      </p:sp>
+      <p:sp>
+        <p:nvSpPr>
+          <p:cNvPr id="3" name="Picture Placeholder 2"/>
+          <p:cNvSpPr>
+            <a:spLocks noGrp="1" noChangeAspect="1"/>
           </p:cNvSpPr>
           <p:nvPr>
             <p:ph type="pic" idx="1"/>
@@ -2529,16 +2834,23 @@
         </p:nvSpPr>
         <p:spPr>
           <a:xfrm>
-            <a:off x="5183188" y="987425"/>
-            <a:ext cx="6172200" cy="4873625"/>
+            <a:off x="0" y="0"/>
+            <a:ext cx="11292840" cy="5128923"/>
           </a:xfrm>
+          <a:solidFill>
+            <a:schemeClr val="accent1"/>
+          </a:solidFill>
         </p:spPr>
         <p:txBody>
-          <a:bodyPr/>
+          <a:bodyPr anchor="t"/>
           <a:lstStyle>
             <a:lvl1pPr marL="0" indent="0">
               <a:buNone/>
-              <a:defRPr sz="3200"/>
+              <a:defRPr sz="3200">
+                <a:solidFill>
+                  <a:schemeClr val="bg1"/>
+                </a:solidFill>
+              </a:defRPr>
             </a:lvl1pPr>
             <a:lvl2pPr marL="457200" indent="0">
               <a:buNone/>
@@ -2574,19 +2886,17 @@
             </a:lvl9pPr>
           </a:lstStyle>
           <a:p>
-            <a:endParaRPr lang="en-US"/>
-          </a:p>
-        </p:txBody>
-      </p:sp>
-      <p:sp>
-        <p:nvSpPr>
-          <p:cNvPr id="4" name="Text Placeholder 3">
-            <a:extLst>
-              <a:ext uri="{FF2B5EF4-FFF2-40B4-BE49-F238E27FC236}">
-                <a16:creationId xmlns:a16="http://schemas.microsoft.com/office/drawing/2014/main" id="{1A16FC77-2970-4C81-B578-8B49BDE971DF}"/>
-              </a:ext>
-            </a:extLst>
-          </p:cNvPr>
+            <a:r>
+              <a:rPr lang="en-US"/>
+              <a:t>Click icon to add picture</a:t>
+            </a:r>
+            <a:endParaRPr lang="en-US" dirty="0"/>
+          </a:p>
+        </p:txBody>
+      </p:sp>
+      <p:sp>
+        <p:nvSpPr>
+          <p:cNvPr id="4" name="Text Placeholder 3"/>
           <p:cNvSpPr>
             <a:spLocks noGrp="1"/>
           </p:cNvSpPr>
@@ -2596,48 +2906,62 @@
         </p:nvSpPr>
         <p:spPr>
           <a:xfrm>
-            <a:off x="839788" y="2057400"/>
-            <a:ext cx="3932237" cy="3811588"/>
+            <a:off x="914400" y="6108589"/>
+            <a:ext cx="9982200" cy="597011"/>
           </a:xfrm>
         </p:spPr>
         <p:txBody>
-          <a:bodyPr/>
+          <a:bodyPr>
+            <a:normAutofit/>
+          </a:bodyPr>
           <a:lstStyle>
             <a:lvl1pPr marL="0" indent="0">
-              <a:buNone/>
-              <a:defRPr sz="1600"/>
+              <a:lnSpc>
+                <a:spcPct val="100000"/>
+              </a:lnSpc>
+              <a:spcBef>
+                <a:spcPts val="800"/>
+              </a:spcBef>
+              <a:buNone/>
+              <a:defRPr sz="1300">
+                <a:solidFill>
+                  <a:schemeClr val="bg1">
+                    <a:lumMod val="85000"/>
+                  </a:schemeClr>
+                </a:solidFill>
+              </a:defRPr>
             </a:lvl1pPr>
             <a:lvl2pPr marL="457200" indent="0">
               <a:buNone/>
-              <a:defRPr sz="1400"/>
+              <a:defRPr sz="1200"/>
             </a:lvl2pPr>
             <a:lvl3pPr marL="914400" indent="0">
               <a:buNone/>
-              <a:defRPr sz="1200"/>
+              <a:defRPr sz="1000"/>
             </a:lvl3pPr>
             <a:lvl4pPr marL="1371600" indent="0">
               <a:buNone/>
-              <a:defRPr sz="1000"/>
+              <a:defRPr sz="900"/>
             </a:lvl4pPr>
             <a:lvl5pPr marL="1828800" indent="0">
               <a:buNone/>
-              <a:defRPr sz="1000"/>
+              <a:defRPr sz="900"/>
             </a:lvl5pPr>
             <a:lvl6pPr marL="2286000" indent="0">
               <a:buNone/>
-              <a:defRPr sz="1000"/>
+              <a:defRPr sz="900"/>
             </a:lvl6pPr>
             <a:lvl7pPr marL="2743200" indent="0">
               <a:buNone/>
-              <a:defRPr sz="1000"/>
+              <a:defRPr sz="900"/>
             </a:lvl7pPr>
             <a:lvl8pPr marL="3200400" indent="0">
               <a:buNone/>
-              <a:defRPr sz="1000"/>
+              <a:defRPr sz="900"/>
             </a:lvl8pPr>
             <a:lvl9pPr marL="3657600" indent="0">
               <a:buNone/>
-              <a:defRPr sz="1000"/>
+              <a:defRPr sz="900"/>
             </a:lvl9pPr>
           </a:lstStyle>
           <a:p>
@@ -2651,13 +2975,7 @@
       </p:sp>
       <p:sp>
         <p:nvSpPr>
-          <p:cNvPr id="5" name="Date Placeholder 4">
-            <a:extLst>
-              <a:ext uri="{FF2B5EF4-FFF2-40B4-BE49-F238E27FC236}">
-                <a16:creationId xmlns:a16="http://schemas.microsoft.com/office/drawing/2014/main" id="{B6AC55D0-6708-4179-AEC5-09A54860A3F6}"/>
-              </a:ext>
-            </a:extLst>
-          </p:cNvPr>
+          <p:cNvPr id="5" name="Date Placeholder 4"/>
           <p:cNvSpPr>
             <a:spLocks noGrp="1"/>
           </p:cNvSpPr>
@@ -2680,13 +2998,7 @@
       </p:sp>
       <p:sp>
         <p:nvSpPr>
-          <p:cNvPr id="6" name="Footer Placeholder 5">
-            <a:extLst>
-              <a:ext uri="{FF2B5EF4-FFF2-40B4-BE49-F238E27FC236}">
-                <a16:creationId xmlns:a16="http://schemas.microsoft.com/office/drawing/2014/main" id="{0F893423-4936-4DF8-9D61-D92AA54582FE}"/>
-              </a:ext>
-            </a:extLst>
-          </p:cNvPr>
+          <p:cNvPr id="6" name="Footer Placeholder 5"/>
           <p:cNvSpPr>
             <a:spLocks noGrp="1"/>
           </p:cNvSpPr>
@@ -2699,19 +3011,13 @@
           <a:bodyPr/>
           <a:lstStyle/>
           <a:p>
-            <a:endParaRPr lang="en-US"/>
-          </a:p>
-        </p:txBody>
-      </p:sp>
-      <p:sp>
-        <p:nvSpPr>
-          <p:cNvPr id="7" name="Slide Number Placeholder 6">
-            <a:extLst>
-              <a:ext uri="{FF2B5EF4-FFF2-40B4-BE49-F238E27FC236}">
-                <a16:creationId xmlns:a16="http://schemas.microsoft.com/office/drawing/2014/main" id="{76B5B599-A3AA-4C90-8909-81445DC628DA}"/>
-              </a:ext>
-            </a:extLst>
-          </p:cNvPr>
+            <a:endParaRPr lang="en-US" dirty="0"/>
+          </a:p>
+        </p:txBody>
+      </p:sp>
+      <p:sp>
+        <p:nvSpPr>
+          <p:cNvPr id="7" name="Slide Number Placeholder 6"/>
           <p:cNvSpPr>
             <a:spLocks noGrp="1"/>
           </p:cNvSpPr>
@@ -2735,7 +3041,7 @@
     </p:spTree>
     <p:extLst>
       <p:ext uri="{BB962C8B-B14F-4D97-AF65-F5344CB8AC3E}">
-        <p14:creationId xmlns:p14="http://schemas.microsoft.com/office/powerpoint/2010/main" val="4251234321"/>
+        <p14:creationId xmlns:p14="http://schemas.microsoft.com/office/powerpoint/2010/main" val="2460544768"/>
       </p:ext>
     </p:extLst>
   </p:cSld>
@@ -2769,31 +3075,65 @@
       </p:grpSpPr>
       <p:sp>
         <p:nvSpPr>
-          <p:cNvPr id="2" name="Title Placeholder 1">
-            <a:extLst>
-              <a:ext uri="{FF2B5EF4-FFF2-40B4-BE49-F238E27FC236}">
-                <a16:creationId xmlns:a16="http://schemas.microsoft.com/office/drawing/2014/main" id="{C645774A-2AFC-49D4-A067-5F5354B155F5}"/>
-              </a:ext>
-            </a:extLst>
-          </p:cNvPr>
-          <p:cNvSpPr>
-            <a:spLocks noGrp="1"/>
-          </p:cNvSpPr>
-          <p:nvPr>
-            <p:ph type="title"/>
-          </p:nvPr>
+          <p:cNvPr id="7" name="Rectangle 6"/>
+          <p:cNvSpPr/>
+          <p:nvPr/>
         </p:nvSpPr>
         <p:spPr>
           <a:xfrm>
-            <a:off x="838200" y="365125"/>
-            <a:ext cx="10515600" cy="1325563"/>
+            <a:off x="11292840" y="0"/>
+            <a:ext cx="914400" cy="6858000"/>
+          </a:xfrm>
+          <a:prstGeom prst="rect">
+            <a:avLst/>
+          </a:prstGeom>
+          <a:solidFill>
+            <a:schemeClr val="tx2">
+              <a:lumMod val="75000"/>
+            </a:schemeClr>
+          </a:solidFill>
+          <a:ln>
+            <a:noFill/>
+          </a:ln>
+        </p:spPr>
+        <p:style>
+          <a:lnRef idx="2">
+            <a:schemeClr val="accent1">
+              <a:shade val="50000"/>
+            </a:schemeClr>
+          </a:lnRef>
+          <a:fillRef idx="1">
+            <a:schemeClr val="accent1"/>
+          </a:fillRef>
+          <a:effectRef idx="0">
+            <a:schemeClr val="accent1"/>
+          </a:effectRef>
+          <a:fontRef idx="minor">
+            <a:schemeClr val="lt1"/>
+          </a:fontRef>
+        </p:style>
+      </p:sp>
+      <p:sp>
+        <p:nvSpPr>
+          <p:cNvPr id="2" name="Title Placeholder 1"/>
+          <p:cNvSpPr>
+            <a:spLocks noGrp="1"/>
+          </p:cNvSpPr>
+          <p:nvPr>
+            <p:ph type="title"/>
+          </p:nvPr>
+        </p:nvSpPr>
+        <p:spPr>
+          <a:xfrm>
+            <a:off x="1261872" y="365760"/>
+            <a:ext cx="9692640" cy="1325562"/>
           </a:xfrm>
           <a:prstGeom prst="rect">
             <a:avLst/>
           </a:prstGeom>
         </p:spPr>
         <p:txBody>
-          <a:bodyPr vert="horz" lIns="91440" tIns="45720" rIns="91440" bIns="45720" rtlCol="0" anchor="ctr">
+          <a:bodyPr vert="horz" lIns="91440" tIns="45720" rIns="91440" bIns="45720" rtlCol="0" anchor="b">
             <a:normAutofit/>
           </a:bodyPr>
           <a:lstStyle/>
@@ -2802,18 +3142,13 @@
               <a:rPr lang="en-US"/>
               <a:t>Click to edit Master title style</a:t>
             </a:r>
-          </a:p>
-        </p:txBody>
-      </p:sp>
-      <p:sp>
-        <p:nvSpPr>
-          <p:cNvPr id="3" name="Text Placeholder 2">
-            <a:extLst>
-              <a:ext uri="{FF2B5EF4-FFF2-40B4-BE49-F238E27FC236}">
-                <a16:creationId xmlns:a16="http://schemas.microsoft.com/office/drawing/2014/main" id="{568E0443-646B-4E94-889C-08C782303AEB}"/>
-              </a:ext>
-            </a:extLst>
-          </p:cNvPr>
+            <a:endParaRPr lang="en-US" dirty="0"/>
+          </a:p>
+        </p:txBody>
+      </p:sp>
+      <p:sp>
+        <p:nvSpPr>
+          <p:cNvPr id="3" name="Text Placeholder 2"/>
           <p:cNvSpPr>
             <a:spLocks noGrp="1"/>
           </p:cNvSpPr>
@@ -2823,8 +3158,8 @@
         </p:nvSpPr>
         <p:spPr>
           <a:xfrm>
-            <a:off x="838200" y="1825625"/>
-            <a:ext cx="10515600" cy="4351338"/>
+            <a:off x="1261872" y="1828800"/>
+            <a:ext cx="8595360" cy="4351337"/>
           </a:xfrm>
           <a:prstGeom prst="rect">
             <a:avLst/>
@@ -2869,18 +3204,13 @@
               <a:rPr lang="en-US"/>
               <a:t>Fifth level</a:t>
             </a:r>
-          </a:p>
-        </p:txBody>
-      </p:sp>
-      <p:sp>
-        <p:nvSpPr>
-          <p:cNvPr id="4" name="Date Placeholder 3">
-            <a:extLst>
-              <a:ext uri="{FF2B5EF4-FFF2-40B4-BE49-F238E27FC236}">
-                <a16:creationId xmlns:a16="http://schemas.microsoft.com/office/drawing/2014/main" id="{329CC147-6F06-47C4-AA1B-603343835E7F}"/>
-              </a:ext>
-            </a:extLst>
-          </p:cNvPr>
+            <a:endParaRPr lang="en-US" dirty="0"/>
+          </a:p>
+        </p:txBody>
+      </p:sp>
+      <p:sp>
+        <p:nvSpPr>
+          <p:cNvPr id="4" name="Date Placeholder 3"/>
           <p:cNvSpPr>
             <a:spLocks noGrp="1"/>
           </p:cNvSpPr>
@@ -2889,9 +3219,9 @@
           </p:nvPr>
         </p:nvSpPr>
         <p:spPr>
-          <a:xfrm>
-            <a:off x="838200" y="6356350"/>
-            <a:ext cx="2743200" cy="365125"/>
+          <a:xfrm rot="16200000">
+            <a:off x="10797542" y="998537"/>
+            <a:ext cx="1904999" cy="365125"/>
           </a:xfrm>
           <a:prstGeom prst="rect">
             <a:avLst/>
@@ -2900,11 +3230,12 @@
         <p:txBody>
           <a:bodyPr vert="horz" lIns="91440" tIns="45720" rIns="91440" bIns="45720" rtlCol="0" anchor="ctr"/>
           <a:lstStyle>
-            <a:lvl1pPr algn="l">
-              <a:defRPr sz="1200">
+            <a:lvl1pPr algn="r">
+              <a:defRPr sz="1050" b="0">
                 <a:solidFill>
-                  <a:schemeClr val="tx1">
-                    <a:tint val="75000"/>
+                  <a:schemeClr val="tx2">
+                    <a:lumMod val="20000"/>
+                    <a:lumOff val="80000"/>
                   </a:schemeClr>
                 </a:solidFill>
               </a:defRPr>
@@ -2921,13 +3252,7 @@
       </p:sp>
       <p:sp>
         <p:nvSpPr>
-          <p:cNvPr id="5" name="Footer Placeholder 4">
-            <a:extLst>
-              <a:ext uri="{FF2B5EF4-FFF2-40B4-BE49-F238E27FC236}">
-                <a16:creationId xmlns:a16="http://schemas.microsoft.com/office/drawing/2014/main" id="{B0AA2C1E-878C-4184-8694-94EE38473496}"/>
-              </a:ext>
-            </a:extLst>
-          </p:cNvPr>
+          <p:cNvPr id="5" name="Footer Placeholder 4"/>
           <p:cNvSpPr>
             <a:spLocks noGrp="1"/>
           </p:cNvSpPr>
@@ -2936,9 +3261,9 @@
           </p:nvPr>
         </p:nvSpPr>
         <p:spPr>
-          <a:xfrm>
-            <a:off x="4038600" y="6356350"/>
-            <a:ext cx="4114800" cy="365125"/>
+          <a:xfrm rot="16200000">
+            <a:off x="9959341" y="4046537"/>
+            <a:ext cx="3581400" cy="365125"/>
           </a:xfrm>
           <a:prstGeom prst="rect">
             <a:avLst/>
@@ -2947,11 +3272,12 @@
         <p:txBody>
           <a:bodyPr vert="horz" lIns="91440" tIns="45720" rIns="91440" bIns="45720" rtlCol="0" anchor="ctr"/>
           <a:lstStyle>
-            <a:lvl1pPr algn="ctr">
-              <a:defRPr sz="1200">
+            <a:lvl1pPr algn="l">
+              <a:defRPr sz="1050">
                 <a:solidFill>
-                  <a:schemeClr val="tx1">
-                    <a:tint val="75000"/>
+                  <a:schemeClr val="tx2">
+                    <a:lumMod val="20000"/>
+                    <a:lumOff val="80000"/>
                   </a:schemeClr>
                 </a:solidFill>
               </a:defRPr>
@@ -2964,13 +3290,7 @@
       </p:sp>
       <p:sp>
         <p:nvSpPr>
-          <p:cNvPr id="6" name="Slide Number Placeholder 5">
-            <a:extLst>
-              <a:ext uri="{FF2B5EF4-FFF2-40B4-BE49-F238E27FC236}">
-                <a16:creationId xmlns:a16="http://schemas.microsoft.com/office/drawing/2014/main" id="{B742BD38-A55C-427E-8011-BEAFBA5B5945}"/>
-              </a:ext>
-            </a:extLst>
-          </p:cNvPr>
+          <p:cNvPr id="6" name="Slide Number Placeholder 5"/>
           <p:cNvSpPr>
             <a:spLocks noGrp="1"/>
           </p:cNvSpPr>
@@ -2980,21 +3300,24 @@
         </p:nvSpPr>
         <p:spPr>
           <a:xfrm>
-            <a:off x="8610600" y="6356350"/>
-            <a:ext cx="2743200" cy="365125"/>
+            <a:off x="11292840" y="6172200"/>
+            <a:ext cx="914400" cy="593725"/>
           </a:xfrm>
           <a:prstGeom prst="rect">
             <a:avLst/>
           </a:prstGeom>
         </p:spPr>
         <p:txBody>
-          <a:bodyPr vert="horz" lIns="91440" tIns="45720" rIns="91440" bIns="45720" rtlCol="0" anchor="ctr"/>
+          <a:bodyPr vert="horz" lIns="45720" tIns="45720" rIns="45720" bIns="45720" rtlCol="0" anchor="ctr">
+            <a:normAutofit/>
+          </a:bodyPr>
           <a:lstStyle>
-            <a:lvl1pPr algn="r">
-              <a:defRPr sz="1200">
+            <a:lvl1pPr algn="ctr">
+              <a:defRPr sz="3600">
                 <a:solidFill>
-                  <a:schemeClr val="tx1">
-                    <a:tint val="75000"/>
+                  <a:schemeClr val="tx2">
+                    <a:lumMod val="60000"/>
+                    <a:lumOff val="40000"/>
                   </a:schemeClr>
                 </a:solidFill>
               </a:defRPr>
@@ -3012,23 +3335,23 @@
     </p:spTree>
     <p:extLst>
       <p:ext uri="{BB962C8B-B14F-4D97-AF65-F5344CB8AC3E}">
-        <p14:creationId xmlns:p14="http://schemas.microsoft.com/office/powerpoint/2010/main" val="1507891121"/>
+        <p14:creationId xmlns:p14="http://schemas.microsoft.com/office/powerpoint/2010/main" val="4095335005"/>
       </p:ext>
     </p:extLst>
   </p:cSld>
   <p:clrMap bg1="lt1" tx1="dk1" bg2="lt2" tx2="dk2" accent1="accent1" accent2="accent2" accent3="accent3" accent4="accent4" accent5="accent5" accent6="accent6" hlink="hlink" folHlink="folHlink"/>
   <p:sldLayoutIdLst>
-    <p:sldLayoutId id="2147483649" r:id="rId1"/>
-    <p:sldLayoutId id="2147483650" r:id="rId2"/>
-    <p:sldLayoutId id="2147483651" r:id="rId3"/>
-    <p:sldLayoutId id="2147483652" r:id="rId4"/>
-    <p:sldLayoutId id="2147483653" r:id="rId5"/>
-    <p:sldLayoutId id="2147483654" r:id="rId6"/>
-    <p:sldLayoutId id="2147483655" r:id="rId7"/>
-    <p:sldLayoutId id="2147483656" r:id="rId8"/>
-    <p:sldLayoutId id="2147483657" r:id="rId9"/>
-    <p:sldLayoutId id="2147483658" r:id="rId10"/>
-    <p:sldLayoutId id="2147483659" r:id="rId11"/>
+    <p:sldLayoutId id="2147483733" r:id="rId1"/>
+    <p:sldLayoutId id="2147483734" r:id="rId2"/>
+    <p:sldLayoutId id="2147483735" r:id="rId3"/>
+    <p:sldLayoutId id="2147483736" r:id="rId4"/>
+    <p:sldLayoutId id="2147483737" r:id="rId5"/>
+    <p:sldLayoutId id="2147483738" r:id="rId6"/>
+    <p:sldLayoutId id="2147483739" r:id="rId7"/>
+    <p:sldLayoutId id="2147483740" r:id="rId8"/>
+    <p:sldLayoutId id="2147483741" r:id="rId9"/>
+    <p:sldLayoutId id="2147483742" r:id="rId10"/>
+    <p:sldLayoutId id="2147483743" r:id="rId11"/>
   </p:sldLayoutIdLst>
   <p:txStyles>
     <p:titleStyle>
@@ -3040,7 +3363,7 @@
           <a:spcPct val="0"/>
         </a:spcBef>
         <a:buNone/>
-        <a:defRPr sz="4400" kern="1200">
+        <a:defRPr sz="4400" kern="1200" spc="-50" baseline="0">
           <a:solidFill>
             <a:schemeClr val="tx1"/>
           </a:solidFill>
@@ -3051,16 +3374,23 @@
       </a:lvl1pPr>
     </p:titleStyle>
     <p:bodyStyle>
-      <a:lvl1pPr marL="228600" indent="-228600" algn="l" defTabSz="914400" rtl="0" eaLnBrk="1" latinLnBrk="0" hangingPunct="1">
+      <a:lvl1pPr marL="182880" indent="-182880" algn="l" defTabSz="914400" rtl="0" eaLnBrk="1" latinLnBrk="0" hangingPunct="1">
         <a:lnSpc>
-          <a:spcPct val="90000"/>
+          <a:spcPct val="95000"/>
         </a:lnSpc>
         <a:spcBef>
-          <a:spcPts val="1000"/>
+          <a:spcPts val="1400"/>
         </a:spcBef>
-        <a:buFont typeface="Arial" panose="020B0604020202020204" pitchFamily="34" charset="0"/>
+        <a:spcAft>
+          <a:spcPts val="200"/>
+        </a:spcAft>
+        <a:buClr>
+          <a:schemeClr val="accent1"/>
+        </a:buClr>
+        <a:buSzPct val="80000"/>
+        <a:buFont typeface="Arial" pitchFamily="34" charset="0"/>
         <a:buChar char="•"/>
-        <a:defRPr sz="2800" kern="1200">
+        <a:defRPr sz="1800" kern="1200" spc="10" baseline="0">
           <a:solidFill>
             <a:schemeClr val="tx1"/>
           </a:solidFill>
@@ -3069,144 +3399,216 @@
           <a:cs typeface="+mn-cs"/>
         </a:defRPr>
       </a:lvl1pPr>
-      <a:lvl2pPr marL="685800" indent="-228600" algn="l" defTabSz="914400" rtl="0" eaLnBrk="1" latinLnBrk="0" hangingPunct="1">
+      <a:lvl2pPr marL="457200" indent="-182880" algn="l" defTabSz="914400" rtl="0" eaLnBrk="1" latinLnBrk="0" hangingPunct="1">
         <a:lnSpc>
           <a:spcPct val="90000"/>
         </a:lnSpc>
         <a:spcBef>
-          <a:spcPts val="500"/>
+          <a:spcPts val="300"/>
         </a:spcBef>
-        <a:buFont typeface="Arial" panose="020B0604020202020204" pitchFamily="34" charset="0"/>
-        <a:buChar char="•"/>
-        <a:defRPr sz="2400" kern="1200">
+        <a:spcAft>
+          <a:spcPts val="300"/>
+        </a:spcAft>
+        <a:buClr>
+          <a:schemeClr val="accent1"/>
+        </a:buClr>
+        <a:buFont typeface="Wingdings 2" pitchFamily="18" charset="2"/>
+        <a:buChar char=""/>
+        <a:defRPr sz="1600" kern="1200">
           <a:solidFill>
-            <a:schemeClr val="tx1"/>
+            <a:schemeClr val="tx1">
+              <a:lumMod val="85000"/>
+              <a:lumOff val="15000"/>
+            </a:schemeClr>
           </a:solidFill>
           <a:latin typeface="+mn-lt"/>
           <a:ea typeface="+mn-ea"/>
           <a:cs typeface="+mn-cs"/>
         </a:defRPr>
       </a:lvl2pPr>
-      <a:lvl3pPr marL="1143000" indent="-228600" algn="l" defTabSz="914400" rtl="0" eaLnBrk="1" latinLnBrk="0" hangingPunct="1">
+      <a:lvl3pPr marL="731520" indent="-182880" algn="l" defTabSz="914400" rtl="0" eaLnBrk="1" latinLnBrk="0" hangingPunct="1">
         <a:lnSpc>
           <a:spcPct val="90000"/>
         </a:lnSpc>
         <a:spcBef>
-          <a:spcPts val="500"/>
+          <a:spcPts val="300"/>
         </a:spcBef>
-        <a:buFont typeface="Arial" panose="020B0604020202020204" pitchFamily="34" charset="0"/>
-        <a:buChar char="•"/>
-        <a:defRPr sz="2000" kern="1200">
+        <a:spcAft>
+          <a:spcPts val="300"/>
+        </a:spcAft>
+        <a:buClr>
+          <a:schemeClr val="accent1"/>
+        </a:buClr>
+        <a:buFont typeface="Wingdings 2" pitchFamily="18" charset="2"/>
+        <a:buChar char=""/>
+        <a:defRPr sz="1400" kern="1200">
           <a:solidFill>
-            <a:schemeClr val="tx1"/>
+            <a:schemeClr val="tx1">
+              <a:lumMod val="85000"/>
+              <a:lumOff val="15000"/>
+            </a:schemeClr>
           </a:solidFill>
           <a:latin typeface="+mn-lt"/>
           <a:ea typeface="+mn-ea"/>
           <a:cs typeface="+mn-cs"/>
         </a:defRPr>
       </a:lvl3pPr>
-      <a:lvl4pPr marL="1600200" indent="-228600" algn="l" defTabSz="914400" rtl="0" eaLnBrk="1" latinLnBrk="0" hangingPunct="1">
+      <a:lvl4pPr marL="1005840" indent="-182880" algn="l" defTabSz="914400" rtl="0" eaLnBrk="1" latinLnBrk="0" hangingPunct="1">
         <a:lnSpc>
           <a:spcPct val="90000"/>
         </a:lnSpc>
         <a:spcBef>
-          <a:spcPts val="500"/>
+          <a:spcPts val="300"/>
         </a:spcBef>
-        <a:buFont typeface="Arial" panose="020B0604020202020204" pitchFamily="34" charset="0"/>
-        <a:buChar char="•"/>
-        <a:defRPr sz="1800" kern="1200">
+        <a:spcAft>
+          <a:spcPts val="300"/>
+        </a:spcAft>
+        <a:buClr>
+          <a:schemeClr val="accent1"/>
+        </a:buClr>
+        <a:buFont typeface="Wingdings 2" pitchFamily="18" charset="2"/>
+        <a:buChar char=""/>
+        <a:defRPr sz="1400" kern="1200">
           <a:solidFill>
-            <a:schemeClr val="tx1"/>
+            <a:schemeClr val="tx1">
+              <a:lumMod val="85000"/>
+              <a:lumOff val="15000"/>
+            </a:schemeClr>
           </a:solidFill>
           <a:latin typeface="+mn-lt"/>
           <a:ea typeface="+mn-ea"/>
           <a:cs typeface="+mn-cs"/>
         </a:defRPr>
       </a:lvl4pPr>
-      <a:lvl5pPr marL="2057400" indent="-228600" algn="l" defTabSz="914400" rtl="0" eaLnBrk="1" latinLnBrk="0" hangingPunct="1">
+      <a:lvl5pPr marL="1280160" indent="-182880" algn="l" defTabSz="914400" rtl="0" eaLnBrk="1" latinLnBrk="0" hangingPunct="1">
         <a:lnSpc>
           <a:spcPct val="90000"/>
         </a:lnSpc>
         <a:spcBef>
-          <a:spcPts val="500"/>
+          <a:spcPts val="300"/>
         </a:spcBef>
-        <a:buFont typeface="Arial" panose="020B0604020202020204" pitchFamily="34" charset="0"/>
-        <a:buChar char="•"/>
-        <a:defRPr sz="1800" kern="1200">
+        <a:spcAft>
+          <a:spcPts val="300"/>
+        </a:spcAft>
+        <a:buClr>
+          <a:schemeClr val="accent1"/>
+        </a:buClr>
+        <a:buFont typeface="Wingdings 2" pitchFamily="18" charset="2"/>
+        <a:buChar char=""/>
+        <a:defRPr sz="1400" kern="1200">
           <a:solidFill>
-            <a:schemeClr val="tx1"/>
+            <a:schemeClr val="tx1">
+              <a:lumMod val="85000"/>
+              <a:lumOff val="15000"/>
+            </a:schemeClr>
           </a:solidFill>
           <a:latin typeface="+mn-lt"/>
           <a:ea typeface="+mn-ea"/>
           <a:cs typeface="+mn-cs"/>
         </a:defRPr>
       </a:lvl5pPr>
-      <a:lvl6pPr marL="2514600" indent="-228600" algn="l" defTabSz="914400" rtl="0" eaLnBrk="1" latinLnBrk="0" hangingPunct="1">
+      <a:lvl6pPr marL="1600000" indent="-228600" algn="l" defTabSz="914400" rtl="0" eaLnBrk="1" latinLnBrk="0" hangingPunct="1">
         <a:lnSpc>
           <a:spcPct val="90000"/>
         </a:lnSpc>
         <a:spcBef>
-          <a:spcPts val="500"/>
+          <a:spcPts val="300"/>
         </a:spcBef>
-        <a:buFont typeface="Arial" panose="020B0604020202020204" pitchFamily="34" charset="0"/>
-        <a:buChar char="•"/>
-        <a:defRPr sz="1800" kern="1200">
+        <a:spcAft>
+          <a:spcPts val="300"/>
+        </a:spcAft>
+        <a:buClr>
+          <a:schemeClr val="accent1"/>
+        </a:buClr>
+        <a:buFont typeface="Wingdings 2" pitchFamily="18" charset="2"/>
+        <a:buChar char=""/>
+        <a:defRPr sz="1400" kern="1200">
           <a:solidFill>
-            <a:schemeClr val="tx1"/>
+            <a:schemeClr val="tx1">
+              <a:lumMod val="85000"/>
+              <a:lumOff val="15000"/>
+            </a:schemeClr>
           </a:solidFill>
           <a:latin typeface="+mn-lt"/>
           <a:ea typeface="+mn-ea"/>
           <a:cs typeface="+mn-cs"/>
         </a:defRPr>
       </a:lvl6pPr>
-      <a:lvl7pPr marL="2971800" indent="-228600" algn="l" defTabSz="914400" rtl="0" eaLnBrk="1" latinLnBrk="0" hangingPunct="1">
+      <a:lvl7pPr marL="1900000" indent="-228600" algn="l" defTabSz="914400" rtl="0" eaLnBrk="1" latinLnBrk="0" hangingPunct="1">
         <a:lnSpc>
           <a:spcPct val="90000"/>
         </a:lnSpc>
         <a:spcBef>
-          <a:spcPts val="500"/>
+          <a:spcPts val="300"/>
         </a:spcBef>
-        <a:buFont typeface="Arial" panose="020B0604020202020204" pitchFamily="34" charset="0"/>
-        <a:buChar char="•"/>
-        <a:defRPr sz="1800" kern="1200">
+        <a:spcAft>
+          <a:spcPts val="300"/>
+        </a:spcAft>
+        <a:buClr>
+          <a:schemeClr val="accent1"/>
+        </a:buClr>
+        <a:buFont typeface="Wingdings 2" pitchFamily="18" charset="2"/>
+        <a:buChar char=""/>
+        <a:defRPr sz="1400" kern="1200">
           <a:solidFill>
-            <a:schemeClr val="tx1"/>
+            <a:schemeClr val="tx1">
+              <a:lumMod val="85000"/>
+              <a:lumOff val="15000"/>
+            </a:schemeClr>
           </a:solidFill>
           <a:latin typeface="+mn-lt"/>
           <a:ea typeface="+mn-ea"/>
           <a:cs typeface="+mn-cs"/>
         </a:defRPr>
       </a:lvl7pPr>
-      <a:lvl8pPr marL="3429000" indent="-228600" algn="l" defTabSz="914400" rtl="0" eaLnBrk="1" latinLnBrk="0" hangingPunct="1">
+      <a:lvl8pPr marL="2200000" indent="-228600" algn="l" defTabSz="914400" rtl="0" eaLnBrk="1" latinLnBrk="0" hangingPunct="1">
         <a:lnSpc>
           <a:spcPct val="90000"/>
         </a:lnSpc>
         <a:spcBef>
-          <a:spcPts val="500"/>
+          <a:spcPts val="300"/>
         </a:spcBef>
-        <a:buFont typeface="Arial" panose="020B0604020202020204" pitchFamily="34" charset="0"/>
-        <a:buChar char="•"/>
-        <a:defRPr sz="1800" kern="1200">
+        <a:spcAft>
+          <a:spcPts val="300"/>
+        </a:spcAft>
+        <a:buClr>
+          <a:schemeClr val="accent1"/>
+        </a:buClr>
+        <a:buFont typeface="Wingdings 2" pitchFamily="18" charset="2"/>
+        <a:buChar char=""/>
+        <a:defRPr sz="1400" kern="1200">
           <a:solidFill>
-            <a:schemeClr val="tx1"/>
+            <a:schemeClr val="tx1">
+              <a:lumMod val="85000"/>
+              <a:lumOff val="15000"/>
+            </a:schemeClr>
           </a:solidFill>
           <a:latin typeface="+mn-lt"/>
           <a:ea typeface="+mn-ea"/>
           <a:cs typeface="+mn-cs"/>
         </a:defRPr>
       </a:lvl8pPr>
-      <a:lvl9pPr marL="3886200" indent="-228600" algn="l" defTabSz="914400" rtl="0" eaLnBrk="1" latinLnBrk="0" hangingPunct="1">
+      <a:lvl9pPr marL="2500000" indent="-228600" algn="l" defTabSz="914400" rtl="0" eaLnBrk="1" latinLnBrk="0" hangingPunct="1">
         <a:lnSpc>
           <a:spcPct val="90000"/>
         </a:lnSpc>
         <a:spcBef>
-          <a:spcPts val="500"/>
+          <a:spcPts val="300"/>
         </a:spcBef>
-        <a:buFont typeface="Arial" panose="020B0604020202020204" pitchFamily="34" charset="0"/>
-        <a:buChar char="•"/>
-        <a:defRPr sz="1800" kern="1200">
+        <a:spcAft>
+          <a:spcPts val="300"/>
+        </a:spcAft>
+        <a:buClr>
+          <a:schemeClr val="accent1"/>
+        </a:buClr>
+        <a:buFont typeface="Wingdings 2" pitchFamily="18" charset="2"/>
+        <a:buChar char=""/>
+        <a:defRPr sz="1400" kern="1200">
           <a:solidFill>
-            <a:schemeClr val="tx1"/>
+            <a:schemeClr val="tx1">
+              <a:lumMod val="85000"/>
+              <a:lumOff val="15000"/>
+            </a:schemeClr>
           </a:solidFill>
           <a:latin typeface="+mn-lt"/>
           <a:ea typeface="+mn-ea"/>
@@ -3330,6 +3732,771 @@
           <a:chExt cx="0" cy="0"/>
         </a:xfrm>
       </p:grpSpPr>
+      <p:sp>
+        <p:nvSpPr>
+          <p:cNvPr id="2" name="Title 1">
+            <a:extLst>
+              <a:ext uri="{FF2B5EF4-FFF2-40B4-BE49-F238E27FC236}">
+                <a16:creationId xmlns:a16="http://schemas.microsoft.com/office/drawing/2014/main" id="{1CE7EA1D-3D98-4FDA-9942-F9A3C8B5AE33}"/>
+              </a:ext>
+            </a:extLst>
+          </p:cNvPr>
+          <p:cNvSpPr>
+            <a:spLocks noGrp="1"/>
+          </p:cNvSpPr>
+          <p:nvPr>
+            <p:ph type="ctrTitle"/>
+          </p:nvPr>
+        </p:nvSpPr>
+        <p:spPr>
+          <a:xfrm>
+            <a:off x="1386840" y="2284827"/>
+            <a:ext cx="9418320" cy="1158241"/>
+          </a:xfrm>
+        </p:spPr>
+        <p:txBody>
+          <a:bodyPr/>
+          <a:lstStyle/>
+          <a:p>
+            <a:pPr algn="ctr"/>
+            <a:r>
+              <a:rPr lang="en-US" b="1" dirty="0" err="1"/>
+              <a:t>ConfigNVPSim</a:t>
+            </a:r>
+            <a:endParaRPr lang="en-US" b="1" dirty="0"/>
+          </a:p>
+        </p:txBody>
+      </p:sp>
+      <p:sp>
+        <p:nvSpPr>
+          <p:cNvPr id="3" name="Subtitle 2">
+            <a:extLst>
+              <a:ext uri="{FF2B5EF4-FFF2-40B4-BE49-F238E27FC236}">
+                <a16:creationId xmlns:a16="http://schemas.microsoft.com/office/drawing/2014/main" id="{F501072F-B26B-4179-AD13-21DC6E071FA6}"/>
+              </a:ext>
+            </a:extLst>
+          </p:cNvPr>
+          <p:cNvSpPr>
+            <a:spLocks noGrp="1"/>
+          </p:cNvSpPr>
+          <p:nvPr>
+            <p:ph type="subTitle" idx="1"/>
+          </p:nvPr>
+        </p:nvSpPr>
+        <p:spPr>
+          <a:xfrm>
+            <a:off x="1386840" y="3443068"/>
+            <a:ext cx="9418320" cy="476191"/>
+          </a:xfrm>
+        </p:spPr>
+        <p:txBody>
+          <a:bodyPr/>
+          <a:lstStyle/>
+          <a:p>
+            <a:pPr algn="ctr"/>
+            <a:r>
+              <a:rPr lang="en-US" b="1" dirty="0"/>
+              <a:t>GEM5 Based Configurable NVP Simulator</a:t>
+            </a:r>
+          </a:p>
+        </p:txBody>
+      </p:sp>
+      <p:graphicFrame>
+        <p:nvGraphicFramePr>
+          <p:cNvPr id="4" name="Table 3">
+            <a:extLst>
+              <a:ext uri="{FF2B5EF4-FFF2-40B4-BE49-F238E27FC236}">
+                <a16:creationId xmlns:a16="http://schemas.microsoft.com/office/drawing/2014/main" id="{C8963D07-8EEE-452E-852C-D4A4789142A8}"/>
+              </a:ext>
+            </a:extLst>
+          </p:cNvPr>
+          <p:cNvGraphicFramePr>
+            <a:graphicFrameLocks noGrp="1"/>
+          </p:cNvGraphicFramePr>
+          <p:nvPr>
+            <p:extLst>
+              <p:ext uri="{D42A27DB-BD31-4B8C-83A1-F6EECF244321}">
+                <p14:modId xmlns:p14="http://schemas.microsoft.com/office/powerpoint/2010/main" val="2277384510"/>
+              </p:ext>
+            </p:extLst>
+          </p:nvPr>
+        </p:nvGraphicFramePr>
+        <p:xfrm>
+          <a:off x="2032000" y="5330249"/>
+          <a:ext cx="8127999" cy="1158240"/>
+        </p:xfrm>
+        <a:graphic>
+          <a:graphicData uri="http://schemas.openxmlformats.org/drawingml/2006/table">
+            <a:tbl>
+              <a:tblPr firstRow="1" bandRow="1">
+                <a:tableStyleId>{073A0DAA-6AF3-43AB-8588-CEC1D06C72B9}</a:tableStyleId>
+              </a:tblPr>
+              <a:tblGrid>
+                <a:gridCol w="2709333">
+                  <a:extLst>
+                    <a:ext uri="{9D8B030D-6E8A-4147-A177-3AD203B41FA5}">
+                      <a16:colId xmlns:a16="http://schemas.microsoft.com/office/drawing/2014/main" val="3093791821"/>
+                    </a:ext>
+                  </a:extLst>
+                </a:gridCol>
+                <a:gridCol w="2709333">
+                  <a:extLst>
+                    <a:ext uri="{9D8B030D-6E8A-4147-A177-3AD203B41FA5}">
+                      <a16:colId xmlns:a16="http://schemas.microsoft.com/office/drawing/2014/main" val="271596103"/>
+                    </a:ext>
+                  </a:extLst>
+                </a:gridCol>
+                <a:gridCol w="2709333">
+                  <a:extLst>
+                    <a:ext uri="{9D8B030D-6E8A-4147-A177-3AD203B41FA5}">
+                      <a16:colId xmlns:a16="http://schemas.microsoft.com/office/drawing/2014/main" val="2139432658"/>
+                    </a:ext>
+                  </a:extLst>
+                </a:gridCol>
+              </a:tblGrid>
+              <a:tr h="370840">
+                <a:tc>
+                  <a:txBody>
+                    <a:bodyPr/>
+                    <a:lstStyle/>
+                    <a:p>
+                      <a:pPr algn="ctr"/>
+                      <a:r>
+                        <a:rPr lang="en-US" sz="1400" b="0" i="0" kern="1200" dirty="0">
+                          <a:solidFill>
+                            <a:schemeClr val="lt1"/>
+                          </a:solidFill>
+                          <a:effectLst/>
+                          <a:latin typeface="+mn-lt"/>
+                          <a:ea typeface="+mn-ea"/>
+                          <a:cs typeface="+mn-cs"/>
+                        </a:rPr>
+                        <a:t>Gulsum Gudukbay</a:t>
+                      </a:r>
+                    </a:p>
+                    <a:p>
+                      <a:pPr algn="ctr"/>
+                      <a:r>
+                        <a:rPr lang="en-US" sz="1400" b="0" i="0" kern="1200" dirty="0">
+                          <a:solidFill>
+                            <a:schemeClr val="lt1"/>
+                          </a:solidFill>
+                          <a:effectLst/>
+                          <a:latin typeface="+mn-lt"/>
+                          <a:ea typeface="+mn-ea"/>
+                          <a:cs typeface="+mn-cs"/>
+                        </a:rPr>
+                        <a:t>Computer Science and Engineering</a:t>
+                      </a:r>
+                    </a:p>
+                    <a:p>
+                      <a:pPr algn="ctr"/>
+                      <a:r>
+                        <a:rPr lang="en-US" sz="1400" b="0" i="0" kern="1200" dirty="0">
+                          <a:solidFill>
+                            <a:schemeClr val="lt1"/>
+                          </a:solidFill>
+                          <a:effectLst/>
+                          <a:latin typeface="+mn-lt"/>
+                          <a:ea typeface="+mn-ea"/>
+                          <a:cs typeface="+mn-cs"/>
+                        </a:rPr>
+                        <a:t>Pennsylvania State University</a:t>
+                      </a:r>
+                    </a:p>
+                    <a:p>
+                      <a:pPr algn="ctr"/>
+                      <a:r>
+                        <a:rPr lang="en-US" sz="1400" b="0" i="0" kern="1200" dirty="0">
+                          <a:solidFill>
+                            <a:schemeClr val="lt1"/>
+                          </a:solidFill>
+                          <a:effectLst/>
+                          <a:latin typeface="+mn-lt"/>
+                          <a:ea typeface="+mn-ea"/>
+                          <a:cs typeface="+mn-cs"/>
+                        </a:rPr>
+                        <a:t>gxg5138@psu.edu</a:t>
+                      </a:r>
+                    </a:p>
+                  </a:txBody>
+                  <a:tcPr>
+                    <a:lnL w="12700" cmpd="sng">
+                      <a:noFill/>
+                    </a:lnL>
+                    <a:lnR w="12700" cmpd="sng">
+                      <a:noFill/>
+                    </a:lnR>
+                    <a:lnT w="12700" cmpd="sng">
+                      <a:noFill/>
+                    </a:lnT>
+                    <a:lnB w="38100" cmpd="sng">
+                      <a:noFill/>
+                    </a:lnB>
+                    <a:lnTlToBr w="12700" cmpd="sng">
+                      <a:noFill/>
+                      <a:prstDash val="solid"/>
+                    </a:lnTlToBr>
+                    <a:lnBlToTr w="12700" cmpd="sng">
+                      <a:noFill/>
+                      <a:prstDash val="solid"/>
+                    </a:lnBlToTr>
+                    <a:noFill/>
+                  </a:tcPr>
+                </a:tc>
+                <a:tc>
+                  <a:txBody>
+                    <a:bodyPr/>
+                    <a:lstStyle/>
+                    <a:p>
+                      <a:pPr algn="ctr"/>
+                      <a:r>
+                        <a:rPr lang="en-US" sz="1400" b="0" i="0" kern="1200" dirty="0" err="1">
+                          <a:solidFill>
+                            <a:schemeClr val="lt1"/>
+                          </a:solidFill>
+                          <a:effectLst/>
+                          <a:latin typeface="+mn-lt"/>
+                          <a:ea typeface="+mn-ea"/>
+                          <a:cs typeface="+mn-cs"/>
+                        </a:rPr>
+                        <a:t>Sethu</a:t>
+                      </a:r>
+                      <a:r>
+                        <a:rPr lang="en-US" sz="1400" b="0" i="0" kern="1200" dirty="0">
+                          <a:solidFill>
+                            <a:schemeClr val="lt1"/>
+                          </a:solidFill>
+                          <a:effectLst/>
+                          <a:latin typeface="+mn-lt"/>
+                          <a:ea typeface="+mn-ea"/>
+                          <a:cs typeface="+mn-cs"/>
+                        </a:rPr>
+                        <a:t> Jose</a:t>
+                      </a:r>
+                    </a:p>
+                    <a:p>
+                      <a:pPr algn="ctr"/>
+                      <a:r>
+                        <a:rPr lang="en-US" sz="1400" b="0" i="0" kern="1200" dirty="0">
+                          <a:solidFill>
+                            <a:schemeClr val="lt1"/>
+                          </a:solidFill>
+                          <a:effectLst/>
+                          <a:latin typeface="+mn-lt"/>
+                          <a:ea typeface="+mn-ea"/>
+                          <a:cs typeface="+mn-cs"/>
+                        </a:rPr>
+                        <a:t>Computer Science and Engineering</a:t>
+                      </a:r>
+                    </a:p>
+                    <a:p>
+                      <a:pPr algn="ctr"/>
+                      <a:r>
+                        <a:rPr lang="en-US" sz="1400" b="0" i="0" kern="1200" dirty="0">
+                          <a:solidFill>
+                            <a:schemeClr val="lt1"/>
+                          </a:solidFill>
+                          <a:effectLst/>
+                          <a:latin typeface="+mn-lt"/>
+                          <a:ea typeface="+mn-ea"/>
+                          <a:cs typeface="+mn-cs"/>
+                        </a:rPr>
+                        <a:t>Pennsylvania State University</a:t>
+                      </a:r>
+                    </a:p>
+                    <a:p>
+                      <a:pPr algn="ctr"/>
+                      <a:r>
+                        <a:rPr lang="en-US" sz="1400" b="0" i="0" kern="1200" dirty="0">
+                          <a:solidFill>
+                            <a:schemeClr val="lt1"/>
+                          </a:solidFill>
+                          <a:effectLst/>
+                          <a:latin typeface="+mn-lt"/>
+                          <a:ea typeface="+mn-ea"/>
+                          <a:cs typeface="+mn-cs"/>
+                        </a:rPr>
+                        <a:t>sxj487@psu.edu</a:t>
+                      </a:r>
+                    </a:p>
+                  </a:txBody>
+                  <a:tcPr>
+                    <a:lnL w="12700" cmpd="sng">
+                      <a:noFill/>
+                    </a:lnL>
+                    <a:lnR w="12700" cmpd="sng">
+                      <a:noFill/>
+                    </a:lnR>
+                    <a:lnT w="12700" cmpd="sng">
+                      <a:noFill/>
+                    </a:lnT>
+                    <a:lnB w="38100" cmpd="sng">
+                      <a:noFill/>
+                    </a:lnB>
+                    <a:lnTlToBr w="12700" cmpd="sng">
+                      <a:noFill/>
+                      <a:prstDash val="solid"/>
+                    </a:lnTlToBr>
+                    <a:lnBlToTr w="12700" cmpd="sng">
+                      <a:noFill/>
+                      <a:prstDash val="solid"/>
+                    </a:lnBlToTr>
+                    <a:noFill/>
+                  </a:tcPr>
+                </a:tc>
+                <a:tc>
+                  <a:txBody>
+                    <a:bodyPr/>
+                    <a:lstStyle/>
+                    <a:p>
+                      <a:pPr algn="ctr"/>
+                      <a:r>
+                        <a:rPr lang="en-US" sz="1400" b="0" i="0" kern="1200" dirty="0" err="1">
+                          <a:solidFill>
+                            <a:schemeClr val="lt1"/>
+                          </a:solidFill>
+                          <a:effectLst/>
+                          <a:latin typeface="+mn-lt"/>
+                          <a:ea typeface="+mn-ea"/>
+                          <a:cs typeface="+mn-cs"/>
+                        </a:rPr>
+                        <a:t>Vineetha</a:t>
+                      </a:r>
+                      <a:r>
+                        <a:rPr lang="en-US" sz="1400" b="0" i="0" kern="1200" dirty="0">
+                          <a:solidFill>
+                            <a:schemeClr val="lt1"/>
+                          </a:solidFill>
+                          <a:effectLst/>
+                          <a:latin typeface="+mn-lt"/>
+                          <a:ea typeface="+mn-ea"/>
+                          <a:cs typeface="+mn-cs"/>
+                        </a:rPr>
+                        <a:t> </a:t>
+                      </a:r>
+                      <a:r>
+                        <a:rPr lang="en-US" sz="1400" b="0" i="0" kern="1200" dirty="0" err="1">
+                          <a:solidFill>
+                            <a:schemeClr val="lt1"/>
+                          </a:solidFill>
+                          <a:effectLst/>
+                          <a:latin typeface="+mn-lt"/>
+                          <a:ea typeface="+mn-ea"/>
+                          <a:cs typeface="+mn-cs"/>
+                        </a:rPr>
+                        <a:t>Govindaraj</a:t>
+                      </a:r>
+                      <a:endParaRPr lang="en-US" sz="1400" b="0" i="0" kern="1200" dirty="0">
+                        <a:solidFill>
+                          <a:schemeClr val="lt1"/>
+                        </a:solidFill>
+                        <a:effectLst/>
+                        <a:latin typeface="+mn-lt"/>
+                        <a:ea typeface="+mn-ea"/>
+                        <a:cs typeface="+mn-cs"/>
+                      </a:endParaRPr>
+                    </a:p>
+                    <a:p>
+                      <a:pPr algn="ctr"/>
+                      <a:r>
+                        <a:rPr lang="en-US" sz="1400" b="0" i="0" kern="1200" dirty="0">
+                          <a:solidFill>
+                            <a:schemeClr val="lt1"/>
+                          </a:solidFill>
+                          <a:effectLst/>
+                          <a:latin typeface="+mn-lt"/>
+                          <a:ea typeface="+mn-ea"/>
+                          <a:cs typeface="+mn-cs"/>
+                        </a:rPr>
+                        <a:t>Computer Science and Engineering</a:t>
+                      </a:r>
+                    </a:p>
+                    <a:p>
+                      <a:pPr algn="ctr"/>
+                      <a:r>
+                        <a:rPr lang="en-US" sz="1400" b="0" i="0" kern="1200" dirty="0">
+                          <a:solidFill>
+                            <a:schemeClr val="lt1"/>
+                          </a:solidFill>
+                          <a:effectLst/>
+                          <a:latin typeface="+mn-lt"/>
+                          <a:ea typeface="+mn-ea"/>
+                          <a:cs typeface="+mn-cs"/>
+                        </a:rPr>
+                        <a:t>Pennsylvania State University</a:t>
+                      </a:r>
+                    </a:p>
+                    <a:p>
+                      <a:pPr algn="ctr"/>
+                      <a:r>
+                        <a:rPr lang="en-US" sz="1400" b="0" i="0" kern="1200" dirty="0">
+                          <a:solidFill>
+                            <a:schemeClr val="lt1"/>
+                          </a:solidFill>
+                          <a:effectLst/>
+                          <a:latin typeface="+mn-lt"/>
+                          <a:ea typeface="+mn-ea"/>
+                          <a:cs typeface="+mn-cs"/>
+                        </a:rPr>
+                        <a:t>vzg99@psu.edu</a:t>
+                      </a:r>
+                    </a:p>
+                  </a:txBody>
+                  <a:tcPr>
+                    <a:lnL w="12700" cmpd="sng">
+                      <a:noFill/>
+                    </a:lnL>
+                    <a:lnR w="12700" cmpd="sng">
+                      <a:noFill/>
+                    </a:lnR>
+                    <a:lnT w="12700" cmpd="sng">
+                      <a:noFill/>
+                    </a:lnT>
+                    <a:lnB w="38100" cmpd="sng">
+                      <a:noFill/>
+                    </a:lnB>
+                    <a:lnTlToBr w="12700" cmpd="sng">
+                      <a:noFill/>
+                      <a:prstDash val="solid"/>
+                    </a:lnTlToBr>
+                    <a:lnBlToTr w="12700" cmpd="sng">
+                      <a:noFill/>
+                      <a:prstDash val="solid"/>
+                    </a:lnBlToTr>
+                    <a:noFill/>
+                  </a:tcPr>
+                </a:tc>
+                <a:extLst>
+                  <a:ext uri="{0D108BD9-81ED-4DB2-BD59-A6C34878D82A}">
+                    <a16:rowId xmlns:a16="http://schemas.microsoft.com/office/drawing/2014/main" val="152387968"/>
+                  </a:ext>
+                </a:extLst>
+              </a:tr>
+            </a:tbl>
+          </a:graphicData>
+        </a:graphic>
+      </p:graphicFrame>
+    </p:spTree>
+    <p:extLst>
+      <p:ext uri="{BB962C8B-B14F-4D97-AF65-F5344CB8AC3E}">
+        <p14:creationId xmlns:p14="http://schemas.microsoft.com/office/powerpoint/2010/main" val="2264776561"/>
+      </p:ext>
+    </p:extLst>
+  </p:cSld>
+  <p:clrMapOvr>
+    <a:masterClrMapping/>
+  </p:clrMapOvr>
+</p:sld>
+</file>
+
+<file path=ppt/slides/slide10.xml><?xml version="1.0" encoding="utf-8"?>
+<p:sld xmlns:a="http://schemas.openxmlformats.org/drawingml/2006/main" xmlns:r="http://schemas.openxmlformats.org/officeDocument/2006/relationships" xmlns:p="http://schemas.openxmlformats.org/presentationml/2006/main">
+  <p:cSld>
+    <p:bg>
+      <p:bgPr>
+        <a:solidFill>
+          <a:schemeClr val="tx1">
+            <a:lumMod val="85000"/>
+          </a:schemeClr>
+        </a:solidFill>
+        <a:effectLst/>
+      </p:bgPr>
+    </p:bg>
+    <p:spTree>
+      <p:nvGrpSpPr>
+        <p:cNvPr id="1" name=""/>
+        <p:cNvGrpSpPr/>
+        <p:nvPr/>
+      </p:nvGrpSpPr>
+      <p:grpSpPr>
+        <a:xfrm>
+          <a:off x="0" y="0"/>
+          <a:ext cx="0" cy="0"/>
+          <a:chOff x="0" y="0"/>
+          <a:chExt cx="0" cy="0"/>
+        </a:xfrm>
+      </p:grpSpPr>
+      <p:pic>
+        <p:nvPicPr>
+          <p:cNvPr id="3" name="Picture 2">
+            <a:extLst>
+              <a:ext uri="{FF2B5EF4-FFF2-40B4-BE49-F238E27FC236}">
+                <a16:creationId xmlns:a16="http://schemas.microsoft.com/office/drawing/2014/main" id="{D79CDCBF-8EC0-47BD-A807-5D22AF0C96BB}"/>
+              </a:ext>
+            </a:extLst>
+          </p:cNvPr>
+          <p:cNvPicPr>
+            <a:picLocks noChangeAspect="1"/>
+          </p:cNvPicPr>
+          <p:nvPr/>
+        </p:nvPicPr>
+        <p:blipFill>
+          <a:blip r:embed="rId2"/>
+          <a:stretch>
+            <a:fillRect/>
+          </a:stretch>
+        </p:blipFill>
+        <p:spPr>
+          <a:xfrm>
+            <a:off x="-3674" y="281354"/>
+            <a:ext cx="12195674" cy="6293395"/>
+          </a:xfrm>
+          <a:prstGeom prst="rect">
+            <a:avLst/>
+          </a:prstGeom>
+        </p:spPr>
+      </p:pic>
+    </p:spTree>
+    <p:extLst>
+      <p:ext uri="{BB962C8B-B14F-4D97-AF65-F5344CB8AC3E}">
+        <p14:creationId xmlns:p14="http://schemas.microsoft.com/office/powerpoint/2010/main" val="3795526922"/>
+      </p:ext>
+    </p:extLst>
+  </p:cSld>
+  <p:clrMapOvr>
+    <a:masterClrMapping/>
+  </p:clrMapOvr>
+</p:sld>
+</file>
+
+<file path=ppt/slides/slide11.xml><?xml version="1.0" encoding="utf-8"?>
+<p:sld xmlns:a="http://schemas.openxmlformats.org/drawingml/2006/main" xmlns:r="http://schemas.openxmlformats.org/officeDocument/2006/relationships" xmlns:p="http://schemas.openxmlformats.org/presentationml/2006/main">
+  <p:cSld>
+    <p:bg>
+      <p:bgPr>
+        <a:solidFill>
+          <a:schemeClr val="tx1">
+            <a:lumMod val="85000"/>
+          </a:schemeClr>
+        </a:solidFill>
+        <a:effectLst/>
+      </p:bgPr>
+    </p:bg>
+    <p:spTree>
+      <p:nvGrpSpPr>
+        <p:cNvPr id="1" name=""/>
+        <p:cNvGrpSpPr/>
+        <p:nvPr/>
+      </p:nvGrpSpPr>
+      <p:grpSpPr>
+        <a:xfrm>
+          <a:off x="0" y="0"/>
+          <a:ext cx="0" cy="0"/>
+          <a:chOff x="0" y="0"/>
+          <a:chExt cx="0" cy="0"/>
+        </a:xfrm>
+      </p:grpSpPr>
+      <p:pic>
+        <p:nvPicPr>
+          <p:cNvPr id="8" name="Picture 7">
+            <a:extLst>
+              <a:ext uri="{FF2B5EF4-FFF2-40B4-BE49-F238E27FC236}">
+                <a16:creationId xmlns:a16="http://schemas.microsoft.com/office/drawing/2014/main" id="{DAB4F0E6-C363-424E-8220-88833C7ACE63}"/>
+              </a:ext>
+            </a:extLst>
+          </p:cNvPr>
+          <p:cNvPicPr>
+            <a:picLocks noChangeAspect="1"/>
+          </p:cNvPicPr>
+          <p:nvPr/>
+        </p:nvPicPr>
+        <p:blipFill>
+          <a:blip r:embed="rId2"/>
+          <a:stretch>
+            <a:fillRect/>
+          </a:stretch>
+        </p:blipFill>
+        <p:spPr>
+          <a:xfrm>
+            <a:off x="16725" y="351693"/>
+            <a:ext cx="12245396" cy="6198576"/>
+          </a:xfrm>
+          <a:prstGeom prst="rect">
+            <a:avLst/>
+          </a:prstGeom>
+        </p:spPr>
+      </p:pic>
+    </p:spTree>
+    <p:extLst>
+      <p:ext uri="{BB962C8B-B14F-4D97-AF65-F5344CB8AC3E}">
+        <p14:creationId xmlns:p14="http://schemas.microsoft.com/office/powerpoint/2010/main" val="1561767516"/>
+      </p:ext>
+    </p:extLst>
+  </p:cSld>
+  <p:clrMapOvr>
+    <a:masterClrMapping/>
+  </p:clrMapOvr>
+</p:sld>
+</file>
+
+<file path=ppt/slides/slide12.xml><?xml version="1.0" encoding="utf-8"?>
+<p:sld xmlns:a="http://schemas.openxmlformats.org/drawingml/2006/main" xmlns:r="http://schemas.openxmlformats.org/officeDocument/2006/relationships" xmlns:p="http://schemas.openxmlformats.org/presentationml/2006/main">
+  <p:cSld>
+    <p:bg>
+      <p:bgPr>
+        <a:solidFill>
+          <a:schemeClr val="tx1">
+            <a:lumMod val="85000"/>
+          </a:schemeClr>
+        </a:solidFill>
+        <a:effectLst/>
+      </p:bgPr>
+    </p:bg>
+    <p:spTree>
+      <p:nvGrpSpPr>
+        <p:cNvPr id="1" name=""/>
+        <p:cNvGrpSpPr/>
+        <p:nvPr/>
+      </p:nvGrpSpPr>
+      <p:grpSpPr>
+        <a:xfrm>
+          <a:off x="0" y="0"/>
+          <a:ext cx="0" cy="0"/>
+          <a:chOff x="0" y="0"/>
+          <a:chExt cx="0" cy="0"/>
+        </a:xfrm>
+      </p:grpSpPr>
+      <p:pic>
+        <p:nvPicPr>
+          <p:cNvPr id="5" name="Picture 4">
+            <a:extLst>
+              <a:ext uri="{FF2B5EF4-FFF2-40B4-BE49-F238E27FC236}">
+                <a16:creationId xmlns:a16="http://schemas.microsoft.com/office/drawing/2014/main" id="{063ED534-33A9-4856-8579-6425D093B911}"/>
+              </a:ext>
+            </a:extLst>
+          </p:cNvPr>
+          <p:cNvPicPr>
+            <a:picLocks noChangeAspect="1"/>
+          </p:cNvPicPr>
+          <p:nvPr/>
+        </p:nvPicPr>
+        <p:blipFill>
+          <a:blip r:embed="rId2"/>
+          <a:stretch>
+            <a:fillRect/>
+          </a:stretch>
+        </p:blipFill>
+        <p:spPr>
+          <a:xfrm>
+            <a:off x="0" y="340360"/>
+            <a:ext cx="12192000" cy="6177280"/>
+          </a:xfrm>
+          <a:prstGeom prst="rect">
+            <a:avLst/>
+          </a:prstGeom>
+        </p:spPr>
+      </p:pic>
+    </p:spTree>
+    <p:extLst>
+      <p:ext uri="{BB962C8B-B14F-4D97-AF65-F5344CB8AC3E}">
+        <p14:creationId xmlns:p14="http://schemas.microsoft.com/office/powerpoint/2010/main" val="609321786"/>
+      </p:ext>
+    </p:extLst>
+  </p:cSld>
+  <p:clrMapOvr>
+    <a:masterClrMapping/>
+  </p:clrMapOvr>
+</p:sld>
+</file>
+
+<file path=ppt/slides/slide13.xml><?xml version="1.0" encoding="utf-8"?>
+<p:sld xmlns:a="http://schemas.openxmlformats.org/drawingml/2006/main" xmlns:r="http://schemas.openxmlformats.org/officeDocument/2006/relationships" xmlns:p="http://schemas.openxmlformats.org/presentationml/2006/main">
+  <p:cSld>
+    <p:bg>
+      <p:bgPr>
+        <a:solidFill>
+          <a:schemeClr val="tx1">
+            <a:lumMod val="85000"/>
+          </a:schemeClr>
+        </a:solidFill>
+        <a:effectLst/>
+      </p:bgPr>
+    </p:bg>
+    <p:spTree>
+      <p:nvGrpSpPr>
+        <p:cNvPr id="1" name=""/>
+        <p:cNvGrpSpPr/>
+        <p:nvPr/>
+      </p:nvGrpSpPr>
+      <p:grpSpPr>
+        <a:xfrm>
+          <a:off x="0" y="0"/>
+          <a:ext cx="0" cy="0"/>
+          <a:chOff x="0" y="0"/>
+          <a:chExt cx="0" cy="0"/>
+        </a:xfrm>
+      </p:grpSpPr>
+      <p:pic>
+        <p:nvPicPr>
+          <p:cNvPr id="6" name="Picture 5">
+            <a:extLst>
+              <a:ext uri="{FF2B5EF4-FFF2-40B4-BE49-F238E27FC236}">
+                <a16:creationId xmlns:a16="http://schemas.microsoft.com/office/drawing/2014/main" id="{4DE7C741-AD84-4ADC-A450-270E13A1CA25}"/>
+              </a:ext>
+            </a:extLst>
+          </p:cNvPr>
+          <p:cNvPicPr>
+            <a:picLocks noChangeAspect="1"/>
+          </p:cNvPicPr>
+          <p:nvPr/>
+        </p:nvPicPr>
+        <p:blipFill>
+          <a:blip r:embed="rId2"/>
+          <a:stretch>
+            <a:fillRect/>
+          </a:stretch>
+        </p:blipFill>
+        <p:spPr>
+          <a:xfrm>
+            <a:off x="0" y="340361"/>
+            <a:ext cx="12192000" cy="6177280"/>
+          </a:xfrm>
+          <a:prstGeom prst="rect">
+            <a:avLst/>
+          </a:prstGeom>
+        </p:spPr>
+      </p:pic>
+    </p:spTree>
+    <p:extLst>
+      <p:ext uri="{BB962C8B-B14F-4D97-AF65-F5344CB8AC3E}">
+        <p14:creationId xmlns:p14="http://schemas.microsoft.com/office/powerpoint/2010/main" val="4228326820"/>
+      </p:ext>
+    </p:extLst>
+  </p:cSld>
+  <p:clrMapOvr>
+    <a:masterClrMapping/>
+  </p:clrMapOvr>
+</p:sld>
+</file>
+
+<file path=ppt/slides/slide2.xml><?xml version="1.0" encoding="utf-8"?>
+<p:sld xmlns:a="http://schemas.openxmlformats.org/drawingml/2006/main" xmlns:r="http://schemas.openxmlformats.org/officeDocument/2006/relationships" xmlns:p="http://schemas.openxmlformats.org/presentationml/2006/main">
+  <p:cSld>
+    <p:bg>
+      <p:bgPr>
+        <a:solidFill>
+          <a:schemeClr val="tx1">
+            <a:lumMod val="85000"/>
+          </a:schemeClr>
+        </a:solidFill>
+        <a:effectLst/>
+      </p:bgPr>
+    </p:bg>
+    <p:spTree>
+      <p:nvGrpSpPr>
+        <p:cNvPr id="1" name=""/>
+        <p:cNvGrpSpPr/>
+        <p:nvPr/>
+      </p:nvGrpSpPr>
+      <p:grpSpPr>
+        <a:xfrm>
+          <a:off x="0" y="0"/>
+          <a:ext cx="0" cy="0"/>
+          <a:chOff x="0" y="0"/>
+          <a:chExt cx="0" cy="0"/>
+        </a:xfrm>
+      </p:grpSpPr>
       <p:pic>
         <p:nvPicPr>
           <p:cNvPr id="5" name="Picture 4">
@@ -3373,39 +4540,19 @@
 </p:sld>
 </file>
 
-<file path=ppt/slides/slide10.xml><?xml version="1.0" encoding="utf-8"?>
+<file path=ppt/slides/slide3.xml><?xml version="1.0" encoding="utf-8"?>
 <p:sld xmlns:a="http://schemas.openxmlformats.org/drawingml/2006/main" xmlns:r="http://schemas.openxmlformats.org/officeDocument/2006/relationships" xmlns:p="http://schemas.openxmlformats.org/presentationml/2006/main">
   <p:cSld>
-    <p:spTree>
-      <p:nvGrpSpPr>
-        <p:cNvPr id="1" name=""/>
-        <p:cNvGrpSpPr/>
-        <p:nvPr/>
-      </p:nvGrpSpPr>
-      <p:grpSpPr>
-        <a:xfrm>
-          <a:off x="0" y="0"/>
-          <a:ext cx="0" cy="0"/>
-          <a:chOff x="0" y="0"/>
-          <a:chExt cx="0" cy="0"/>
-        </a:xfrm>
-      </p:grpSpPr>
-    </p:spTree>
-    <p:extLst>
-      <p:ext uri="{BB962C8B-B14F-4D97-AF65-F5344CB8AC3E}">
-        <p14:creationId xmlns:p14="http://schemas.microsoft.com/office/powerpoint/2010/main" val="1561767516"/>
-      </p:ext>
-    </p:extLst>
-  </p:cSld>
-  <p:clrMapOvr>
-    <a:masterClrMapping/>
-  </p:clrMapOvr>
-</p:sld>
-</file>
-
-<file path=ppt/slides/slide2.xml><?xml version="1.0" encoding="utf-8"?>
-<p:sld xmlns:a="http://schemas.openxmlformats.org/drawingml/2006/main" xmlns:r="http://schemas.openxmlformats.org/officeDocument/2006/relationships" xmlns:p="http://schemas.openxmlformats.org/presentationml/2006/main">
-  <p:cSld>
+    <p:bg>
+      <p:bgPr>
+        <a:solidFill>
+          <a:schemeClr val="tx1">
+            <a:lumMod val="85000"/>
+          </a:schemeClr>
+        </a:solidFill>
+        <a:effectLst/>
+      </p:bgPr>
+    </p:bg>
     <p:spTree>
       <p:nvGrpSpPr>
         <p:cNvPr id="1" name=""/>
@@ -3463,9 +4610,19 @@
 </p:sld>
 </file>
 
-<file path=ppt/slides/slide3.xml><?xml version="1.0" encoding="utf-8"?>
+<file path=ppt/slides/slide4.xml><?xml version="1.0" encoding="utf-8"?>
 <p:sld xmlns:a="http://schemas.openxmlformats.org/drawingml/2006/main" xmlns:r="http://schemas.openxmlformats.org/officeDocument/2006/relationships" xmlns:p="http://schemas.openxmlformats.org/presentationml/2006/main">
   <p:cSld>
+    <p:bg>
+      <p:bgPr>
+        <a:solidFill>
+          <a:schemeClr val="tx1">
+            <a:lumMod val="85000"/>
+          </a:schemeClr>
+        </a:solidFill>
+        <a:effectLst/>
+      </p:bgPr>
+    </p:bg>
     <p:spTree>
       <p:nvGrpSpPr>
         <p:cNvPr id="1" name=""/>
@@ -3502,7 +4659,7 @@
         </p:blipFill>
         <p:spPr>
           <a:xfrm>
-            <a:off x="856389" y="-4348"/>
+            <a:off x="853067" y="-4348"/>
             <a:ext cx="10485866" cy="6862348"/>
           </a:xfrm>
           <a:prstGeom prst="rect">
@@ -3523,9 +4680,19 @@
 </p:sld>
 </file>
 
-<file path=ppt/slides/slide4.xml><?xml version="1.0" encoding="utf-8"?>
+<file path=ppt/slides/slide5.xml><?xml version="1.0" encoding="utf-8"?>
 <p:sld xmlns:a="http://schemas.openxmlformats.org/drawingml/2006/main" xmlns:r="http://schemas.openxmlformats.org/officeDocument/2006/relationships" xmlns:p="http://schemas.openxmlformats.org/presentationml/2006/main">
   <p:cSld>
+    <p:bg>
+      <p:bgPr>
+        <a:solidFill>
+          <a:schemeClr val="tx1">
+            <a:lumMod val="85000"/>
+          </a:schemeClr>
+        </a:solidFill>
+        <a:effectLst/>
+      </p:bgPr>
+    </p:bg>
     <p:spTree>
       <p:nvGrpSpPr>
         <p:cNvPr id="1" name=""/>
@@ -3583,9 +4750,19 @@
 </p:sld>
 </file>
 
-<file path=ppt/slides/slide5.xml><?xml version="1.0" encoding="utf-8"?>
+<file path=ppt/slides/slide6.xml><?xml version="1.0" encoding="utf-8"?>
 <p:sld xmlns:a="http://schemas.openxmlformats.org/drawingml/2006/main" xmlns:r="http://schemas.openxmlformats.org/officeDocument/2006/relationships" xmlns:p="http://schemas.openxmlformats.org/presentationml/2006/main">
   <p:cSld>
+    <p:bg>
+      <p:bgPr>
+        <a:solidFill>
+          <a:schemeClr val="tx1">
+            <a:lumMod val="85000"/>
+          </a:schemeClr>
+        </a:solidFill>
+        <a:effectLst/>
+      </p:bgPr>
+    </p:bg>
     <p:spTree>
       <p:nvGrpSpPr>
         <p:cNvPr id="1" name=""/>
@@ -3643,9 +4820,19 @@
 </p:sld>
 </file>
 
-<file path=ppt/slides/slide6.xml><?xml version="1.0" encoding="utf-8"?>
+<file path=ppt/slides/slide7.xml><?xml version="1.0" encoding="utf-8"?>
 <p:sld xmlns:a="http://schemas.openxmlformats.org/drawingml/2006/main" xmlns:r="http://schemas.openxmlformats.org/officeDocument/2006/relationships" xmlns:p="http://schemas.openxmlformats.org/presentationml/2006/main">
   <p:cSld>
+    <p:bg>
+      <p:bgPr>
+        <a:solidFill>
+          <a:schemeClr val="tx1">
+            <a:lumMod val="85000"/>
+          </a:schemeClr>
+        </a:solidFill>
+        <a:effectLst/>
+      </p:bgPr>
+    </p:bg>
     <p:spTree>
       <p:nvGrpSpPr>
         <p:cNvPr id="1" name=""/>
@@ -3703,9 +4890,19 @@
 </p:sld>
 </file>
 
-<file path=ppt/slides/slide7.xml><?xml version="1.0" encoding="utf-8"?>
+<file path=ppt/slides/slide8.xml><?xml version="1.0" encoding="utf-8"?>
 <p:sld xmlns:a="http://schemas.openxmlformats.org/drawingml/2006/main" xmlns:r="http://schemas.openxmlformats.org/officeDocument/2006/relationships" xmlns:p="http://schemas.openxmlformats.org/presentationml/2006/main">
   <p:cSld>
+    <p:bg>
+      <p:bgPr>
+        <a:solidFill>
+          <a:schemeClr val="tx1">
+            <a:lumMod val="85000"/>
+          </a:schemeClr>
+        </a:solidFill>
+        <a:effectLst/>
+      </p:bgPr>
+    </p:bg>
     <p:spTree>
       <p:nvGrpSpPr>
         <p:cNvPr id="1" name=""/>
@@ -3763,9 +4960,19 @@
 </p:sld>
 </file>
 
-<file path=ppt/slides/slide8.xml><?xml version="1.0" encoding="utf-8"?>
+<file path=ppt/slides/slide9.xml><?xml version="1.0" encoding="utf-8"?>
 <p:sld xmlns:a="http://schemas.openxmlformats.org/drawingml/2006/main" xmlns:r="http://schemas.openxmlformats.org/officeDocument/2006/relationships" xmlns:p="http://schemas.openxmlformats.org/presentationml/2006/main">
   <p:cSld>
+    <p:bg>
+      <p:bgPr>
+        <a:solidFill>
+          <a:schemeClr val="tx1">
+            <a:lumMod val="85000"/>
+          </a:schemeClr>
+        </a:solidFill>
+        <a:effectLst/>
+      </p:bgPr>
+    </p:bg>
     <p:spTree>
       <p:nvGrpSpPr>
         <p:cNvPr id="1" name=""/>
@@ -3823,171 +5030,59 @@
 </p:sld>
 </file>
 
-<file path=ppt/slides/slide9.xml><?xml version="1.0" encoding="utf-8"?>
-<p:sld xmlns:a="http://schemas.openxmlformats.org/drawingml/2006/main" xmlns:r="http://schemas.openxmlformats.org/officeDocument/2006/relationships" xmlns:p="http://schemas.openxmlformats.org/presentationml/2006/main">
-  <p:cSld>
-    <p:spTree>
-      <p:nvGrpSpPr>
-        <p:cNvPr id="1" name=""/>
-        <p:cNvGrpSpPr/>
-        <p:nvPr/>
-      </p:nvGrpSpPr>
-      <p:grpSpPr>
-        <a:xfrm>
-          <a:off x="0" y="0"/>
-          <a:ext cx="0" cy="0"/>
-          <a:chOff x="0" y="0"/>
-          <a:chExt cx="0" cy="0"/>
-        </a:xfrm>
-      </p:grpSpPr>
-      <p:pic>
-        <p:nvPicPr>
-          <p:cNvPr id="3" name="Picture 2">
-            <a:extLst>
-              <a:ext uri="{FF2B5EF4-FFF2-40B4-BE49-F238E27FC236}">
-                <a16:creationId xmlns:a16="http://schemas.microsoft.com/office/drawing/2014/main" id="{D79CDCBF-8EC0-47BD-A807-5D22AF0C96BB}"/>
-              </a:ext>
-            </a:extLst>
-          </p:cNvPr>
-          <p:cNvPicPr>
-            <a:picLocks noChangeAspect="1"/>
-          </p:cNvPicPr>
-          <p:nvPr/>
-        </p:nvPicPr>
-        <p:blipFill>
-          <a:blip r:embed="rId2"/>
-          <a:stretch>
-            <a:fillRect/>
-          </a:stretch>
-        </p:blipFill>
-        <p:spPr>
-          <a:xfrm>
-            <a:off x="-3674" y="281354"/>
-            <a:ext cx="12195674" cy="6293395"/>
-          </a:xfrm>
-          <a:prstGeom prst="rect">
-            <a:avLst/>
-          </a:prstGeom>
-        </p:spPr>
-      </p:pic>
-    </p:spTree>
-    <p:extLst>
-      <p:ext uri="{BB962C8B-B14F-4D97-AF65-F5344CB8AC3E}">
-        <p14:creationId xmlns:p14="http://schemas.microsoft.com/office/powerpoint/2010/main" val="3795526922"/>
-      </p:ext>
-    </p:extLst>
-  </p:cSld>
-  <p:clrMapOvr>
-    <a:masterClrMapping/>
-  </p:clrMapOvr>
-</p:sld>
-</file>
-
 <file path=ppt/theme/theme1.xml><?xml version="1.0" encoding="utf-8"?>
-<a:theme xmlns:a="http://schemas.openxmlformats.org/drawingml/2006/main" name="Office Theme">
+<a:theme xmlns:a="http://schemas.openxmlformats.org/drawingml/2006/main" name="View">
   <a:themeElements>
-    <a:clrScheme name="Office">
+    <a:clrScheme name="Custom 2">
       <a:dk1>
-        <a:sysClr val="windowText" lastClr="000000"/>
+        <a:srgbClr val="FFFFFF"/>
       </a:dk1>
       <a:lt1>
-        <a:sysClr val="window" lastClr="FFFFFF"/>
+        <a:srgbClr val="000000"/>
       </a:lt1>
       <a:dk2>
-        <a:srgbClr val="44546A"/>
+        <a:srgbClr val="D8D8D8"/>
       </a:dk2>
       <a:lt2>
-        <a:srgbClr val="E7E6E6"/>
+        <a:srgbClr val="262626"/>
       </a:lt2>
       <a:accent1>
-        <a:srgbClr val="4472C4"/>
+        <a:srgbClr val="6F6F74"/>
       </a:accent1>
       <a:accent2>
-        <a:srgbClr val="ED7D31"/>
+        <a:srgbClr val="92A9B9"/>
       </a:accent2>
       <a:accent3>
-        <a:srgbClr val="A5A5A5"/>
+        <a:srgbClr val="A7B789"/>
       </a:accent3>
       <a:accent4>
-        <a:srgbClr val="FFC000"/>
+        <a:srgbClr val="B9A489"/>
       </a:accent4>
       <a:accent5>
-        <a:srgbClr val="5B9BD5"/>
+        <a:srgbClr val="8D6374"/>
       </a:accent5>
       <a:accent6>
-        <a:srgbClr val="70AD47"/>
+        <a:srgbClr val="9B7362"/>
       </a:accent6>
       <a:hlink>
-        <a:srgbClr val="0563C1"/>
+        <a:srgbClr val="67AABF"/>
       </a:hlink>
       <a:folHlink>
-        <a:srgbClr val="954F72"/>
+        <a:srgbClr val="ABAFA5"/>
       </a:folHlink>
     </a:clrScheme>
-    <a:fontScheme name="Office">
+    <a:fontScheme name="View">
       <a:majorFont>
-        <a:latin typeface="Calibri Light" panose="020F0302020204030204"/>
+        <a:latin typeface="Century Schoolbook" panose="02040604050505020304"/>
         <a:ea typeface=""/>
         <a:cs typeface=""/>
-        <a:font script="Jpan" typeface="游ゴシック Light"/>
+        <a:font script="Jpan" typeface="ＭＳ ゴシック"/>
         <a:font script="Hang" typeface="맑은 고딕"/>
-        <a:font script="Hans" typeface="等线 Light"/>
+        <a:font script="Hans" typeface="宋体"/>
         <a:font script="Hant" typeface="新細明體"/>
-        <a:font script="Arab" typeface="Times New Roman"/>
-        <a:font script="Hebr" typeface="Times New Roman"/>
-        <a:font script="Thai" typeface="Angsana New"/>
-        <a:font script="Ethi" typeface="Nyala"/>
-        <a:font script="Beng" typeface="Vrinda"/>
-        <a:font script="Gujr" typeface="Shruti"/>
-        <a:font script="Khmr" typeface="MoolBoran"/>
-        <a:font script="Knda" typeface="Tunga"/>
-        <a:font script="Guru" typeface="Raavi"/>
-        <a:font script="Cans" typeface="Euphemia"/>
-        <a:font script="Cher" typeface="Plantagenet Cherokee"/>
-        <a:font script="Yiii" typeface="Microsoft Yi Baiti"/>
-        <a:font script="Tibt" typeface="Microsoft Himalaya"/>
-        <a:font script="Thaa" typeface="MV Boli"/>
-        <a:font script="Deva" typeface="Mangal"/>
-        <a:font script="Telu" typeface="Gautami"/>
-        <a:font script="Taml" typeface="Latha"/>
-        <a:font script="Syrc" typeface="Estrangelo Edessa"/>
-        <a:font script="Orya" typeface="Kalinga"/>
-        <a:font script="Mlym" typeface="Kartika"/>
-        <a:font script="Laoo" typeface="DokChampa"/>
-        <a:font script="Sinh" typeface="Iskoola Pota"/>
-        <a:font script="Mong" typeface="Mongolian Baiti"/>
-        <a:font script="Viet" typeface="Times New Roman"/>
-        <a:font script="Uigh" typeface="Microsoft Uighur"/>
-        <a:font script="Geor" typeface="Sylfaen"/>
-        <a:font script="Armn" typeface="Arial"/>
-        <a:font script="Bugi" typeface="Leelawadee UI"/>
-        <a:font script="Bopo" typeface="Microsoft JhengHei"/>
-        <a:font script="Java" typeface="Javanese Text"/>
-        <a:font script="Lisu" typeface="Segoe UI"/>
-        <a:font script="Mymr" typeface="Myanmar Text"/>
-        <a:font script="Nkoo" typeface="Ebrima"/>
-        <a:font script="Olck" typeface="Nirmala UI"/>
-        <a:font script="Osma" typeface="Ebrima"/>
-        <a:font script="Phag" typeface="Phagspa"/>
-        <a:font script="Syrn" typeface="Estrangelo Edessa"/>
-        <a:font script="Syrj" typeface="Estrangelo Edessa"/>
-        <a:font script="Syre" typeface="Estrangelo Edessa"/>
-        <a:font script="Sora" typeface="Nirmala UI"/>
-        <a:font script="Tale" typeface="Microsoft Tai Le"/>
-        <a:font script="Talu" typeface="Microsoft New Tai Lue"/>
-        <a:font script="Tfng" typeface="Ebrima"/>
-      </a:majorFont>
-      <a:minorFont>
-        <a:latin typeface="Calibri" panose="020F0502020204030204"/>
-        <a:ea typeface=""/>
-        <a:cs typeface=""/>
-        <a:font script="Jpan" typeface="游ゴシック"/>
-        <a:font script="Hang" typeface="맑은 고딕"/>
-        <a:font script="Hans" typeface="等线"/>
-        <a:font script="Hant" typeface="新細明體"/>
-        <a:font script="Arab" typeface="Arial"/>
-        <a:font script="Hebr" typeface="Arial"/>
-        <a:font script="Thai" typeface="Cordia New"/>
+        <a:font script="Arab" typeface="Tahoma"/>
+        <a:font script="Hebr" typeface="Gisha"/>
+        <a:font script="Thai" typeface="DilleniaUPC"/>
         <a:font script="Ethi" typeface="Nyala"/>
         <a:font script="Beng" typeface="Vrinda"/>
         <a:font script="Gujr" typeface="Shruti"/>
@@ -4008,107 +5103,86 @@
         <a:font script="Laoo" typeface="DokChampa"/>
         <a:font script="Sinh" typeface="Iskoola Pota"/>
         <a:font script="Mong" typeface="Mongolian Baiti"/>
-        <a:font script="Viet" typeface="Arial"/>
+        <a:font script="Viet" typeface="Tahoma"/>
         <a:font script="Uigh" typeface="Microsoft Uighur"/>
         <a:font script="Geor" typeface="Sylfaen"/>
-        <a:font script="Armn" typeface="Arial"/>
-        <a:font script="Bugi" typeface="Leelawadee UI"/>
-        <a:font script="Bopo" typeface="Microsoft JhengHei"/>
-        <a:font script="Java" typeface="Javanese Text"/>
-        <a:font script="Lisu" typeface="Segoe UI"/>
-        <a:font script="Mymr" typeface="Myanmar Text"/>
-        <a:font script="Nkoo" typeface="Ebrima"/>
-        <a:font script="Olck" typeface="Nirmala UI"/>
-        <a:font script="Osma" typeface="Ebrima"/>
-        <a:font script="Phag" typeface="Phagspa"/>
-        <a:font script="Syrn" typeface="Estrangelo Edessa"/>
-        <a:font script="Syrj" typeface="Estrangelo Edessa"/>
-        <a:font script="Syre" typeface="Estrangelo Edessa"/>
-        <a:font script="Sora" typeface="Nirmala UI"/>
-        <a:font script="Tale" typeface="Microsoft Tai Le"/>
-        <a:font script="Talu" typeface="Microsoft New Tai Lue"/>
-        <a:font script="Tfng" typeface="Ebrima"/>
+      </a:majorFont>
+      <a:minorFont>
+        <a:latin typeface="Century Schoolbook" panose="02040604050505020304"/>
+        <a:ea typeface=""/>
+        <a:cs typeface=""/>
+        <a:font script="Jpan" typeface="ＭＳ ゴシック"/>
+        <a:font script="Hang" typeface="맑은 고딕"/>
+        <a:font script="Hans" typeface="宋体"/>
+        <a:font script="Hant" typeface="新細明體"/>
+        <a:font script="Arab" typeface="Tahoma"/>
+        <a:font script="Hebr" typeface="Gisha"/>
+        <a:font script="Thai" typeface="DilleniaUPC"/>
+        <a:font script="Ethi" typeface="Nyala"/>
+        <a:font script="Beng" typeface="Vrinda"/>
+        <a:font script="Gujr" typeface="Shruti"/>
+        <a:font script="Khmr" typeface="DaunPenh"/>
+        <a:font script="Knda" typeface="Tunga"/>
+        <a:font script="Guru" typeface="Raavi"/>
+        <a:font script="Cans" typeface="Euphemia"/>
+        <a:font script="Cher" typeface="Plantagenet Cherokee"/>
+        <a:font script="Yiii" typeface="Microsoft Yi Baiti"/>
+        <a:font script="Tibt" typeface="Microsoft Himalaya"/>
+        <a:font script="Thaa" typeface="MV Boli"/>
+        <a:font script="Deva" typeface="Mangal"/>
+        <a:font script="Telu" typeface="Gautami"/>
+        <a:font script="Taml" typeface="Latha"/>
+        <a:font script="Syrc" typeface="Estrangelo Edessa"/>
+        <a:font script="Orya" typeface="Kalinga"/>
+        <a:font script="Mlym" typeface="Kartika"/>
+        <a:font script="Laoo" typeface="DokChampa"/>
+        <a:font script="Sinh" typeface="Iskoola Pota"/>
+        <a:font script="Mong" typeface="Mongolian Baiti"/>
+        <a:font script="Viet" typeface="Verdana"/>
+        <a:font script="Uigh" typeface="Microsoft Uighur"/>
+        <a:font script="Geor" typeface="Sylfaen"/>
       </a:minorFont>
     </a:fontScheme>
-    <a:fmtScheme name="Office">
+    <a:fmtScheme name="View">
       <a:fillStyleLst>
         <a:solidFill>
           <a:schemeClr val="phClr"/>
         </a:solidFill>
-        <a:gradFill rotWithShape="1">
-          <a:gsLst>
-            <a:gs pos="0">
-              <a:schemeClr val="phClr">
-                <a:lumMod val="110000"/>
-                <a:satMod val="105000"/>
-                <a:tint val="67000"/>
-              </a:schemeClr>
-            </a:gs>
-            <a:gs pos="50000">
-              <a:schemeClr val="phClr">
-                <a:lumMod val="105000"/>
-                <a:satMod val="103000"/>
-                <a:tint val="73000"/>
-              </a:schemeClr>
-            </a:gs>
-            <a:gs pos="100000">
-              <a:schemeClr val="phClr">
-                <a:lumMod val="105000"/>
-                <a:satMod val="109000"/>
-                <a:tint val="81000"/>
-              </a:schemeClr>
-            </a:gs>
-          </a:gsLst>
-          <a:lin ang="5400000" scaled="0"/>
-        </a:gradFill>
-        <a:gradFill rotWithShape="1">
-          <a:gsLst>
-            <a:gs pos="0">
-              <a:schemeClr val="phClr">
-                <a:satMod val="103000"/>
-                <a:lumMod val="102000"/>
-                <a:tint val="94000"/>
-              </a:schemeClr>
-            </a:gs>
-            <a:gs pos="50000">
-              <a:schemeClr val="phClr">
-                <a:satMod val="110000"/>
-                <a:lumMod val="100000"/>
-                <a:shade val="100000"/>
-              </a:schemeClr>
-            </a:gs>
-            <a:gs pos="100000">
-              <a:schemeClr val="phClr">
-                <a:lumMod val="99000"/>
-                <a:satMod val="120000"/>
-                <a:shade val="78000"/>
-              </a:schemeClr>
-            </a:gs>
-          </a:gsLst>
-          <a:lin ang="5400000" scaled="0"/>
-        </a:gradFill>
+        <a:solidFill>
+          <a:schemeClr val="phClr">
+            <a:tint val="60000"/>
+            <a:satMod val="120000"/>
+          </a:schemeClr>
+        </a:solidFill>
+        <a:solidFill>
+          <a:schemeClr val="phClr">
+            <a:shade val="75000"/>
+            <a:satMod val="160000"/>
+          </a:schemeClr>
+        </a:solidFill>
       </a:fillStyleLst>
       <a:lnStyleLst>
-        <a:ln w="6350" cap="flat" cmpd="sng" algn="ctr">
+        <a:ln w="9525" cap="flat" cmpd="sng" algn="ctr">
           <a:solidFill>
             <a:schemeClr val="phClr"/>
           </a:solidFill>
           <a:prstDash val="solid"/>
-          <a:miter lim="800000"/>
         </a:ln>
-        <a:ln w="12700" cap="flat" cmpd="sng" algn="ctr">
+        <a:ln w="13970" cap="flat" cmpd="sng" algn="ctr">
           <a:solidFill>
             <a:schemeClr val="phClr"/>
           </a:solidFill>
           <a:prstDash val="solid"/>
-          <a:miter lim="800000"/>
         </a:ln>
-        <a:ln w="19050" cap="flat" cmpd="sng" algn="ctr">
+        <a:ln w="17145" cap="flat" cmpd="sng" algn="ctr">
           <a:solidFill>
-            <a:schemeClr val="phClr"/>
+            <a:schemeClr val="phClr">
+              <a:shade val="95000"/>
+              <a:alpha val="95000"/>
+              <a:satMod val="150000"/>
+            </a:schemeClr>
           </a:solidFill>
           <a:prstDash val="solid"/>
-          <a:miter lim="800000"/>
         </a:ln>
       </a:lnStyleLst>
       <a:effectStyleLst>
@@ -4116,16 +5190,52 @@
           <a:effectLst/>
         </a:effectStyle>
         <a:effectStyle>
-          <a:effectLst/>
+          <a:effectLst>
+            <a:outerShdw blurRad="50800" dist="15240" dir="5400000" algn="tl" rotWithShape="0">
+              <a:srgbClr val="000000">
+                <a:alpha val="75000"/>
+              </a:srgbClr>
+            </a:outerShdw>
+          </a:effectLst>
+          <a:scene3d>
+            <a:camera prst="orthographicFront">
+              <a:rot lat="0" lon="0" rev="0"/>
+            </a:camera>
+            <a:lightRig rig="brightRoom" dir="tl"/>
+          </a:scene3d>
+          <a:sp3d contourW="9525" prstMaterial="flat">
+            <a:bevelT w="0" h="0" prst="coolSlant"/>
+            <a:contourClr>
+              <a:schemeClr val="phClr">
+                <a:shade val="35000"/>
+                <a:satMod val="130000"/>
+              </a:schemeClr>
+            </a:contourClr>
+          </a:sp3d>
         </a:effectStyle>
         <a:effectStyle>
           <a:effectLst>
-            <a:outerShdw blurRad="57150" dist="19050" dir="5400000" algn="ctr" rotWithShape="0">
+            <a:outerShdw blurRad="76200" dist="25400" dir="5400000" algn="tl" rotWithShape="0">
               <a:srgbClr val="000000">
-                <a:alpha val="63000"/>
+                <a:alpha val="55000"/>
               </a:srgbClr>
             </a:outerShdw>
           </a:effectLst>
+          <a:scene3d>
+            <a:camera prst="orthographicFront">
+              <a:rot lat="0" lon="0" rev="0"/>
+            </a:camera>
+            <a:lightRig rig="brightRoom" dir="tl"/>
+          </a:scene3d>
+          <a:sp3d contourW="19050" prstMaterial="flat">
+            <a:bevelT w="0" h="0" prst="coolSlant"/>
+            <a:contourClr>
+              <a:schemeClr val="phClr">
+                <a:shade val="25000"/>
+                <a:satMod val="140000"/>
+              </a:schemeClr>
+            </a:contourClr>
+          </a:sp3d>
         </a:effectStyle>
       </a:effectStyleLst>
       <a:bgFillStyleLst>
@@ -4142,28 +5252,23 @@
           <a:gsLst>
             <a:gs pos="0">
               <a:schemeClr val="phClr">
-                <a:tint val="93000"/>
-                <a:satMod val="150000"/>
+                <a:tint val="94000"/>
                 <a:shade val="98000"/>
+                <a:satMod val="130000"/>
                 <a:lumMod val="102000"/>
-              </a:schemeClr>
-            </a:gs>
-            <a:gs pos="50000">
-              <a:schemeClr val="phClr">
-                <a:tint val="98000"/>
-                <a:satMod val="130000"/>
-                <a:shade val="90000"/>
-                <a:lumMod val="103000"/>
               </a:schemeClr>
             </a:gs>
             <a:gs pos="100000">
               <a:schemeClr val="phClr">
-                <a:shade val="63000"/>
-                <a:satMod val="120000"/>
+                <a:tint val="98000"/>
+                <a:shade val="78000"/>
+                <a:satMod val="140000"/>
               </a:schemeClr>
             </a:gs>
           </a:gsLst>
-          <a:lin ang="5400000" scaled="0"/>
+          <a:path path="circle">
+            <a:fillToRect l="100000" t="100000" r="100000" b="100000"/>
+          </a:path>
         </a:gradFill>
       </a:bgFillStyleLst>
     </a:fmtScheme>
@@ -4172,7 +5277,7 @@
   <a:extraClrSchemeLst/>
   <a:extLst>
     <a:ext uri="{05A4C25C-085E-4340-85A3-A5531E510DB2}">
-      <thm15:themeFamily xmlns:thm15="http://schemas.microsoft.com/office/thememl/2012/main" name="Office Theme" id="{62F939B6-93AF-4DB8-9C6B-D6C7DFDC589F}" vid="{4A3C46E8-61CC-4603-A589-7422A47A8E4A}"/>
+      <thm15:themeFamily xmlns:thm15="http://schemas.microsoft.com/office/thememl/2012/main" name="View" id="{BA0EB5A6-F2D4-4F82-977B-64ADEE4A2A69}" vid="{3969A8A2-35DB-4E3B-8885-16FD20568674}"/>
     </a:ext>
   </a:extLst>
 </a:theme>

--- a/profile/nvp_sim/sine_wave/Presentation.pptx
+++ b/profile/nvp_sim/sine_wave/Presentation.pptx
@@ -2,22 +2,30 @@
 <file path=ppt/presentation.xml><?xml version="1.0" encoding="utf-8"?>
 <p:presentation xmlns:a="http://schemas.openxmlformats.org/drawingml/2006/main" xmlns:r="http://schemas.openxmlformats.org/officeDocument/2006/relationships" xmlns:p="http://schemas.openxmlformats.org/presentationml/2006/main" saveSubsetFonts="1">
   <p:sldMasterIdLst>
-    <p:sldMasterId id="2147483732" r:id="rId1"/>
+    <p:sldMasterId id="2147483768" r:id="rId1"/>
   </p:sldMasterIdLst>
   <p:sldIdLst>
     <p:sldId id="266" r:id="rId2"/>
-    <p:sldId id="256" r:id="rId3"/>
-    <p:sldId id="257" r:id="rId4"/>
-    <p:sldId id="258" r:id="rId5"/>
-    <p:sldId id="259" r:id="rId6"/>
-    <p:sldId id="262" r:id="rId7"/>
-    <p:sldId id="260" r:id="rId8"/>
-    <p:sldId id="261" r:id="rId9"/>
-    <p:sldId id="263" r:id="rId10"/>
-    <p:sldId id="264" r:id="rId11"/>
-    <p:sldId id="265" r:id="rId12"/>
-    <p:sldId id="267" r:id="rId13"/>
-    <p:sldId id="268" r:id="rId14"/>
+    <p:sldId id="270" r:id="rId3"/>
+    <p:sldId id="271" r:id="rId4"/>
+    <p:sldId id="272" r:id="rId5"/>
+    <p:sldId id="273" r:id="rId6"/>
+    <p:sldId id="274" r:id="rId7"/>
+    <p:sldId id="269" r:id="rId8"/>
+    <p:sldId id="256" r:id="rId9"/>
+    <p:sldId id="257" r:id="rId10"/>
+    <p:sldId id="258" r:id="rId11"/>
+    <p:sldId id="259" r:id="rId12"/>
+    <p:sldId id="262" r:id="rId13"/>
+    <p:sldId id="260" r:id="rId14"/>
+    <p:sldId id="261" r:id="rId15"/>
+    <p:sldId id="263" r:id="rId16"/>
+    <p:sldId id="264" r:id="rId17"/>
+    <p:sldId id="265" r:id="rId18"/>
+    <p:sldId id="267" r:id="rId19"/>
+    <p:sldId id="268" r:id="rId20"/>
+    <p:sldId id="275" r:id="rId21"/>
+    <p:sldId id="276" r:id="rId22"/>
   </p:sldIdLst>
   <p:sldSz cx="12192000" cy="6858000"/>
   <p:notesSz cx="6858000" cy="9144000"/>
@@ -123,88 +131,448 @@
 <pc:chgInfo xmlns:a="http://schemas.openxmlformats.org/drawingml/2006/main" xmlns:r="http://schemas.openxmlformats.org/officeDocument/2006/relationships" xmlns:ac="http://schemas.microsoft.com/office/drawing/2013/main/command" xmlns:pc="http://schemas.microsoft.com/office/powerpoint/2013/main/command">
   <pc:docChgLst>
     <pc:chgData name="Gudukbay, Gulsum" userId="33ab478b-42a3-4d08-ae05-3f67cf1d32a2" providerId="ADAL" clId="{27E69447-91EA-4D01-AF66-70A6FC4BA94F}"/>
-    <pc:docChg chg="undo custSel addSld delSld modSld">
-      <pc:chgData name="Gudukbay, Gulsum" userId="33ab478b-42a3-4d08-ae05-3f67cf1d32a2" providerId="ADAL" clId="{27E69447-91EA-4D01-AF66-70A6FC4BA94F}" dt="2018-11-28T21:14:30.699" v="95"/>
+    <pc:docChg chg="undo redo custSel addSld delSld modSld sldOrd modMainMaster">
+      <pc:chgData name="Gudukbay, Gulsum" userId="33ab478b-42a3-4d08-ae05-3f67cf1d32a2" providerId="ADAL" clId="{27E69447-91EA-4D01-AF66-70A6FC4BA94F}" dt="2018-11-29T04:08:52.048" v="677" actId="20577"/>
       <pc:docMkLst>
         <pc:docMk/>
       </pc:docMkLst>
-      <pc:sldChg chg="setBg">
-        <pc:chgData name="Gudukbay, Gulsum" userId="33ab478b-42a3-4d08-ae05-3f67cf1d32a2" providerId="ADAL" clId="{27E69447-91EA-4D01-AF66-70A6FC4BA94F}" dt="2018-11-28T21:14:30.699" v="95"/>
+      <pc:sldChg chg="addSp delSp modSp mod setBg">
+        <pc:chgData name="Gudukbay, Gulsum" userId="33ab478b-42a3-4d08-ae05-3f67cf1d32a2" providerId="ADAL" clId="{27E69447-91EA-4D01-AF66-70A6FC4BA94F}" dt="2018-11-29T03:51:45.593" v="557" actId="20577"/>
         <pc:sldMkLst>
           <pc:docMk/>
           <pc:sldMk cId="3705530050" sldId="256"/>
         </pc:sldMkLst>
+        <pc:spChg chg="add del mod">
+          <ac:chgData name="Gudukbay, Gulsum" userId="33ab478b-42a3-4d08-ae05-3f67cf1d32a2" providerId="ADAL" clId="{27E69447-91EA-4D01-AF66-70A6FC4BA94F}" dt="2018-11-29T03:49:43.748" v="513" actId="767"/>
+          <ac:spMkLst>
+            <pc:docMk/>
+            <pc:sldMk cId="3705530050" sldId="256"/>
+            <ac:spMk id="8" creationId="{8D60986C-811F-4419-B782-A9871378D43B}"/>
+          </ac:spMkLst>
+        </pc:spChg>
+        <pc:spChg chg="add mod">
+          <ac:chgData name="Gudukbay, Gulsum" userId="33ab478b-42a3-4d08-ae05-3f67cf1d32a2" providerId="ADAL" clId="{27E69447-91EA-4D01-AF66-70A6FC4BA94F}" dt="2018-11-29T03:51:45.593" v="557" actId="20577"/>
+          <ac:spMkLst>
+            <pc:docMk/>
+            <pc:sldMk cId="3705530050" sldId="256"/>
+            <ac:spMk id="9" creationId="{DD2895DC-88C7-4A34-946C-8B6A28562EE6}"/>
+          </ac:spMkLst>
+        </pc:spChg>
+        <pc:graphicFrameChg chg="add">
+          <ac:chgData name="Gudukbay, Gulsum" userId="33ab478b-42a3-4d08-ae05-3f67cf1d32a2" providerId="ADAL" clId="{27E69447-91EA-4D01-AF66-70A6FC4BA94F}" dt="2018-11-29T02:19:58.585" v="124"/>
+          <ac:graphicFrameMkLst>
+            <pc:docMk/>
+            <pc:sldMk cId="3705530050" sldId="256"/>
+            <ac:graphicFrameMk id="6" creationId="{155FA545-1224-4F13-9960-C764926C2D5E}"/>
+          </ac:graphicFrameMkLst>
+        </pc:graphicFrameChg>
+        <pc:picChg chg="del">
+          <ac:chgData name="Gudukbay, Gulsum" userId="33ab478b-42a3-4d08-ae05-3f67cf1d32a2" providerId="ADAL" clId="{27E69447-91EA-4D01-AF66-70A6FC4BA94F}" dt="2018-11-29T02:19:56.558" v="122" actId="478"/>
+          <ac:picMkLst>
+            <pc:docMk/>
+            <pc:sldMk cId="3705530050" sldId="256"/>
+            <ac:picMk id="5" creationId="{05FC5DEA-579D-48B2-AE26-0DA0A42DFFF7}"/>
+          </ac:picMkLst>
+        </pc:picChg>
+        <pc:picChg chg="add mod modCrop">
+          <ac:chgData name="Gudukbay, Gulsum" userId="33ab478b-42a3-4d08-ae05-3f67cf1d32a2" providerId="ADAL" clId="{27E69447-91EA-4D01-AF66-70A6FC4BA94F}" dt="2018-11-29T03:49:42.016" v="512" actId="14100"/>
+          <ac:picMkLst>
+            <pc:docMk/>
+            <pc:sldMk cId="3705530050" sldId="256"/>
+            <ac:picMk id="7" creationId="{424DF560-7B8E-4919-AE88-B26181855FC8}"/>
+          </ac:picMkLst>
+        </pc:picChg>
       </pc:sldChg>
-      <pc:sldChg chg="setBg">
-        <pc:chgData name="Gudukbay, Gulsum" userId="33ab478b-42a3-4d08-ae05-3f67cf1d32a2" providerId="ADAL" clId="{27E69447-91EA-4D01-AF66-70A6FC4BA94F}" dt="2018-11-28T21:14:30.699" v="95"/>
+      <pc:sldChg chg="addSp delSp modSp mod setBg">
+        <pc:chgData name="Gudukbay, Gulsum" userId="33ab478b-42a3-4d08-ae05-3f67cf1d32a2" providerId="ADAL" clId="{27E69447-91EA-4D01-AF66-70A6FC4BA94F}" dt="2018-11-29T03:51:37.159" v="554" actId="20577"/>
         <pc:sldMkLst>
           <pc:docMk/>
           <pc:sldMk cId="3117564443" sldId="257"/>
         </pc:sldMkLst>
+        <pc:spChg chg="add mod">
+          <ac:chgData name="Gudukbay, Gulsum" userId="33ab478b-42a3-4d08-ae05-3f67cf1d32a2" providerId="ADAL" clId="{27E69447-91EA-4D01-AF66-70A6FC4BA94F}" dt="2018-11-29T03:51:37.159" v="554" actId="20577"/>
+          <ac:spMkLst>
+            <pc:docMk/>
+            <pc:sldMk cId="3117564443" sldId="257"/>
+            <ac:spMk id="6" creationId="{E7EAA6BA-6206-43DA-9205-6A3D35968EBB}"/>
+          </ac:spMkLst>
+        </pc:spChg>
+        <pc:graphicFrameChg chg="add">
+          <ac:chgData name="Gudukbay, Gulsum" userId="33ab478b-42a3-4d08-ae05-3f67cf1d32a2" providerId="ADAL" clId="{27E69447-91EA-4D01-AF66-70A6FC4BA94F}" dt="2018-11-29T02:20:24.942" v="130"/>
+          <ac:graphicFrameMkLst>
+            <pc:docMk/>
+            <pc:sldMk cId="3117564443" sldId="257"/>
+            <ac:graphicFrameMk id="4" creationId="{110784FE-F19C-4978-937F-4C4993134954}"/>
+          </ac:graphicFrameMkLst>
+        </pc:graphicFrameChg>
+        <pc:picChg chg="del">
+          <ac:chgData name="Gudukbay, Gulsum" userId="33ab478b-42a3-4d08-ae05-3f67cf1d32a2" providerId="ADAL" clId="{27E69447-91EA-4D01-AF66-70A6FC4BA94F}" dt="2018-11-29T02:20:23.390" v="128" actId="478"/>
+          <ac:picMkLst>
+            <pc:docMk/>
+            <pc:sldMk cId="3117564443" sldId="257"/>
+            <ac:picMk id="3" creationId="{F033641B-0251-44C3-89B7-5DDF412E767F}"/>
+          </ac:picMkLst>
+        </pc:picChg>
+        <pc:picChg chg="add mod modCrop">
+          <ac:chgData name="Gudukbay, Gulsum" userId="33ab478b-42a3-4d08-ae05-3f67cf1d32a2" providerId="ADAL" clId="{27E69447-91EA-4D01-AF66-70A6FC4BA94F}" dt="2018-11-29T03:34:31.111" v="347" actId="1076"/>
+          <ac:picMkLst>
+            <pc:docMk/>
+            <pc:sldMk cId="3117564443" sldId="257"/>
+            <ac:picMk id="5" creationId="{7229BC25-C789-4FB9-876A-816CB07E95F5}"/>
+          </ac:picMkLst>
+        </pc:picChg>
       </pc:sldChg>
-      <pc:sldChg chg="modSp setBg">
-        <pc:chgData name="Gudukbay, Gulsum" userId="33ab478b-42a3-4d08-ae05-3f67cf1d32a2" providerId="ADAL" clId="{27E69447-91EA-4D01-AF66-70A6FC4BA94F}" dt="2018-11-28T21:14:30.699" v="95"/>
+      <pc:sldChg chg="addSp delSp modSp mod setBg">
+        <pc:chgData name="Gudukbay, Gulsum" userId="33ab478b-42a3-4d08-ae05-3f67cf1d32a2" providerId="ADAL" clId="{27E69447-91EA-4D01-AF66-70A6FC4BA94F}" dt="2018-11-29T03:51:22.672" v="552" actId="20577"/>
         <pc:sldMkLst>
           <pc:docMk/>
           <pc:sldMk cId="2317889955" sldId="258"/>
         </pc:sldMkLst>
-        <pc:picChg chg="mod">
-          <ac:chgData name="Gudukbay, Gulsum" userId="33ab478b-42a3-4d08-ae05-3f67cf1d32a2" providerId="ADAL" clId="{27E69447-91EA-4D01-AF66-70A6FC4BA94F}" dt="2018-11-28T20:46:27.139" v="51" actId="1076"/>
+        <pc:spChg chg="add mod">
+          <ac:chgData name="Gudukbay, Gulsum" userId="33ab478b-42a3-4d08-ae05-3f67cf1d32a2" providerId="ADAL" clId="{27E69447-91EA-4D01-AF66-70A6FC4BA94F}" dt="2018-11-29T03:51:22.672" v="552" actId="20577"/>
+          <ac:spMkLst>
+            <pc:docMk/>
+            <pc:sldMk cId="2317889955" sldId="258"/>
+            <ac:spMk id="6" creationId="{8571E1D5-88C4-480D-9591-80DDE141C81D}"/>
+          </ac:spMkLst>
+        </pc:spChg>
+        <pc:graphicFrameChg chg="add">
+          <ac:chgData name="Gudukbay, Gulsum" userId="33ab478b-42a3-4d08-ae05-3f67cf1d32a2" providerId="ADAL" clId="{27E69447-91EA-4D01-AF66-70A6FC4BA94F}" dt="2018-11-29T02:21:05.846" v="136"/>
+          <ac:graphicFrameMkLst>
+            <pc:docMk/>
+            <pc:sldMk cId="2317889955" sldId="258"/>
+            <ac:graphicFrameMk id="4" creationId="{1B9B1C64-37AF-4981-9B82-F9A2DD76401A}"/>
+          </ac:graphicFrameMkLst>
+        </pc:graphicFrameChg>
+        <pc:picChg chg="del mod">
+          <ac:chgData name="Gudukbay, Gulsum" userId="33ab478b-42a3-4d08-ae05-3f67cf1d32a2" providerId="ADAL" clId="{27E69447-91EA-4D01-AF66-70A6FC4BA94F}" dt="2018-11-29T02:21:04.527" v="134" actId="478"/>
           <ac:picMkLst>
             <pc:docMk/>
             <pc:sldMk cId="2317889955" sldId="258"/>
             <ac:picMk id="3" creationId="{E93B996E-0136-494E-B826-78C6EC9A6044}"/>
           </ac:picMkLst>
         </pc:picChg>
+        <pc:picChg chg="add mod modCrop">
+          <ac:chgData name="Gudukbay, Gulsum" userId="33ab478b-42a3-4d08-ae05-3f67cf1d32a2" providerId="ADAL" clId="{27E69447-91EA-4D01-AF66-70A6FC4BA94F}" dt="2018-11-29T03:34:40.861" v="349" actId="1076"/>
+          <ac:picMkLst>
+            <pc:docMk/>
+            <pc:sldMk cId="2317889955" sldId="258"/>
+            <ac:picMk id="5" creationId="{F059FEEB-36F8-4D33-99AC-055EB26D1D34}"/>
+          </ac:picMkLst>
+        </pc:picChg>
       </pc:sldChg>
-      <pc:sldChg chg="setBg">
-        <pc:chgData name="Gudukbay, Gulsum" userId="33ab478b-42a3-4d08-ae05-3f67cf1d32a2" providerId="ADAL" clId="{27E69447-91EA-4D01-AF66-70A6FC4BA94F}" dt="2018-11-28T21:14:30.699" v="95"/>
+      <pc:sldChg chg="addSp delSp modSp mod setBg">
+        <pc:chgData name="Gudukbay, Gulsum" userId="33ab478b-42a3-4d08-ae05-3f67cf1d32a2" providerId="ADAL" clId="{27E69447-91EA-4D01-AF66-70A6FC4BA94F}" dt="2018-11-29T03:53:37.877" v="568" actId="20577"/>
         <pc:sldMkLst>
           <pc:docMk/>
           <pc:sldMk cId="3506399184" sldId="259"/>
         </pc:sldMkLst>
+        <pc:spChg chg="add del mod">
+          <ac:chgData name="Gudukbay, Gulsum" userId="33ab478b-42a3-4d08-ae05-3f67cf1d32a2" providerId="ADAL" clId="{27E69447-91EA-4D01-AF66-70A6FC4BA94F}" dt="2018-11-29T03:53:26.349" v="561" actId="478"/>
+          <ac:spMkLst>
+            <pc:docMk/>
+            <pc:sldMk cId="3506399184" sldId="259"/>
+            <ac:spMk id="6" creationId="{E00F30E3-6E46-44AA-8451-8B41F2343A1B}"/>
+          </ac:spMkLst>
+        </pc:spChg>
+        <pc:spChg chg="add mod">
+          <ac:chgData name="Gudukbay, Gulsum" userId="33ab478b-42a3-4d08-ae05-3f67cf1d32a2" providerId="ADAL" clId="{27E69447-91EA-4D01-AF66-70A6FC4BA94F}" dt="2018-11-29T03:53:37.877" v="568" actId="20577"/>
+          <ac:spMkLst>
+            <pc:docMk/>
+            <pc:sldMk cId="3506399184" sldId="259"/>
+            <ac:spMk id="7" creationId="{626F2693-6202-4980-B2A1-C93BDA83CBAC}"/>
+          </ac:spMkLst>
+        </pc:spChg>
+        <pc:graphicFrameChg chg="add">
+          <ac:chgData name="Gudukbay, Gulsum" userId="33ab478b-42a3-4d08-ae05-3f67cf1d32a2" providerId="ADAL" clId="{27E69447-91EA-4D01-AF66-70A6FC4BA94F}" dt="2018-11-29T02:32:59.353" v="160"/>
+          <ac:graphicFrameMkLst>
+            <pc:docMk/>
+            <pc:sldMk cId="3506399184" sldId="259"/>
+            <ac:graphicFrameMk id="4" creationId="{3582EC31-FEB7-46BB-ABD8-2663E711F1D3}"/>
+          </ac:graphicFrameMkLst>
+        </pc:graphicFrameChg>
+        <pc:picChg chg="del">
+          <ac:chgData name="Gudukbay, Gulsum" userId="33ab478b-42a3-4d08-ae05-3f67cf1d32a2" providerId="ADAL" clId="{27E69447-91EA-4D01-AF66-70A6FC4BA94F}" dt="2018-11-29T02:32:57.459" v="158" actId="478"/>
+          <ac:picMkLst>
+            <pc:docMk/>
+            <pc:sldMk cId="3506399184" sldId="259"/>
+            <ac:picMk id="3" creationId="{530A585D-9D10-4AAB-8BD9-2CAF14F7A7DF}"/>
+          </ac:picMkLst>
+        </pc:picChg>
+        <pc:picChg chg="add mod modCrop">
+          <ac:chgData name="Gudukbay, Gulsum" userId="33ab478b-42a3-4d08-ae05-3f67cf1d32a2" providerId="ADAL" clId="{27E69447-91EA-4D01-AF66-70A6FC4BA94F}" dt="2018-11-29T03:34:50.383" v="351" actId="1076"/>
+          <ac:picMkLst>
+            <pc:docMk/>
+            <pc:sldMk cId="3506399184" sldId="259"/>
+            <ac:picMk id="5" creationId="{9754DF1C-FEB8-4B7A-B701-245A006D5593}"/>
+          </ac:picMkLst>
+        </pc:picChg>
       </pc:sldChg>
-      <pc:sldChg chg="setBg">
-        <pc:chgData name="Gudukbay, Gulsum" userId="33ab478b-42a3-4d08-ae05-3f67cf1d32a2" providerId="ADAL" clId="{27E69447-91EA-4D01-AF66-70A6FC4BA94F}" dt="2018-11-28T21:14:30.699" v="95"/>
+      <pc:sldChg chg="addSp delSp modSp mod setBg">
+        <pc:chgData name="Gudukbay, Gulsum" userId="33ab478b-42a3-4d08-ae05-3f67cf1d32a2" providerId="ADAL" clId="{27E69447-91EA-4D01-AF66-70A6FC4BA94F}" dt="2018-11-29T03:57:10.926" v="605" actId="20577"/>
         <pc:sldMkLst>
           <pc:docMk/>
           <pc:sldMk cId="2347409190" sldId="260"/>
         </pc:sldMkLst>
+        <pc:spChg chg="add del">
+          <ac:chgData name="Gudukbay, Gulsum" userId="33ab478b-42a3-4d08-ae05-3f67cf1d32a2" providerId="ADAL" clId="{27E69447-91EA-4D01-AF66-70A6FC4BA94F}" dt="2018-11-29T03:55:01.061" v="581" actId="478"/>
+          <ac:spMkLst>
+            <pc:docMk/>
+            <pc:sldMk cId="2347409190" sldId="260"/>
+            <ac:spMk id="6" creationId="{FB38ABFA-C28E-4373-8BA7-F086407FF70B}"/>
+          </ac:spMkLst>
+        </pc:spChg>
+        <pc:spChg chg="add mod">
+          <ac:chgData name="Gudukbay, Gulsum" userId="33ab478b-42a3-4d08-ae05-3f67cf1d32a2" providerId="ADAL" clId="{27E69447-91EA-4D01-AF66-70A6FC4BA94F}" dt="2018-11-29T03:57:10.926" v="605" actId="20577"/>
+          <ac:spMkLst>
+            <pc:docMk/>
+            <pc:sldMk cId="2347409190" sldId="260"/>
+            <ac:spMk id="7" creationId="{DA694B5A-271B-4C8F-9725-955D90B8C750}"/>
+          </ac:spMkLst>
+        </pc:spChg>
+        <pc:graphicFrameChg chg="add">
+          <ac:chgData name="Gudukbay, Gulsum" userId="33ab478b-42a3-4d08-ae05-3f67cf1d32a2" providerId="ADAL" clId="{27E69447-91EA-4D01-AF66-70A6FC4BA94F}" dt="2018-11-29T02:34:15.846" v="168"/>
+          <ac:graphicFrameMkLst>
+            <pc:docMk/>
+            <pc:sldMk cId="2347409190" sldId="260"/>
+            <ac:graphicFrameMk id="4" creationId="{1A5A60D2-7563-4580-B746-E0E607C5FC0B}"/>
+          </ac:graphicFrameMkLst>
+        </pc:graphicFrameChg>
+        <pc:picChg chg="del">
+          <ac:chgData name="Gudukbay, Gulsum" userId="33ab478b-42a3-4d08-ae05-3f67cf1d32a2" providerId="ADAL" clId="{27E69447-91EA-4D01-AF66-70A6FC4BA94F}" dt="2018-11-29T02:34:14.217" v="166" actId="478"/>
+          <ac:picMkLst>
+            <pc:docMk/>
+            <pc:sldMk cId="2347409190" sldId="260"/>
+            <ac:picMk id="3" creationId="{A203B564-574B-412C-BDC6-ADB01EEE9582}"/>
+          </ac:picMkLst>
+        </pc:picChg>
+        <pc:picChg chg="add mod modCrop">
+          <ac:chgData name="Gudukbay, Gulsum" userId="33ab478b-42a3-4d08-ae05-3f67cf1d32a2" providerId="ADAL" clId="{27E69447-91EA-4D01-AF66-70A6FC4BA94F}" dt="2018-11-29T03:35:07.166" v="355" actId="1076"/>
+          <ac:picMkLst>
+            <pc:docMk/>
+            <pc:sldMk cId="2347409190" sldId="260"/>
+            <ac:picMk id="5" creationId="{744F6739-5D71-4626-82C8-983E5B506D9D}"/>
+          </ac:picMkLst>
+        </pc:picChg>
       </pc:sldChg>
-      <pc:sldChg chg="setBg">
-        <pc:chgData name="Gudukbay, Gulsum" userId="33ab478b-42a3-4d08-ae05-3f67cf1d32a2" providerId="ADAL" clId="{27E69447-91EA-4D01-AF66-70A6FC4BA94F}" dt="2018-11-28T21:14:30.699" v="95"/>
+      <pc:sldChg chg="addSp delSp modSp mod setBg">
+        <pc:chgData name="Gudukbay, Gulsum" userId="33ab478b-42a3-4d08-ae05-3f67cf1d32a2" providerId="ADAL" clId="{27E69447-91EA-4D01-AF66-70A6FC4BA94F}" dt="2018-11-29T03:55:35.774" v="586" actId="20577"/>
         <pc:sldMkLst>
           <pc:docMk/>
           <pc:sldMk cId="3069383323" sldId="261"/>
         </pc:sldMkLst>
+        <pc:spChg chg="add mod">
+          <ac:chgData name="Gudukbay, Gulsum" userId="33ab478b-42a3-4d08-ae05-3f67cf1d32a2" providerId="ADAL" clId="{27E69447-91EA-4D01-AF66-70A6FC4BA94F}" dt="2018-11-29T03:55:35.774" v="586" actId="20577"/>
+          <ac:spMkLst>
+            <pc:docMk/>
+            <pc:sldMk cId="3069383323" sldId="261"/>
+            <ac:spMk id="7" creationId="{5C6993F7-8342-45CB-B258-EEBFEA792558}"/>
+          </ac:spMkLst>
+        </pc:spChg>
+        <pc:graphicFrameChg chg="add">
+          <ac:chgData name="Gudukbay, Gulsum" userId="33ab478b-42a3-4d08-ae05-3f67cf1d32a2" providerId="ADAL" clId="{27E69447-91EA-4D01-AF66-70A6FC4BA94F}" dt="2018-11-29T02:27:40.130" v="142"/>
+          <ac:graphicFrameMkLst>
+            <pc:docMk/>
+            <pc:sldMk cId="3069383323" sldId="261"/>
+            <ac:graphicFrameMk id="5" creationId="{1EA13FE2-A120-4043-8F1E-6B5BABA35419}"/>
+          </ac:graphicFrameMkLst>
+        </pc:graphicFrameChg>
+        <pc:picChg chg="del">
+          <ac:chgData name="Gudukbay, Gulsum" userId="33ab478b-42a3-4d08-ae05-3f67cf1d32a2" providerId="ADAL" clId="{27E69447-91EA-4D01-AF66-70A6FC4BA94F}" dt="2018-11-29T02:27:38.366" v="140" actId="478"/>
+          <ac:picMkLst>
+            <pc:docMk/>
+            <pc:sldMk cId="3069383323" sldId="261"/>
+            <ac:picMk id="4" creationId="{2483F414-3BA7-4F48-9983-10AB9C4BFD3E}"/>
+          </ac:picMkLst>
+        </pc:picChg>
+        <pc:picChg chg="add mod modCrop">
+          <ac:chgData name="Gudukbay, Gulsum" userId="33ab478b-42a3-4d08-ae05-3f67cf1d32a2" providerId="ADAL" clId="{27E69447-91EA-4D01-AF66-70A6FC4BA94F}" dt="2018-11-29T03:35:16.065" v="357" actId="1076"/>
+          <ac:picMkLst>
+            <pc:docMk/>
+            <pc:sldMk cId="3069383323" sldId="261"/>
+            <ac:picMk id="6" creationId="{9DF0A42C-1DF5-420B-BFE3-6E646CB0B63C}"/>
+          </ac:picMkLst>
+        </pc:picChg>
       </pc:sldChg>
-      <pc:sldChg chg="setBg">
-        <pc:chgData name="Gudukbay, Gulsum" userId="33ab478b-42a3-4d08-ae05-3f67cf1d32a2" providerId="ADAL" clId="{27E69447-91EA-4D01-AF66-70A6FC4BA94F}" dt="2018-11-28T21:14:30.699" v="95"/>
+      <pc:sldChg chg="addSp delSp modSp mod setBg">
+        <pc:chgData name="Gudukbay, Gulsum" userId="33ab478b-42a3-4d08-ae05-3f67cf1d32a2" providerId="ADAL" clId="{27E69447-91EA-4D01-AF66-70A6FC4BA94F}" dt="2018-11-29T03:54:37.439" v="576" actId="20577"/>
         <pc:sldMkLst>
           <pc:docMk/>
           <pc:sldMk cId="3660655663" sldId="262"/>
         </pc:sldMkLst>
+        <pc:spChg chg="add del mod">
+          <ac:chgData name="Gudukbay, Gulsum" userId="33ab478b-42a3-4d08-ae05-3f67cf1d32a2" providerId="ADAL" clId="{27E69447-91EA-4D01-AF66-70A6FC4BA94F}" dt="2018-11-29T03:54:25.593" v="574" actId="478"/>
+          <ac:spMkLst>
+            <pc:docMk/>
+            <pc:sldMk cId="3660655663" sldId="262"/>
+            <ac:spMk id="6" creationId="{F29F71ED-D5B2-4635-828F-C2AC54658692}"/>
+          </ac:spMkLst>
+        </pc:spChg>
+        <pc:spChg chg="add mod">
+          <ac:chgData name="Gudukbay, Gulsum" userId="33ab478b-42a3-4d08-ae05-3f67cf1d32a2" providerId="ADAL" clId="{27E69447-91EA-4D01-AF66-70A6FC4BA94F}" dt="2018-11-29T03:54:37.439" v="576" actId="20577"/>
+          <ac:spMkLst>
+            <pc:docMk/>
+            <pc:sldMk cId="3660655663" sldId="262"/>
+            <ac:spMk id="7" creationId="{6797AC2B-FD60-4BC1-A90C-BFAD53EF489B}"/>
+          </ac:spMkLst>
+        </pc:spChg>
+        <pc:graphicFrameChg chg="add">
+          <ac:chgData name="Gudukbay, Gulsum" userId="33ab478b-42a3-4d08-ae05-3f67cf1d32a2" providerId="ADAL" clId="{27E69447-91EA-4D01-AF66-70A6FC4BA94F}" dt="2018-11-29T02:33:54.381" v="164"/>
+          <ac:graphicFrameMkLst>
+            <pc:docMk/>
+            <pc:sldMk cId="3660655663" sldId="262"/>
+            <ac:graphicFrameMk id="4" creationId="{B0F1CBF3-AD5C-4A8E-825B-343028658B35}"/>
+          </ac:graphicFrameMkLst>
+        </pc:graphicFrameChg>
+        <pc:picChg chg="del">
+          <ac:chgData name="Gudukbay, Gulsum" userId="33ab478b-42a3-4d08-ae05-3f67cf1d32a2" providerId="ADAL" clId="{27E69447-91EA-4D01-AF66-70A6FC4BA94F}" dt="2018-11-29T02:33:52.880" v="162" actId="478"/>
+          <ac:picMkLst>
+            <pc:docMk/>
+            <pc:sldMk cId="3660655663" sldId="262"/>
+            <ac:picMk id="3" creationId="{45EDE5EA-F17F-4AFF-8719-D53529DAD2E0}"/>
+          </ac:picMkLst>
+        </pc:picChg>
+        <pc:picChg chg="add mod modCrop">
+          <ac:chgData name="Gudukbay, Gulsum" userId="33ab478b-42a3-4d08-ae05-3f67cf1d32a2" providerId="ADAL" clId="{27E69447-91EA-4D01-AF66-70A6FC4BA94F}" dt="2018-11-29T03:34:59.517" v="353" actId="1076"/>
+          <ac:picMkLst>
+            <pc:docMk/>
+            <pc:sldMk cId="3660655663" sldId="262"/>
+            <ac:picMk id="5" creationId="{4AE4A396-B53A-40F1-A408-568F412D6285}"/>
+          </ac:picMkLst>
+        </pc:picChg>
       </pc:sldChg>
-      <pc:sldChg chg="setBg">
-        <pc:chgData name="Gudukbay, Gulsum" userId="33ab478b-42a3-4d08-ae05-3f67cf1d32a2" providerId="ADAL" clId="{27E69447-91EA-4D01-AF66-70A6FC4BA94F}" dt="2018-11-28T21:14:30.699" v="95"/>
+      <pc:sldChg chg="addSp delSp modSp mod setBg">
+        <pc:chgData name="Gudukbay, Gulsum" userId="33ab478b-42a3-4d08-ae05-3f67cf1d32a2" providerId="ADAL" clId="{27E69447-91EA-4D01-AF66-70A6FC4BA94F}" dt="2018-11-29T03:58:17.028" v="616"/>
         <pc:sldMkLst>
           <pc:docMk/>
           <pc:sldMk cId="453171510" sldId="263"/>
         </pc:sldMkLst>
+        <pc:spChg chg="add mod">
+          <ac:chgData name="Gudukbay, Gulsum" userId="33ab478b-42a3-4d08-ae05-3f67cf1d32a2" providerId="ADAL" clId="{27E69447-91EA-4D01-AF66-70A6FC4BA94F}" dt="2018-11-29T03:58:17.028" v="616"/>
+          <ac:spMkLst>
+            <pc:docMk/>
+            <pc:sldMk cId="453171510" sldId="263"/>
+            <ac:spMk id="6" creationId="{AD7EFE86-D529-443A-867E-C1B8B0DEDADD}"/>
+          </ac:spMkLst>
+        </pc:spChg>
+        <pc:graphicFrameChg chg="add">
+          <ac:chgData name="Gudukbay, Gulsum" userId="33ab478b-42a3-4d08-ae05-3f67cf1d32a2" providerId="ADAL" clId="{27E69447-91EA-4D01-AF66-70A6FC4BA94F}" dt="2018-11-29T02:27:58.389" v="146"/>
+          <ac:graphicFrameMkLst>
+            <pc:docMk/>
+            <pc:sldMk cId="453171510" sldId="263"/>
+            <ac:graphicFrameMk id="4" creationId="{BB262F13-D53C-4DFB-8995-676010D295A6}"/>
+          </ac:graphicFrameMkLst>
+        </pc:graphicFrameChg>
+        <pc:picChg chg="del">
+          <ac:chgData name="Gudukbay, Gulsum" userId="33ab478b-42a3-4d08-ae05-3f67cf1d32a2" providerId="ADAL" clId="{27E69447-91EA-4D01-AF66-70A6FC4BA94F}" dt="2018-11-29T02:27:56.895" v="144" actId="478"/>
+          <ac:picMkLst>
+            <pc:docMk/>
+            <pc:sldMk cId="453171510" sldId="263"/>
+            <ac:picMk id="3" creationId="{75BE54C1-450B-4AF4-AB42-877EABD4F890}"/>
+          </ac:picMkLst>
+        </pc:picChg>
+        <pc:picChg chg="add mod modCrop">
+          <ac:chgData name="Gudukbay, Gulsum" userId="33ab478b-42a3-4d08-ae05-3f67cf1d32a2" providerId="ADAL" clId="{27E69447-91EA-4D01-AF66-70A6FC4BA94F}" dt="2018-11-29T03:35:25.749" v="359" actId="1076"/>
+          <ac:picMkLst>
+            <pc:docMk/>
+            <pc:sldMk cId="453171510" sldId="263"/>
+            <ac:picMk id="5" creationId="{695F256F-D105-492F-8F11-E12D18A42FC3}"/>
+          </ac:picMkLst>
+        </pc:picChg>
       </pc:sldChg>
-      <pc:sldChg chg="setBg">
-        <pc:chgData name="Gudukbay, Gulsum" userId="33ab478b-42a3-4d08-ae05-3f67cf1d32a2" providerId="ADAL" clId="{27E69447-91EA-4D01-AF66-70A6FC4BA94F}" dt="2018-11-28T21:14:30.699" v="95"/>
+      <pc:sldChg chg="addSp delSp modSp mod setBg">
+        <pc:chgData name="Gudukbay, Gulsum" userId="33ab478b-42a3-4d08-ae05-3f67cf1d32a2" providerId="ADAL" clId="{27E69447-91EA-4D01-AF66-70A6FC4BA94F}" dt="2018-11-29T03:57:34.299" v="611" actId="20577"/>
         <pc:sldMkLst>
           <pc:docMk/>
           <pc:sldMk cId="3795526922" sldId="264"/>
         </pc:sldMkLst>
+        <pc:spChg chg="add del">
+          <ac:chgData name="Gudukbay, Gulsum" userId="33ab478b-42a3-4d08-ae05-3f67cf1d32a2" providerId="ADAL" clId="{27E69447-91EA-4D01-AF66-70A6FC4BA94F}" dt="2018-11-29T03:57:28.984" v="609" actId="478"/>
+          <ac:spMkLst>
+            <pc:docMk/>
+            <pc:sldMk cId="3795526922" sldId="264"/>
+            <ac:spMk id="6" creationId="{2F2D46FE-F93C-4881-AEA7-A4FB8E318431}"/>
+          </ac:spMkLst>
+        </pc:spChg>
+        <pc:spChg chg="add del mod">
+          <ac:chgData name="Gudukbay, Gulsum" userId="33ab478b-42a3-4d08-ae05-3f67cf1d32a2" providerId="ADAL" clId="{27E69447-91EA-4D01-AF66-70A6FC4BA94F}" dt="2018-11-29T03:56:38.432" v="593"/>
+          <ac:spMkLst>
+            <pc:docMk/>
+            <pc:sldMk cId="3795526922" sldId="264"/>
+            <ac:spMk id="7" creationId="{D59F4058-5CC5-4F29-9CDF-BA7F9BA19170}"/>
+          </ac:spMkLst>
+        </pc:spChg>
+        <pc:spChg chg="add del">
+          <ac:chgData name="Gudukbay, Gulsum" userId="33ab478b-42a3-4d08-ae05-3f67cf1d32a2" providerId="ADAL" clId="{27E69447-91EA-4D01-AF66-70A6FC4BA94F}" dt="2018-11-29T03:56:41.893" v="595"/>
+          <ac:spMkLst>
+            <pc:docMk/>
+            <pc:sldMk cId="3795526922" sldId="264"/>
+            <ac:spMk id="8" creationId="{FA69D558-E013-46C6-9B14-B35BCFA9BD83}"/>
+          </ac:spMkLst>
+        </pc:spChg>
+        <pc:spChg chg="add del">
+          <ac:chgData name="Gudukbay, Gulsum" userId="33ab478b-42a3-4d08-ae05-3f67cf1d32a2" providerId="ADAL" clId="{27E69447-91EA-4D01-AF66-70A6FC4BA94F}" dt="2018-11-29T03:56:46.781" v="601"/>
+          <ac:spMkLst>
+            <pc:docMk/>
+            <pc:sldMk cId="3795526922" sldId="264"/>
+            <ac:spMk id="9" creationId="{A8B216A2-5DC0-4F90-8F03-FAAF736E03EB}"/>
+          </ac:spMkLst>
+        </pc:spChg>
+        <pc:spChg chg="add del mod">
+          <ac:chgData name="Gudukbay, Gulsum" userId="33ab478b-42a3-4d08-ae05-3f67cf1d32a2" providerId="ADAL" clId="{27E69447-91EA-4D01-AF66-70A6FC4BA94F}" dt="2018-11-29T03:57:06.046" v="604" actId="478"/>
+          <ac:spMkLst>
+            <pc:docMk/>
+            <pc:sldMk cId="3795526922" sldId="264"/>
+            <ac:spMk id="10" creationId="{832E1C9F-7746-4382-9D6B-F5A0AFB44964}"/>
+          </ac:spMkLst>
+        </pc:spChg>
+        <pc:spChg chg="add mod">
+          <ac:chgData name="Gudukbay, Gulsum" userId="33ab478b-42a3-4d08-ae05-3f67cf1d32a2" providerId="ADAL" clId="{27E69447-91EA-4D01-AF66-70A6FC4BA94F}" dt="2018-11-29T03:57:34.299" v="611" actId="20577"/>
+          <ac:spMkLst>
+            <pc:docMk/>
+            <pc:sldMk cId="3795526922" sldId="264"/>
+            <ac:spMk id="11" creationId="{AA0B6EC7-9913-482D-97A6-1AB7848A2E4A}"/>
+          </ac:spMkLst>
+        </pc:spChg>
+        <pc:graphicFrameChg chg="add">
+          <ac:chgData name="Gudukbay, Gulsum" userId="33ab478b-42a3-4d08-ae05-3f67cf1d32a2" providerId="ADAL" clId="{27E69447-91EA-4D01-AF66-70A6FC4BA94F}" dt="2018-11-29T02:28:25.042" v="150"/>
+          <ac:graphicFrameMkLst>
+            <pc:docMk/>
+            <pc:sldMk cId="3795526922" sldId="264"/>
+            <ac:graphicFrameMk id="4" creationId="{935D9255-5B8A-455F-9BE7-335BF7D07DA4}"/>
+          </ac:graphicFrameMkLst>
+        </pc:graphicFrameChg>
+        <pc:picChg chg="del">
+          <ac:chgData name="Gudukbay, Gulsum" userId="33ab478b-42a3-4d08-ae05-3f67cf1d32a2" providerId="ADAL" clId="{27E69447-91EA-4D01-AF66-70A6FC4BA94F}" dt="2018-11-29T02:28:23.431" v="148" actId="478"/>
+          <ac:picMkLst>
+            <pc:docMk/>
+            <pc:sldMk cId="3795526922" sldId="264"/>
+            <ac:picMk id="3" creationId="{D79CDCBF-8EC0-47BD-A807-5D22AF0C96BB}"/>
+          </ac:picMkLst>
+        </pc:picChg>
+        <pc:picChg chg="add mod modCrop">
+          <ac:chgData name="Gudukbay, Gulsum" userId="33ab478b-42a3-4d08-ae05-3f67cf1d32a2" providerId="ADAL" clId="{27E69447-91EA-4D01-AF66-70A6FC4BA94F}" dt="2018-11-29T03:35:34.313" v="361" actId="1076"/>
+          <ac:picMkLst>
+            <pc:docMk/>
+            <pc:sldMk cId="3795526922" sldId="264"/>
+            <ac:picMk id="5" creationId="{5CAE2206-4B92-4C92-B498-AB51B54DCED6}"/>
+          </ac:picMkLst>
+        </pc:picChg>
       </pc:sldChg>
       <pc:sldChg chg="addSp delSp modSp setBg">
-        <pc:chgData name="Gudukbay, Gulsum" userId="33ab478b-42a3-4d08-ae05-3f67cf1d32a2" providerId="ADAL" clId="{27E69447-91EA-4D01-AF66-70A6FC4BA94F}" dt="2018-11-28T21:14:30.699" v="95"/>
+        <pc:chgData name="Gudukbay, Gulsum" userId="33ab478b-42a3-4d08-ae05-3f67cf1d32a2" providerId="ADAL" clId="{27E69447-91EA-4D01-AF66-70A6FC4BA94F}" dt="2018-11-29T03:58:58.594" v="635" actId="20577"/>
         <pc:sldMkLst>
           <pc:docMk/>
           <pc:sldMk cId="1561767516" sldId="265"/>
         </pc:sldMkLst>
+        <pc:spChg chg="add mod">
+          <ac:chgData name="Gudukbay, Gulsum" userId="33ab478b-42a3-4d08-ae05-3f67cf1d32a2" providerId="ADAL" clId="{27E69447-91EA-4D01-AF66-70A6FC4BA94F}" dt="2018-11-29T03:58:58.594" v="635" actId="20577"/>
+          <ac:spMkLst>
+            <pc:docMk/>
+            <pc:sldMk cId="1561767516" sldId="265"/>
+            <ac:spMk id="14" creationId="{B355413E-567C-4510-9161-9C13283D1118}"/>
+          </ac:spMkLst>
+        </pc:spChg>
         <pc:graphicFrameChg chg="add">
           <ac:chgData name="Gudukbay, Gulsum" userId="33ab478b-42a3-4d08-ae05-3f67cf1d32a2" providerId="ADAL" clId="{27E69447-91EA-4D01-AF66-70A6FC4BA94F}" dt="2018-11-28T20:59:27.264" v="52"/>
           <ac:graphicFrameMkLst>
@@ -237,6 +605,30 @@
             <ac:graphicFrameMk id="7" creationId="{475D04E1-1B33-4E65-813E-F14BD5306BB2}"/>
           </ac:graphicFrameMkLst>
         </pc:graphicFrameChg>
+        <pc:graphicFrameChg chg="add mod">
+          <ac:chgData name="Gudukbay, Gulsum" userId="33ab478b-42a3-4d08-ae05-3f67cf1d32a2" providerId="ADAL" clId="{27E69447-91EA-4D01-AF66-70A6FC4BA94F}" dt="2018-11-29T01:55:16.048" v="99" actId="115"/>
+          <ac:graphicFrameMkLst>
+            <pc:docMk/>
+            <pc:sldMk cId="1561767516" sldId="265"/>
+            <ac:graphicFrameMk id="9" creationId="{475D04E1-1B33-4E65-813E-F14BD5306BB2}"/>
+          </ac:graphicFrameMkLst>
+        </pc:graphicFrameChg>
+        <pc:graphicFrameChg chg="add">
+          <ac:chgData name="Gudukbay, Gulsum" userId="33ab478b-42a3-4d08-ae05-3f67cf1d32a2" providerId="ADAL" clId="{27E69447-91EA-4D01-AF66-70A6FC4BA94F}" dt="2018-11-29T01:55:34.998" v="100"/>
+          <ac:graphicFrameMkLst>
+            <pc:docMk/>
+            <pc:sldMk cId="1561767516" sldId="265"/>
+            <ac:graphicFrameMk id="10" creationId="{475D04E1-1B33-4E65-813E-F14BD5306BB2}"/>
+          </ac:graphicFrameMkLst>
+        </pc:graphicFrameChg>
+        <pc:graphicFrameChg chg="add">
+          <ac:chgData name="Gudukbay, Gulsum" userId="33ab478b-42a3-4d08-ae05-3f67cf1d32a2" providerId="ADAL" clId="{27E69447-91EA-4D01-AF66-70A6FC4BA94F}" dt="2018-11-29T02:16:14.448" v="118"/>
+          <ac:graphicFrameMkLst>
+            <pc:docMk/>
+            <pc:sldMk cId="1561767516" sldId="265"/>
+            <ac:graphicFrameMk id="12" creationId="{475D04E1-1B33-4E65-813E-F14BD5306BB2}"/>
+          </ac:graphicFrameMkLst>
+        </pc:graphicFrameChg>
         <pc:picChg chg="add del">
           <ac:chgData name="Gudukbay, Gulsum" userId="33ab478b-42a3-4d08-ae05-3f67cf1d32a2" providerId="ADAL" clId="{27E69447-91EA-4D01-AF66-70A6FC4BA94F}" dt="2018-11-28T21:00:12.203" v="58" actId="478"/>
           <ac:picMkLst>
@@ -253,12 +645,28 @@
             <ac:picMk id="6" creationId="{2560B354-D8B8-4F26-913A-297CE3B2755B}"/>
           </ac:picMkLst>
         </pc:picChg>
-        <pc:picChg chg="add mod">
-          <ac:chgData name="Gudukbay, Gulsum" userId="33ab478b-42a3-4d08-ae05-3f67cf1d32a2" providerId="ADAL" clId="{27E69447-91EA-4D01-AF66-70A6FC4BA94F}" dt="2018-11-28T21:08:59.494" v="78" actId="14100"/>
+        <pc:picChg chg="add del mod">
+          <ac:chgData name="Gudukbay, Gulsum" userId="33ab478b-42a3-4d08-ae05-3f67cf1d32a2" providerId="ADAL" clId="{27E69447-91EA-4D01-AF66-70A6FC4BA94F}" dt="2018-11-29T01:51:18.610" v="96" actId="478"/>
           <ac:picMkLst>
             <pc:docMk/>
             <pc:sldMk cId="1561767516" sldId="265"/>
             <ac:picMk id="8" creationId="{DAB4F0E6-C363-424E-8220-88833C7ACE63}"/>
+          </ac:picMkLst>
+        </pc:picChg>
+        <pc:picChg chg="add del mod">
+          <ac:chgData name="Gudukbay, Gulsum" userId="33ab478b-42a3-4d08-ae05-3f67cf1d32a2" providerId="ADAL" clId="{27E69447-91EA-4D01-AF66-70A6FC4BA94F}" dt="2018-11-29T01:56:16.865" v="107" actId="478"/>
+          <ac:picMkLst>
+            <pc:docMk/>
+            <pc:sldMk cId="1561767516" sldId="265"/>
+            <ac:picMk id="11" creationId="{5150C798-7D71-483F-9940-D96BD49EC820}"/>
+          </ac:picMkLst>
+        </pc:picChg>
+        <pc:picChg chg="add mod modCrop">
+          <ac:chgData name="Gudukbay, Gulsum" userId="33ab478b-42a3-4d08-ae05-3f67cf1d32a2" providerId="ADAL" clId="{27E69447-91EA-4D01-AF66-70A6FC4BA94F}" dt="2018-11-29T03:35:54.169" v="363" actId="1076"/>
+          <ac:picMkLst>
+            <pc:docMk/>
+            <pc:sldMk cId="1561767516" sldId="265"/>
+            <ac:picMk id="13" creationId="{D31F960C-7445-4BCC-B110-92AC3394B053}"/>
           </ac:picMkLst>
         </pc:picChg>
       </pc:sldChg>
@@ -269,8 +677,8 @@
           <pc:sldMk cId="2129047087" sldId="266"/>
         </pc:sldMkLst>
       </pc:sldChg>
-      <pc:sldChg chg="addSp modSp add">
-        <pc:chgData name="Gudukbay, Gulsum" userId="33ab478b-42a3-4d08-ae05-3f67cf1d32a2" providerId="ADAL" clId="{27E69447-91EA-4D01-AF66-70A6FC4BA94F}" dt="2018-11-28T21:13:56.709" v="94" actId="113"/>
+      <pc:sldChg chg="addSp modSp add setBg">
+        <pc:chgData name="Gudukbay, Gulsum" userId="33ab478b-42a3-4d08-ae05-3f67cf1d32a2" providerId="ADAL" clId="{27E69447-91EA-4D01-AF66-70A6FC4BA94F}" dt="2018-11-29T03:41:41.014" v="376"/>
         <pc:sldMkLst>
           <pc:docMk/>
           <pc:sldMk cId="2264776561" sldId="266"/>
@@ -292,7 +700,7 @@
           </ac:spMkLst>
         </pc:spChg>
         <pc:graphicFrameChg chg="add mod modGraphic">
-          <ac:chgData name="Gudukbay, Gulsum" userId="33ab478b-42a3-4d08-ae05-3f67cf1d32a2" providerId="ADAL" clId="{27E69447-91EA-4D01-AF66-70A6FC4BA94F}" dt="2018-11-28T21:13:42.355" v="93"/>
+          <ac:chgData name="Gudukbay, Gulsum" userId="33ab478b-42a3-4d08-ae05-3f67cf1d32a2" providerId="ADAL" clId="{27E69447-91EA-4D01-AF66-70A6FC4BA94F}" dt="2018-11-29T02:43:17.444" v="225" actId="207"/>
           <ac:graphicFrameMkLst>
             <pc:docMk/>
             <pc:sldMk cId="2264776561" sldId="266"/>
@@ -301,11 +709,27 @@
         </pc:graphicFrameChg>
       </pc:sldChg>
       <pc:sldChg chg="addSp delSp modSp add setBg">
-        <pc:chgData name="Gudukbay, Gulsum" userId="33ab478b-42a3-4d08-ae05-3f67cf1d32a2" providerId="ADAL" clId="{27E69447-91EA-4D01-AF66-70A6FC4BA94F}" dt="2018-11-28T21:14:30.699" v="95"/>
+        <pc:chgData name="Gudukbay, Gulsum" userId="33ab478b-42a3-4d08-ae05-3f67cf1d32a2" providerId="ADAL" clId="{27E69447-91EA-4D01-AF66-70A6FC4BA94F}" dt="2018-11-29T04:08:22.203" v="658" actId="20577"/>
         <pc:sldMkLst>
           <pc:docMk/>
           <pc:sldMk cId="609321786" sldId="267"/>
         </pc:sldMkLst>
+        <pc:spChg chg="add del">
+          <ac:chgData name="Gudukbay, Gulsum" userId="33ab478b-42a3-4d08-ae05-3f67cf1d32a2" providerId="ADAL" clId="{27E69447-91EA-4D01-AF66-70A6FC4BA94F}" dt="2018-11-29T04:07:46.459" v="637"/>
+          <ac:spMkLst>
+            <pc:docMk/>
+            <pc:sldMk cId="609321786" sldId="267"/>
+            <ac:spMk id="8" creationId="{BA44F400-D45E-4BA7-BAEF-4983DD7AD296}"/>
+          </ac:spMkLst>
+        </pc:spChg>
+        <pc:spChg chg="add mod">
+          <ac:chgData name="Gudukbay, Gulsum" userId="33ab478b-42a3-4d08-ae05-3f67cf1d32a2" providerId="ADAL" clId="{27E69447-91EA-4D01-AF66-70A6FC4BA94F}" dt="2018-11-29T04:08:22.203" v="658" actId="20577"/>
+          <ac:spMkLst>
+            <pc:docMk/>
+            <pc:sldMk cId="609321786" sldId="267"/>
+            <ac:spMk id="9" creationId="{96F85954-A15A-4B37-A3BD-2362B1CF78CE}"/>
+          </ac:spMkLst>
+        </pc:spChg>
         <pc:graphicFrameChg chg="add">
           <ac:chgData name="Gudukbay, Gulsum" userId="33ab478b-42a3-4d08-ae05-3f67cf1d32a2" providerId="ADAL" clId="{27E69447-91EA-4D01-AF66-70A6FC4BA94F}" dt="2018-11-28T21:04:20.542" v="66"/>
           <ac:graphicFrameMkLst>
@@ -322,6 +746,14 @@
             <ac:graphicFrameMk id="4" creationId="{F8E834D4-C3A8-4689-AC08-1EA71FC97BC8}"/>
           </ac:graphicFrameMkLst>
         </pc:graphicFrameChg>
+        <pc:graphicFrameChg chg="add">
+          <ac:chgData name="Gudukbay, Gulsum" userId="33ab478b-42a3-4d08-ae05-3f67cf1d32a2" providerId="ADAL" clId="{27E69447-91EA-4D01-AF66-70A6FC4BA94F}" dt="2018-11-29T02:14:58.044" v="114"/>
+          <ac:graphicFrameMkLst>
+            <pc:docMk/>
+            <pc:sldMk cId="609321786" sldId="267"/>
+            <ac:graphicFrameMk id="6" creationId="{3A858F6F-20D0-4E8B-9491-01518FD84513}"/>
+          </ac:graphicFrameMkLst>
+        </pc:graphicFrameChg>
         <pc:picChg chg="add del mod">
           <ac:chgData name="Gudukbay, Gulsum" userId="33ab478b-42a3-4d08-ae05-3f67cf1d32a2" providerId="ADAL" clId="{27E69447-91EA-4D01-AF66-70A6FC4BA94F}" dt="2018-11-28T21:09:02.914" v="79" actId="478"/>
           <ac:picMkLst>
@@ -330,21 +762,37 @@
             <ac:picMk id="3" creationId="{C89B3FC1-1721-4E41-ACAF-0EE1D41A1646}"/>
           </ac:picMkLst>
         </pc:picChg>
-        <pc:picChg chg="add mod">
-          <ac:chgData name="Gudukbay, Gulsum" userId="33ab478b-42a3-4d08-ae05-3f67cf1d32a2" providerId="ADAL" clId="{27E69447-91EA-4D01-AF66-70A6FC4BA94F}" dt="2018-11-28T21:10:30.531" v="92" actId="14100"/>
+        <pc:picChg chg="add del mod">
+          <ac:chgData name="Gudukbay, Gulsum" userId="33ab478b-42a3-4d08-ae05-3f67cf1d32a2" providerId="ADAL" clId="{27E69447-91EA-4D01-AF66-70A6FC4BA94F}" dt="2018-11-29T02:14:14.806" v="113" actId="478"/>
           <ac:picMkLst>
             <pc:docMk/>
             <pc:sldMk cId="609321786" sldId="267"/>
             <ac:picMk id="5" creationId="{063ED534-33A9-4856-8579-6425D093B911}"/>
           </ac:picMkLst>
         </pc:picChg>
+        <pc:picChg chg="add mod modCrop">
+          <ac:chgData name="Gudukbay, Gulsum" userId="33ab478b-42a3-4d08-ae05-3f67cf1d32a2" providerId="ADAL" clId="{27E69447-91EA-4D01-AF66-70A6FC4BA94F}" dt="2018-11-29T04:07:49.853" v="640" actId="1076"/>
+          <ac:picMkLst>
+            <pc:docMk/>
+            <pc:sldMk cId="609321786" sldId="267"/>
+            <ac:picMk id="7" creationId="{61C25BA2-70A1-4E14-B3AE-9B3D97A1ED5A}"/>
+          </ac:picMkLst>
+        </pc:picChg>
       </pc:sldChg>
       <pc:sldChg chg="addSp delSp modSp add setBg">
-        <pc:chgData name="Gudukbay, Gulsum" userId="33ab478b-42a3-4d08-ae05-3f67cf1d32a2" providerId="ADAL" clId="{27E69447-91EA-4D01-AF66-70A6FC4BA94F}" dt="2018-11-28T21:14:30.699" v="95"/>
+        <pc:chgData name="Gudukbay, Gulsum" userId="33ab478b-42a3-4d08-ae05-3f67cf1d32a2" providerId="ADAL" clId="{27E69447-91EA-4D01-AF66-70A6FC4BA94F}" dt="2018-11-29T04:08:52.048" v="677" actId="20577"/>
         <pc:sldMkLst>
           <pc:docMk/>
           <pc:sldMk cId="4228326820" sldId="268"/>
         </pc:sldMkLst>
+        <pc:spChg chg="add mod">
+          <ac:chgData name="Gudukbay, Gulsum" userId="33ab478b-42a3-4d08-ae05-3f67cf1d32a2" providerId="ADAL" clId="{27E69447-91EA-4D01-AF66-70A6FC4BA94F}" dt="2018-11-29T04:08:52.048" v="677" actId="20577"/>
+          <ac:spMkLst>
+            <pc:docMk/>
+            <pc:sldMk cId="4228326820" sldId="268"/>
+            <ac:spMk id="9" creationId="{4D3AFE2E-7373-4292-91C4-023E2B6D6BD5}"/>
+          </ac:spMkLst>
+        </pc:spChg>
         <pc:graphicFrameChg chg="add">
           <ac:chgData name="Gudukbay, Gulsum" userId="33ab478b-42a3-4d08-ae05-3f67cf1d32a2" providerId="ADAL" clId="{27E69447-91EA-4D01-AF66-70A6FC4BA94F}" dt="2018-11-28T21:05:14.574" v="72"/>
           <ac:graphicFrameMkLst>
@@ -369,6 +817,14 @@
             <ac:graphicFrameMk id="5" creationId="{70372529-5000-4F2F-AB5E-58BA5F436BF4}"/>
           </ac:graphicFrameMkLst>
         </pc:graphicFrameChg>
+        <pc:graphicFrameChg chg="add">
+          <ac:chgData name="Gudukbay, Gulsum" userId="33ab478b-42a3-4d08-ae05-3f67cf1d32a2" providerId="ADAL" clId="{27E69447-91EA-4D01-AF66-70A6FC4BA94F}" dt="2018-11-29T02:13:49.123" v="109"/>
+          <ac:graphicFrameMkLst>
+            <pc:docMk/>
+            <pc:sldMk cId="4228326820" sldId="268"/>
+            <ac:graphicFrameMk id="7" creationId="{09A36917-B91F-48AB-BCF4-ED2130FC8307}"/>
+          </ac:graphicFrameMkLst>
+        </pc:graphicFrameChg>
         <pc:picChg chg="add del">
           <ac:chgData name="Gudukbay, Gulsum" userId="33ab478b-42a3-4d08-ae05-3f67cf1d32a2" providerId="ADAL" clId="{27E69447-91EA-4D01-AF66-70A6FC4BA94F}" dt="2018-11-28T21:09:25.287" v="82" actId="478"/>
           <ac:picMkLst>
@@ -377,15 +833,219 @@
             <ac:picMk id="3" creationId="{87D2D591-7A48-418E-94F4-4344B328E488}"/>
           </ac:picMkLst>
         </pc:picChg>
-        <pc:picChg chg="add mod">
-          <ac:chgData name="Gudukbay, Gulsum" userId="33ab478b-42a3-4d08-ae05-3f67cf1d32a2" providerId="ADAL" clId="{27E69447-91EA-4D01-AF66-70A6FC4BA94F}" dt="2018-11-28T21:10:21.289" v="89" actId="14100"/>
+        <pc:picChg chg="add del mod">
+          <ac:chgData name="Gudukbay, Gulsum" userId="33ab478b-42a3-4d08-ae05-3f67cf1d32a2" providerId="ADAL" clId="{27E69447-91EA-4D01-AF66-70A6FC4BA94F}" dt="2018-11-29T02:13:42.254" v="108" actId="478"/>
           <ac:picMkLst>
             <pc:docMk/>
             <pc:sldMk cId="4228326820" sldId="268"/>
             <ac:picMk id="6" creationId="{4DE7C741-AD84-4ADC-A450-270E13A1CA25}"/>
           </ac:picMkLst>
         </pc:picChg>
+        <pc:picChg chg="add mod modCrop">
+          <ac:chgData name="Gudukbay, Gulsum" userId="33ab478b-42a3-4d08-ae05-3f67cf1d32a2" providerId="ADAL" clId="{27E69447-91EA-4D01-AF66-70A6FC4BA94F}" dt="2018-11-29T03:40:22.111" v="367" actId="1076"/>
+          <ac:picMkLst>
+            <pc:docMk/>
+            <pc:sldMk cId="4228326820" sldId="268"/>
+            <ac:picMk id="8" creationId="{A85D2A36-CAC7-4AAF-B93B-57376B0ABFE5}"/>
+          </ac:picMkLst>
+        </pc:picChg>
       </pc:sldChg>
+      <pc:sldChg chg="delSp modSp add">
+        <pc:chgData name="Gudukbay, Gulsum" userId="33ab478b-42a3-4d08-ae05-3f67cf1d32a2" providerId="ADAL" clId="{27E69447-91EA-4D01-AF66-70A6FC4BA94F}" dt="2018-11-29T03:42:20.788" v="377" actId="478"/>
+        <pc:sldMkLst>
+          <pc:docMk/>
+          <pc:sldMk cId="196668539" sldId="269"/>
+        </pc:sldMkLst>
+        <pc:spChg chg="mod">
+          <ac:chgData name="Gudukbay, Gulsum" userId="33ab478b-42a3-4d08-ae05-3f67cf1d32a2" providerId="ADAL" clId="{27E69447-91EA-4D01-AF66-70A6FC4BA94F}" dt="2018-11-29T03:40:41.316" v="375" actId="20577"/>
+          <ac:spMkLst>
+            <pc:docMk/>
+            <pc:sldMk cId="196668539" sldId="269"/>
+            <ac:spMk id="2" creationId="{EC591D1E-CEF9-4B81-A812-57FDEC10B49E}"/>
+          </ac:spMkLst>
+        </pc:spChg>
+        <pc:spChg chg="del">
+          <ac:chgData name="Gudukbay, Gulsum" userId="33ab478b-42a3-4d08-ae05-3f67cf1d32a2" providerId="ADAL" clId="{27E69447-91EA-4D01-AF66-70A6FC4BA94F}" dt="2018-11-29T03:42:20.788" v="377" actId="478"/>
+          <ac:spMkLst>
+            <pc:docMk/>
+            <pc:sldMk cId="196668539" sldId="269"/>
+            <ac:spMk id="3" creationId="{4673E5A3-1157-4A17-A12A-ABB04AA8477E}"/>
+          </ac:spMkLst>
+        </pc:spChg>
+      </pc:sldChg>
+      <pc:sldChg chg="delSp modSp add del">
+        <pc:chgData name="Gudukbay, Gulsum" userId="33ab478b-42a3-4d08-ae05-3f67cf1d32a2" providerId="ADAL" clId="{27E69447-91EA-4D01-AF66-70A6FC4BA94F}" dt="2018-11-29T03:42:57.264" v="388" actId="2696"/>
+        <pc:sldMkLst>
+          <pc:docMk/>
+          <pc:sldMk cId="1424346057" sldId="270"/>
+        </pc:sldMkLst>
+        <pc:spChg chg="mod">
+          <ac:chgData name="Gudukbay, Gulsum" userId="33ab478b-42a3-4d08-ae05-3f67cf1d32a2" providerId="ADAL" clId="{27E69447-91EA-4D01-AF66-70A6FC4BA94F}" dt="2018-11-29T03:42:45.084" v="386" actId="20577"/>
+          <ac:spMkLst>
+            <pc:docMk/>
+            <pc:sldMk cId="1424346057" sldId="270"/>
+            <ac:spMk id="2" creationId="{5FEABA88-4E4B-4223-87FC-E06157761D71}"/>
+          </ac:spMkLst>
+        </pc:spChg>
+        <pc:spChg chg="del">
+          <ac:chgData name="Gudukbay, Gulsum" userId="33ab478b-42a3-4d08-ae05-3f67cf1d32a2" providerId="ADAL" clId="{27E69447-91EA-4D01-AF66-70A6FC4BA94F}" dt="2018-11-29T03:42:48.026" v="387" actId="478"/>
+          <ac:spMkLst>
+            <pc:docMk/>
+            <pc:sldMk cId="1424346057" sldId="270"/>
+            <ac:spMk id="3" creationId="{1D985571-1B36-467C-B9C5-9DFC2641C4FF}"/>
+          </ac:spMkLst>
+        </pc:spChg>
+      </pc:sldChg>
+      <pc:sldChg chg="modSp add ord">
+        <pc:chgData name="Gudukbay, Gulsum" userId="33ab478b-42a3-4d08-ae05-3f67cf1d32a2" providerId="ADAL" clId="{27E69447-91EA-4D01-AF66-70A6FC4BA94F}" dt="2018-11-29T03:48:08.552" v="509" actId="403"/>
+        <pc:sldMkLst>
+          <pc:docMk/>
+          <pc:sldMk cId="3910269540" sldId="270"/>
+        </pc:sldMkLst>
+        <pc:spChg chg="mod">
+          <ac:chgData name="Gudukbay, Gulsum" userId="33ab478b-42a3-4d08-ae05-3f67cf1d32a2" providerId="ADAL" clId="{27E69447-91EA-4D01-AF66-70A6FC4BA94F}" dt="2018-11-29T03:43:06.827" v="398" actId="20577"/>
+          <ac:spMkLst>
+            <pc:docMk/>
+            <pc:sldMk cId="3910269540" sldId="270"/>
+            <ac:spMk id="2" creationId="{5D7F0FF2-17A0-48DD-9916-F4D0298D490E}"/>
+          </ac:spMkLst>
+        </pc:spChg>
+        <pc:spChg chg="mod">
+          <ac:chgData name="Gudukbay, Gulsum" userId="33ab478b-42a3-4d08-ae05-3f67cf1d32a2" providerId="ADAL" clId="{27E69447-91EA-4D01-AF66-70A6FC4BA94F}" dt="2018-11-29T03:48:08.552" v="509" actId="403"/>
+          <ac:spMkLst>
+            <pc:docMk/>
+            <pc:sldMk cId="3910269540" sldId="270"/>
+            <ac:spMk id="3" creationId="{86018072-858A-4A1D-8349-A978DAAF905A}"/>
+          </ac:spMkLst>
+        </pc:spChg>
+      </pc:sldChg>
+      <pc:sldChg chg="delSp modSp add">
+        <pc:chgData name="Gudukbay, Gulsum" userId="33ab478b-42a3-4d08-ae05-3f67cf1d32a2" providerId="ADAL" clId="{27E69447-91EA-4D01-AF66-70A6FC4BA94F}" dt="2018-11-29T03:44:43.067" v="412" actId="478"/>
+        <pc:sldMkLst>
+          <pc:docMk/>
+          <pc:sldMk cId="736906421" sldId="271"/>
+        </pc:sldMkLst>
+        <pc:spChg chg="mod">
+          <ac:chgData name="Gudukbay, Gulsum" userId="33ab478b-42a3-4d08-ae05-3f67cf1d32a2" providerId="ADAL" clId="{27E69447-91EA-4D01-AF66-70A6FC4BA94F}" dt="2018-11-29T03:44:39.996" v="411" actId="20577"/>
+          <ac:spMkLst>
+            <pc:docMk/>
+            <pc:sldMk cId="736906421" sldId="271"/>
+            <ac:spMk id="2" creationId="{B0EFEFA1-E26E-46D6-847C-3B0EE9D3B7CA}"/>
+          </ac:spMkLst>
+        </pc:spChg>
+        <pc:spChg chg="del">
+          <ac:chgData name="Gudukbay, Gulsum" userId="33ab478b-42a3-4d08-ae05-3f67cf1d32a2" providerId="ADAL" clId="{27E69447-91EA-4D01-AF66-70A6FC4BA94F}" dt="2018-11-29T03:44:43.067" v="412" actId="478"/>
+          <ac:spMkLst>
+            <pc:docMk/>
+            <pc:sldMk cId="736906421" sldId="271"/>
+            <ac:spMk id="3" creationId="{2B4BE19E-282A-47E5-A57B-D4BAF2C43B2E}"/>
+          </ac:spMkLst>
+        </pc:spChg>
+      </pc:sldChg>
+      <pc:sldChg chg="modSp add">
+        <pc:chgData name="Gudukbay, Gulsum" userId="33ab478b-42a3-4d08-ae05-3f67cf1d32a2" providerId="ADAL" clId="{27E69447-91EA-4D01-AF66-70A6FC4BA94F}" dt="2018-11-29T03:45:39.744" v="447" actId="20577"/>
+        <pc:sldMkLst>
+          <pc:docMk/>
+          <pc:sldMk cId="133710375" sldId="272"/>
+        </pc:sldMkLst>
+        <pc:spChg chg="mod">
+          <ac:chgData name="Gudukbay, Gulsum" userId="33ab478b-42a3-4d08-ae05-3f67cf1d32a2" providerId="ADAL" clId="{27E69447-91EA-4D01-AF66-70A6FC4BA94F}" dt="2018-11-29T03:45:39.744" v="447" actId="20577"/>
+          <ac:spMkLst>
+            <pc:docMk/>
+            <pc:sldMk cId="133710375" sldId="272"/>
+            <ac:spMk id="2" creationId="{7BFFDF1D-5632-468B-B13C-148B264E15E4}"/>
+          </ac:spMkLst>
+        </pc:spChg>
+      </pc:sldChg>
+      <pc:sldChg chg="add del">
+        <pc:chgData name="Gudukbay, Gulsum" userId="33ab478b-42a3-4d08-ae05-3f67cf1d32a2" providerId="ADAL" clId="{27E69447-91EA-4D01-AF66-70A6FC4BA94F}" dt="2018-11-29T03:44:52.263" v="416"/>
+        <pc:sldMkLst>
+          <pc:docMk/>
+          <pc:sldMk cId="3096800648" sldId="272"/>
+        </pc:sldMkLst>
+      </pc:sldChg>
+      <pc:sldChg chg="add del">
+        <pc:chgData name="Gudukbay, Gulsum" userId="33ab478b-42a3-4d08-ae05-3f67cf1d32a2" providerId="ADAL" clId="{27E69447-91EA-4D01-AF66-70A6FC4BA94F}" dt="2018-11-29T03:44:52.112" v="415"/>
+        <pc:sldMkLst>
+          <pc:docMk/>
+          <pc:sldMk cId="954560649" sldId="273"/>
+        </pc:sldMkLst>
+      </pc:sldChg>
+      <pc:sldChg chg="modSp add">
+        <pc:chgData name="Gudukbay, Gulsum" userId="33ab478b-42a3-4d08-ae05-3f67cf1d32a2" providerId="ADAL" clId="{27E69447-91EA-4D01-AF66-70A6FC4BA94F}" dt="2018-11-29T03:45:51.002" v="466" actId="20577"/>
+        <pc:sldMkLst>
+          <pc:docMk/>
+          <pc:sldMk cId="1669051757" sldId="273"/>
+        </pc:sldMkLst>
+        <pc:spChg chg="mod">
+          <ac:chgData name="Gudukbay, Gulsum" userId="33ab478b-42a3-4d08-ae05-3f67cf1d32a2" providerId="ADAL" clId="{27E69447-91EA-4D01-AF66-70A6FC4BA94F}" dt="2018-11-29T03:45:51.002" v="466" actId="20577"/>
+          <ac:spMkLst>
+            <pc:docMk/>
+            <pc:sldMk cId="1669051757" sldId="273"/>
+            <ac:spMk id="2" creationId="{F1118F0E-6499-48AD-83DE-880CA3CA2385}"/>
+          </ac:spMkLst>
+        </pc:spChg>
+      </pc:sldChg>
+      <pc:sldChg chg="modSp add">
+        <pc:chgData name="Gudukbay, Gulsum" userId="33ab478b-42a3-4d08-ae05-3f67cf1d32a2" providerId="ADAL" clId="{27E69447-91EA-4D01-AF66-70A6FC4BA94F}" dt="2018-11-29T03:45:57.319" v="478" actId="20577"/>
+        <pc:sldMkLst>
+          <pc:docMk/>
+          <pc:sldMk cId="2138466043" sldId="274"/>
+        </pc:sldMkLst>
+        <pc:spChg chg="mod">
+          <ac:chgData name="Gudukbay, Gulsum" userId="33ab478b-42a3-4d08-ae05-3f67cf1d32a2" providerId="ADAL" clId="{27E69447-91EA-4D01-AF66-70A6FC4BA94F}" dt="2018-11-29T03:45:57.319" v="478" actId="20577"/>
+          <ac:spMkLst>
+            <pc:docMk/>
+            <pc:sldMk cId="2138466043" sldId="274"/>
+            <ac:spMk id="2" creationId="{23F4FF84-2703-42DA-9713-0199601ED452}"/>
+          </ac:spMkLst>
+        </pc:spChg>
+      </pc:sldChg>
+      <pc:sldChg chg="modSp add">
+        <pc:chgData name="Gudukbay, Gulsum" userId="33ab478b-42a3-4d08-ae05-3f67cf1d32a2" providerId="ADAL" clId="{27E69447-91EA-4D01-AF66-70A6FC4BA94F}" dt="2018-11-29T03:46:24.006" v="489" actId="20577"/>
+        <pc:sldMkLst>
+          <pc:docMk/>
+          <pc:sldMk cId="2367243633" sldId="275"/>
+        </pc:sldMkLst>
+        <pc:spChg chg="mod">
+          <ac:chgData name="Gudukbay, Gulsum" userId="33ab478b-42a3-4d08-ae05-3f67cf1d32a2" providerId="ADAL" clId="{27E69447-91EA-4D01-AF66-70A6FC4BA94F}" dt="2018-11-29T03:46:24.006" v="489" actId="20577"/>
+          <ac:spMkLst>
+            <pc:docMk/>
+            <pc:sldMk cId="2367243633" sldId="275"/>
+            <ac:spMk id="2" creationId="{FBCF2E90-5F75-42FC-9B12-98C52480F2FE}"/>
+          </ac:spMkLst>
+        </pc:spChg>
+      </pc:sldChg>
+      <pc:sldChg chg="modSp add">
+        <pc:chgData name="Gudukbay, Gulsum" userId="33ab478b-42a3-4d08-ae05-3f67cf1d32a2" providerId="ADAL" clId="{27E69447-91EA-4D01-AF66-70A6FC4BA94F}" dt="2018-11-29T03:46:32.113" v="500" actId="20577"/>
+        <pc:sldMkLst>
+          <pc:docMk/>
+          <pc:sldMk cId="3135702980" sldId="276"/>
+        </pc:sldMkLst>
+        <pc:spChg chg="mod">
+          <ac:chgData name="Gudukbay, Gulsum" userId="33ab478b-42a3-4d08-ae05-3f67cf1d32a2" providerId="ADAL" clId="{27E69447-91EA-4D01-AF66-70A6FC4BA94F}" dt="2018-11-29T03:46:32.113" v="500" actId="20577"/>
+          <ac:spMkLst>
+            <pc:docMk/>
+            <pc:sldMk cId="3135702980" sldId="276"/>
+            <ac:spMk id="2" creationId="{8FD2CEE4-B08F-4DFF-B7AC-C23D629185CC}"/>
+          </ac:spMkLst>
+        </pc:spChg>
+      </pc:sldChg>
+      <pc:sldMasterChg chg="setBg modSldLayout">
+        <pc:chgData name="Gudukbay, Gulsum" userId="33ab478b-42a3-4d08-ae05-3f67cf1d32a2" providerId="ADAL" clId="{27E69447-91EA-4D01-AF66-70A6FC4BA94F}" dt="2018-11-29T03:41:41.014" v="376"/>
+        <pc:sldMasterMkLst>
+          <pc:docMk/>
+          <pc:sldMasterMk cId="551743276" sldId="2147483768"/>
+        </pc:sldMasterMkLst>
+        <pc:sldLayoutChg chg="setBg">
+          <pc:chgData name="Gudukbay, Gulsum" userId="33ab478b-42a3-4d08-ae05-3f67cf1d32a2" providerId="ADAL" clId="{27E69447-91EA-4D01-AF66-70A6FC4BA94F}" dt="2018-11-29T03:41:41.014" v="376"/>
+          <pc:sldLayoutMkLst>
+            <pc:docMk/>
+            <pc:sldMasterMk cId="551743276" sldId="2147483768"/>
+            <pc:sldLayoutMk cId="3223925959" sldId="2147483769"/>
+          </pc:sldLayoutMkLst>
+        </pc:sldLayoutChg>
+      </pc:sldMasterChg>
     </pc:docChg>
   </pc:docChgLst>
 </pc:chgInfo>
@@ -394,16 +1054,6 @@
 <file path=ppt/slideLayouts/slideLayout1.xml><?xml version="1.0" encoding="utf-8"?>
 <p:sldLayout xmlns:a="http://schemas.openxmlformats.org/drawingml/2006/main" xmlns:r="http://schemas.openxmlformats.org/officeDocument/2006/relationships" xmlns:p="http://schemas.openxmlformats.org/presentationml/2006/main" showMasterSp="0" type="title" preserve="1">
   <p:cSld name="Title Slide">
-    <p:bg>
-      <p:bgPr>
-        <a:solidFill>
-          <a:schemeClr val="bg2">
-            <a:lumMod val="75000"/>
-          </a:schemeClr>
-        </a:solidFill>
-        <a:effectLst/>
-      </p:bgPr>
-    </p:bg>
     <p:spTree>
       <p:nvGrpSpPr>
         <p:cNvPr id="1" name=""/>
@@ -668,13 +1318,18 @@
     </p:spTree>
     <p:extLst>
       <p:ext uri="{BB962C8B-B14F-4D97-AF65-F5344CB8AC3E}">
-        <p14:creationId xmlns:p14="http://schemas.microsoft.com/office/powerpoint/2010/main" val="2521029560"/>
+        <p14:creationId xmlns:p14="http://schemas.microsoft.com/office/powerpoint/2010/main" val="3223925959"/>
       </p:ext>
     </p:extLst>
   </p:cSld>
   <p:clrMapOvr>
-    <a:overrideClrMapping bg1="dk1" tx1="lt1" bg2="dk2" tx2="lt2" accent1="accent1" accent2="accent2" accent3="accent3" accent4="accent4" accent5="accent5" accent6="accent6" hlink="hlink" folHlink="folHlink"/>
+    <a:masterClrMapping/>
   </p:clrMapOvr>
+  <p:extLst>
+    <p:ext uri="{DCECCB84-F9BA-43D5-87BE-67443E8EF086}">
+      <p15:sldGuideLst xmlns:p15="http://schemas.microsoft.com/office/powerpoint/2012/main"/>
+    </p:ext>
+  </p:extLst>
 </p:sldLayout>
 </file>
 
@@ -838,7 +1493,7 @@
     </p:spTree>
     <p:extLst>
       <p:ext uri="{BB962C8B-B14F-4D97-AF65-F5344CB8AC3E}">
-        <p14:creationId xmlns:p14="http://schemas.microsoft.com/office/powerpoint/2010/main" val="3892236319"/>
+        <p14:creationId xmlns:p14="http://schemas.microsoft.com/office/powerpoint/2010/main" val="3800943700"/>
       </p:ext>
     </p:extLst>
   </p:cSld>
@@ -1018,13 +1673,18 @@
     </p:spTree>
     <p:extLst>
       <p:ext uri="{BB962C8B-B14F-4D97-AF65-F5344CB8AC3E}">
-        <p14:creationId xmlns:p14="http://schemas.microsoft.com/office/powerpoint/2010/main" val="1686323089"/>
+        <p14:creationId xmlns:p14="http://schemas.microsoft.com/office/powerpoint/2010/main" val="1469596803"/>
       </p:ext>
     </p:extLst>
   </p:cSld>
   <p:clrMapOvr>
     <a:masterClrMapping/>
   </p:clrMapOvr>
+  <p:extLst>
+    <p:ext uri="{DCECCB84-F9BA-43D5-87BE-67443E8EF086}">
+      <p15:sldGuideLst xmlns:p15="http://schemas.microsoft.com/office/powerpoint/2012/main"/>
+    </p:ext>
+  </p:extLst>
 </p:sldLayout>
 </file>
 
@@ -1188,7 +1848,7 @@
     </p:spTree>
     <p:extLst>
       <p:ext uri="{BB962C8B-B14F-4D97-AF65-F5344CB8AC3E}">
-        <p14:creationId xmlns:p14="http://schemas.microsoft.com/office/powerpoint/2010/main" val="3997909013"/>
+        <p14:creationId xmlns:p14="http://schemas.microsoft.com/office/powerpoint/2010/main" val="54711469"/>
       </p:ext>
     </p:extLst>
   </p:cSld>
@@ -1480,13 +2140,18 @@
     </p:spTree>
     <p:extLst>
       <p:ext uri="{BB962C8B-B14F-4D97-AF65-F5344CB8AC3E}">
-        <p14:creationId xmlns:p14="http://schemas.microsoft.com/office/powerpoint/2010/main" val="981140728"/>
+        <p14:creationId xmlns:p14="http://schemas.microsoft.com/office/powerpoint/2010/main" val="1496684619"/>
       </p:ext>
     </p:extLst>
   </p:cSld>
   <p:clrMapOvr>
     <a:masterClrMapping/>
   </p:clrMapOvr>
+  <p:extLst>
+    <p:ext uri="{DCECCB84-F9BA-43D5-87BE-67443E8EF086}">
+      <p15:sldGuideLst xmlns:p15="http://schemas.microsoft.com/office/powerpoint/2012/main"/>
+    </p:ext>
+  </p:extLst>
 </p:sldLayout>
 </file>
 
@@ -1768,7 +2433,7 @@
     </p:spTree>
     <p:extLst>
       <p:ext uri="{BB962C8B-B14F-4D97-AF65-F5344CB8AC3E}">
-        <p14:creationId xmlns:p14="http://schemas.microsoft.com/office/powerpoint/2010/main" val="3775280401"/>
+        <p14:creationId xmlns:p14="http://schemas.microsoft.com/office/powerpoint/2010/main" val="2003641761"/>
       </p:ext>
     </p:extLst>
   </p:cSld>
@@ -2219,7 +2884,7 @@
     </p:spTree>
     <p:extLst>
       <p:ext uri="{BB962C8B-B14F-4D97-AF65-F5344CB8AC3E}">
-        <p14:creationId xmlns:p14="http://schemas.microsoft.com/office/powerpoint/2010/main" val="2202066702"/>
+        <p14:creationId xmlns:p14="http://schemas.microsoft.com/office/powerpoint/2010/main" val="2950679016"/>
       </p:ext>
     </p:extLst>
   </p:cSld>
@@ -2337,7 +3002,7 @@
     </p:spTree>
     <p:extLst>
       <p:ext uri="{BB962C8B-B14F-4D97-AF65-F5344CB8AC3E}">
-        <p14:creationId xmlns:p14="http://schemas.microsoft.com/office/powerpoint/2010/main" val="1875640979"/>
+        <p14:creationId xmlns:p14="http://schemas.microsoft.com/office/powerpoint/2010/main" val="1552400190"/>
       </p:ext>
     </p:extLst>
   </p:cSld>
@@ -2432,7 +3097,7 @@
     </p:spTree>
     <p:extLst>
       <p:ext uri="{BB962C8B-B14F-4D97-AF65-F5344CB8AC3E}">
-        <p14:creationId xmlns:p14="http://schemas.microsoft.com/office/powerpoint/2010/main" val="2796234135"/>
+        <p14:creationId xmlns:p14="http://schemas.microsoft.com/office/powerpoint/2010/main" val="4135967632"/>
       </p:ext>
     </p:extLst>
   </p:cSld>
@@ -2719,7 +3384,7 @@
     </p:spTree>
     <p:extLst>
       <p:ext uri="{BB962C8B-B14F-4D97-AF65-F5344CB8AC3E}">
-        <p14:creationId xmlns:p14="http://schemas.microsoft.com/office/powerpoint/2010/main" val="95772787"/>
+        <p14:creationId xmlns:p14="http://schemas.microsoft.com/office/powerpoint/2010/main" val="3451281556"/>
       </p:ext>
     </p:extLst>
   </p:cSld>
@@ -3041,7 +3706,7 @@
     </p:spTree>
     <p:extLst>
       <p:ext uri="{BB962C8B-B14F-4D97-AF65-F5344CB8AC3E}">
-        <p14:creationId xmlns:p14="http://schemas.microsoft.com/office/powerpoint/2010/main" val="2460544768"/>
+        <p14:creationId xmlns:p14="http://schemas.microsoft.com/office/powerpoint/2010/main" val="4196298614"/>
       </p:ext>
     </p:extLst>
   </p:cSld>
@@ -3055,7 +3720,7 @@
 <p:sldMaster xmlns:a="http://schemas.openxmlformats.org/drawingml/2006/main" xmlns:r="http://schemas.openxmlformats.org/officeDocument/2006/relationships" xmlns:p="http://schemas.openxmlformats.org/presentationml/2006/main">
   <p:cSld>
     <p:bg>
-      <p:bgRef idx="1001">
+      <p:bgRef idx="1003">
         <a:schemeClr val="bg1"/>
       </p:bgRef>
     </p:bg>
@@ -3335,23 +4000,23 @@
     </p:spTree>
     <p:extLst>
       <p:ext uri="{BB962C8B-B14F-4D97-AF65-F5344CB8AC3E}">
-        <p14:creationId xmlns:p14="http://schemas.microsoft.com/office/powerpoint/2010/main" val="4095335005"/>
+        <p14:creationId xmlns:p14="http://schemas.microsoft.com/office/powerpoint/2010/main" val="551743276"/>
       </p:ext>
     </p:extLst>
   </p:cSld>
   <p:clrMap bg1="lt1" tx1="dk1" bg2="lt2" tx2="dk2" accent1="accent1" accent2="accent2" accent3="accent3" accent4="accent4" accent5="accent5" accent6="accent6" hlink="hlink" folHlink="folHlink"/>
   <p:sldLayoutIdLst>
-    <p:sldLayoutId id="2147483733" r:id="rId1"/>
-    <p:sldLayoutId id="2147483734" r:id="rId2"/>
-    <p:sldLayoutId id="2147483735" r:id="rId3"/>
-    <p:sldLayoutId id="2147483736" r:id="rId4"/>
-    <p:sldLayoutId id="2147483737" r:id="rId5"/>
-    <p:sldLayoutId id="2147483738" r:id="rId6"/>
-    <p:sldLayoutId id="2147483739" r:id="rId7"/>
-    <p:sldLayoutId id="2147483740" r:id="rId8"/>
-    <p:sldLayoutId id="2147483741" r:id="rId9"/>
-    <p:sldLayoutId id="2147483742" r:id="rId10"/>
-    <p:sldLayoutId id="2147483743" r:id="rId11"/>
+    <p:sldLayoutId id="2147483769" r:id="rId1"/>
+    <p:sldLayoutId id="2147483770" r:id="rId2"/>
+    <p:sldLayoutId id="2147483771" r:id="rId3"/>
+    <p:sldLayoutId id="2147483772" r:id="rId4"/>
+    <p:sldLayoutId id="2147483773" r:id="rId5"/>
+    <p:sldLayoutId id="2147483774" r:id="rId6"/>
+    <p:sldLayoutId id="2147483775" r:id="rId7"/>
+    <p:sldLayoutId id="2147483776" r:id="rId8"/>
+    <p:sldLayoutId id="2147483777" r:id="rId9"/>
+    <p:sldLayoutId id="2147483778" r:id="rId10"/>
+    <p:sldLayoutId id="2147483779" r:id="rId11"/>
   </p:sldLayoutIdLst>
   <p:txStyles>
     <p:titleStyle>
@@ -3712,6 +4377,11 @@
       </a:lvl9pPr>
     </p:otherStyle>
   </p:txStyles>
+  <p:extLst>
+    <p:ext uri="{27BBF7A9-308A-43DC-89C8-2F10F3537804}">
+      <p15:sldGuideLst xmlns:p15="http://schemas.microsoft.com/office/powerpoint/2012/main"/>
+    </p:ext>
+  </p:extLst>
 </p:sldMaster>
 </file>
 
@@ -3816,7 +4486,7 @@
           <p:nvPr>
             <p:extLst>
               <p:ext uri="{D42A27DB-BD31-4B8C-83A1-F6EECF244321}">
-                <p14:modId xmlns:p14="http://schemas.microsoft.com/office/powerpoint/2010/main" val="2277384510"/>
+                <p14:modId xmlns:p14="http://schemas.microsoft.com/office/powerpoint/2010/main" val="2165070228"/>
               </p:ext>
             </p:extLst>
           </p:nvPr>
@@ -3864,7 +4534,7 @@
                       <a:r>
                         <a:rPr lang="en-US" sz="1400" b="0" i="0" kern="1200" dirty="0">
                           <a:solidFill>
-                            <a:schemeClr val="lt1"/>
+                            <a:schemeClr val="tx2"/>
                           </a:solidFill>
                           <a:effectLst/>
                           <a:latin typeface="+mn-lt"/>
@@ -3879,7 +4549,7 @@
                       <a:r>
                         <a:rPr lang="en-US" sz="1400" b="0" i="0" kern="1200" dirty="0">
                           <a:solidFill>
-                            <a:schemeClr val="lt1"/>
+                            <a:schemeClr val="tx2"/>
                           </a:solidFill>
                           <a:effectLst/>
                           <a:latin typeface="+mn-lt"/>
@@ -3894,7 +4564,7 @@
                       <a:r>
                         <a:rPr lang="en-US" sz="1400" b="0" i="0" kern="1200" dirty="0">
                           <a:solidFill>
-                            <a:schemeClr val="lt1"/>
+                            <a:schemeClr val="tx2"/>
                           </a:solidFill>
                           <a:effectLst/>
                           <a:latin typeface="+mn-lt"/>
@@ -3909,7 +4579,7 @@
                       <a:r>
                         <a:rPr lang="en-US" sz="1400" b="0" i="0" kern="1200" dirty="0">
                           <a:solidFill>
-                            <a:schemeClr val="lt1"/>
+                            <a:schemeClr val="tx2"/>
                           </a:solidFill>
                           <a:effectLst/>
                           <a:latin typeface="+mn-lt"/>
@@ -3953,7 +4623,7 @@
                       <a:r>
                         <a:rPr lang="en-US" sz="1400" b="0" i="0" kern="1200" dirty="0" err="1">
                           <a:solidFill>
-                            <a:schemeClr val="lt1"/>
+                            <a:schemeClr val="tx2"/>
                           </a:solidFill>
                           <a:effectLst/>
                           <a:latin typeface="+mn-lt"/>
@@ -3965,7 +4635,7 @@
                       <a:r>
                         <a:rPr lang="en-US" sz="1400" b="0" i="0" kern="1200" dirty="0">
                           <a:solidFill>
-                            <a:schemeClr val="lt1"/>
+                            <a:schemeClr val="tx2"/>
                           </a:solidFill>
                           <a:effectLst/>
                           <a:latin typeface="+mn-lt"/>
@@ -3980,7 +4650,7 @@
                       <a:r>
                         <a:rPr lang="en-US" sz="1400" b="0" i="0" kern="1200" dirty="0">
                           <a:solidFill>
-                            <a:schemeClr val="lt1"/>
+                            <a:schemeClr val="tx2"/>
                           </a:solidFill>
                           <a:effectLst/>
                           <a:latin typeface="+mn-lt"/>
@@ -3995,7 +4665,7 @@
                       <a:r>
                         <a:rPr lang="en-US" sz="1400" b="0" i="0" kern="1200" dirty="0">
                           <a:solidFill>
-                            <a:schemeClr val="lt1"/>
+                            <a:schemeClr val="tx2"/>
                           </a:solidFill>
                           <a:effectLst/>
                           <a:latin typeface="+mn-lt"/>
@@ -4010,7 +4680,7 @@
                       <a:r>
                         <a:rPr lang="en-US" sz="1400" b="0" i="0" kern="1200" dirty="0">
                           <a:solidFill>
-                            <a:schemeClr val="lt1"/>
+                            <a:schemeClr val="tx2"/>
                           </a:solidFill>
                           <a:effectLst/>
                           <a:latin typeface="+mn-lt"/>
@@ -4054,7 +4724,7 @@
                       <a:r>
                         <a:rPr lang="en-US" sz="1400" b="0" i="0" kern="1200" dirty="0" err="1">
                           <a:solidFill>
-                            <a:schemeClr val="lt1"/>
+                            <a:schemeClr val="tx2"/>
                           </a:solidFill>
                           <a:effectLst/>
                           <a:latin typeface="+mn-lt"/>
@@ -4066,7 +4736,7 @@
                       <a:r>
                         <a:rPr lang="en-US" sz="1400" b="0" i="0" kern="1200" dirty="0">
                           <a:solidFill>
-                            <a:schemeClr val="lt1"/>
+                            <a:schemeClr val="tx2"/>
                           </a:solidFill>
                           <a:effectLst/>
                           <a:latin typeface="+mn-lt"/>
@@ -4078,7 +4748,7 @@
                       <a:r>
                         <a:rPr lang="en-US" sz="1400" b="0" i="0" kern="1200" dirty="0" err="1">
                           <a:solidFill>
-                            <a:schemeClr val="lt1"/>
+                            <a:schemeClr val="tx2"/>
                           </a:solidFill>
                           <a:effectLst/>
                           <a:latin typeface="+mn-lt"/>
@@ -4089,7 +4759,7 @@
                       </a:r>
                       <a:endParaRPr lang="en-US" sz="1400" b="0" i="0" kern="1200" dirty="0">
                         <a:solidFill>
-                          <a:schemeClr val="lt1"/>
+                          <a:schemeClr val="tx2"/>
                         </a:solidFill>
                         <a:effectLst/>
                         <a:latin typeface="+mn-lt"/>
@@ -4102,7 +4772,7 @@
                       <a:r>
                         <a:rPr lang="en-US" sz="1400" b="0" i="0" kern="1200" dirty="0">
                           <a:solidFill>
-                            <a:schemeClr val="lt1"/>
+                            <a:schemeClr val="tx2"/>
                           </a:solidFill>
                           <a:effectLst/>
                           <a:latin typeface="+mn-lt"/>
@@ -4117,7 +4787,7 @@
                       <a:r>
                         <a:rPr lang="en-US" sz="1400" b="0" i="0" kern="1200" dirty="0">
                           <a:solidFill>
-                            <a:schemeClr val="lt1"/>
+                            <a:schemeClr val="tx2"/>
                           </a:solidFill>
                           <a:effectLst/>
                           <a:latin typeface="+mn-lt"/>
@@ -4132,7 +4802,7 @@
                       <a:r>
                         <a:rPr lang="en-US" sz="1400" b="0" i="0" kern="1200" dirty="0">
                           <a:solidFill>
-                            <a:schemeClr val="lt1"/>
+                            <a:schemeClr val="tx2"/>
                           </a:solidFill>
                           <a:effectLst/>
                           <a:latin typeface="+mn-lt"/>
@@ -4193,16 +4863,6 @@
 <file path=ppt/slides/slide10.xml><?xml version="1.0" encoding="utf-8"?>
 <p:sld xmlns:a="http://schemas.openxmlformats.org/drawingml/2006/main" xmlns:r="http://schemas.openxmlformats.org/officeDocument/2006/relationships" xmlns:p="http://schemas.openxmlformats.org/presentationml/2006/main">
   <p:cSld>
-    <p:bg>
-      <p:bgPr>
-        <a:solidFill>
-          <a:schemeClr val="tx1">
-            <a:lumMod val="85000"/>
-          </a:schemeClr>
-        </a:solidFill>
-        <a:effectLst/>
-      </p:bgPr>
-    </p:bg>
     <p:spTree>
       <p:nvGrpSpPr>
         <p:cNvPr id="1" name=""/>
@@ -4219,10 +4879,10 @@
       </p:grpSpPr>
       <p:pic>
         <p:nvPicPr>
-          <p:cNvPr id="3" name="Picture 2">
+          <p:cNvPr id="5" name="Picture 4">
             <a:extLst>
               <a:ext uri="{FF2B5EF4-FFF2-40B4-BE49-F238E27FC236}">
-                <a16:creationId xmlns:a16="http://schemas.microsoft.com/office/drawing/2014/main" id="{D79CDCBF-8EC0-47BD-A807-5D22AF0C96BB}"/>
+                <a16:creationId xmlns:a16="http://schemas.microsoft.com/office/drawing/2014/main" id="{F059FEEB-36F8-4D33-99AC-055EB26D1D34}"/>
               </a:ext>
             </a:extLst>
           </p:cNvPr>
@@ -4231,22 +4891,638 @@
           </p:cNvPicPr>
           <p:nvPr/>
         </p:nvPicPr>
-        <p:blipFill>
+        <p:blipFill rotWithShape="1">
           <a:blip r:embed="rId2"/>
-          <a:stretch>
-            <a:fillRect/>
-          </a:stretch>
+          <a:srcRect l="256" t="7437" r="552" b="902"/>
+          <a:stretch/>
         </p:blipFill>
         <p:spPr>
           <a:xfrm>
-            <a:off x="-3674" y="281354"/>
-            <a:ext cx="12195674" cy="6293395"/>
+            <a:off x="2177143" y="685800"/>
+            <a:ext cx="7837714" cy="5486400"/>
+          </a:xfrm>
+          <a:prstGeom prst="rect">
+            <a:avLst/>
+          </a:prstGeom>
+          <a:ln>
+            <a:noFill/>
+          </a:ln>
+        </p:spPr>
+      </p:pic>
+      <p:sp>
+        <p:nvSpPr>
+          <p:cNvPr id="6" name="TextBox 5">
+            <a:extLst>
+              <a:ext uri="{FF2B5EF4-FFF2-40B4-BE49-F238E27FC236}">
+                <a16:creationId xmlns:a16="http://schemas.microsoft.com/office/drawing/2014/main" id="{8571E1D5-88C4-480D-9591-80DDE141C81D}"/>
+              </a:ext>
+            </a:extLst>
+          </p:cNvPr>
+          <p:cNvSpPr txBox="1"/>
+          <p:nvPr/>
+        </p:nvSpPr>
+        <p:spPr>
+          <a:xfrm>
+            <a:off x="2177142" y="6289964"/>
+            <a:ext cx="7837715" cy="307777"/>
+          </a:xfrm>
+          <a:prstGeom prst="rect">
+            <a:avLst/>
+          </a:prstGeom>
+          <a:noFill/>
+        </p:spPr>
+        <p:txBody>
+          <a:bodyPr wrap="square" rtlCol="0">
+            <a:spAutoFit/>
+          </a:bodyPr>
+          <a:lstStyle/>
+          <a:p>
+            <a:pPr algn="ctr"/>
+            <a:r>
+              <a:rPr lang="en-US" sz="1400" dirty="0"/>
+              <a:t>Fig. 3. State Changes for Different Energy Storages for Sine Input</a:t>
+            </a:r>
+          </a:p>
+        </p:txBody>
+      </p:sp>
+    </p:spTree>
+    <p:extLst>
+      <p:ext uri="{BB962C8B-B14F-4D97-AF65-F5344CB8AC3E}">
+        <p14:creationId xmlns:p14="http://schemas.microsoft.com/office/powerpoint/2010/main" val="2317889955"/>
+      </p:ext>
+    </p:extLst>
+  </p:cSld>
+  <p:clrMapOvr>
+    <a:masterClrMapping/>
+  </p:clrMapOvr>
+</p:sld>
+</file>
+
+<file path=ppt/slides/slide11.xml><?xml version="1.0" encoding="utf-8"?>
+<p:sld xmlns:a="http://schemas.openxmlformats.org/drawingml/2006/main" xmlns:r="http://schemas.openxmlformats.org/officeDocument/2006/relationships" xmlns:p="http://schemas.openxmlformats.org/presentationml/2006/main">
+  <p:cSld>
+    <p:spTree>
+      <p:nvGrpSpPr>
+        <p:cNvPr id="1" name=""/>
+        <p:cNvGrpSpPr/>
+        <p:nvPr/>
+      </p:nvGrpSpPr>
+      <p:grpSpPr>
+        <a:xfrm>
+          <a:off x="0" y="0"/>
+          <a:ext cx="0" cy="0"/>
+          <a:chOff x="0" y="0"/>
+          <a:chExt cx="0" cy="0"/>
+        </a:xfrm>
+      </p:grpSpPr>
+      <p:pic>
+        <p:nvPicPr>
+          <p:cNvPr id="5" name="Picture 4">
+            <a:extLst>
+              <a:ext uri="{FF2B5EF4-FFF2-40B4-BE49-F238E27FC236}">
+                <a16:creationId xmlns:a16="http://schemas.microsoft.com/office/drawing/2014/main" id="{9754DF1C-FEB8-4B7A-B701-245A006D5593}"/>
+              </a:ext>
+            </a:extLst>
+          </p:cNvPr>
+          <p:cNvPicPr>
+            <a:picLocks noChangeAspect="1"/>
+          </p:cNvPicPr>
+          <p:nvPr/>
+        </p:nvPicPr>
+        <p:blipFill rotWithShape="1">
+          <a:blip r:embed="rId2"/>
+          <a:srcRect t="11717"/>
+          <a:stretch/>
+        </p:blipFill>
+        <p:spPr>
+          <a:xfrm>
+            <a:off x="2177143" y="685800"/>
+            <a:ext cx="7837714" cy="5486400"/>
           </a:xfrm>
           <a:prstGeom prst="rect">
             <a:avLst/>
           </a:prstGeom>
         </p:spPr>
       </p:pic>
+      <p:sp>
+        <p:nvSpPr>
+          <p:cNvPr id="7" name="TextBox 6">
+            <a:extLst>
+              <a:ext uri="{FF2B5EF4-FFF2-40B4-BE49-F238E27FC236}">
+                <a16:creationId xmlns:a16="http://schemas.microsoft.com/office/drawing/2014/main" id="{626F2693-6202-4980-B2A1-C93BDA83CBAC}"/>
+              </a:ext>
+            </a:extLst>
+          </p:cNvPr>
+          <p:cNvSpPr txBox="1"/>
+          <p:nvPr/>
+        </p:nvSpPr>
+        <p:spPr>
+          <a:xfrm>
+            <a:off x="2177142" y="6289964"/>
+            <a:ext cx="7837715" cy="307777"/>
+          </a:xfrm>
+          <a:prstGeom prst="rect">
+            <a:avLst/>
+          </a:prstGeom>
+          <a:noFill/>
+        </p:spPr>
+        <p:txBody>
+          <a:bodyPr wrap="square" rtlCol="0">
+            <a:spAutoFit/>
+          </a:bodyPr>
+          <a:lstStyle/>
+          <a:p>
+            <a:pPr algn="ctr"/>
+            <a:r>
+              <a:rPr lang="en-US" sz="1400" dirty="0"/>
+              <a:t>Fig. 4. Sine Input</a:t>
+            </a:r>
+          </a:p>
+        </p:txBody>
+      </p:sp>
+    </p:spTree>
+    <p:extLst>
+      <p:ext uri="{BB962C8B-B14F-4D97-AF65-F5344CB8AC3E}">
+        <p14:creationId xmlns:p14="http://schemas.microsoft.com/office/powerpoint/2010/main" val="3506399184"/>
+      </p:ext>
+    </p:extLst>
+  </p:cSld>
+  <p:clrMapOvr>
+    <a:masterClrMapping/>
+  </p:clrMapOvr>
+</p:sld>
+</file>
+
+<file path=ppt/slides/slide12.xml><?xml version="1.0" encoding="utf-8"?>
+<p:sld xmlns:a="http://schemas.openxmlformats.org/drawingml/2006/main" xmlns:r="http://schemas.openxmlformats.org/officeDocument/2006/relationships" xmlns:p="http://schemas.openxmlformats.org/presentationml/2006/main">
+  <p:cSld>
+    <p:spTree>
+      <p:nvGrpSpPr>
+        <p:cNvPr id="1" name=""/>
+        <p:cNvGrpSpPr/>
+        <p:nvPr/>
+      </p:nvGrpSpPr>
+      <p:grpSpPr>
+        <a:xfrm>
+          <a:off x="0" y="0"/>
+          <a:ext cx="0" cy="0"/>
+          <a:chOff x="0" y="0"/>
+          <a:chExt cx="0" cy="0"/>
+        </a:xfrm>
+      </p:grpSpPr>
+      <p:pic>
+        <p:nvPicPr>
+          <p:cNvPr id="5" name="Picture 4">
+            <a:extLst>
+              <a:ext uri="{FF2B5EF4-FFF2-40B4-BE49-F238E27FC236}">
+                <a16:creationId xmlns:a16="http://schemas.microsoft.com/office/drawing/2014/main" id="{4AE4A396-B53A-40F1-A408-568F412D6285}"/>
+              </a:ext>
+            </a:extLst>
+          </p:cNvPr>
+          <p:cNvPicPr>
+            <a:picLocks noChangeAspect="1"/>
+          </p:cNvPicPr>
+          <p:nvPr/>
+        </p:nvPicPr>
+        <p:blipFill rotWithShape="1">
+          <a:blip r:embed="rId2"/>
+          <a:srcRect t="11583"/>
+          <a:stretch/>
+        </p:blipFill>
+        <p:spPr>
+          <a:xfrm>
+            <a:off x="2177143" y="685800"/>
+            <a:ext cx="7837714" cy="5486400"/>
+          </a:xfrm>
+          <a:prstGeom prst="rect">
+            <a:avLst/>
+          </a:prstGeom>
+        </p:spPr>
+      </p:pic>
+      <p:sp>
+        <p:nvSpPr>
+          <p:cNvPr id="7" name="TextBox 6">
+            <a:extLst>
+              <a:ext uri="{FF2B5EF4-FFF2-40B4-BE49-F238E27FC236}">
+                <a16:creationId xmlns:a16="http://schemas.microsoft.com/office/drawing/2014/main" id="{6797AC2B-FD60-4BC1-A90C-BFAD53EF489B}"/>
+              </a:ext>
+            </a:extLst>
+          </p:cNvPr>
+          <p:cNvSpPr txBox="1"/>
+          <p:nvPr/>
+        </p:nvSpPr>
+        <p:spPr>
+          <a:xfrm>
+            <a:off x="2177142" y="6289964"/>
+            <a:ext cx="7837715" cy="523220"/>
+          </a:xfrm>
+          <a:prstGeom prst="rect">
+            <a:avLst/>
+          </a:prstGeom>
+          <a:noFill/>
+        </p:spPr>
+        <p:txBody>
+          <a:bodyPr wrap="square" rtlCol="0">
+            <a:spAutoFit/>
+          </a:bodyPr>
+          <a:lstStyle/>
+          <a:p>
+            <a:pPr algn="ctr"/>
+            <a:r>
+              <a:rPr lang="en-US" sz="1400" dirty="0"/>
+              <a:t>Fig. 5. Energy Storages for Sine Input With Different CPU State Power Consumptions</a:t>
+            </a:r>
+          </a:p>
+          <a:p>
+            <a:pPr algn="ctr"/>
+            <a:endParaRPr lang="en-US" sz="1400" dirty="0"/>
+          </a:p>
+        </p:txBody>
+      </p:sp>
+    </p:spTree>
+    <p:extLst>
+      <p:ext uri="{BB962C8B-B14F-4D97-AF65-F5344CB8AC3E}">
+        <p14:creationId xmlns:p14="http://schemas.microsoft.com/office/powerpoint/2010/main" val="3660655663"/>
+      </p:ext>
+    </p:extLst>
+  </p:cSld>
+  <p:clrMapOvr>
+    <a:masterClrMapping/>
+  </p:clrMapOvr>
+</p:sld>
+</file>
+
+<file path=ppt/slides/slide13.xml><?xml version="1.0" encoding="utf-8"?>
+<p:sld xmlns:a="http://schemas.openxmlformats.org/drawingml/2006/main" xmlns:r="http://schemas.openxmlformats.org/officeDocument/2006/relationships" xmlns:p="http://schemas.openxmlformats.org/presentationml/2006/main">
+  <p:cSld>
+    <p:spTree>
+      <p:nvGrpSpPr>
+        <p:cNvPr id="1" name=""/>
+        <p:cNvGrpSpPr/>
+        <p:nvPr/>
+      </p:nvGrpSpPr>
+      <p:grpSpPr>
+        <a:xfrm>
+          <a:off x="0" y="0"/>
+          <a:ext cx="0" cy="0"/>
+          <a:chOff x="0" y="0"/>
+          <a:chExt cx="0" cy="0"/>
+        </a:xfrm>
+      </p:grpSpPr>
+      <p:pic>
+        <p:nvPicPr>
+          <p:cNvPr id="5" name="Picture 4">
+            <a:extLst>
+              <a:ext uri="{FF2B5EF4-FFF2-40B4-BE49-F238E27FC236}">
+                <a16:creationId xmlns:a16="http://schemas.microsoft.com/office/drawing/2014/main" id="{744F6739-5D71-4626-82C8-983E5B506D9D}"/>
+              </a:ext>
+            </a:extLst>
+          </p:cNvPr>
+          <p:cNvPicPr>
+            <a:picLocks noChangeAspect="1"/>
+          </p:cNvPicPr>
+          <p:nvPr/>
+        </p:nvPicPr>
+        <p:blipFill rotWithShape="1">
+          <a:blip r:embed="rId2"/>
+          <a:srcRect t="11583"/>
+          <a:stretch/>
+        </p:blipFill>
+        <p:spPr>
+          <a:xfrm>
+            <a:off x="2177143" y="685800"/>
+            <a:ext cx="7837714" cy="5486400"/>
+          </a:xfrm>
+          <a:prstGeom prst="rect">
+            <a:avLst/>
+          </a:prstGeom>
+        </p:spPr>
+      </p:pic>
+      <p:sp>
+        <p:nvSpPr>
+          <p:cNvPr id="7" name="TextBox 6">
+            <a:extLst>
+              <a:ext uri="{FF2B5EF4-FFF2-40B4-BE49-F238E27FC236}">
+                <a16:creationId xmlns:a16="http://schemas.microsoft.com/office/drawing/2014/main" id="{DA694B5A-271B-4C8F-9725-955D90B8C750}"/>
+              </a:ext>
+            </a:extLst>
+          </p:cNvPr>
+          <p:cNvSpPr txBox="1"/>
+          <p:nvPr/>
+        </p:nvSpPr>
+        <p:spPr>
+          <a:xfrm>
+            <a:off x="2177142" y="6289964"/>
+            <a:ext cx="7837715" cy="523220"/>
+          </a:xfrm>
+          <a:prstGeom prst="rect">
+            <a:avLst/>
+          </a:prstGeom>
+          <a:noFill/>
+        </p:spPr>
+        <p:txBody>
+          <a:bodyPr wrap="square" rtlCol="0">
+            <a:spAutoFit/>
+          </a:bodyPr>
+          <a:lstStyle/>
+          <a:p>
+            <a:pPr algn="ctr"/>
+            <a:r>
+              <a:rPr lang="en-US" sz="1400" dirty="0"/>
+              <a:t>Fig. 6. State Changes for Different Energy Storages for Sine Input With Different CPU State Power Consumptions</a:t>
+            </a:r>
+          </a:p>
+        </p:txBody>
+      </p:sp>
+    </p:spTree>
+    <p:extLst>
+      <p:ext uri="{BB962C8B-B14F-4D97-AF65-F5344CB8AC3E}">
+        <p14:creationId xmlns:p14="http://schemas.microsoft.com/office/powerpoint/2010/main" val="2347409190"/>
+      </p:ext>
+    </p:extLst>
+  </p:cSld>
+  <p:clrMapOvr>
+    <a:masterClrMapping/>
+  </p:clrMapOvr>
+</p:sld>
+</file>
+
+<file path=ppt/slides/slide14.xml><?xml version="1.0" encoding="utf-8"?>
+<p:sld xmlns:a="http://schemas.openxmlformats.org/drawingml/2006/main" xmlns:r="http://schemas.openxmlformats.org/officeDocument/2006/relationships" xmlns:p="http://schemas.openxmlformats.org/presentationml/2006/main">
+  <p:cSld>
+    <p:spTree>
+      <p:nvGrpSpPr>
+        <p:cNvPr id="1" name=""/>
+        <p:cNvGrpSpPr/>
+        <p:nvPr/>
+      </p:nvGrpSpPr>
+      <p:grpSpPr>
+        <a:xfrm>
+          <a:off x="0" y="0"/>
+          <a:ext cx="0" cy="0"/>
+          <a:chOff x="0" y="0"/>
+          <a:chExt cx="0" cy="0"/>
+        </a:xfrm>
+      </p:grpSpPr>
+      <p:pic>
+        <p:nvPicPr>
+          <p:cNvPr id="6" name="Picture 5">
+            <a:extLst>
+              <a:ext uri="{FF2B5EF4-FFF2-40B4-BE49-F238E27FC236}">
+                <a16:creationId xmlns:a16="http://schemas.microsoft.com/office/drawing/2014/main" id="{9DF0A42C-1DF5-420B-BFE3-6E646CB0B63C}"/>
+              </a:ext>
+            </a:extLst>
+          </p:cNvPr>
+          <p:cNvPicPr>
+            <a:picLocks noChangeAspect="1"/>
+          </p:cNvPicPr>
+          <p:nvPr/>
+        </p:nvPicPr>
+        <p:blipFill rotWithShape="1">
+          <a:blip r:embed="rId2"/>
+          <a:srcRect t="10370"/>
+          <a:stretch/>
+        </p:blipFill>
+        <p:spPr>
+          <a:xfrm>
+            <a:off x="2177143" y="685800"/>
+            <a:ext cx="7837714" cy="5486400"/>
+          </a:xfrm>
+          <a:prstGeom prst="rect">
+            <a:avLst/>
+          </a:prstGeom>
+        </p:spPr>
+      </p:pic>
+      <p:sp>
+        <p:nvSpPr>
+          <p:cNvPr id="7" name="TextBox 6">
+            <a:extLst>
+              <a:ext uri="{FF2B5EF4-FFF2-40B4-BE49-F238E27FC236}">
+                <a16:creationId xmlns:a16="http://schemas.microsoft.com/office/drawing/2014/main" id="{5C6993F7-8342-45CB-B258-EEBFEA792558}"/>
+              </a:ext>
+            </a:extLst>
+          </p:cNvPr>
+          <p:cNvSpPr txBox="1"/>
+          <p:nvPr/>
+        </p:nvSpPr>
+        <p:spPr>
+          <a:xfrm>
+            <a:off x="2177142" y="6289964"/>
+            <a:ext cx="7837715" cy="307777"/>
+          </a:xfrm>
+          <a:prstGeom prst="rect">
+            <a:avLst/>
+          </a:prstGeom>
+          <a:noFill/>
+        </p:spPr>
+        <p:txBody>
+          <a:bodyPr wrap="square" rtlCol="0">
+            <a:spAutoFit/>
+          </a:bodyPr>
+          <a:lstStyle/>
+          <a:p>
+            <a:pPr algn="ctr"/>
+            <a:r>
+              <a:rPr lang="en-US" sz="1400" dirty="0"/>
+              <a:t>Fig. 7. Sine Input</a:t>
+            </a:r>
+          </a:p>
+        </p:txBody>
+      </p:sp>
+    </p:spTree>
+    <p:extLst>
+      <p:ext uri="{BB962C8B-B14F-4D97-AF65-F5344CB8AC3E}">
+        <p14:creationId xmlns:p14="http://schemas.microsoft.com/office/powerpoint/2010/main" val="3069383323"/>
+      </p:ext>
+    </p:extLst>
+  </p:cSld>
+  <p:clrMapOvr>
+    <a:masterClrMapping/>
+  </p:clrMapOvr>
+</p:sld>
+</file>
+
+<file path=ppt/slides/slide15.xml><?xml version="1.0" encoding="utf-8"?>
+<p:sld xmlns:a="http://schemas.openxmlformats.org/drawingml/2006/main" xmlns:r="http://schemas.openxmlformats.org/officeDocument/2006/relationships" xmlns:p="http://schemas.openxmlformats.org/presentationml/2006/main">
+  <p:cSld>
+    <p:spTree>
+      <p:nvGrpSpPr>
+        <p:cNvPr id="1" name=""/>
+        <p:cNvGrpSpPr/>
+        <p:nvPr/>
+      </p:nvGrpSpPr>
+      <p:grpSpPr>
+        <a:xfrm>
+          <a:off x="0" y="0"/>
+          <a:ext cx="0" cy="0"/>
+          <a:chOff x="0" y="0"/>
+          <a:chExt cx="0" cy="0"/>
+        </a:xfrm>
+      </p:grpSpPr>
+      <p:pic>
+        <p:nvPicPr>
+          <p:cNvPr id="5" name="Picture 4">
+            <a:extLst>
+              <a:ext uri="{FF2B5EF4-FFF2-40B4-BE49-F238E27FC236}">
+                <a16:creationId xmlns:a16="http://schemas.microsoft.com/office/drawing/2014/main" id="{695F256F-D105-492F-8F11-E12D18A42FC3}"/>
+              </a:ext>
+            </a:extLst>
+          </p:cNvPr>
+          <p:cNvPicPr>
+            <a:picLocks noChangeAspect="1"/>
+          </p:cNvPicPr>
+          <p:nvPr/>
+        </p:nvPicPr>
+        <p:blipFill rotWithShape="1">
+          <a:blip r:embed="rId2"/>
+          <a:srcRect t="10909"/>
+          <a:stretch/>
+        </p:blipFill>
+        <p:spPr>
+          <a:xfrm>
+            <a:off x="2177143" y="685800"/>
+            <a:ext cx="7837714" cy="5486400"/>
+          </a:xfrm>
+          <a:prstGeom prst="rect">
+            <a:avLst/>
+          </a:prstGeom>
+        </p:spPr>
+      </p:pic>
+      <p:sp>
+        <p:nvSpPr>
+          <p:cNvPr id="6" name="TextBox 5">
+            <a:extLst>
+              <a:ext uri="{FF2B5EF4-FFF2-40B4-BE49-F238E27FC236}">
+                <a16:creationId xmlns:a16="http://schemas.microsoft.com/office/drawing/2014/main" id="{AD7EFE86-D529-443A-867E-C1B8B0DEDADD}"/>
+              </a:ext>
+            </a:extLst>
+          </p:cNvPr>
+          <p:cNvSpPr txBox="1"/>
+          <p:nvPr/>
+        </p:nvSpPr>
+        <p:spPr>
+          <a:xfrm>
+            <a:off x="2177142" y="6289964"/>
+            <a:ext cx="7837715" cy="523220"/>
+          </a:xfrm>
+          <a:prstGeom prst="rect">
+            <a:avLst/>
+          </a:prstGeom>
+          <a:noFill/>
+        </p:spPr>
+        <p:txBody>
+          <a:bodyPr wrap="square" rtlCol="0">
+            <a:spAutoFit/>
+          </a:bodyPr>
+          <a:lstStyle/>
+          <a:p>
+            <a:pPr algn="ctr"/>
+            <a:r>
+              <a:rPr lang="en-US" sz="1400" dirty="0"/>
+              <a:t>Fig. 8. Energy Storages for Sine Input With Different State Thresholds</a:t>
+            </a:r>
+          </a:p>
+          <a:p>
+            <a:pPr algn="ctr"/>
+            <a:endParaRPr lang="en-US" sz="1400" dirty="0"/>
+          </a:p>
+        </p:txBody>
+      </p:sp>
+    </p:spTree>
+    <p:extLst>
+      <p:ext uri="{BB962C8B-B14F-4D97-AF65-F5344CB8AC3E}">
+        <p14:creationId xmlns:p14="http://schemas.microsoft.com/office/powerpoint/2010/main" val="453171510"/>
+      </p:ext>
+    </p:extLst>
+  </p:cSld>
+  <p:clrMapOvr>
+    <a:masterClrMapping/>
+  </p:clrMapOvr>
+</p:sld>
+</file>
+
+<file path=ppt/slides/slide16.xml><?xml version="1.0" encoding="utf-8"?>
+<p:sld xmlns:a="http://schemas.openxmlformats.org/drawingml/2006/main" xmlns:r="http://schemas.openxmlformats.org/officeDocument/2006/relationships" xmlns:p="http://schemas.openxmlformats.org/presentationml/2006/main">
+  <p:cSld>
+    <p:spTree>
+      <p:nvGrpSpPr>
+        <p:cNvPr id="1" name=""/>
+        <p:cNvGrpSpPr/>
+        <p:nvPr/>
+      </p:nvGrpSpPr>
+      <p:grpSpPr>
+        <a:xfrm>
+          <a:off x="0" y="0"/>
+          <a:ext cx="0" cy="0"/>
+          <a:chOff x="0" y="0"/>
+          <a:chExt cx="0" cy="0"/>
+        </a:xfrm>
+      </p:grpSpPr>
+      <p:pic>
+        <p:nvPicPr>
+          <p:cNvPr id="5" name="Picture 4">
+            <a:extLst>
+              <a:ext uri="{FF2B5EF4-FFF2-40B4-BE49-F238E27FC236}">
+                <a16:creationId xmlns:a16="http://schemas.microsoft.com/office/drawing/2014/main" id="{5CAE2206-4B92-4C92-B498-AB51B54DCED6}"/>
+              </a:ext>
+            </a:extLst>
+          </p:cNvPr>
+          <p:cNvPicPr>
+            <a:picLocks noChangeAspect="1"/>
+          </p:cNvPicPr>
+          <p:nvPr/>
+        </p:nvPicPr>
+        <p:blipFill rotWithShape="1">
+          <a:blip r:embed="rId2"/>
+          <a:srcRect t="10655"/>
+          <a:stretch/>
+        </p:blipFill>
+        <p:spPr>
+          <a:xfrm>
+            <a:off x="2177143" y="685800"/>
+            <a:ext cx="7837714" cy="5486400"/>
+          </a:xfrm>
+          <a:prstGeom prst="rect">
+            <a:avLst/>
+          </a:prstGeom>
+        </p:spPr>
+      </p:pic>
+      <p:sp>
+        <p:nvSpPr>
+          <p:cNvPr id="11" name="TextBox 10">
+            <a:extLst>
+              <a:ext uri="{FF2B5EF4-FFF2-40B4-BE49-F238E27FC236}">
+                <a16:creationId xmlns:a16="http://schemas.microsoft.com/office/drawing/2014/main" id="{AA0B6EC7-9913-482D-97A6-1AB7848A2E4A}"/>
+              </a:ext>
+            </a:extLst>
+          </p:cNvPr>
+          <p:cNvSpPr txBox="1"/>
+          <p:nvPr/>
+        </p:nvSpPr>
+        <p:spPr>
+          <a:xfrm>
+            <a:off x="2177142" y="6289964"/>
+            <a:ext cx="7837715" cy="523220"/>
+          </a:xfrm>
+          <a:prstGeom prst="rect">
+            <a:avLst/>
+          </a:prstGeom>
+          <a:noFill/>
+        </p:spPr>
+        <p:txBody>
+          <a:bodyPr wrap="square" rtlCol="0">
+            <a:spAutoFit/>
+          </a:bodyPr>
+          <a:lstStyle/>
+          <a:p>
+            <a:pPr algn="ctr"/>
+            <a:r>
+              <a:rPr lang="en-US" sz="1400" dirty="0"/>
+              <a:t>Fig. 9. State Changes for Different Energy Storages for Sine Input With Different State Thresholds</a:t>
+            </a:r>
+          </a:p>
+        </p:txBody>
+      </p:sp>
     </p:spTree>
     <p:extLst>
       <p:ext uri="{BB962C8B-B14F-4D97-AF65-F5344CB8AC3E}">
@@ -4260,19 +5536,202 @@
 </p:sld>
 </file>
 
-<file path=ppt/slides/slide11.xml><?xml version="1.0" encoding="utf-8"?>
+<file path=ppt/slides/slide17.xml><?xml version="1.0" encoding="utf-8"?>
 <p:sld xmlns:a="http://schemas.openxmlformats.org/drawingml/2006/main" xmlns:r="http://schemas.openxmlformats.org/officeDocument/2006/relationships" xmlns:p="http://schemas.openxmlformats.org/presentationml/2006/main">
   <p:cSld>
-    <p:bg>
-      <p:bgPr>
-        <a:solidFill>
-          <a:schemeClr val="tx1">
-            <a:lumMod val="85000"/>
-          </a:schemeClr>
-        </a:solidFill>
-        <a:effectLst/>
-      </p:bgPr>
-    </p:bg>
+    <p:spTree>
+      <p:nvGrpSpPr>
+        <p:cNvPr id="1" name=""/>
+        <p:cNvGrpSpPr/>
+        <p:nvPr/>
+      </p:nvGrpSpPr>
+      <p:grpSpPr>
+        <a:xfrm>
+          <a:off x="0" y="0"/>
+          <a:ext cx="0" cy="0"/>
+          <a:chOff x="0" y="0"/>
+          <a:chExt cx="0" cy="0"/>
+        </a:xfrm>
+      </p:grpSpPr>
+      <p:pic>
+        <p:nvPicPr>
+          <p:cNvPr id="13" name="Picture 12">
+            <a:extLst>
+              <a:ext uri="{FF2B5EF4-FFF2-40B4-BE49-F238E27FC236}">
+                <a16:creationId xmlns:a16="http://schemas.microsoft.com/office/drawing/2014/main" id="{D31F960C-7445-4BCC-B110-92AC3394B053}"/>
+              </a:ext>
+            </a:extLst>
+          </p:cNvPr>
+          <p:cNvPicPr>
+            <a:picLocks noChangeAspect="1"/>
+          </p:cNvPicPr>
+          <p:nvPr/>
+        </p:nvPicPr>
+        <p:blipFill rotWithShape="1">
+          <a:blip r:embed="rId2"/>
+          <a:srcRect t="7138"/>
+          <a:stretch/>
+        </p:blipFill>
+        <p:spPr>
+          <a:xfrm>
+            <a:off x="2177143" y="685800"/>
+            <a:ext cx="7837714" cy="5486400"/>
+          </a:xfrm>
+          <a:prstGeom prst="rect">
+            <a:avLst/>
+          </a:prstGeom>
+        </p:spPr>
+      </p:pic>
+      <p:sp>
+        <p:nvSpPr>
+          <p:cNvPr id="14" name="TextBox 13">
+            <a:extLst>
+              <a:ext uri="{FF2B5EF4-FFF2-40B4-BE49-F238E27FC236}">
+                <a16:creationId xmlns:a16="http://schemas.microsoft.com/office/drawing/2014/main" id="{B355413E-567C-4510-9161-9C13283D1118}"/>
+              </a:ext>
+            </a:extLst>
+          </p:cNvPr>
+          <p:cNvSpPr txBox="1"/>
+          <p:nvPr/>
+        </p:nvSpPr>
+        <p:spPr>
+          <a:xfrm>
+            <a:off x="2177142" y="6289964"/>
+            <a:ext cx="7837715" cy="307777"/>
+          </a:xfrm>
+          <a:prstGeom prst="rect">
+            <a:avLst/>
+          </a:prstGeom>
+          <a:noFill/>
+        </p:spPr>
+        <p:txBody>
+          <a:bodyPr wrap="square" rtlCol="0">
+            <a:spAutoFit/>
+          </a:bodyPr>
+          <a:lstStyle/>
+          <a:p>
+            <a:pPr algn="ctr"/>
+            <a:r>
+              <a:rPr lang="en-US" sz="1400" dirty="0"/>
+              <a:t>Fig. 10. Original Gem5 Input</a:t>
+            </a:r>
+          </a:p>
+        </p:txBody>
+      </p:sp>
+    </p:spTree>
+    <p:extLst>
+      <p:ext uri="{BB962C8B-B14F-4D97-AF65-F5344CB8AC3E}">
+        <p14:creationId xmlns:p14="http://schemas.microsoft.com/office/powerpoint/2010/main" val="1561767516"/>
+      </p:ext>
+    </p:extLst>
+  </p:cSld>
+  <p:clrMapOvr>
+    <a:masterClrMapping/>
+  </p:clrMapOvr>
+</p:sld>
+</file>
+
+<file path=ppt/slides/slide18.xml><?xml version="1.0" encoding="utf-8"?>
+<p:sld xmlns:a="http://schemas.openxmlformats.org/drawingml/2006/main" xmlns:r="http://schemas.openxmlformats.org/officeDocument/2006/relationships" xmlns:p="http://schemas.openxmlformats.org/presentationml/2006/main">
+  <p:cSld>
+    <p:spTree>
+      <p:nvGrpSpPr>
+        <p:cNvPr id="1" name=""/>
+        <p:cNvGrpSpPr/>
+        <p:nvPr/>
+      </p:nvGrpSpPr>
+      <p:grpSpPr>
+        <a:xfrm>
+          <a:off x="0" y="0"/>
+          <a:ext cx="0" cy="0"/>
+          <a:chOff x="0" y="0"/>
+          <a:chExt cx="0" cy="0"/>
+        </a:xfrm>
+      </p:grpSpPr>
+      <p:pic>
+        <p:nvPicPr>
+          <p:cNvPr id="7" name="Picture 6">
+            <a:extLst>
+              <a:ext uri="{FF2B5EF4-FFF2-40B4-BE49-F238E27FC236}">
+                <a16:creationId xmlns:a16="http://schemas.microsoft.com/office/drawing/2014/main" id="{61C25BA2-70A1-4E14-B3AE-9B3D97A1ED5A}"/>
+              </a:ext>
+            </a:extLst>
+          </p:cNvPr>
+          <p:cNvPicPr>
+            <a:picLocks noChangeAspect="1"/>
+          </p:cNvPicPr>
+          <p:nvPr/>
+        </p:nvPicPr>
+        <p:blipFill rotWithShape="1">
+          <a:blip r:embed="rId2"/>
+          <a:srcRect t="7143"/>
+          <a:stretch/>
+        </p:blipFill>
+        <p:spPr>
+          <a:xfrm>
+            <a:off x="2177143" y="685800"/>
+            <a:ext cx="7837714" cy="5486400"/>
+          </a:xfrm>
+          <a:prstGeom prst="rect">
+            <a:avLst/>
+          </a:prstGeom>
+        </p:spPr>
+      </p:pic>
+      <p:sp>
+        <p:nvSpPr>
+          <p:cNvPr id="9" name="Rectangle 8">
+            <a:extLst>
+              <a:ext uri="{FF2B5EF4-FFF2-40B4-BE49-F238E27FC236}">
+                <a16:creationId xmlns:a16="http://schemas.microsoft.com/office/drawing/2014/main" id="{96F85954-A15A-4B37-A3BD-2362B1CF78CE}"/>
+              </a:ext>
+            </a:extLst>
+          </p:cNvPr>
+          <p:cNvSpPr/>
+          <p:nvPr/>
+        </p:nvSpPr>
+        <p:spPr>
+          <a:xfrm>
+            <a:off x="3944612" y="6295403"/>
+            <a:ext cx="4302781" cy="307777"/>
+          </a:xfrm>
+          <a:prstGeom prst="rect">
+            <a:avLst/>
+          </a:prstGeom>
+        </p:spPr>
+        <p:txBody>
+          <a:bodyPr wrap="none">
+            <a:spAutoFit/>
+          </a:bodyPr>
+          <a:lstStyle/>
+          <a:p>
+            <a:pPr lvl="0" algn="ctr"/>
+            <a:r>
+              <a:rPr lang="en-US" sz="1400" dirty="0">
+                <a:solidFill>
+                  <a:srgbClr val="000000"/>
+                </a:solidFill>
+              </a:rPr>
+              <a:t>Fig. 11. Energy Storages for Original Gem5 Input</a:t>
+            </a:r>
+          </a:p>
+        </p:txBody>
+      </p:sp>
+    </p:spTree>
+    <p:extLst>
+      <p:ext uri="{BB962C8B-B14F-4D97-AF65-F5344CB8AC3E}">
+        <p14:creationId xmlns:p14="http://schemas.microsoft.com/office/powerpoint/2010/main" val="609321786"/>
+      </p:ext>
+    </p:extLst>
+  </p:cSld>
+  <p:clrMapOvr>
+    <a:masterClrMapping/>
+  </p:clrMapOvr>
+</p:sld>
+</file>
+
+<file path=ppt/slides/slide19.xml><?xml version="1.0" encoding="utf-8"?>
+<p:sld xmlns:a="http://schemas.openxmlformats.org/drawingml/2006/main" xmlns:r="http://schemas.openxmlformats.org/officeDocument/2006/relationships" xmlns:p="http://schemas.openxmlformats.org/presentationml/2006/main">
+  <p:cSld>
     <p:spTree>
       <p:nvGrpSpPr>
         <p:cNvPr id="1" name=""/>
@@ -4292,7 +5751,7 @@
           <p:cNvPr id="8" name="Picture 7">
             <a:extLst>
               <a:ext uri="{FF2B5EF4-FFF2-40B4-BE49-F238E27FC236}">
-                <a16:creationId xmlns:a16="http://schemas.microsoft.com/office/drawing/2014/main" id="{DAB4F0E6-C363-424E-8220-88833C7ACE63}"/>
+                <a16:creationId xmlns:a16="http://schemas.microsoft.com/office/drawing/2014/main" id="{A85D2A36-CAC7-4AAF-B93B-57376B0ABFE5}"/>
               </a:ext>
             </a:extLst>
           </p:cNvPr>
@@ -4301,26 +5760,61 @@
           </p:cNvPicPr>
           <p:nvPr/>
         </p:nvPicPr>
-        <p:blipFill>
+        <p:blipFill rotWithShape="1">
           <a:blip r:embed="rId2"/>
-          <a:stretch>
-            <a:fillRect/>
-          </a:stretch>
+          <a:srcRect t="7058"/>
+          <a:stretch/>
         </p:blipFill>
         <p:spPr>
           <a:xfrm>
-            <a:off x="16725" y="351693"/>
-            <a:ext cx="12245396" cy="6198576"/>
+            <a:off x="2177143" y="685800"/>
+            <a:ext cx="7837714" cy="5486400"/>
           </a:xfrm>
           <a:prstGeom prst="rect">
             <a:avLst/>
           </a:prstGeom>
         </p:spPr>
       </p:pic>
+      <p:sp>
+        <p:nvSpPr>
+          <p:cNvPr id="9" name="TextBox 8">
+            <a:extLst>
+              <a:ext uri="{FF2B5EF4-FFF2-40B4-BE49-F238E27FC236}">
+                <a16:creationId xmlns:a16="http://schemas.microsoft.com/office/drawing/2014/main" id="{4D3AFE2E-7373-4292-91C4-023E2B6D6BD5}"/>
+              </a:ext>
+            </a:extLst>
+          </p:cNvPr>
+          <p:cNvSpPr txBox="1"/>
+          <p:nvPr/>
+        </p:nvSpPr>
+        <p:spPr>
+          <a:xfrm>
+            <a:off x="2177142" y="6289964"/>
+            <a:ext cx="7837715" cy="307777"/>
+          </a:xfrm>
+          <a:prstGeom prst="rect">
+            <a:avLst/>
+          </a:prstGeom>
+          <a:noFill/>
+        </p:spPr>
+        <p:txBody>
+          <a:bodyPr wrap="square" rtlCol="0">
+            <a:spAutoFit/>
+          </a:bodyPr>
+          <a:lstStyle/>
+          <a:p>
+            <a:pPr algn="ctr"/>
+            <a:r>
+              <a:rPr lang="en-US" sz="1400" dirty="0"/>
+              <a:t>Fig. 12. State Changes for Different Energy Storages for Original Gem5 Input</a:t>
+            </a:r>
+          </a:p>
+        </p:txBody>
+      </p:sp>
     </p:spTree>
     <p:extLst>
       <p:ext uri="{BB962C8B-B14F-4D97-AF65-F5344CB8AC3E}">
-        <p14:creationId xmlns:p14="http://schemas.microsoft.com/office/powerpoint/2010/main" val="1561767516"/>
+        <p14:creationId xmlns:p14="http://schemas.microsoft.com/office/powerpoint/2010/main" val="4228326820"/>
       </p:ext>
     </p:extLst>
   </p:cSld>
@@ -4330,19 +5824,749 @@
 </p:sld>
 </file>
 
-<file path=ppt/slides/slide12.xml><?xml version="1.0" encoding="utf-8"?>
+<file path=ppt/slides/slide2.xml><?xml version="1.0" encoding="utf-8"?>
 <p:sld xmlns:a="http://schemas.openxmlformats.org/drawingml/2006/main" xmlns:r="http://schemas.openxmlformats.org/officeDocument/2006/relationships" xmlns:p="http://schemas.openxmlformats.org/presentationml/2006/main">
   <p:cSld>
-    <p:bg>
-      <p:bgPr>
-        <a:solidFill>
-          <a:schemeClr val="tx1">
-            <a:lumMod val="85000"/>
-          </a:schemeClr>
-        </a:solidFill>
-        <a:effectLst/>
-      </p:bgPr>
-    </p:bg>
+    <p:spTree>
+      <p:nvGrpSpPr>
+        <p:cNvPr id="1" name=""/>
+        <p:cNvGrpSpPr/>
+        <p:nvPr/>
+      </p:nvGrpSpPr>
+      <p:grpSpPr>
+        <a:xfrm>
+          <a:off x="0" y="0"/>
+          <a:ext cx="0" cy="0"/>
+          <a:chOff x="0" y="0"/>
+          <a:chExt cx="0" cy="0"/>
+        </a:xfrm>
+      </p:grpSpPr>
+      <p:sp>
+        <p:nvSpPr>
+          <p:cNvPr id="2" name="Title 1">
+            <a:extLst>
+              <a:ext uri="{FF2B5EF4-FFF2-40B4-BE49-F238E27FC236}">
+                <a16:creationId xmlns:a16="http://schemas.microsoft.com/office/drawing/2014/main" id="{5D7F0FF2-17A0-48DD-9916-F4D0298D490E}"/>
+              </a:ext>
+            </a:extLst>
+          </p:cNvPr>
+          <p:cNvSpPr>
+            <a:spLocks noGrp="1"/>
+          </p:cNvSpPr>
+          <p:nvPr>
+            <p:ph type="title"/>
+          </p:nvPr>
+        </p:nvSpPr>
+        <p:spPr/>
+        <p:txBody>
+          <a:bodyPr/>
+          <a:lstStyle/>
+          <a:p>
+            <a:r>
+              <a:rPr lang="en-US" dirty="0"/>
+              <a:t>Abstract</a:t>
+            </a:r>
+          </a:p>
+        </p:txBody>
+      </p:sp>
+      <p:sp>
+        <p:nvSpPr>
+          <p:cNvPr id="3" name="Content Placeholder 2">
+            <a:extLst>
+              <a:ext uri="{FF2B5EF4-FFF2-40B4-BE49-F238E27FC236}">
+                <a16:creationId xmlns:a16="http://schemas.microsoft.com/office/drawing/2014/main" id="{86018072-858A-4A1D-8349-A978DAAF905A}"/>
+              </a:ext>
+            </a:extLst>
+          </p:cNvPr>
+          <p:cNvSpPr>
+            <a:spLocks noGrp="1"/>
+          </p:cNvSpPr>
+          <p:nvPr>
+            <p:ph idx="1"/>
+          </p:nvPr>
+        </p:nvSpPr>
+        <p:spPr/>
+        <p:txBody>
+          <a:bodyPr>
+            <a:normAutofit/>
+          </a:bodyPr>
+          <a:lstStyle/>
+          <a:p>
+            <a:pPr algn="just"/>
+            <a:r>
+              <a:rPr lang="en-US" sz="2000" dirty="0"/>
+              <a:t>As the demand for feature rich systems like smart phones and IOT has increased, Non-volatile processors (NVP) in such a system would provide an optimal power budget along with increased performance. </a:t>
+            </a:r>
+          </a:p>
+          <a:p>
+            <a:pPr algn="just"/>
+            <a:r>
+              <a:rPr lang="en-US" sz="2000" dirty="0" err="1"/>
+              <a:t>NVPsim</a:t>
+            </a:r>
+            <a:r>
+              <a:rPr lang="en-US" sz="2000" dirty="0"/>
+              <a:t>, a non-volatile simulator on a gem5 platform provides a promising solution to realize NVP based systems. </a:t>
+            </a:r>
+          </a:p>
+          <a:p>
+            <a:pPr algn="just"/>
+            <a:r>
+              <a:rPr lang="en-US" sz="2000" dirty="0"/>
+              <a:t>The aim of the project is to realize an NVP system which can maintain forward progress at intermittent energy level. </a:t>
+            </a:r>
+          </a:p>
+          <a:p>
+            <a:pPr algn="just"/>
+            <a:r>
+              <a:rPr lang="en-US" sz="2000" dirty="0"/>
+              <a:t>The fundamental units encompassing the platform are energy harvesting unit, state machines to control the energy level of the system and an efficient store /restore unit to preserve data during intermittent power down. </a:t>
+            </a:r>
+          </a:p>
+        </p:txBody>
+      </p:sp>
+    </p:spTree>
+    <p:extLst>
+      <p:ext uri="{BB962C8B-B14F-4D97-AF65-F5344CB8AC3E}">
+        <p14:creationId xmlns:p14="http://schemas.microsoft.com/office/powerpoint/2010/main" val="3910269540"/>
+      </p:ext>
+    </p:extLst>
+  </p:cSld>
+  <p:clrMapOvr>
+    <a:masterClrMapping/>
+  </p:clrMapOvr>
+</p:sld>
+</file>
+
+<file path=ppt/slides/slide20.xml><?xml version="1.0" encoding="utf-8"?>
+<p:sld xmlns:a="http://schemas.openxmlformats.org/drawingml/2006/main" xmlns:r="http://schemas.openxmlformats.org/officeDocument/2006/relationships" xmlns:p="http://schemas.openxmlformats.org/presentationml/2006/main">
+  <p:cSld>
+    <p:spTree>
+      <p:nvGrpSpPr>
+        <p:cNvPr id="1" name=""/>
+        <p:cNvGrpSpPr/>
+        <p:nvPr/>
+      </p:nvGrpSpPr>
+      <p:grpSpPr>
+        <a:xfrm>
+          <a:off x="0" y="0"/>
+          <a:ext cx="0" cy="0"/>
+          <a:chOff x="0" y="0"/>
+          <a:chExt cx="0" cy="0"/>
+        </a:xfrm>
+      </p:grpSpPr>
+      <p:sp>
+        <p:nvSpPr>
+          <p:cNvPr id="2" name="Title 1">
+            <a:extLst>
+              <a:ext uri="{FF2B5EF4-FFF2-40B4-BE49-F238E27FC236}">
+                <a16:creationId xmlns:a16="http://schemas.microsoft.com/office/drawing/2014/main" id="{FBCF2E90-5F75-42FC-9B12-98C52480F2FE}"/>
+              </a:ext>
+            </a:extLst>
+          </p:cNvPr>
+          <p:cNvSpPr>
+            <a:spLocks noGrp="1"/>
+          </p:cNvSpPr>
+          <p:nvPr>
+            <p:ph type="title"/>
+          </p:nvPr>
+        </p:nvSpPr>
+        <p:spPr/>
+        <p:txBody>
+          <a:bodyPr/>
+          <a:lstStyle/>
+          <a:p>
+            <a:r>
+              <a:rPr lang="en-US" dirty="0"/>
+              <a:t>Conclusion</a:t>
+            </a:r>
+          </a:p>
+        </p:txBody>
+      </p:sp>
+      <p:sp>
+        <p:nvSpPr>
+          <p:cNvPr id="3" name="Content Placeholder 2">
+            <a:extLst>
+              <a:ext uri="{FF2B5EF4-FFF2-40B4-BE49-F238E27FC236}">
+                <a16:creationId xmlns:a16="http://schemas.microsoft.com/office/drawing/2014/main" id="{48573828-A00B-4602-940F-F22F73E3B600}"/>
+              </a:ext>
+            </a:extLst>
+          </p:cNvPr>
+          <p:cNvSpPr>
+            <a:spLocks noGrp="1"/>
+          </p:cNvSpPr>
+          <p:nvPr>
+            <p:ph idx="1"/>
+          </p:nvPr>
+        </p:nvSpPr>
+        <p:spPr/>
+        <p:txBody>
+          <a:bodyPr/>
+          <a:lstStyle/>
+          <a:p>
+            <a:endParaRPr lang="en-US"/>
+          </a:p>
+        </p:txBody>
+      </p:sp>
+    </p:spTree>
+    <p:extLst>
+      <p:ext uri="{BB962C8B-B14F-4D97-AF65-F5344CB8AC3E}">
+        <p14:creationId xmlns:p14="http://schemas.microsoft.com/office/powerpoint/2010/main" val="2367243633"/>
+      </p:ext>
+    </p:extLst>
+  </p:cSld>
+  <p:clrMapOvr>
+    <a:masterClrMapping/>
+  </p:clrMapOvr>
+</p:sld>
+</file>
+
+<file path=ppt/slides/slide21.xml><?xml version="1.0" encoding="utf-8"?>
+<p:sld xmlns:a="http://schemas.openxmlformats.org/drawingml/2006/main" xmlns:r="http://schemas.openxmlformats.org/officeDocument/2006/relationships" xmlns:p="http://schemas.openxmlformats.org/presentationml/2006/main">
+  <p:cSld>
+    <p:spTree>
+      <p:nvGrpSpPr>
+        <p:cNvPr id="1" name=""/>
+        <p:cNvGrpSpPr/>
+        <p:nvPr/>
+      </p:nvGrpSpPr>
+      <p:grpSpPr>
+        <a:xfrm>
+          <a:off x="0" y="0"/>
+          <a:ext cx="0" cy="0"/>
+          <a:chOff x="0" y="0"/>
+          <a:chExt cx="0" cy="0"/>
+        </a:xfrm>
+      </p:grpSpPr>
+      <p:sp>
+        <p:nvSpPr>
+          <p:cNvPr id="2" name="Title 1">
+            <a:extLst>
+              <a:ext uri="{FF2B5EF4-FFF2-40B4-BE49-F238E27FC236}">
+                <a16:creationId xmlns:a16="http://schemas.microsoft.com/office/drawing/2014/main" id="{8FD2CEE4-B08F-4DFF-B7AC-C23D629185CC}"/>
+              </a:ext>
+            </a:extLst>
+          </p:cNvPr>
+          <p:cNvSpPr>
+            <a:spLocks noGrp="1"/>
+          </p:cNvSpPr>
+          <p:nvPr>
+            <p:ph type="title"/>
+          </p:nvPr>
+        </p:nvSpPr>
+        <p:spPr/>
+        <p:txBody>
+          <a:bodyPr/>
+          <a:lstStyle/>
+          <a:p>
+            <a:r>
+              <a:rPr lang="en-US" dirty="0"/>
+              <a:t>References</a:t>
+            </a:r>
+          </a:p>
+        </p:txBody>
+      </p:sp>
+      <p:sp>
+        <p:nvSpPr>
+          <p:cNvPr id="3" name="Content Placeholder 2">
+            <a:extLst>
+              <a:ext uri="{FF2B5EF4-FFF2-40B4-BE49-F238E27FC236}">
+                <a16:creationId xmlns:a16="http://schemas.microsoft.com/office/drawing/2014/main" id="{86181B52-1D05-45C2-ABD0-473316537D83}"/>
+              </a:ext>
+            </a:extLst>
+          </p:cNvPr>
+          <p:cNvSpPr>
+            <a:spLocks noGrp="1"/>
+          </p:cNvSpPr>
+          <p:nvPr>
+            <p:ph idx="1"/>
+          </p:nvPr>
+        </p:nvSpPr>
+        <p:spPr/>
+        <p:txBody>
+          <a:bodyPr/>
+          <a:lstStyle/>
+          <a:p>
+            <a:endParaRPr lang="en-US"/>
+          </a:p>
+        </p:txBody>
+      </p:sp>
+    </p:spTree>
+    <p:extLst>
+      <p:ext uri="{BB962C8B-B14F-4D97-AF65-F5344CB8AC3E}">
+        <p14:creationId xmlns:p14="http://schemas.microsoft.com/office/powerpoint/2010/main" val="3135702980"/>
+      </p:ext>
+    </p:extLst>
+  </p:cSld>
+  <p:clrMapOvr>
+    <a:masterClrMapping/>
+  </p:clrMapOvr>
+</p:sld>
+</file>
+
+<file path=ppt/slides/slide3.xml><?xml version="1.0" encoding="utf-8"?>
+<p:sld xmlns:a="http://schemas.openxmlformats.org/drawingml/2006/main" xmlns:r="http://schemas.openxmlformats.org/officeDocument/2006/relationships" xmlns:p="http://schemas.openxmlformats.org/presentationml/2006/main">
+  <p:cSld>
+    <p:spTree>
+      <p:nvGrpSpPr>
+        <p:cNvPr id="1" name=""/>
+        <p:cNvGrpSpPr/>
+        <p:nvPr/>
+      </p:nvGrpSpPr>
+      <p:grpSpPr>
+        <a:xfrm>
+          <a:off x="0" y="0"/>
+          <a:ext cx="0" cy="0"/>
+          <a:chOff x="0" y="0"/>
+          <a:chExt cx="0" cy="0"/>
+        </a:xfrm>
+      </p:grpSpPr>
+      <p:sp>
+        <p:nvSpPr>
+          <p:cNvPr id="2" name="Title 1">
+            <a:extLst>
+              <a:ext uri="{FF2B5EF4-FFF2-40B4-BE49-F238E27FC236}">
+                <a16:creationId xmlns:a16="http://schemas.microsoft.com/office/drawing/2014/main" id="{B0EFEFA1-E26E-46D6-847C-3B0EE9D3B7CA}"/>
+              </a:ext>
+            </a:extLst>
+          </p:cNvPr>
+          <p:cNvSpPr>
+            <a:spLocks noGrp="1"/>
+          </p:cNvSpPr>
+          <p:nvPr>
+            <p:ph type="title"/>
+          </p:nvPr>
+        </p:nvSpPr>
+        <p:spPr/>
+        <p:txBody>
+          <a:bodyPr/>
+          <a:lstStyle/>
+          <a:p>
+            <a:r>
+              <a:rPr lang="en-US" dirty="0"/>
+              <a:t>Architecture</a:t>
+            </a:r>
+          </a:p>
+        </p:txBody>
+      </p:sp>
+    </p:spTree>
+    <p:extLst>
+      <p:ext uri="{BB962C8B-B14F-4D97-AF65-F5344CB8AC3E}">
+        <p14:creationId xmlns:p14="http://schemas.microsoft.com/office/powerpoint/2010/main" val="736906421"/>
+      </p:ext>
+    </p:extLst>
+  </p:cSld>
+  <p:clrMapOvr>
+    <a:masterClrMapping/>
+  </p:clrMapOvr>
+</p:sld>
+</file>
+
+<file path=ppt/slides/slide4.xml><?xml version="1.0" encoding="utf-8"?>
+<p:sld xmlns:a="http://schemas.openxmlformats.org/drawingml/2006/main" xmlns:r="http://schemas.openxmlformats.org/officeDocument/2006/relationships" xmlns:p="http://schemas.openxmlformats.org/presentationml/2006/main">
+  <p:cSld>
+    <p:spTree>
+      <p:nvGrpSpPr>
+        <p:cNvPr id="1" name=""/>
+        <p:cNvGrpSpPr/>
+        <p:nvPr/>
+      </p:nvGrpSpPr>
+      <p:grpSpPr>
+        <a:xfrm>
+          <a:off x="0" y="0"/>
+          <a:ext cx="0" cy="0"/>
+          <a:chOff x="0" y="0"/>
+          <a:chExt cx="0" cy="0"/>
+        </a:xfrm>
+      </p:grpSpPr>
+      <p:sp>
+        <p:nvSpPr>
+          <p:cNvPr id="2" name="Title 1">
+            <a:extLst>
+              <a:ext uri="{FF2B5EF4-FFF2-40B4-BE49-F238E27FC236}">
+                <a16:creationId xmlns:a16="http://schemas.microsoft.com/office/drawing/2014/main" id="{7BFFDF1D-5632-468B-B13C-148B264E15E4}"/>
+              </a:ext>
+            </a:extLst>
+          </p:cNvPr>
+          <p:cNvSpPr>
+            <a:spLocks noGrp="1"/>
+          </p:cNvSpPr>
+          <p:nvPr>
+            <p:ph type="title"/>
+          </p:nvPr>
+        </p:nvSpPr>
+        <p:spPr/>
+        <p:txBody>
+          <a:bodyPr/>
+          <a:lstStyle/>
+          <a:p>
+            <a:r>
+              <a:rPr lang="en-US" dirty="0"/>
+              <a:t>Energy Management System</a:t>
+            </a:r>
+          </a:p>
+        </p:txBody>
+      </p:sp>
+      <p:sp>
+        <p:nvSpPr>
+          <p:cNvPr id="3" name="Content Placeholder 2">
+            <a:extLst>
+              <a:ext uri="{FF2B5EF4-FFF2-40B4-BE49-F238E27FC236}">
+                <a16:creationId xmlns:a16="http://schemas.microsoft.com/office/drawing/2014/main" id="{7F6D8CA5-9AF0-4C1D-AF18-12BE0A96A8BA}"/>
+              </a:ext>
+            </a:extLst>
+          </p:cNvPr>
+          <p:cNvSpPr>
+            <a:spLocks noGrp="1"/>
+          </p:cNvSpPr>
+          <p:nvPr>
+            <p:ph idx="1"/>
+          </p:nvPr>
+        </p:nvSpPr>
+        <p:spPr/>
+        <p:txBody>
+          <a:bodyPr/>
+          <a:lstStyle/>
+          <a:p>
+            <a:endParaRPr lang="en-US"/>
+          </a:p>
+        </p:txBody>
+      </p:sp>
+    </p:spTree>
+    <p:extLst>
+      <p:ext uri="{BB962C8B-B14F-4D97-AF65-F5344CB8AC3E}">
+        <p14:creationId xmlns:p14="http://schemas.microsoft.com/office/powerpoint/2010/main" val="133710375"/>
+      </p:ext>
+    </p:extLst>
+  </p:cSld>
+  <p:clrMapOvr>
+    <a:masterClrMapping/>
+  </p:clrMapOvr>
+</p:sld>
+</file>
+
+<file path=ppt/slides/slide5.xml><?xml version="1.0" encoding="utf-8"?>
+<p:sld xmlns:a="http://schemas.openxmlformats.org/drawingml/2006/main" xmlns:r="http://schemas.openxmlformats.org/officeDocument/2006/relationships" xmlns:p="http://schemas.openxmlformats.org/presentationml/2006/main">
+  <p:cSld>
+    <p:spTree>
+      <p:nvGrpSpPr>
+        <p:cNvPr id="1" name=""/>
+        <p:cNvGrpSpPr/>
+        <p:nvPr/>
+      </p:nvGrpSpPr>
+      <p:grpSpPr>
+        <a:xfrm>
+          <a:off x="0" y="0"/>
+          <a:ext cx="0" cy="0"/>
+          <a:chOff x="0" y="0"/>
+          <a:chExt cx="0" cy="0"/>
+        </a:xfrm>
+      </p:grpSpPr>
+      <p:sp>
+        <p:nvSpPr>
+          <p:cNvPr id="2" name="Title 1">
+            <a:extLst>
+              <a:ext uri="{FF2B5EF4-FFF2-40B4-BE49-F238E27FC236}">
+                <a16:creationId xmlns:a16="http://schemas.microsoft.com/office/drawing/2014/main" id="{F1118F0E-6499-48AD-83DE-880CA3CA2385}"/>
+              </a:ext>
+            </a:extLst>
+          </p:cNvPr>
+          <p:cNvSpPr>
+            <a:spLocks noGrp="1"/>
+          </p:cNvSpPr>
+          <p:nvPr>
+            <p:ph type="title"/>
+          </p:nvPr>
+        </p:nvSpPr>
+        <p:spPr/>
+        <p:txBody>
+          <a:bodyPr/>
+          <a:lstStyle/>
+          <a:p>
+            <a:r>
+              <a:rPr lang="en-US" dirty="0"/>
+              <a:t>State Machine</a:t>
+            </a:r>
+          </a:p>
+        </p:txBody>
+      </p:sp>
+      <p:sp>
+        <p:nvSpPr>
+          <p:cNvPr id="3" name="Content Placeholder 2">
+            <a:extLst>
+              <a:ext uri="{FF2B5EF4-FFF2-40B4-BE49-F238E27FC236}">
+                <a16:creationId xmlns:a16="http://schemas.microsoft.com/office/drawing/2014/main" id="{7D91BC8C-AA11-464B-BFCB-AA31DECC014D}"/>
+              </a:ext>
+            </a:extLst>
+          </p:cNvPr>
+          <p:cNvSpPr>
+            <a:spLocks noGrp="1"/>
+          </p:cNvSpPr>
+          <p:nvPr>
+            <p:ph idx="1"/>
+          </p:nvPr>
+        </p:nvSpPr>
+        <p:spPr/>
+        <p:txBody>
+          <a:bodyPr/>
+          <a:lstStyle/>
+          <a:p>
+            <a:endParaRPr lang="en-US"/>
+          </a:p>
+        </p:txBody>
+      </p:sp>
+    </p:spTree>
+    <p:extLst>
+      <p:ext uri="{BB962C8B-B14F-4D97-AF65-F5344CB8AC3E}">
+        <p14:creationId xmlns:p14="http://schemas.microsoft.com/office/powerpoint/2010/main" val="1669051757"/>
+      </p:ext>
+    </p:extLst>
+  </p:cSld>
+  <p:clrMapOvr>
+    <a:masterClrMapping/>
+  </p:clrMapOvr>
+</p:sld>
+</file>
+
+<file path=ppt/slides/slide6.xml><?xml version="1.0" encoding="utf-8"?>
+<p:sld xmlns:a="http://schemas.openxmlformats.org/drawingml/2006/main" xmlns:r="http://schemas.openxmlformats.org/officeDocument/2006/relationships" xmlns:p="http://schemas.openxmlformats.org/presentationml/2006/main">
+  <p:cSld>
+    <p:spTree>
+      <p:nvGrpSpPr>
+        <p:cNvPr id="1" name=""/>
+        <p:cNvGrpSpPr/>
+        <p:nvPr/>
+      </p:nvGrpSpPr>
+      <p:grpSpPr>
+        <a:xfrm>
+          <a:off x="0" y="0"/>
+          <a:ext cx="0" cy="0"/>
+          <a:chOff x="0" y="0"/>
+          <a:chExt cx="0" cy="0"/>
+        </a:xfrm>
+      </p:grpSpPr>
+      <p:sp>
+        <p:nvSpPr>
+          <p:cNvPr id="2" name="Title 1">
+            <a:extLst>
+              <a:ext uri="{FF2B5EF4-FFF2-40B4-BE49-F238E27FC236}">
+                <a16:creationId xmlns:a16="http://schemas.microsoft.com/office/drawing/2014/main" id="{23F4FF84-2703-42DA-9713-0199601ED452}"/>
+              </a:ext>
+            </a:extLst>
+          </p:cNvPr>
+          <p:cNvSpPr>
+            <a:spLocks noGrp="1"/>
+          </p:cNvSpPr>
+          <p:nvPr>
+            <p:ph type="title"/>
+          </p:nvPr>
+        </p:nvSpPr>
+        <p:spPr/>
+        <p:txBody>
+          <a:bodyPr/>
+          <a:lstStyle/>
+          <a:p>
+            <a:r>
+              <a:rPr lang="en-US" dirty="0"/>
+              <a:t>Atomic CPU</a:t>
+            </a:r>
+          </a:p>
+        </p:txBody>
+      </p:sp>
+      <p:sp>
+        <p:nvSpPr>
+          <p:cNvPr id="3" name="Content Placeholder 2">
+            <a:extLst>
+              <a:ext uri="{FF2B5EF4-FFF2-40B4-BE49-F238E27FC236}">
+                <a16:creationId xmlns:a16="http://schemas.microsoft.com/office/drawing/2014/main" id="{B6F688B5-7A17-4B4B-9935-84A4E9372FF7}"/>
+              </a:ext>
+            </a:extLst>
+          </p:cNvPr>
+          <p:cNvSpPr>
+            <a:spLocks noGrp="1"/>
+          </p:cNvSpPr>
+          <p:nvPr>
+            <p:ph idx="1"/>
+          </p:nvPr>
+        </p:nvSpPr>
+        <p:spPr/>
+        <p:txBody>
+          <a:bodyPr/>
+          <a:lstStyle/>
+          <a:p>
+            <a:endParaRPr lang="en-US"/>
+          </a:p>
+        </p:txBody>
+      </p:sp>
+    </p:spTree>
+    <p:extLst>
+      <p:ext uri="{BB962C8B-B14F-4D97-AF65-F5344CB8AC3E}">
+        <p14:creationId xmlns:p14="http://schemas.microsoft.com/office/powerpoint/2010/main" val="2138466043"/>
+      </p:ext>
+    </p:extLst>
+  </p:cSld>
+  <p:clrMapOvr>
+    <a:masterClrMapping/>
+  </p:clrMapOvr>
+</p:sld>
+</file>
+
+<file path=ppt/slides/slide7.xml><?xml version="1.0" encoding="utf-8"?>
+<p:sld xmlns:a="http://schemas.openxmlformats.org/drawingml/2006/main" xmlns:r="http://schemas.openxmlformats.org/officeDocument/2006/relationships" xmlns:p="http://schemas.openxmlformats.org/presentationml/2006/main">
+  <p:cSld>
+    <p:spTree>
+      <p:nvGrpSpPr>
+        <p:cNvPr id="1" name=""/>
+        <p:cNvGrpSpPr/>
+        <p:nvPr/>
+      </p:nvGrpSpPr>
+      <p:grpSpPr>
+        <a:xfrm>
+          <a:off x="0" y="0"/>
+          <a:ext cx="0" cy="0"/>
+          <a:chOff x="0" y="0"/>
+          <a:chExt cx="0" cy="0"/>
+        </a:xfrm>
+      </p:grpSpPr>
+      <p:sp>
+        <p:nvSpPr>
+          <p:cNvPr id="2" name="Title 1">
+            <a:extLst>
+              <a:ext uri="{FF2B5EF4-FFF2-40B4-BE49-F238E27FC236}">
+                <a16:creationId xmlns:a16="http://schemas.microsoft.com/office/drawing/2014/main" id="{EC591D1E-CEF9-4B81-A812-57FDEC10B49E}"/>
+              </a:ext>
+            </a:extLst>
+          </p:cNvPr>
+          <p:cNvSpPr>
+            <a:spLocks noGrp="1"/>
+          </p:cNvSpPr>
+          <p:nvPr>
+            <p:ph type="title"/>
+          </p:nvPr>
+        </p:nvSpPr>
+        <p:spPr/>
+        <p:txBody>
+          <a:bodyPr/>
+          <a:lstStyle/>
+          <a:p>
+            <a:r>
+              <a:rPr lang="en-US" dirty="0"/>
+              <a:t>Results</a:t>
+            </a:r>
+          </a:p>
+        </p:txBody>
+      </p:sp>
+    </p:spTree>
+    <p:extLst>
+      <p:ext uri="{BB962C8B-B14F-4D97-AF65-F5344CB8AC3E}">
+        <p14:creationId xmlns:p14="http://schemas.microsoft.com/office/powerpoint/2010/main" val="196668539"/>
+      </p:ext>
+    </p:extLst>
+  </p:cSld>
+  <p:clrMapOvr>
+    <a:masterClrMapping/>
+  </p:clrMapOvr>
+</p:sld>
+</file>
+
+<file path=ppt/slides/slide8.xml><?xml version="1.0" encoding="utf-8"?>
+<p:sld xmlns:a="http://schemas.openxmlformats.org/drawingml/2006/main" xmlns:r="http://schemas.openxmlformats.org/officeDocument/2006/relationships" xmlns:p="http://schemas.openxmlformats.org/presentationml/2006/main">
+  <p:cSld>
+    <p:spTree>
+      <p:nvGrpSpPr>
+        <p:cNvPr id="1" name=""/>
+        <p:cNvGrpSpPr/>
+        <p:nvPr/>
+      </p:nvGrpSpPr>
+      <p:grpSpPr>
+        <a:xfrm>
+          <a:off x="0" y="0"/>
+          <a:ext cx="0" cy="0"/>
+          <a:chOff x="0" y="0"/>
+          <a:chExt cx="0" cy="0"/>
+        </a:xfrm>
+      </p:grpSpPr>
+      <p:pic>
+        <p:nvPicPr>
+          <p:cNvPr id="7" name="Picture 6">
+            <a:extLst>
+              <a:ext uri="{FF2B5EF4-FFF2-40B4-BE49-F238E27FC236}">
+                <a16:creationId xmlns:a16="http://schemas.microsoft.com/office/drawing/2014/main" id="{424DF560-7B8E-4919-AE88-B26181855FC8}"/>
+              </a:ext>
+            </a:extLst>
+          </p:cNvPr>
+          <p:cNvPicPr>
+            <a:picLocks noChangeAspect="1"/>
+          </p:cNvPicPr>
+          <p:nvPr/>
+        </p:nvPicPr>
+        <p:blipFill rotWithShape="1">
+          <a:blip r:embed="rId2"/>
+          <a:srcRect t="7592"/>
+          <a:stretch/>
+        </p:blipFill>
+        <p:spPr>
+          <a:xfrm>
+            <a:off x="2177142" y="685800"/>
+            <a:ext cx="7837715" cy="5486400"/>
+          </a:xfrm>
+          <a:prstGeom prst="rect">
+            <a:avLst/>
+          </a:prstGeom>
+        </p:spPr>
+      </p:pic>
+      <p:sp>
+        <p:nvSpPr>
+          <p:cNvPr id="9" name="TextBox 8">
+            <a:extLst>
+              <a:ext uri="{FF2B5EF4-FFF2-40B4-BE49-F238E27FC236}">
+                <a16:creationId xmlns:a16="http://schemas.microsoft.com/office/drawing/2014/main" id="{DD2895DC-88C7-4A34-946C-8B6A28562EE6}"/>
+              </a:ext>
+            </a:extLst>
+          </p:cNvPr>
+          <p:cNvSpPr txBox="1"/>
+          <p:nvPr/>
+        </p:nvSpPr>
+        <p:spPr>
+          <a:xfrm>
+            <a:off x="2177142" y="6289964"/>
+            <a:ext cx="7837715" cy="307777"/>
+          </a:xfrm>
+          <a:prstGeom prst="rect">
+            <a:avLst/>
+          </a:prstGeom>
+          <a:noFill/>
+        </p:spPr>
+        <p:txBody>
+          <a:bodyPr wrap="square" rtlCol="0">
+            <a:spAutoFit/>
+          </a:bodyPr>
+          <a:lstStyle/>
+          <a:p>
+            <a:pPr algn="ctr"/>
+            <a:r>
+              <a:rPr lang="en-US" sz="1400" dirty="0"/>
+              <a:t>Fig. 1. Sine Input</a:t>
+            </a:r>
+          </a:p>
+        </p:txBody>
+      </p:sp>
+    </p:spTree>
+    <p:extLst>
+      <p:ext uri="{BB962C8B-B14F-4D97-AF65-F5344CB8AC3E}">
+        <p14:creationId xmlns:p14="http://schemas.microsoft.com/office/powerpoint/2010/main" val="3705530050"/>
+      </p:ext>
+    </p:extLst>
+  </p:cSld>
+  <p:clrMapOvr>
+    <a:masterClrMapping/>
+  </p:clrMapOvr>
+</p:sld>
+</file>
+
+<file path=ppt/slides/slide9.xml><?xml version="1.0" encoding="utf-8"?>
+<p:sld xmlns:a="http://schemas.openxmlformats.org/drawingml/2006/main" xmlns:r="http://schemas.openxmlformats.org/officeDocument/2006/relationships" xmlns:p="http://schemas.openxmlformats.org/presentationml/2006/main">
+  <p:cSld>
     <p:spTree>
       <p:nvGrpSpPr>
         <p:cNvPr id="1" name=""/>
@@ -4362,7 +6586,7 @@
           <p:cNvPr id="5" name="Picture 4">
             <a:extLst>
               <a:ext uri="{FF2B5EF4-FFF2-40B4-BE49-F238E27FC236}">
-                <a16:creationId xmlns:a16="http://schemas.microsoft.com/office/drawing/2014/main" id="{063ED534-33A9-4856-8579-6425D093B911}"/>
+                <a16:creationId xmlns:a16="http://schemas.microsoft.com/office/drawing/2014/main" id="{7229BC25-C789-4FB9-876A-816CB07E95F5}"/>
               </a:ext>
             </a:extLst>
           </p:cNvPr>
@@ -4371,232 +6595,57 @@
           </p:cNvPicPr>
           <p:nvPr/>
         </p:nvPicPr>
-        <p:blipFill>
+        <p:blipFill rotWithShape="1">
           <a:blip r:embed="rId2"/>
-          <a:stretch>
-            <a:fillRect/>
-          </a:stretch>
+          <a:srcRect t="7406"/>
+          <a:stretch/>
         </p:blipFill>
         <p:spPr>
           <a:xfrm>
-            <a:off x="0" y="340360"/>
-            <a:ext cx="12192000" cy="6177280"/>
+            <a:off x="2061495" y="685800"/>
+            <a:ext cx="8069009" cy="5486400"/>
           </a:xfrm>
           <a:prstGeom prst="rect">
             <a:avLst/>
           </a:prstGeom>
         </p:spPr>
       </p:pic>
-    </p:spTree>
-    <p:extLst>
-      <p:ext uri="{BB962C8B-B14F-4D97-AF65-F5344CB8AC3E}">
-        <p14:creationId xmlns:p14="http://schemas.microsoft.com/office/powerpoint/2010/main" val="609321786"/>
-      </p:ext>
-    </p:extLst>
-  </p:cSld>
-  <p:clrMapOvr>
-    <a:masterClrMapping/>
-  </p:clrMapOvr>
-</p:sld>
-</file>
-
-<file path=ppt/slides/slide13.xml><?xml version="1.0" encoding="utf-8"?>
-<p:sld xmlns:a="http://schemas.openxmlformats.org/drawingml/2006/main" xmlns:r="http://schemas.openxmlformats.org/officeDocument/2006/relationships" xmlns:p="http://schemas.openxmlformats.org/presentationml/2006/main">
-  <p:cSld>
-    <p:bg>
-      <p:bgPr>
-        <a:solidFill>
-          <a:schemeClr val="tx1">
-            <a:lumMod val="85000"/>
-          </a:schemeClr>
-        </a:solidFill>
-        <a:effectLst/>
-      </p:bgPr>
-    </p:bg>
-    <p:spTree>
-      <p:nvGrpSpPr>
-        <p:cNvPr id="1" name=""/>
-        <p:cNvGrpSpPr/>
-        <p:nvPr/>
-      </p:nvGrpSpPr>
-      <p:grpSpPr>
-        <a:xfrm>
-          <a:off x="0" y="0"/>
-          <a:ext cx="0" cy="0"/>
-          <a:chOff x="0" y="0"/>
-          <a:chExt cx="0" cy="0"/>
-        </a:xfrm>
-      </p:grpSpPr>
-      <p:pic>
-        <p:nvPicPr>
-          <p:cNvPr id="6" name="Picture 5">
+      <p:sp>
+        <p:nvSpPr>
+          <p:cNvPr id="6" name="TextBox 5">
             <a:extLst>
               <a:ext uri="{FF2B5EF4-FFF2-40B4-BE49-F238E27FC236}">
-                <a16:creationId xmlns:a16="http://schemas.microsoft.com/office/drawing/2014/main" id="{4DE7C741-AD84-4ADC-A450-270E13A1CA25}"/>
+                <a16:creationId xmlns:a16="http://schemas.microsoft.com/office/drawing/2014/main" id="{E7EAA6BA-6206-43DA-9205-6A3D35968EBB}"/>
               </a:ext>
             </a:extLst>
           </p:cNvPr>
-          <p:cNvPicPr>
-            <a:picLocks noChangeAspect="1"/>
-          </p:cNvPicPr>
+          <p:cNvSpPr txBox="1"/>
           <p:nvPr/>
-        </p:nvPicPr>
-        <p:blipFill>
-          <a:blip r:embed="rId2"/>
-          <a:stretch>
-            <a:fillRect/>
-          </a:stretch>
-        </p:blipFill>
+        </p:nvSpPr>
         <p:spPr>
           <a:xfrm>
-            <a:off x="0" y="340361"/>
-            <a:ext cx="12192000" cy="6177280"/>
+            <a:off x="2177142" y="6289964"/>
+            <a:ext cx="7837715" cy="307777"/>
           </a:xfrm>
           <a:prstGeom prst="rect">
             <a:avLst/>
           </a:prstGeom>
+          <a:noFill/>
         </p:spPr>
-      </p:pic>
-    </p:spTree>
-    <p:extLst>
-      <p:ext uri="{BB962C8B-B14F-4D97-AF65-F5344CB8AC3E}">
-        <p14:creationId xmlns:p14="http://schemas.microsoft.com/office/powerpoint/2010/main" val="4228326820"/>
-      </p:ext>
-    </p:extLst>
-  </p:cSld>
-  <p:clrMapOvr>
-    <a:masterClrMapping/>
-  </p:clrMapOvr>
-</p:sld>
-</file>
-
-<file path=ppt/slides/slide2.xml><?xml version="1.0" encoding="utf-8"?>
-<p:sld xmlns:a="http://schemas.openxmlformats.org/drawingml/2006/main" xmlns:r="http://schemas.openxmlformats.org/officeDocument/2006/relationships" xmlns:p="http://schemas.openxmlformats.org/presentationml/2006/main">
-  <p:cSld>
-    <p:bg>
-      <p:bgPr>
-        <a:solidFill>
-          <a:schemeClr val="tx1">
-            <a:lumMod val="85000"/>
-          </a:schemeClr>
-        </a:solidFill>
-        <a:effectLst/>
-      </p:bgPr>
-    </p:bg>
-    <p:spTree>
-      <p:nvGrpSpPr>
-        <p:cNvPr id="1" name=""/>
-        <p:cNvGrpSpPr/>
-        <p:nvPr/>
-      </p:nvGrpSpPr>
-      <p:grpSpPr>
-        <a:xfrm>
-          <a:off x="0" y="0"/>
-          <a:ext cx="0" cy="0"/>
-          <a:chOff x="0" y="0"/>
-          <a:chExt cx="0" cy="0"/>
-        </a:xfrm>
-      </p:grpSpPr>
-      <p:pic>
-        <p:nvPicPr>
-          <p:cNvPr id="5" name="Picture 4">
-            <a:extLst>
-              <a:ext uri="{FF2B5EF4-FFF2-40B4-BE49-F238E27FC236}">
-                <a16:creationId xmlns:a16="http://schemas.microsoft.com/office/drawing/2014/main" id="{05FC5DEA-579D-48B2-AE26-0DA0A42DFFF7}"/>
-              </a:ext>
-            </a:extLst>
-          </p:cNvPr>
-          <p:cNvPicPr>
-            <a:picLocks noChangeAspect="1"/>
-          </p:cNvPicPr>
-          <p:nvPr/>
-        </p:nvPicPr>
-        <p:blipFill>
-          <a:blip r:embed="rId2"/>
-          <a:stretch>
-            <a:fillRect/>
-          </a:stretch>
-        </p:blipFill>
-        <p:spPr>
-          <a:xfrm>
-            <a:off x="870438" y="3009"/>
-            <a:ext cx="10471639" cy="6865431"/>
-          </a:xfrm>
-          <a:prstGeom prst="rect">
-            <a:avLst/>
-          </a:prstGeom>
-        </p:spPr>
-      </p:pic>
-    </p:spTree>
-    <p:extLst>
-      <p:ext uri="{BB962C8B-B14F-4D97-AF65-F5344CB8AC3E}">
-        <p14:creationId xmlns:p14="http://schemas.microsoft.com/office/powerpoint/2010/main" val="3705530050"/>
-      </p:ext>
-    </p:extLst>
-  </p:cSld>
-  <p:clrMapOvr>
-    <a:masterClrMapping/>
-  </p:clrMapOvr>
-</p:sld>
-</file>
-
-<file path=ppt/slides/slide3.xml><?xml version="1.0" encoding="utf-8"?>
-<p:sld xmlns:a="http://schemas.openxmlformats.org/drawingml/2006/main" xmlns:r="http://schemas.openxmlformats.org/officeDocument/2006/relationships" xmlns:p="http://schemas.openxmlformats.org/presentationml/2006/main">
-  <p:cSld>
-    <p:bg>
-      <p:bgPr>
-        <a:solidFill>
-          <a:schemeClr val="tx1">
-            <a:lumMod val="85000"/>
-          </a:schemeClr>
-        </a:solidFill>
-        <a:effectLst/>
-      </p:bgPr>
-    </p:bg>
-    <p:spTree>
-      <p:nvGrpSpPr>
-        <p:cNvPr id="1" name=""/>
-        <p:cNvGrpSpPr/>
-        <p:nvPr/>
-      </p:nvGrpSpPr>
-      <p:grpSpPr>
-        <a:xfrm>
-          <a:off x="0" y="0"/>
-          <a:ext cx="0" cy="0"/>
-          <a:chOff x="0" y="0"/>
-          <a:chExt cx="0" cy="0"/>
-        </a:xfrm>
-      </p:grpSpPr>
-      <p:pic>
-        <p:nvPicPr>
-          <p:cNvPr id="3" name="Picture 2">
-            <a:extLst>
-              <a:ext uri="{FF2B5EF4-FFF2-40B4-BE49-F238E27FC236}">
-                <a16:creationId xmlns:a16="http://schemas.microsoft.com/office/drawing/2014/main" id="{F033641B-0251-44C3-89B7-5DDF412E767F}"/>
-              </a:ext>
-            </a:extLst>
-          </p:cNvPr>
-          <p:cNvPicPr>
-            <a:picLocks noChangeAspect="1"/>
-          </p:cNvPicPr>
-          <p:nvPr/>
-        </p:nvPicPr>
-        <p:blipFill>
-          <a:blip r:embed="rId2"/>
-          <a:stretch>
-            <a:fillRect/>
-          </a:stretch>
-        </p:blipFill>
-        <p:spPr>
-          <a:xfrm>
-            <a:off x="850187" y="0"/>
-            <a:ext cx="10491625" cy="6858000"/>
-          </a:xfrm>
-          <a:prstGeom prst="rect">
-            <a:avLst/>
-          </a:prstGeom>
-        </p:spPr>
-      </p:pic>
+        <p:txBody>
+          <a:bodyPr wrap="square" rtlCol="0">
+            <a:spAutoFit/>
+          </a:bodyPr>
+          <a:lstStyle/>
+          <a:p>
+            <a:pPr algn="ctr"/>
+            <a:r>
+              <a:rPr lang="en-US" sz="1400" dirty="0"/>
+              <a:t>Fig. 2. Energy Storages for Sine Input</a:t>
+            </a:r>
+          </a:p>
+        </p:txBody>
+      </p:sp>
     </p:spTree>
     <p:extLst>
       <p:ext uri="{BB962C8B-B14F-4D97-AF65-F5344CB8AC3E}">
@@ -4610,441 +6659,21 @@
 </p:sld>
 </file>
 
-<file path=ppt/slides/slide4.xml><?xml version="1.0" encoding="utf-8"?>
-<p:sld xmlns:a="http://schemas.openxmlformats.org/drawingml/2006/main" xmlns:r="http://schemas.openxmlformats.org/officeDocument/2006/relationships" xmlns:p="http://schemas.openxmlformats.org/presentationml/2006/main">
-  <p:cSld>
-    <p:bg>
-      <p:bgPr>
-        <a:solidFill>
-          <a:schemeClr val="tx1">
-            <a:lumMod val="85000"/>
-          </a:schemeClr>
-        </a:solidFill>
-        <a:effectLst/>
-      </p:bgPr>
-    </p:bg>
-    <p:spTree>
-      <p:nvGrpSpPr>
-        <p:cNvPr id="1" name=""/>
-        <p:cNvGrpSpPr/>
-        <p:nvPr/>
-      </p:nvGrpSpPr>
-      <p:grpSpPr>
-        <a:xfrm>
-          <a:off x="0" y="0"/>
-          <a:ext cx="0" cy="0"/>
-          <a:chOff x="0" y="0"/>
-          <a:chExt cx="0" cy="0"/>
-        </a:xfrm>
-      </p:grpSpPr>
-      <p:pic>
-        <p:nvPicPr>
-          <p:cNvPr id="3" name="Picture 2">
-            <a:extLst>
-              <a:ext uri="{FF2B5EF4-FFF2-40B4-BE49-F238E27FC236}">
-                <a16:creationId xmlns:a16="http://schemas.microsoft.com/office/drawing/2014/main" id="{E93B996E-0136-494E-B826-78C6EC9A6044}"/>
-              </a:ext>
-            </a:extLst>
-          </p:cNvPr>
-          <p:cNvPicPr>
-            <a:picLocks noChangeAspect="1"/>
-          </p:cNvPicPr>
-          <p:nvPr/>
-        </p:nvPicPr>
-        <p:blipFill>
-          <a:blip r:embed="rId2"/>
-          <a:stretch>
-            <a:fillRect/>
-          </a:stretch>
-        </p:blipFill>
-        <p:spPr>
-          <a:xfrm>
-            <a:off x="853067" y="-4348"/>
-            <a:ext cx="10485866" cy="6862348"/>
-          </a:xfrm>
-          <a:prstGeom prst="rect">
-            <a:avLst/>
-          </a:prstGeom>
-        </p:spPr>
-      </p:pic>
-    </p:spTree>
-    <p:extLst>
-      <p:ext uri="{BB962C8B-B14F-4D97-AF65-F5344CB8AC3E}">
-        <p14:creationId xmlns:p14="http://schemas.microsoft.com/office/powerpoint/2010/main" val="2317889955"/>
-      </p:ext>
-    </p:extLst>
-  </p:cSld>
-  <p:clrMapOvr>
-    <a:masterClrMapping/>
-  </p:clrMapOvr>
-</p:sld>
-</file>
-
-<file path=ppt/slides/slide5.xml><?xml version="1.0" encoding="utf-8"?>
-<p:sld xmlns:a="http://schemas.openxmlformats.org/drawingml/2006/main" xmlns:r="http://schemas.openxmlformats.org/officeDocument/2006/relationships" xmlns:p="http://schemas.openxmlformats.org/presentationml/2006/main">
-  <p:cSld>
-    <p:bg>
-      <p:bgPr>
-        <a:solidFill>
-          <a:schemeClr val="tx1">
-            <a:lumMod val="85000"/>
-          </a:schemeClr>
-        </a:solidFill>
-        <a:effectLst/>
-      </p:bgPr>
-    </p:bg>
-    <p:spTree>
-      <p:nvGrpSpPr>
-        <p:cNvPr id="1" name=""/>
-        <p:cNvGrpSpPr/>
-        <p:nvPr/>
-      </p:nvGrpSpPr>
-      <p:grpSpPr>
-        <a:xfrm>
-          <a:off x="0" y="0"/>
-          <a:ext cx="0" cy="0"/>
-          <a:chOff x="0" y="0"/>
-          <a:chExt cx="0" cy="0"/>
-        </a:xfrm>
-      </p:grpSpPr>
-      <p:pic>
-        <p:nvPicPr>
-          <p:cNvPr id="3" name="Picture 2">
-            <a:extLst>
-              <a:ext uri="{FF2B5EF4-FFF2-40B4-BE49-F238E27FC236}">
-                <a16:creationId xmlns:a16="http://schemas.microsoft.com/office/drawing/2014/main" id="{530A585D-9D10-4AAB-8BD9-2CAF14F7A7DF}"/>
-              </a:ext>
-            </a:extLst>
-          </p:cNvPr>
-          <p:cNvPicPr>
-            <a:picLocks noChangeAspect="1"/>
-          </p:cNvPicPr>
-          <p:nvPr/>
-        </p:nvPicPr>
-        <p:blipFill>
-          <a:blip r:embed="rId2"/>
-          <a:stretch>
-            <a:fillRect/>
-          </a:stretch>
-        </p:blipFill>
-        <p:spPr>
-          <a:xfrm>
-            <a:off x="-6052" y="1274618"/>
-            <a:ext cx="12198052" cy="4306627"/>
-          </a:xfrm>
-          <a:prstGeom prst="rect">
-            <a:avLst/>
-          </a:prstGeom>
-        </p:spPr>
-      </p:pic>
-    </p:spTree>
-    <p:extLst>
-      <p:ext uri="{BB962C8B-B14F-4D97-AF65-F5344CB8AC3E}">
-        <p14:creationId xmlns:p14="http://schemas.microsoft.com/office/powerpoint/2010/main" val="3506399184"/>
-      </p:ext>
-    </p:extLst>
-  </p:cSld>
-  <p:clrMapOvr>
-    <a:masterClrMapping/>
-  </p:clrMapOvr>
-</p:sld>
-</file>
-
-<file path=ppt/slides/slide6.xml><?xml version="1.0" encoding="utf-8"?>
-<p:sld xmlns:a="http://schemas.openxmlformats.org/drawingml/2006/main" xmlns:r="http://schemas.openxmlformats.org/officeDocument/2006/relationships" xmlns:p="http://schemas.openxmlformats.org/presentationml/2006/main">
-  <p:cSld>
-    <p:bg>
-      <p:bgPr>
-        <a:solidFill>
-          <a:schemeClr val="tx1">
-            <a:lumMod val="85000"/>
-          </a:schemeClr>
-        </a:solidFill>
-        <a:effectLst/>
-      </p:bgPr>
-    </p:bg>
-    <p:spTree>
-      <p:nvGrpSpPr>
-        <p:cNvPr id="1" name=""/>
-        <p:cNvGrpSpPr/>
-        <p:nvPr/>
-      </p:nvGrpSpPr>
-      <p:grpSpPr>
-        <a:xfrm>
-          <a:off x="0" y="0"/>
-          <a:ext cx="0" cy="0"/>
-          <a:chOff x="0" y="0"/>
-          <a:chExt cx="0" cy="0"/>
-        </a:xfrm>
-      </p:grpSpPr>
-      <p:pic>
-        <p:nvPicPr>
-          <p:cNvPr id="3" name="Picture 2">
-            <a:extLst>
-              <a:ext uri="{FF2B5EF4-FFF2-40B4-BE49-F238E27FC236}">
-                <a16:creationId xmlns:a16="http://schemas.microsoft.com/office/drawing/2014/main" id="{45EDE5EA-F17F-4AFF-8719-D53529DAD2E0}"/>
-              </a:ext>
-            </a:extLst>
-          </p:cNvPr>
-          <p:cNvPicPr>
-            <a:picLocks noChangeAspect="1"/>
-          </p:cNvPicPr>
-          <p:nvPr/>
-        </p:nvPicPr>
-        <p:blipFill>
-          <a:blip r:embed="rId2"/>
-          <a:stretch>
-            <a:fillRect/>
-          </a:stretch>
-        </p:blipFill>
-        <p:spPr>
-          <a:xfrm>
-            <a:off x="0" y="1301261"/>
-            <a:ext cx="12192000" cy="4296383"/>
-          </a:xfrm>
-          <a:prstGeom prst="rect">
-            <a:avLst/>
-          </a:prstGeom>
-        </p:spPr>
-      </p:pic>
-    </p:spTree>
-    <p:extLst>
-      <p:ext uri="{BB962C8B-B14F-4D97-AF65-F5344CB8AC3E}">
-        <p14:creationId xmlns:p14="http://schemas.microsoft.com/office/powerpoint/2010/main" val="3660655663"/>
-      </p:ext>
-    </p:extLst>
-  </p:cSld>
-  <p:clrMapOvr>
-    <a:masterClrMapping/>
-  </p:clrMapOvr>
-</p:sld>
-</file>
-
-<file path=ppt/slides/slide7.xml><?xml version="1.0" encoding="utf-8"?>
-<p:sld xmlns:a="http://schemas.openxmlformats.org/drawingml/2006/main" xmlns:r="http://schemas.openxmlformats.org/officeDocument/2006/relationships" xmlns:p="http://schemas.openxmlformats.org/presentationml/2006/main">
-  <p:cSld>
-    <p:bg>
-      <p:bgPr>
-        <a:solidFill>
-          <a:schemeClr val="tx1">
-            <a:lumMod val="85000"/>
-          </a:schemeClr>
-        </a:solidFill>
-        <a:effectLst/>
-      </p:bgPr>
-    </p:bg>
-    <p:spTree>
-      <p:nvGrpSpPr>
-        <p:cNvPr id="1" name=""/>
-        <p:cNvGrpSpPr/>
-        <p:nvPr/>
-      </p:nvGrpSpPr>
-      <p:grpSpPr>
-        <a:xfrm>
-          <a:off x="0" y="0"/>
-          <a:ext cx="0" cy="0"/>
-          <a:chOff x="0" y="0"/>
-          <a:chExt cx="0" cy="0"/>
-        </a:xfrm>
-      </p:grpSpPr>
-      <p:pic>
-        <p:nvPicPr>
-          <p:cNvPr id="3" name="Picture 2">
-            <a:extLst>
-              <a:ext uri="{FF2B5EF4-FFF2-40B4-BE49-F238E27FC236}">
-                <a16:creationId xmlns:a16="http://schemas.microsoft.com/office/drawing/2014/main" id="{A203B564-574B-412C-BDC6-ADB01EEE9582}"/>
-              </a:ext>
-            </a:extLst>
-          </p:cNvPr>
-          <p:cNvPicPr>
-            <a:picLocks noChangeAspect="1"/>
-          </p:cNvPicPr>
-          <p:nvPr/>
-        </p:nvPicPr>
-        <p:blipFill>
-          <a:blip r:embed="rId2"/>
-          <a:stretch>
-            <a:fillRect/>
-          </a:stretch>
-        </p:blipFill>
-        <p:spPr>
-          <a:xfrm>
-            <a:off x="-5295" y="1274886"/>
-            <a:ext cx="12197295" cy="4306360"/>
-          </a:xfrm>
-          <a:prstGeom prst="rect">
-            <a:avLst/>
-          </a:prstGeom>
-        </p:spPr>
-      </p:pic>
-    </p:spTree>
-    <p:extLst>
-      <p:ext uri="{BB962C8B-B14F-4D97-AF65-F5344CB8AC3E}">
-        <p14:creationId xmlns:p14="http://schemas.microsoft.com/office/powerpoint/2010/main" val="2347409190"/>
-      </p:ext>
-    </p:extLst>
-  </p:cSld>
-  <p:clrMapOvr>
-    <a:masterClrMapping/>
-  </p:clrMapOvr>
-</p:sld>
-</file>
-
-<file path=ppt/slides/slide8.xml><?xml version="1.0" encoding="utf-8"?>
-<p:sld xmlns:a="http://schemas.openxmlformats.org/drawingml/2006/main" xmlns:r="http://schemas.openxmlformats.org/officeDocument/2006/relationships" xmlns:p="http://schemas.openxmlformats.org/presentationml/2006/main">
-  <p:cSld>
-    <p:bg>
-      <p:bgPr>
-        <a:solidFill>
-          <a:schemeClr val="tx1">
-            <a:lumMod val="85000"/>
-          </a:schemeClr>
-        </a:solidFill>
-        <a:effectLst/>
-      </p:bgPr>
-    </p:bg>
-    <p:spTree>
-      <p:nvGrpSpPr>
-        <p:cNvPr id="1" name=""/>
-        <p:cNvGrpSpPr/>
-        <p:nvPr/>
-      </p:nvGrpSpPr>
-      <p:grpSpPr>
-        <a:xfrm>
-          <a:off x="0" y="0"/>
-          <a:ext cx="0" cy="0"/>
-          <a:chOff x="0" y="0"/>
-          <a:chExt cx="0" cy="0"/>
-        </a:xfrm>
-      </p:grpSpPr>
-      <p:pic>
-        <p:nvPicPr>
-          <p:cNvPr id="4" name="Picture 3">
-            <a:extLst>
-              <a:ext uri="{FF2B5EF4-FFF2-40B4-BE49-F238E27FC236}">
-                <a16:creationId xmlns:a16="http://schemas.microsoft.com/office/drawing/2014/main" id="{2483F414-3BA7-4F48-9983-10AB9C4BFD3E}"/>
-              </a:ext>
-            </a:extLst>
-          </p:cNvPr>
-          <p:cNvPicPr>
-            <a:picLocks noChangeAspect="1"/>
-          </p:cNvPicPr>
-          <p:nvPr/>
-        </p:nvPicPr>
-        <p:blipFill>
-          <a:blip r:embed="rId2"/>
-          <a:stretch>
-            <a:fillRect/>
-          </a:stretch>
-        </p:blipFill>
-        <p:spPr>
-          <a:xfrm>
-            <a:off x="0" y="277326"/>
-            <a:ext cx="12192000" cy="6303347"/>
-          </a:xfrm>
-          <a:prstGeom prst="rect">
-            <a:avLst/>
-          </a:prstGeom>
-        </p:spPr>
-      </p:pic>
-    </p:spTree>
-    <p:extLst>
-      <p:ext uri="{BB962C8B-B14F-4D97-AF65-F5344CB8AC3E}">
-        <p14:creationId xmlns:p14="http://schemas.microsoft.com/office/powerpoint/2010/main" val="3069383323"/>
-      </p:ext>
-    </p:extLst>
-  </p:cSld>
-  <p:clrMapOvr>
-    <a:masterClrMapping/>
-  </p:clrMapOvr>
-</p:sld>
-</file>
-
-<file path=ppt/slides/slide9.xml><?xml version="1.0" encoding="utf-8"?>
-<p:sld xmlns:a="http://schemas.openxmlformats.org/drawingml/2006/main" xmlns:r="http://schemas.openxmlformats.org/officeDocument/2006/relationships" xmlns:p="http://schemas.openxmlformats.org/presentationml/2006/main">
-  <p:cSld>
-    <p:bg>
-      <p:bgPr>
-        <a:solidFill>
-          <a:schemeClr val="tx1">
-            <a:lumMod val="85000"/>
-          </a:schemeClr>
-        </a:solidFill>
-        <a:effectLst/>
-      </p:bgPr>
-    </p:bg>
-    <p:spTree>
-      <p:nvGrpSpPr>
-        <p:cNvPr id="1" name=""/>
-        <p:cNvGrpSpPr/>
-        <p:nvPr/>
-      </p:nvGrpSpPr>
-      <p:grpSpPr>
-        <a:xfrm>
-          <a:off x="0" y="0"/>
-          <a:ext cx="0" cy="0"/>
-          <a:chOff x="0" y="0"/>
-          <a:chExt cx="0" cy="0"/>
-        </a:xfrm>
-      </p:grpSpPr>
-      <p:pic>
-        <p:nvPicPr>
-          <p:cNvPr id="3" name="Picture 2">
-            <a:extLst>
-              <a:ext uri="{FF2B5EF4-FFF2-40B4-BE49-F238E27FC236}">
-                <a16:creationId xmlns:a16="http://schemas.microsoft.com/office/drawing/2014/main" id="{75BE54C1-450B-4AF4-AB42-877EABD4F890}"/>
-              </a:ext>
-            </a:extLst>
-          </p:cNvPr>
-          <p:cNvPicPr>
-            <a:picLocks noChangeAspect="1"/>
-          </p:cNvPicPr>
-          <p:nvPr/>
-        </p:nvPicPr>
-        <p:blipFill>
-          <a:blip r:embed="rId2"/>
-          <a:stretch>
-            <a:fillRect/>
-          </a:stretch>
-        </p:blipFill>
-        <p:spPr>
-          <a:xfrm>
-            <a:off x="-3674" y="281354"/>
-            <a:ext cx="12195674" cy="6293395"/>
-          </a:xfrm>
-          <a:prstGeom prst="rect">
-            <a:avLst/>
-          </a:prstGeom>
-        </p:spPr>
-      </p:pic>
-    </p:spTree>
-    <p:extLst>
-      <p:ext uri="{BB962C8B-B14F-4D97-AF65-F5344CB8AC3E}">
-        <p14:creationId xmlns:p14="http://schemas.microsoft.com/office/powerpoint/2010/main" val="453171510"/>
-      </p:ext>
-    </p:extLst>
-  </p:cSld>
-  <p:clrMapOvr>
-    <a:masterClrMapping/>
-  </p:clrMapOvr>
-</p:sld>
-</file>
-
 <file path=ppt/theme/theme1.xml><?xml version="1.0" encoding="utf-8"?>
 <a:theme xmlns:a="http://schemas.openxmlformats.org/drawingml/2006/main" name="View">
   <a:themeElements>
-    <a:clrScheme name="Custom 2">
+    <a:clrScheme name="View">
       <a:dk1>
-        <a:srgbClr val="FFFFFF"/>
+        <a:srgbClr val="000000"/>
       </a:dk1>
       <a:lt1>
-        <a:srgbClr val="000000"/>
+        <a:srgbClr val="FFFFFF"/>
       </a:lt1>
       <a:dk2>
-        <a:srgbClr val="D8D8D8"/>
+        <a:srgbClr val="46464A"/>
       </a:dk2>
       <a:lt2>
-        <a:srgbClr val="262626"/>
+        <a:srgbClr val="D6D3CC"/>
       </a:lt2>
       <a:accent1>
         <a:srgbClr val="6F6F74"/>

--- a/profile/nvp_sim/sine_wave/Presentation.pptx
+++ b/profile/nvp_sim/sine_wave/Presentation.pptx
@@ -124,6 +124,11 @@
       </a:defRPr>
     </a:lvl9pPr>
   </p:defaultTextStyle>
+  <p:extLst>
+    <p:ext uri="{EFAFB233-063F-42B5-8137-9DF3F51BA10A}">
+      <p15:sldGuideLst xmlns:p15="http://schemas.microsoft.com/office/powerpoint/2012/main"/>
+    </p:ext>
+  </p:extLst>
 </p:presentation>
 </file>
 
@@ -132,12 +137,12 @@
   <pc:docChgLst>
     <pc:chgData name="Gudukbay, Gulsum" userId="33ab478b-42a3-4d08-ae05-3f67cf1d32a2" providerId="ADAL" clId="{27E69447-91EA-4D01-AF66-70A6FC4BA94F}"/>
     <pc:docChg chg="undo redo custSel addSld delSld modSld sldOrd modMainMaster">
-      <pc:chgData name="Gudukbay, Gulsum" userId="33ab478b-42a3-4d08-ae05-3f67cf1d32a2" providerId="ADAL" clId="{27E69447-91EA-4D01-AF66-70A6FC4BA94F}" dt="2018-11-29T04:08:52.048" v="677" actId="20577"/>
+      <pc:chgData name="Gudukbay, Gulsum" userId="33ab478b-42a3-4d08-ae05-3f67cf1d32a2" providerId="ADAL" clId="{27E69447-91EA-4D01-AF66-70A6FC4BA94F}" dt="2018-11-29T23:43:56.905" v="684"/>
       <pc:docMkLst>
         <pc:docMk/>
       </pc:docMkLst>
-      <pc:sldChg chg="addSp delSp modSp mod setBg">
-        <pc:chgData name="Gudukbay, Gulsum" userId="33ab478b-42a3-4d08-ae05-3f67cf1d32a2" providerId="ADAL" clId="{27E69447-91EA-4D01-AF66-70A6FC4BA94F}" dt="2018-11-29T03:51:45.593" v="557" actId="20577"/>
+      <pc:sldChg chg="addSp delSp modSp mod modTransition setBg">
+        <pc:chgData name="Gudukbay, Gulsum" userId="33ab478b-42a3-4d08-ae05-3f67cf1d32a2" providerId="ADAL" clId="{27E69447-91EA-4D01-AF66-70A6FC4BA94F}" dt="2018-11-29T23:43:56.905" v="684"/>
         <pc:sldMkLst>
           <pc:docMk/>
           <pc:sldMk cId="3705530050" sldId="256"/>
@@ -159,7 +164,7 @@
           </ac:spMkLst>
         </pc:spChg>
         <pc:graphicFrameChg chg="add">
-          <ac:chgData name="Gudukbay, Gulsum" userId="33ab478b-42a3-4d08-ae05-3f67cf1d32a2" providerId="ADAL" clId="{27E69447-91EA-4D01-AF66-70A6FC4BA94F}" dt="2018-11-29T02:19:58.585" v="124"/>
+          <ac:chgData name="Gudukbay, Gulsum" userId="33ab478b-42a3-4d08-ae05-3f67cf1d32a2" providerId="ADAL" clId="{27E69447-91EA-4D01-AF66-70A6FC4BA94F}" dt="2018-11-29T02:19:58.585" v="124" actId="20577"/>
           <ac:graphicFrameMkLst>
             <pc:docMk/>
             <pc:sldMk cId="3705530050" sldId="256"/>
@@ -183,8 +188,8 @@
           </ac:picMkLst>
         </pc:picChg>
       </pc:sldChg>
-      <pc:sldChg chg="addSp delSp modSp mod setBg">
-        <pc:chgData name="Gudukbay, Gulsum" userId="33ab478b-42a3-4d08-ae05-3f67cf1d32a2" providerId="ADAL" clId="{27E69447-91EA-4D01-AF66-70A6FC4BA94F}" dt="2018-11-29T03:51:37.159" v="554" actId="20577"/>
+      <pc:sldChg chg="addSp delSp modSp mod modTransition setBg">
+        <pc:chgData name="Gudukbay, Gulsum" userId="33ab478b-42a3-4d08-ae05-3f67cf1d32a2" providerId="ADAL" clId="{27E69447-91EA-4D01-AF66-70A6FC4BA94F}" dt="2018-11-29T23:43:56.905" v="684"/>
         <pc:sldMkLst>
           <pc:docMk/>
           <pc:sldMk cId="3117564443" sldId="257"/>
@@ -198,7 +203,7 @@
           </ac:spMkLst>
         </pc:spChg>
         <pc:graphicFrameChg chg="add">
-          <ac:chgData name="Gudukbay, Gulsum" userId="33ab478b-42a3-4d08-ae05-3f67cf1d32a2" providerId="ADAL" clId="{27E69447-91EA-4D01-AF66-70A6FC4BA94F}" dt="2018-11-29T02:20:24.942" v="130"/>
+          <ac:chgData name="Gudukbay, Gulsum" userId="33ab478b-42a3-4d08-ae05-3f67cf1d32a2" providerId="ADAL" clId="{27E69447-91EA-4D01-AF66-70A6FC4BA94F}" dt="2018-11-29T02:20:24.942" v="130" actId="20577"/>
           <ac:graphicFrameMkLst>
             <pc:docMk/>
             <pc:sldMk cId="3117564443" sldId="257"/>
@@ -222,8 +227,8 @@
           </ac:picMkLst>
         </pc:picChg>
       </pc:sldChg>
-      <pc:sldChg chg="addSp delSp modSp mod setBg">
-        <pc:chgData name="Gudukbay, Gulsum" userId="33ab478b-42a3-4d08-ae05-3f67cf1d32a2" providerId="ADAL" clId="{27E69447-91EA-4D01-AF66-70A6FC4BA94F}" dt="2018-11-29T03:51:22.672" v="552" actId="20577"/>
+      <pc:sldChg chg="addSp delSp modSp mod modTransition setBg">
+        <pc:chgData name="Gudukbay, Gulsum" userId="33ab478b-42a3-4d08-ae05-3f67cf1d32a2" providerId="ADAL" clId="{27E69447-91EA-4D01-AF66-70A6FC4BA94F}" dt="2018-11-29T23:43:56.905" v="684"/>
         <pc:sldMkLst>
           <pc:docMk/>
           <pc:sldMk cId="2317889955" sldId="258"/>
@@ -237,7 +242,7 @@
           </ac:spMkLst>
         </pc:spChg>
         <pc:graphicFrameChg chg="add">
-          <ac:chgData name="Gudukbay, Gulsum" userId="33ab478b-42a3-4d08-ae05-3f67cf1d32a2" providerId="ADAL" clId="{27E69447-91EA-4D01-AF66-70A6FC4BA94F}" dt="2018-11-29T02:21:05.846" v="136"/>
+          <ac:chgData name="Gudukbay, Gulsum" userId="33ab478b-42a3-4d08-ae05-3f67cf1d32a2" providerId="ADAL" clId="{27E69447-91EA-4D01-AF66-70A6FC4BA94F}" dt="2018-11-29T02:21:05.846" v="136" actId="20577"/>
           <ac:graphicFrameMkLst>
             <pc:docMk/>
             <pc:sldMk cId="2317889955" sldId="258"/>
@@ -261,8 +266,8 @@
           </ac:picMkLst>
         </pc:picChg>
       </pc:sldChg>
-      <pc:sldChg chg="addSp delSp modSp mod setBg">
-        <pc:chgData name="Gudukbay, Gulsum" userId="33ab478b-42a3-4d08-ae05-3f67cf1d32a2" providerId="ADAL" clId="{27E69447-91EA-4D01-AF66-70A6FC4BA94F}" dt="2018-11-29T03:53:37.877" v="568" actId="20577"/>
+      <pc:sldChg chg="addSp delSp modSp mod modTransition setBg">
+        <pc:chgData name="Gudukbay, Gulsum" userId="33ab478b-42a3-4d08-ae05-3f67cf1d32a2" providerId="ADAL" clId="{27E69447-91EA-4D01-AF66-70A6FC4BA94F}" dt="2018-11-29T23:43:56.905" v="684"/>
         <pc:sldMkLst>
           <pc:docMk/>
           <pc:sldMk cId="3506399184" sldId="259"/>
@@ -284,7 +289,7 @@
           </ac:spMkLst>
         </pc:spChg>
         <pc:graphicFrameChg chg="add">
-          <ac:chgData name="Gudukbay, Gulsum" userId="33ab478b-42a3-4d08-ae05-3f67cf1d32a2" providerId="ADAL" clId="{27E69447-91EA-4D01-AF66-70A6FC4BA94F}" dt="2018-11-29T02:32:59.353" v="160"/>
+          <ac:chgData name="Gudukbay, Gulsum" userId="33ab478b-42a3-4d08-ae05-3f67cf1d32a2" providerId="ADAL" clId="{27E69447-91EA-4D01-AF66-70A6FC4BA94F}" dt="2018-11-29T02:32:59.353" v="160" actId="20577"/>
           <ac:graphicFrameMkLst>
             <pc:docMk/>
             <pc:sldMk cId="3506399184" sldId="259"/>
@@ -308,8 +313,8 @@
           </ac:picMkLst>
         </pc:picChg>
       </pc:sldChg>
-      <pc:sldChg chg="addSp delSp modSp mod setBg">
-        <pc:chgData name="Gudukbay, Gulsum" userId="33ab478b-42a3-4d08-ae05-3f67cf1d32a2" providerId="ADAL" clId="{27E69447-91EA-4D01-AF66-70A6FC4BA94F}" dt="2018-11-29T03:57:10.926" v="605" actId="20577"/>
+      <pc:sldChg chg="addSp delSp modSp mod modTransition setBg">
+        <pc:chgData name="Gudukbay, Gulsum" userId="33ab478b-42a3-4d08-ae05-3f67cf1d32a2" providerId="ADAL" clId="{27E69447-91EA-4D01-AF66-70A6FC4BA94F}" dt="2018-11-29T23:43:56.905" v="684"/>
         <pc:sldMkLst>
           <pc:docMk/>
           <pc:sldMk cId="2347409190" sldId="260"/>
@@ -331,7 +336,7 @@
           </ac:spMkLst>
         </pc:spChg>
         <pc:graphicFrameChg chg="add">
-          <ac:chgData name="Gudukbay, Gulsum" userId="33ab478b-42a3-4d08-ae05-3f67cf1d32a2" providerId="ADAL" clId="{27E69447-91EA-4D01-AF66-70A6FC4BA94F}" dt="2018-11-29T02:34:15.846" v="168"/>
+          <ac:chgData name="Gudukbay, Gulsum" userId="33ab478b-42a3-4d08-ae05-3f67cf1d32a2" providerId="ADAL" clId="{27E69447-91EA-4D01-AF66-70A6FC4BA94F}" dt="2018-11-29T02:34:15.846" v="168" actId="20577"/>
           <ac:graphicFrameMkLst>
             <pc:docMk/>
             <pc:sldMk cId="2347409190" sldId="260"/>
@@ -355,8 +360,8 @@
           </ac:picMkLst>
         </pc:picChg>
       </pc:sldChg>
-      <pc:sldChg chg="addSp delSp modSp mod setBg">
-        <pc:chgData name="Gudukbay, Gulsum" userId="33ab478b-42a3-4d08-ae05-3f67cf1d32a2" providerId="ADAL" clId="{27E69447-91EA-4D01-AF66-70A6FC4BA94F}" dt="2018-11-29T03:55:35.774" v="586" actId="20577"/>
+      <pc:sldChg chg="addSp delSp modSp mod modTransition setBg">
+        <pc:chgData name="Gudukbay, Gulsum" userId="33ab478b-42a3-4d08-ae05-3f67cf1d32a2" providerId="ADAL" clId="{27E69447-91EA-4D01-AF66-70A6FC4BA94F}" dt="2018-11-29T23:43:56.905" v="684"/>
         <pc:sldMkLst>
           <pc:docMk/>
           <pc:sldMk cId="3069383323" sldId="261"/>
@@ -370,7 +375,7 @@
           </ac:spMkLst>
         </pc:spChg>
         <pc:graphicFrameChg chg="add">
-          <ac:chgData name="Gudukbay, Gulsum" userId="33ab478b-42a3-4d08-ae05-3f67cf1d32a2" providerId="ADAL" clId="{27E69447-91EA-4D01-AF66-70A6FC4BA94F}" dt="2018-11-29T02:27:40.130" v="142"/>
+          <ac:chgData name="Gudukbay, Gulsum" userId="33ab478b-42a3-4d08-ae05-3f67cf1d32a2" providerId="ADAL" clId="{27E69447-91EA-4D01-AF66-70A6FC4BA94F}" dt="2018-11-29T02:27:40.130" v="142" actId="20577"/>
           <ac:graphicFrameMkLst>
             <pc:docMk/>
             <pc:sldMk cId="3069383323" sldId="261"/>
@@ -394,8 +399,8 @@
           </ac:picMkLst>
         </pc:picChg>
       </pc:sldChg>
-      <pc:sldChg chg="addSp delSp modSp mod setBg">
-        <pc:chgData name="Gudukbay, Gulsum" userId="33ab478b-42a3-4d08-ae05-3f67cf1d32a2" providerId="ADAL" clId="{27E69447-91EA-4D01-AF66-70A6FC4BA94F}" dt="2018-11-29T03:54:37.439" v="576" actId="20577"/>
+      <pc:sldChg chg="addSp delSp modSp mod modTransition setBg">
+        <pc:chgData name="Gudukbay, Gulsum" userId="33ab478b-42a3-4d08-ae05-3f67cf1d32a2" providerId="ADAL" clId="{27E69447-91EA-4D01-AF66-70A6FC4BA94F}" dt="2018-11-29T23:43:56.905" v="684"/>
         <pc:sldMkLst>
           <pc:docMk/>
           <pc:sldMk cId="3660655663" sldId="262"/>
@@ -417,7 +422,7 @@
           </ac:spMkLst>
         </pc:spChg>
         <pc:graphicFrameChg chg="add">
-          <ac:chgData name="Gudukbay, Gulsum" userId="33ab478b-42a3-4d08-ae05-3f67cf1d32a2" providerId="ADAL" clId="{27E69447-91EA-4D01-AF66-70A6FC4BA94F}" dt="2018-11-29T02:33:54.381" v="164"/>
+          <ac:chgData name="Gudukbay, Gulsum" userId="33ab478b-42a3-4d08-ae05-3f67cf1d32a2" providerId="ADAL" clId="{27E69447-91EA-4D01-AF66-70A6FC4BA94F}" dt="2018-11-29T02:33:54.381" v="164" actId="20577"/>
           <ac:graphicFrameMkLst>
             <pc:docMk/>
             <pc:sldMk cId="3660655663" sldId="262"/>
@@ -441,14 +446,14 @@
           </ac:picMkLst>
         </pc:picChg>
       </pc:sldChg>
-      <pc:sldChg chg="addSp delSp modSp mod setBg">
-        <pc:chgData name="Gudukbay, Gulsum" userId="33ab478b-42a3-4d08-ae05-3f67cf1d32a2" providerId="ADAL" clId="{27E69447-91EA-4D01-AF66-70A6FC4BA94F}" dt="2018-11-29T03:58:17.028" v="616"/>
+      <pc:sldChg chg="addSp delSp modSp mod modTransition setBg">
+        <pc:chgData name="Gudukbay, Gulsum" userId="33ab478b-42a3-4d08-ae05-3f67cf1d32a2" providerId="ADAL" clId="{27E69447-91EA-4D01-AF66-70A6FC4BA94F}" dt="2018-11-29T23:43:56.905" v="684"/>
         <pc:sldMkLst>
           <pc:docMk/>
           <pc:sldMk cId="453171510" sldId="263"/>
         </pc:sldMkLst>
         <pc:spChg chg="add mod">
-          <ac:chgData name="Gudukbay, Gulsum" userId="33ab478b-42a3-4d08-ae05-3f67cf1d32a2" providerId="ADAL" clId="{27E69447-91EA-4D01-AF66-70A6FC4BA94F}" dt="2018-11-29T03:58:17.028" v="616"/>
+          <ac:chgData name="Gudukbay, Gulsum" userId="33ab478b-42a3-4d08-ae05-3f67cf1d32a2" providerId="ADAL" clId="{27E69447-91EA-4D01-AF66-70A6FC4BA94F}" dt="2018-11-29T03:58:17.028" v="616" actId="20577"/>
           <ac:spMkLst>
             <pc:docMk/>
             <pc:sldMk cId="453171510" sldId="263"/>
@@ -456,7 +461,7 @@
           </ac:spMkLst>
         </pc:spChg>
         <pc:graphicFrameChg chg="add">
-          <ac:chgData name="Gudukbay, Gulsum" userId="33ab478b-42a3-4d08-ae05-3f67cf1d32a2" providerId="ADAL" clId="{27E69447-91EA-4D01-AF66-70A6FC4BA94F}" dt="2018-11-29T02:27:58.389" v="146"/>
+          <ac:chgData name="Gudukbay, Gulsum" userId="33ab478b-42a3-4d08-ae05-3f67cf1d32a2" providerId="ADAL" clId="{27E69447-91EA-4D01-AF66-70A6FC4BA94F}" dt="2018-11-29T02:27:58.389" v="146" actId="20577"/>
           <ac:graphicFrameMkLst>
             <pc:docMk/>
             <pc:sldMk cId="453171510" sldId="263"/>
@@ -480,8 +485,8 @@
           </ac:picMkLst>
         </pc:picChg>
       </pc:sldChg>
-      <pc:sldChg chg="addSp delSp modSp mod setBg">
-        <pc:chgData name="Gudukbay, Gulsum" userId="33ab478b-42a3-4d08-ae05-3f67cf1d32a2" providerId="ADAL" clId="{27E69447-91EA-4D01-AF66-70A6FC4BA94F}" dt="2018-11-29T03:57:34.299" v="611" actId="20577"/>
+      <pc:sldChg chg="addSp delSp modSp mod modTransition setBg">
+        <pc:chgData name="Gudukbay, Gulsum" userId="33ab478b-42a3-4d08-ae05-3f67cf1d32a2" providerId="ADAL" clId="{27E69447-91EA-4D01-AF66-70A6FC4BA94F}" dt="2018-11-29T23:43:56.905" v="684"/>
         <pc:sldMkLst>
           <pc:docMk/>
           <pc:sldMk cId="3795526922" sldId="264"/>
@@ -495,7 +500,7 @@
           </ac:spMkLst>
         </pc:spChg>
         <pc:spChg chg="add del mod">
-          <ac:chgData name="Gudukbay, Gulsum" userId="33ab478b-42a3-4d08-ae05-3f67cf1d32a2" providerId="ADAL" clId="{27E69447-91EA-4D01-AF66-70A6FC4BA94F}" dt="2018-11-29T03:56:38.432" v="593"/>
+          <ac:chgData name="Gudukbay, Gulsum" userId="33ab478b-42a3-4d08-ae05-3f67cf1d32a2" providerId="ADAL" clId="{27E69447-91EA-4D01-AF66-70A6FC4BA94F}" dt="2018-11-29T03:56:38.432" v="593" actId="20577"/>
           <ac:spMkLst>
             <pc:docMk/>
             <pc:sldMk cId="3795526922" sldId="264"/>
@@ -503,7 +508,7 @@
           </ac:spMkLst>
         </pc:spChg>
         <pc:spChg chg="add del">
-          <ac:chgData name="Gudukbay, Gulsum" userId="33ab478b-42a3-4d08-ae05-3f67cf1d32a2" providerId="ADAL" clId="{27E69447-91EA-4D01-AF66-70A6FC4BA94F}" dt="2018-11-29T03:56:41.893" v="595"/>
+          <ac:chgData name="Gudukbay, Gulsum" userId="33ab478b-42a3-4d08-ae05-3f67cf1d32a2" providerId="ADAL" clId="{27E69447-91EA-4D01-AF66-70A6FC4BA94F}" dt="2018-11-29T03:56:41.893" v="595" actId="20577"/>
           <ac:spMkLst>
             <pc:docMk/>
             <pc:sldMk cId="3795526922" sldId="264"/>
@@ -511,7 +516,7 @@
           </ac:spMkLst>
         </pc:spChg>
         <pc:spChg chg="add del">
-          <ac:chgData name="Gudukbay, Gulsum" userId="33ab478b-42a3-4d08-ae05-3f67cf1d32a2" providerId="ADAL" clId="{27E69447-91EA-4D01-AF66-70A6FC4BA94F}" dt="2018-11-29T03:56:46.781" v="601"/>
+          <ac:chgData name="Gudukbay, Gulsum" userId="33ab478b-42a3-4d08-ae05-3f67cf1d32a2" providerId="ADAL" clId="{27E69447-91EA-4D01-AF66-70A6FC4BA94F}" dt="2018-11-29T03:56:46.781" v="601" actId="20577"/>
           <ac:spMkLst>
             <pc:docMk/>
             <pc:sldMk cId="3795526922" sldId="264"/>
@@ -535,7 +540,7 @@
           </ac:spMkLst>
         </pc:spChg>
         <pc:graphicFrameChg chg="add">
-          <ac:chgData name="Gudukbay, Gulsum" userId="33ab478b-42a3-4d08-ae05-3f67cf1d32a2" providerId="ADAL" clId="{27E69447-91EA-4D01-AF66-70A6FC4BA94F}" dt="2018-11-29T02:28:25.042" v="150"/>
+          <ac:chgData name="Gudukbay, Gulsum" userId="33ab478b-42a3-4d08-ae05-3f67cf1d32a2" providerId="ADAL" clId="{27E69447-91EA-4D01-AF66-70A6FC4BA94F}" dt="2018-11-29T02:28:25.042" v="150" actId="20577"/>
           <ac:graphicFrameMkLst>
             <pc:docMk/>
             <pc:sldMk cId="3795526922" sldId="264"/>
@@ -559,8 +564,8 @@
           </ac:picMkLst>
         </pc:picChg>
       </pc:sldChg>
-      <pc:sldChg chg="addSp delSp modSp setBg">
-        <pc:chgData name="Gudukbay, Gulsum" userId="33ab478b-42a3-4d08-ae05-3f67cf1d32a2" providerId="ADAL" clId="{27E69447-91EA-4D01-AF66-70A6FC4BA94F}" dt="2018-11-29T03:58:58.594" v="635" actId="20577"/>
+      <pc:sldChg chg="addSp delSp modSp modTransition setBg">
+        <pc:chgData name="Gudukbay, Gulsum" userId="33ab478b-42a3-4d08-ae05-3f67cf1d32a2" providerId="ADAL" clId="{27E69447-91EA-4D01-AF66-70A6FC4BA94F}" dt="2018-11-29T23:43:56.905" v="684"/>
         <pc:sldMkLst>
           <pc:docMk/>
           <pc:sldMk cId="1561767516" sldId="265"/>
@@ -574,7 +579,7 @@
           </ac:spMkLst>
         </pc:spChg>
         <pc:graphicFrameChg chg="add">
-          <ac:chgData name="Gudukbay, Gulsum" userId="33ab478b-42a3-4d08-ae05-3f67cf1d32a2" providerId="ADAL" clId="{27E69447-91EA-4D01-AF66-70A6FC4BA94F}" dt="2018-11-28T20:59:27.264" v="52"/>
+          <ac:chgData name="Gudukbay, Gulsum" userId="33ab478b-42a3-4d08-ae05-3f67cf1d32a2" providerId="ADAL" clId="{27E69447-91EA-4D01-AF66-70A6FC4BA94F}" dt="2018-11-28T20:59:27.264" v="52" actId="20577"/>
           <ac:graphicFrameMkLst>
             <pc:docMk/>
             <pc:sldMk cId="1561767516" sldId="265"/>
@@ -582,7 +587,7 @@
           </ac:graphicFrameMkLst>
         </pc:graphicFrameChg>
         <pc:graphicFrameChg chg="add">
-          <ac:chgData name="Gudukbay, Gulsum" userId="33ab478b-42a3-4d08-ae05-3f67cf1d32a2" providerId="ADAL" clId="{27E69447-91EA-4D01-AF66-70A6FC4BA94F}" dt="2018-11-28T21:00:54.655" v="59"/>
+          <ac:chgData name="Gudukbay, Gulsum" userId="33ab478b-42a3-4d08-ae05-3f67cf1d32a2" providerId="ADAL" clId="{27E69447-91EA-4D01-AF66-70A6FC4BA94F}" dt="2018-11-28T21:00:54.655" v="59" actId="20577"/>
           <ac:graphicFrameMkLst>
             <pc:docMk/>
             <pc:sldMk cId="1561767516" sldId="265"/>
@@ -590,7 +595,7 @@
           </ac:graphicFrameMkLst>
         </pc:graphicFrameChg>
         <pc:graphicFrameChg chg="add">
-          <ac:chgData name="Gudukbay, Gulsum" userId="33ab478b-42a3-4d08-ae05-3f67cf1d32a2" providerId="ADAL" clId="{27E69447-91EA-4D01-AF66-70A6FC4BA94F}" dt="2018-11-28T21:03:13.626" v="60"/>
+          <ac:chgData name="Gudukbay, Gulsum" userId="33ab478b-42a3-4d08-ae05-3f67cf1d32a2" providerId="ADAL" clId="{27E69447-91EA-4D01-AF66-70A6FC4BA94F}" dt="2018-11-28T21:03:13.626" v="60" actId="20577"/>
           <ac:graphicFrameMkLst>
             <pc:docMk/>
             <pc:sldMk cId="1561767516" sldId="265"/>
@@ -598,7 +603,7 @@
           </ac:graphicFrameMkLst>
         </pc:graphicFrameChg>
         <pc:graphicFrameChg chg="add">
-          <ac:chgData name="Gudukbay, Gulsum" userId="33ab478b-42a3-4d08-ae05-3f67cf1d32a2" providerId="ADAL" clId="{27E69447-91EA-4D01-AF66-70A6FC4BA94F}" dt="2018-11-28T21:08:45.477" v="75"/>
+          <ac:chgData name="Gudukbay, Gulsum" userId="33ab478b-42a3-4d08-ae05-3f67cf1d32a2" providerId="ADAL" clId="{27E69447-91EA-4D01-AF66-70A6FC4BA94F}" dt="2018-11-28T21:08:45.477" v="75" actId="20577"/>
           <ac:graphicFrameMkLst>
             <pc:docMk/>
             <pc:sldMk cId="1561767516" sldId="265"/>
@@ -614,7 +619,7 @@
           </ac:graphicFrameMkLst>
         </pc:graphicFrameChg>
         <pc:graphicFrameChg chg="add">
-          <ac:chgData name="Gudukbay, Gulsum" userId="33ab478b-42a3-4d08-ae05-3f67cf1d32a2" providerId="ADAL" clId="{27E69447-91EA-4D01-AF66-70A6FC4BA94F}" dt="2018-11-29T01:55:34.998" v="100"/>
+          <ac:chgData name="Gudukbay, Gulsum" userId="33ab478b-42a3-4d08-ae05-3f67cf1d32a2" providerId="ADAL" clId="{27E69447-91EA-4D01-AF66-70A6FC4BA94F}" dt="2018-11-29T01:55:34.998" v="100" actId="20577"/>
           <ac:graphicFrameMkLst>
             <pc:docMk/>
             <pc:sldMk cId="1561767516" sldId="265"/>
@@ -622,7 +627,7 @@
           </ac:graphicFrameMkLst>
         </pc:graphicFrameChg>
         <pc:graphicFrameChg chg="add">
-          <ac:chgData name="Gudukbay, Gulsum" userId="33ab478b-42a3-4d08-ae05-3f67cf1d32a2" providerId="ADAL" clId="{27E69447-91EA-4D01-AF66-70A6FC4BA94F}" dt="2018-11-29T02:16:14.448" v="118"/>
+          <ac:chgData name="Gudukbay, Gulsum" userId="33ab478b-42a3-4d08-ae05-3f67cf1d32a2" providerId="ADAL" clId="{27E69447-91EA-4D01-AF66-70A6FC4BA94F}" dt="2018-11-29T02:16:14.448" v="118" actId="20577"/>
           <ac:graphicFrameMkLst>
             <pc:docMk/>
             <pc:sldMk cId="1561767516" sldId="265"/>
@@ -671,14 +676,14 @@
         </pc:picChg>
       </pc:sldChg>
       <pc:sldChg chg="add del">
-        <pc:chgData name="Gudukbay, Gulsum" userId="33ab478b-42a3-4d08-ae05-3f67cf1d32a2" providerId="ADAL" clId="{27E69447-91EA-4D01-AF66-70A6FC4BA94F}" dt="2018-11-28T20:38:30.683" v="1"/>
+        <pc:chgData name="Gudukbay, Gulsum" userId="33ab478b-42a3-4d08-ae05-3f67cf1d32a2" providerId="ADAL" clId="{27E69447-91EA-4D01-AF66-70A6FC4BA94F}" dt="2018-11-28T20:38:30.683" v="1" actId="20577"/>
         <pc:sldMkLst>
           <pc:docMk/>
           <pc:sldMk cId="2129047087" sldId="266"/>
         </pc:sldMkLst>
       </pc:sldChg>
-      <pc:sldChg chg="addSp modSp add setBg">
-        <pc:chgData name="Gudukbay, Gulsum" userId="33ab478b-42a3-4d08-ae05-3f67cf1d32a2" providerId="ADAL" clId="{27E69447-91EA-4D01-AF66-70A6FC4BA94F}" dt="2018-11-29T03:41:41.014" v="376"/>
+      <pc:sldChg chg="addSp modSp add modTransition setBg">
+        <pc:chgData name="Gudukbay, Gulsum" userId="33ab478b-42a3-4d08-ae05-3f67cf1d32a2" providerId="ADAL" clId="{27E69447-91EA-4D01-AF66-70A6FC4BA94F}" dt="2018-11-29T23:43:56.905" v="684"/>
         <pc:sldMkLst>
           <pc:docMk/>
           <pc:sldMk cId="2264776561" sldId="266"/>
@@ -708,14 +713,14 @@
           </ac:graphicFrameMkLst>
         </pc:graphicFrameChg>
       </pc:sldChg>
-      <pc:sldChg chg="addSp delSp modSp add setBg">
-        <pc:chgData name="Gudukbay, Gulsum" userId="33ab478b-42a3-4d08-ae05-3f67cf1d32a2" providerId="ADAL" clId="{27E69447-91EA-4D01-AF66-70A6FC4BA94F}" dt="2018-11-29T04:08:22.203" v="658" actId="20577"/>
+      <pc:sldChg chg="addSp delSp modSp add modTransition setBg">
+        <pc:chgData name="Gudukbay, Gulsum" userId="33ab478b-42a3-4d08-ae05-3f67cf1d32a2" providerId="ADAL" clId="{27E69447-91EA-4D01-AF66-70A6FC4BA94F}" dt="2018-11-29T23:43:56.905" v="684"/>
         <pc:sldMkLst>
           <pc:docMk/>
           <pc:sldMk cId="609321786" sldId="267"/>
         </pc:sldMkLst>
         <pc:spChg chg="add del">
-          <ac:chgData name="Gudukbay, Gulsum" userId="33ab478b-42a3-4d08-ae05-3f67cf1d32a2" providerId="ADAL" clId="{27E69447-91EA-4D01-AF66-70A6FC4BA94F}" dt="2018-11-29T04:07:46.459" v="637"/>
+          <ac:chgData name="Gudukbay, Gulsum" userId="33ab478b-42a3-4d08-ae05-3f67cf1d32a2" providerId="ADAL" clId="{27E69447-91EA-4D01-AF66-70A6FC4BA94F}" dt="2018-11-29T04:07:46.459" v="637" actId="20577"/>
           <ac:spMkLst>
             <pc:docMk/>
             <pc:sldMk cId="609321786" sldId="267"/>
@@ -731,7 +736,7 @@
           </ac:spMkLst>
         </pc:spChg>
         <pc:graphicFrameChg chg="add">
-          <ac:chgData name="Gudukbay, Gulsum" userId="33ab478b-42a3-4d08-ae05-3f67cf1d32a2" providerId="ADAL" clId="{27E69447-91EA-4D01-AF66-70A6FC4BA94F}" dt="2018-11-28T21:04:20.542" v="66"/>
+          <ac:chgData name="Gudukbay, Gulsum" userId="33ab478b-42a3-4d08-ae05-3f67cf1d32a2" providerId="ADAL" clId="{27E69447-91EA-4D01-AF66-70A6FC4BA94F}" dt="2018-11-28T21:04:20.542" v="66" actId="20577"/>
           <ac:graphicFrameMkLst>
             <pc:docMk/>
             <pc:sldMk cId="609321786" sldId="267"/>
@@ -739,7 +744,7 @@
           </ac:graphicFrameMkLst>
         </pc:graphicFrameChg>
         <pc:graphicFrameChg chg="add">
-          <ac:chgData name="Gudukbay, Gulsum" userId="33ab478b-42a3-4d08-ae05-3f67cf1d32a2" providerId="ADAL" clId="{27E69447-91EA-4D01-AF66-70A6FC4BA94F}" dt="2018-11-28T21:09:14.560" v="80"/>
+          <ac:chgData name="Gudukbay, Gulsum" userId="33ab478b-42a3-4d08-ae05-3f67cf1d32a2" providerId="ADAL" clId="{27E69447-91EA-4D01-AF66-70A6FC4BA94F}" dt="2018-11-28T21:09:14.560" v="80" actId="20577"/>
           <ac:graphicFrameMkLst>
             <pc:docMk/>
             <pc:sldMk cId="609321786" sldId="267"/>
@@ -747,7 +752,7 @@
           </ac:graphicFrameMkLst>
         </pc:graphicFrameChg>
         <pc:graphicFrameChg chg="add">
-          <ac:chgData name="Gudukbay, Gulsum" userId="33ab478b-42a3-4d08-ae05-3f67cf1d32a2" providerId="ADAL" clId="{27E69447-91EA-4D01-AF66-70A6FC4BA94F}" dt="2018-11-29T02:14:58.044" v="114"/>
+          <ac:chgData name="Gudukbay, Gulsum" userId="33ab478b-42a3-4d08-ae05-3f67cf1d32a2" providerId="ADAL" clId="{27E69447-91EA-4D01-AF66-70A6FC4BA94F}" dt="2018-11-29T02:14:58.044" v="114" actId="20577"/>
           <ac:graphicFrameMkLst>
             <pc:docMk/>
             <pc:sldMk cId="609321786" sldId="267"/>
@@ -779,8 +784,8 @@
           </ac:picMkLst>
         </pc:picChg>
       </pc:sldChg>
-      <pc:sldChg chg="addSp delSp modSp add setBg">
-        <pc:chgData name="Gudukbay, Gulsum" userId="33ab478b-42a3-4d08-ae05-3f67cf1d32a2" providerId="ADAL" clId="{27E69447-91EA-4D01-AF66-70A6FC4BA94F}" dt="2018-11-29T04:08:52.048" v="677" actId="20577"/>
+      <pc:sldChg chg="addSp delSp modSp add modTransition setBg">
+        <pc:chgData name="Gudukbay, Gulsum" userId="33ab478b-42a3-4d08-ae05-3f67cf1d32a2" providerId="ADAL" clId="{27E69447-91EA-4D01-AF66-70A6FC4BA94F}" dt="2018-11-29T23:43:56.905" v="684"/>
         <pc:sldMkLst>
           <pc:docMk/>
           <pc:sldMk cId="4228326820" sldId="268"/>
@@ -794,7 +799,7 @@
           </ac:spMkLst>
         </pc:spChg>
         <pc:graphicFrameChg chg="add">
-          <ac:chgData name="Gudukbay, Gulsum" userId="33ab478b-42a3-4d08-ae05-3f67cf1d32a2" providerId="ADAL" clId="{27E69447-91EA-4D01-AF66-70A6FC4BA94F}" dt="2018-11-28T21:05:14.574" v="72"/>
+          <ac:chgData name="Gudukbay, Gulsum" userId="33ab478b-42a3-4d08-ae05-3f67cf1d32a2" providerId="ADAL" clId="{27E69447-91EA-4D01-AF66-70A6FC4BA94F}" dt="2018-11-28T21:05:14.574" v="72" actId="20577"/>
           <ac:graphicFrameMkLst>
             <pc:docMk/>
             <pc:sldMk cId="4228326820" sldId="268"/>
@@ -810,7 +815,7 @@
           </ac:graphicFrameMkLst>
         </pc:graphicFrameChg>
         <pc:graphicFrameChg chg="add">
-          <ac:chgData name="Gudukbay, Gulsum" userId="33ab478b-42a3-4d08-ae05-3f67cf1d32a2" providerId="ADAL" clId="{27E69447-91EA-4D01-AF66-70A6FC4BA94F}" dt="2018-11-28T21:10:08.793" v="86"/>
+          <ac:chgData name="Gudukbay, Gulsum" userId="33ab478b-42a3-4d08-ae05-3f67cf1d32a2" providerId="ADAL" clId="{27E69447-91EA-4D01-AF66-70A6FC4BA94F}" dt="2018-11-28T21:10:08.793" v="86" actId="20577"/>
           <ac:graphicFrameMkLst>
             <pc:docMk/>
             <pc:sldMk cId="4228326820" sldId="268"/>
@@ -818,7 +823,7 @@
           </ac:graphicFrameMkLst>
         </pc:graphicFrameChg>
         <pc:graphicFrameChg chg="add">
-          <ac:chgData name="Gudukbay, Gulsum" userId="33ab478b-42a3-4d08-ae05-3f67cf1d32a2" providerId="ADAL" clId="{27E69447-91EA-4D01-AF66-70A6FC4BA94F}" dt="2018-11-29T02:13:49.123" v="109"/>
+          <ac:chgData name="Gudukbay, Gulsum" userId="33ab478b-42a3-4d08-ae05-3f67cf1d32a2" providerId="ADAL" clId="{27E69447-91EA-4D01-AF66-70A6FC4BA94F}" dt="2018-11-29T02:13:49.123" v="109" actId="20577"/>
           <ac:graphicFrameMkLst>
             <pc:docMk/>
             <pc:sldMk cId="4228326820" sldId="268"/>
@@ -850,8 +855,8 @@
           </ac:picMkLst>
         </pc:picChg>
       </pc:sldChg>
-      <pc:sldChg chg="delSp modSp add">
-        <pc:chgData name="Gudukbay, Gulsum" userId="33ab478b-42a3-4d08-ae05-3f67cf1d32a2" providerId="ADAL" clId="{27E69447-91EA-4D01-AF66-70A6FC4BA94F}" dt="2018-11-29T03:42:20.788" v="377" actId="478"/>
+      <pc:sldChg chg="delSp modSp add modTransition">
+        <pc:chgData name="Gudukbay, Gulsum" userId="33ab478b-42a3-4d08-ae05-3f67cf1d32a2" providerId="ADAL" clId="{27E69447-91EA-4D01-AF66-70A6FC4BA94F}" dt="2018-11-29T23:43:56.905" v="684"/>
         <pc:sldMkLst>
           <pc:docMk/>
           <pc:sldMk cId="196668539" sldId="269"/>
@@ -896,8 +901,8 @@
           </ac:spMkLst>
         </pc:spChg>
       </pc:sldChg>
-      <pc:sldChg chg="modSp add ord">
-        <pc:chgData name="Gudukbay, Gulsum" userId="33ab478b-42a3-4d08-ae05-3f67cf1d32a2" providerId="ADAL" clId="{27E69447-91EA-4D01-AF66-70A6FC4BA94F}" dt="2018-11-29T03:48:08.552" v="509" actId="403"/>
+      <pc:sldChg chg="modSp add ord modTransition">
+        <pc:chgData name="Gudukbay, Gulsum" userId="33ab478b-42a3-4d08-ae05-3f67cf1d32a2" providerId="ADAL" clId="{27E69447-91EA-4D01-AF66-70A6FC4BA94F}" dt="2018-11-29T23:43:56.905" v="684"/>
         <pc:sldMkLst>
           <pc:docMk/>
           <pc:sldMk cId="3910269540" sldId="270"/>
@@ -919,8 +924,8 @@
           </ac:spMkLst>
         </pc:spChg>
       </pc:sldChg>
-      <pc:sldChg chg="delSp modSp add">
-        <pc:chgData name="Gudukbay, Gulsum" userId="33ab478b-42a3-4d08-ae05-3f67cf1d32a2" providerId="ADAL" clId="{27E69447-91EA-4D01-AF66-70A6FC4BA94F}" dt="2018-11-29T03:44:43.067" v="412" actId="478"/>
+      <pc:sldChg chg="delSp modSp add modTransition">
+        <pc:chgData name="Gudukbay, Gulsum" userId="33ab478b-42a3-4d08-ae05-3f67cf1d32a2" providerId="ADAL" clId="{27E69447-91EA-4D01-AF66-70A6FC4BA94F}" dt="2018-11-29T23:43:56.905" v="684"/>
         <pc:sldMkLst>
           <pc:docMk/>
           <pc:sldMk cId="736906421" sldId="271"/>
@@ -942,8 +947,8 @@
           </ac:spMkLst>
         </pc:spChg>
       </pc:sldChg>
-      <pc:sldChg chg="modSp add">
-        <pc:chgData name="Gudukbay, Gulsum" userId="33ab478b-42a3-4d08-ae05-3f67cf1d32a2" providerId="ADAL" clId="{27E69447-91EA-4D01-AF66-70A6FC4BA94F}" dt="2018-11-29T03:45:39.744" v="447" actId="20577"/>
+      <pc:sldChg chg="modSp add modTransition">
+        <pc:chgData name="Gudukbay, Gulsum" userId="33ab478b-42a3-4d08-ae05-3f67cf1d32a2" providerId="ADAL" clId="{27E69447-91EA-4D01-AF66-70A6FC4BA94F}" dt="2018-11-29T23:43:56.905" v="684"/>
         <pc:sldMkLst>
           <pc:docMk/>
           <pc:sldMk cId="133710375" sldId="272"/>
@@ -958,21 +963,21 @@
         </pc:spChg>
       </pc:sldChg>
       <pc:sldChg chg="add del">
-        <pc:chgData name="Gudukbay, Gulsum" userId="33ab478b-42a3-4d08-ae05-3f67cf1d32a2" providerId="ADAL" clId="{27E69447-91EA-4D01-AF66-70A6FC4BA94F}" dt="2018-11-29T03:44:52.263" v="416"/>
+        <pc:chgData name="Gudukbay, Gulsum" userId="33ab478b-42a3-4d08-ae05-3f67cf1d32a2" providerId="ADAL" clId="{27E69447-91EA-4D01-AF66-70A6FC4BA94F}" dt="2018-11-29T03:44:52.263" v="416" actId="20577"/>
         <pc:sldMkLst>
           <pc:docMk/>
           <pc:sldMk cId="3096800648" sldId="272"/>
         </pc:sldMkLst>
       </pc:sldChg>
       <pc:sldChg chg="add del">
-        <pc:chgData name="Gudukbay, Gulsum" userId="33ab478b-42a3-4d08-ae05-3f67cf1d32a2" providerId="ADAL" clId="{27E69447-91EA-4D01-AF66-70A6FC4BA94F}" dt="2018-11-29T03:44:52.112" v="415"/>
+        <pc:chgData name="Gudukbay, Gulsum" userId="33ab478b-42a3-4d08-ae05-3f67cf1d32a2" providerId="ADAL" clId="{27E69447-91EA-4D01-AF66-70A6FC4BA94F}" dt="2018-11-29T03:44:52.112" v="415" actId="20577"/>
         <pc:sldMkLst>
           <pc:docMk/>
           <pc:sldMk cId="954560649" sldId="273"/>
         </pc:sldMkLst>
       </pc:sldChg>
-      <pc:sldChg chg="modSp add">
-        <pc:chgData name="Gudukbay, Gulsum" userId="33ab478b-42a3-4d08-ae05-3f67cf1d32a2" providerId="ADAL" clId="{27E69447-91EA-4D01-AF66-70A6FC4BA94F}" dt="2018-11-29T03:45:51.002" v="466" actId="20577"/>
+      <pc:sldChg chg="modSp add modTransition">
+        <pc:chgData name="Gudukbay, Gulsum" userId="33ab478b-42a3-4d08-ae05-3f67cf1d32a2" providerId="ADAL" clId="{27E69447-91EA-4D01-AF66-70A6FC4BA94F}" dt="2018-11-29T23:43:56.905" v="684"/>
         <pc:sldMkLst>
           <pc:docMk/>
           <pc:sldMk cId="1669051757" sldId="273"/>
@@ -986,8 +991,8 @@
           </ac:spMkLst>
         </pc:spChg>
       </pc:sldChg>
-      <pc:sldChg chg="modSp add">
-        <pc:chgData name="Gudukbay, Gulsum" userId="33ab478b-42a3-4d08-ae05-3f67cf1d32a2" providerId="ADAL" clId="{27E69447-91EA-4D01-AF66-70A6FC4BA94F}" dt="2018-11-29T03:45:57.319" v="478" actId="20577"/>
+      <pc:sldChg chg="modSp add modTransition">
+        <pc:chgData name="Gudukbay, Gulsum" userId="33ab478b-42a3-4d08-ae05-3f67cf1d32a2" providerId="ADAL" clId="{27E69447-91EA-4D01-AF66-70A6FC4BA94F}" dt="2018-11-29T23:43:56.905" v="684"/>
         <pc:sldMkLst>
           <pc:docMk/>
           <pc:sldMk cId="2138466043" sldId="274"/>
@@ -1001,8 +1006,8 @@
           </ac:spMkLst>
         </pc:spChg>
       </pc:sldChg>
-      <pc:sldChg chg="modSp add">
-        <pc:chgData name="Gudukbay, Gulsum" userId="33ab478b-42a3-4d08-ae05-3f67cf1d32a2" providerId="ADAL" clId="{27E69447-91EA-4D01-AF66-70A6FC4BA94F}" dt="2018-11-29T03:46:24.006" v="489" actId="20577"/>
+      <pc:sldChg chg="modSp add modTransition">
+        <pc:chgData name="Gudukbay, Gulsum" userId="33ab478b-42a3-4d08-ae05-3f67cf1d32a2" providerId="ADAL" clId="{27E69447-91EA-4D01-AF66-70A6FC4BA94F}" dt="2018-11-29T23:43:56.905" v="684"/>
         <pc:sldMkLst>
           <pc:docMk/>
           <pc:sldMk cId="2367243633" sldId="275"/>
@@ -1016,8 +1021,8 @@
           </ac:spMkLst>
         </pc:spChg>
       </pc:sldChg>
-      <pc:sldChg chg="modSp add">
-        <pc:chgData name="Gudukbay, Gulsum" userId="33ab478b-42a3-4d08-ae05-3f67cf1d32a2" providerId="ADAL" clId="{27E69447-91EA-4D01-AF66-70A6FC4BA94F}" dt="2018-11-29T03:46:32.113" v="500" actId="20577"/>
+      <pc:sldChg chg="modSp add modTransition">
+        <pc:chgData name="Gudukbay, Gulsum" userId="33ab478b-42a3-4d08-ae05-3f67cf1d32a2" providerId="ADAL" clId="{27E69447-91EA-4D01-AF66-70A6FC4BA94F}" dt="2018-11-29T23:43:56.905" v="684"/>
         <pc:sldMkLst>
           <pc:docMk/>
           <pc:sldMk cId="3135702980" sldId="276"/>
@@ -1032,13 +1037,13 @@
         </pc:spChg>
       </pc:sldChg>
       <pc:sldMasterChg chg="setBg modSldLayout">
-        <pc:chgData name="Gudukbay, Gulsum" userId="33ab478b-42a3-4d08-ae05-3f67cf1d32a2" providerId="ADAL" clId="{27E69447-91EA-4D01-AF66-70A6FC4BA94F}" dt="2018-11-29T03:41:41.014" v="376"/>
+        <pc:chgData name="Gudukbay, Gulsum" userId="33ab478b-42a3-4d08-ae05-3f67cf1d32a2" providerId="ADAL" clId="{27E69447-91EA-4D01-AF66-70A6FC4BA94F}" dt="2018-11-29T03:41:41.014" v="376" actId="20577"/>
         <pc:sldMasterMkLst>
           <pc:docMk/>
           <pc:sldMasterMk cId="551743276" sldId="2147483768"/>
         </pc:sldMasterMkLst>
         <pc:sldLayoutChg chg="setBg">
-          <pc:chgData name="Gudukbay, Gulsum" userId="33ab478b-42a3-4d08-ae05-3f67cf1d32a2" providerId="ADAL" clId="{27E69447-91EA-4D01-AF66-70A6FC4BA94F}" dt="2018-11-29T03:41:41.014" v="376"/>
+          <pc:chgData name="Gudukbay, Gulsum" userId="33ab478b-42a3-4d08-ae05-3f67cf1d32a2" providerId="ADAL" clId="{27E69447-91EA-4D01-AF66-70A6FC4BA94F}" dt="2018-11-29T03:41:41.014" v="376" actId="20577"/>
           <pc:sldLayoutMkLst>
             <pc:docMk/>
             <pc:sldMasterMk cId="551743276" sldId="2147483768"/>
@@ -1209,7 +1214,7 @@
           <a:p>
             <a:fld id="{66011186-D425-4A7F-A0C9-E895AD7CC7DC}" type="datetimeFigureOut">
               <a:rPr lang="en-US" smtClean="0"/>
-              <a:t>11/28/2018</a:t>
+              <a:t>11/29/2018</a:t>
             </a:fld>
             <a:endParaRPr lang="en-US"/>
           </a:p>
@@ -1442,7 +1447,7 @@
           <a:p>
             <a:fld id="{66011186-D425-4A7F-A0C9-E895AD7CC7DC}" type="datetimeFigureOut">
               <a:rPr lang="en-US" smtClean="0"/>
-              <a:t>11/28/2018</a:t>
+              <a:t>11/29/2018</a:t>
             </a:fld>
             <a:endParaRPr lang="en-US"/>
           </a:p>
@@ -1622,7 +1627,7 @@
           <a:p>
             <a:fld id="{66011186-D425-4A7F-A0C9-E895AD7CC7DC}" type="datetimeFigureOut">
               <a:rPr lang="en-US" smtClean="0"/>
-              <a:t>11/28/2018</a:t>
+              <a:t>11/29/2018</a:t>
             </a:fld>
             <a:endParaRPr lang="en-US"/>
           </a:p>
@@ -1797,7 +1802,7 @@
           <a:p>
             <a:fld id="{66011186-D425-4A7F-A0C9-E895AD7CC7DC}" type="datetimeFigureOut">
               <a:rPr lang="en-US" smtClean="0"/>
-              <a:t>11/28/2018</a:t>
+              <a:t>11/29/2018</a:t>
             </a:fld>
             <a:endParaRPr lang="en-US"/>
           </a:p>
@@ -2051,7 +2056,7 @@
           <a:p>
             <a:fld id="{66011186-D425-4A7F-A0C9-E895AD7CC7DC}" type="datetimeFigureOut">
               <a:rPr lang="en-US" smtClean="0"/>
-              <a:t>11/28/2018</a:t>
+              <a:t>11/29/2018</a:t>
             </a:fld>
             <a:endParaRPr lang="en-US"/>
           </a:p>
@@ -2382,7 +2387,7 @@
           <a:p>
             <a:fld id="{66011186-D425-4A7F-A0C9-E895AD7CC7DC}" type="datetimeFigureOut">
               <a:rPr lang="en-US" smtClean="0"/>
-              <a:t>11/28/2018</a:t>
+              <a:t>11/29/2018</a:t>
             </a:fld>
             <a:endParaRPr lang="en-US"/>
           </a:p>
@@ -2833,7 +2838,7 @@
           <a:p>
             <a:fld id="{66011186-D425-4A7F-A0C9-E895AD7CC7DC}" type="datetimeFigureOut">
               <a:rPr lang="en-US" smtClean="0"/>
-              <a:t>11/28/2018</a:t>
+              <a:t>11/29/2018</a:t>
             </a:fld>
             <a:endParaRPr lang="en-US"/>
           </a:p>
@@ -2951,7 +2956,7 @@
           <a:p>
             <a:fld id="{66011186-D425-4A7F-A0C9-E895AD7CC7DC}" type="datetimeFigureOut">
               <a:rPr lang="en-US" smtClean="0"/>
-              <a:t>11/28/2018</a:t>
+              <a:t>11/29/2018</a:t>
             </a:fld>
             <a:endParaRPr lang="en-US"/>
           </a:p>
@@ -3046,7 +3051,7 @@
           <a:p>
             <a:fld id="{66011186-D425-4A7F-A0C9-E895AD7CC7DC}" type="datetimeFigureOut">
               <a:rPr lang="en-US" smtClean="0"/>
-              <a:t>11/28/2018</a:t>
+              <a:t>11/29/2018</a:t>
             </a:fld>
             <a:endParaRPr lang="en-US"/>
           </a:p>
@@ -3333,7 +3338,7 @@
           <a:p>
             <a:fld id="{66011186-D425-4A7F-A0C9-E895AD7CC7DC}" type="datetimeFigureOut">
               <a:rPr lang="en-US" smtClean="0"/>
-              <a:t>11/28/2018</a:t>
+              <a:t>11/29/2018</a:t>
             </a:fld>
             <a:endParaRPr lang="en-US"/>
           </a:p>
@@ -3655,7 +3660,7 @@
           <a:p>
             <a:fld id="{66011186-D425-4A7F-A0C9-E895AD7CC7DC}" type="datetimeFigureOut">
               <a:rPr lang="en-US" smtClean="0"/>
-              <a:t>11/28/2018</a:t>
+              <a:t>11/29/2018</a:t>
             </a:fld>
             <a:endParaRPr lang="en-US"/>
           </a:p>
@@ -3909,7 +3914,7 @@
           <a:p>
             <a:fld id="{66011186-D425-4A7F-A0C9-E895AD7CC7DC}" type="datetimeFigureOut">
               <a:rPr lang="en-US" smtClean="0"/>
-              <a:t>11/28/2018</a:t>
+              <a:t>11/29/2018</a:t>
             </a:fld>
             <a:endParaRPr lang="en-US"/>
           </a:p>
@@ -4857,6 +4862,18 @@
   <p:clrMapOvr>
     <a:masterClrMapping/>
   </p:clrMapOvr>
+  <mc:AlternateContent xmlns:mc="http://schemas.openxmlformats.org/markup-compatibility/2006">
+    <mc:Choice xmlns:p159="http://schemas.microsoft.com/office/powerpoint/2015/09/main" Requires="p159">
+      <p:transition spd="slow">
+        <p159:morph option="byObject"/>
+      </p:transition>
+    </mc:Choice>
+    <mc:Fallback>
+      <p:transition spd="slow">
+        <p:fade/>
+      </p:transition>
+    </mc:Fallback>
+  </mc:AlternateContent>
 </p:sld>
 </file>
 
@@ -4955,6 +4972,18 @@
   <p:clrMapOvr>
     <a:masterClrMapping/>
   </p:clrMapOvr>
+  <mc:AlternateContent xmlns:mc="http://schemas.openxmlformats.org/markup-compatibility/2006">
+    <mc:Choice xmlns:p159="http://schemas.microsoft.com/office/powerpoint/2015/09/main" Requires="p159">
+      <p:transition spd="slow">
+        <p159:morph option="byObject"/>
+      </p:transition>
+    </mc:Choice>
+    <mc:Fallback>
+      <p:transition spd="slow">
+        <p:fade/>
+      </p:transition>
+    </mc:Fallback>
+  </mc:AlternateContent>
 </p:sld>
 </file>
 
@@ -5050,6 +5079,18 @@
   <p:clrMapOvr>
     <a:masterClrMapping/>
   </p:clrMapOvr>
+  <mc:AlternateContent xmlns:mc="http://schemas.openxmlformats.org/markup-compatibility/2006">
+    <mc:Choice xmlns:p159="http://schemas.microsoft.com/office/powerpoint/2015/09/main" Requires="p159">
+      <p:transition spd="slow">
+        <p159:morph option="byObject"/>
+      </p:transition>
+    </mc:Choice>
+    <mc:Fallback>
+      <p:transition spd="slow">
+        <p:fade/>
+      </p:transition>
+    </mc:Fallback>
+  </mc:AlternateContent>
 </p:sld>
 </file>
 
@@ -5149,6 +5190,18 @@
   <p:clrMapOvr>
     <a:masterClrMapping/>
   </p:clrMapOvr>
+  <mc:AlternateContent xmlns:mc="http://schemas.openxmlformats.org/markup-compatibility/2006">
+    <mc:Choice xmlns:p159="http://schemas.microsoft.com/office/powerpoint/2015/09/main" Requires="p159">
+      <p:transition spd="slow">
+        <p159:morph option="byObject"/>
+      </p:transition>
+    </mc:Choice>
+    <mc:Fallback>
+      <p:transition spd="slow">
+        <p:fade/>
+      </p:transition>
+    </mc:Fallback>
+  </mc:AlternateContent>
 </p:sld>
 </file>
 
@@ -5244,6 +5297,18 @@
   <p:clrMapOvr>
     <a:masterClrMapping/>
   </p:clrMapOvr>
+  <mc:AlternateContent xmlns:mc="http://schemas.openxmlformats.org/markup-compatibility/2006">
+    <mc:Choice xmlns:p159="http://schemas.microsoft.com/office/powerpoint/2015/09/main" Requires="p159">
+      <p:transition spd="slow">
+        <p159:morph option="byObject"/>
+      </p:transition>
+    </mc:Choice>
+    <mc:Fallback>
+      <p:transition spd="slow">
+        <p:fade/>
+      </p:transition>
+    </mc:Fallback>
+  </mc:AlternateContent>
 </p:sld>
 </file>
 
@@ -5339,6 +5404,18 @@
   <p:clrMapOvr>
     <a:masterClrMapping/>
   </p:clrMapOvr>
+  <mc:AlternateContent xmlns:mc="http://schemas.openxmlformats.org/markup-compatibility/2006">
+    <mc:Choice xmlns:p159="http://schemas.microsoft.com/office/powerpoint/2015/09/main" Requires="p159">
+      <p:transition spd="slow">
+        <p159:morph option="byObject"/>
+      </p:transition>
+    </mc:Choice>
+    <mc:Fallback>
+      <p:transition spd="slow">
+        <p:fade/>
+      </p:transition>
+    </mc:Fallback>
+  </mc:AlternateContent>
 </p:sld>
 </file>
 
@@ -5438,6 +5515,18 @@
   <p:clrMapOvr>
     <a:masterClrMapping/>
   </p:clrMapOvr>
+  <mc:AlternateContent xmlns:mc="http://schemas.openxmlformats.org/markup-compatibility/2006">
+    <mc:Choice xmlns:p159="http://schemas.microsoft.com/office/powerpoint/2015/09/main" Requires="p159">
+      <p:transition spd="slow">
+        <p159:morph option="byObject"/>
+      </p:transition>
+    </mc:Choice>
+    <mc:Fallback>
+      <p:transition spd="slow">
+        <p:fade/>
+      </p:transition>
+    </mc:Fallback>
+  </mc:AlternateContent>
 </p:sld>
 </file>
 
@@ -5533,6 +5622,18 @@
   <p:clrMapOvr>
     <a:masterClrMapping/>
   </p:clrMapOvr>
+  <mc:AlternateContent xmlns:mc="http://schemas.openxmlformats.org/markup-compatibility/2006">
+    <mc:Choice xmlns:p159="http://schemas.microsoft.com/office/powerpoint/2015/09/main" Requires="p159">
+      <p:transition spd="slow">
+        <p159:morph option="byObject"/>
+      </p:transition>
+    </mc:Choice>
+    <mc:Fallback>
+      <p:transition spd="slow">
+        <p:fade/>
+      </p:transition>
+    </mc:Fallback>
+  </mc:AlternateContent>
 </p:sld>
 </file>
 
@@ -5628,6 +5729,18 @@
   <p:clrMapOvr>
     <a:masterClrMapping/>
   </p:clrMapOvr>
+  <mc:AlternateContent xmlns:mc="http://schemas.openxmlformats.org/markup-compatibility/2006">
+    <mc:Choice xmlns:p159="http://schemas.microsoft.com/office/powerpoint/2015/09/main" Requires="p159">
+      <p:transition spd="slow">
+        <p159:morph option="byObject"/>
+      </p:transition>
+    </mc:Choice>
+    <mc:Fallback>
+      <p:transition spd="slow">
+        <p:fade/>
+      </p:transition>
+    </mc:Fallback>
+  </mc:AlternateContent>
 </p:sld>
 </file>
 
@@ -5726,6 +5839,18 @@
   <p:clrMapOvr>
     <a:masterClrMapping/>
   </p:clrMapOvr>
+  <mc:AlternateContent xmlns:mc="http://schemas.openxmlformats.org/markup-compatibility/2006">
+    <mc:Choice xmlns:p159="http://schemas.microsoft.com/office/powerpoint/2015/09/main" Requires="p159">
+      <p:transition spd="slow">
+        <p159:morph option="byObject"/>
+      </p:transition>
+    </mc:Choice>
+    <mc:Fallback>
+      <p:transition spd="slow">
+        <p:fade/>
+      </p:transition>
+    </mc:Fallback>
+  </mc:AlternateContent>
 </p:sld>
 </file>
 
@@ -5821,6 +5946,18 @@
   <p:clrMapOvr>
     <a:masterClrMapping/>
   </p:clrMapOvr>
+  <mc:AlternateContent xmlns:mc="http://schemas.openxmlformats.org/markup-compatibility/2006">
+    <mc:Choice xmlns:p159="http://schemas.microsoft.com/office/powerpoint/2015/09/main" Requires="p159">
+      <p:transition spd="slow">
+        <p159:morph option="byObject"/>
+      </p:transition>
+    </mc:Choice>
+    <mc:Fallback>
+      <p:transition spd="slow">
+        <p:fade/>
+      </p:transition>
+    </mc:Fallback>
+  </mc:AlternateContent>
 </p:sld>
 </file>
 
@@ -5935,6 +6072,18 @@
   <p:clrMapOvr>
     <a:masterClrMapping/>
   </p:clrMapOvr>
+  <mc:AlternateContent xmlns:mc="http://schemas.openxmlformats.org/markup-compatibility/2006">
+    <mc:Choice xmlns:p159="http://schemas.microsoft.com/office/powerpoint/2015/09/main" Requires="p159">
+      <p:transition spd="slow">
+        <p159:morph option="byObject"/>
+      </p:transition>
+    </mc:Choice>
+    <mc:Fallback>
+      <p:transition spd="slow">
+        <p:fade/>
+      </p:transition>
+    </mc:Fallback>
+  </mc:AlternateContent>
 </p:sld>
 </file>
 
@@ -6018,6 +6167,18 @@
   <p:clrMapOvr>
     <a:masterClrMapping/>
   </p:clrMapOvr>
+  <mc:AlternateContent xmlns:mc="http://schemas.openxmlformats.org/markup-compatibility/2006">
+    <mc:Choice xmlns:p159="http://schemas.microsoft.com/office/powerpoint/2015/09/main" Requires="p159">
+      <p:transition spd="slow">
+        <p159:morph option="byObject"/>
+      </p:transition>
+    </mc:Choice>
+    <mc:Fallback>
+      <p:transition spd="slow">
+        <p:fade/>
+      </p:transition>
+    </mc:Fallback>
+  </mc:AlternateContent>
 </p:sld>
 </file>
 
@@ -6101,6 +6262,18 @@
   <p:clrMapOvr>
     <a:masterClrMapping/>
   </p:clrMapOvr>
+  <mc:AlternateContent xmlns:mc="http://schemas.openxmlformats.org/markup-compatibility/2006">
+    <mc:Choice xmlns:p159="http://schemas.microsoft.com/office/powerpoint/2015/09/main" Requires="p159">
+      <p:transition spd="slow">
+        <p159:morph option="byObject"/>
+      </p:transition>
+    </mc:Choice>
+    <mc:Fallback>
+      <p:transition spd="slow">
+        <p:fade/>
+      </p:transition>
+    </mc:Fallback>
+  </mc:AlternateContent>
 </p:sld>
 </file>
 
@@ -6159,6 +6332,18 @@
   <p:clrMapOvr>
     <a:masterClrMapping/>
   </p:clrMapOvr>
+  <mc:AlternateContent xmlns:mc="http://schemas.openxmlformats.org/markup-compatibility/2006">
+    <mc:Choice xmlns:p159="http://schemas.microsoft.com/office/powerpoint/2015/09/main" Requires="p159">
+      <p:transition spd="slow">
+        <p159:morph option="byObject"/>
+      </p:transition>
+    </mc:Choice>
+    <mc:Fallback>
+      <p:transition spd="slow">
+        <p:fade/>
+      </p:transition>
+    </mc:Fallback>
+  </mc:AlternateContent>
 </p:sld>
 </file>
 
@@ -6242,6 +6427,18 @@
   <p:clrMapOvr>
     <a:masterClrMapping/>
   </p:clrMapOvr>
+  <mc:AlternateContent xmlns:mc="http://schemas.openxmlformats.org/markup-compatibility/2006">
+    <mc:Choice xmlns:p159="http://schemas.microsoft.com/office/powerpoint/2015/09/main" Requires="p159">
+      <p:transition spd="slow">
+        <p159:morph option="byObject"/>
+      </p:transition>
+    </mc:Choice>
+    <mc:Fallback>
+      <p:transition spd="slow">
+        <p:fade/>
+      </p:transition>
+    </mc:Fallback>
+  </mc:AlternateContent>
 </p:sld>
 </file>
 
@@ -6325,6 +6522,18 @@
   <p:clrMapOvr>
     <a:masterClrMapping/>
   </p:clrMapOvr>
+  <mc:AlternateContent xmlns:mc="http://schemas.openxmlformats.org/markup-compatibility/2006">
+    <mc:Choice xmlns:p159="http://schemas.microsoft.com/office/powerpoint/2015/09/main" Requires="p159">
+      <p:transition spd="slow">
+        <p159:morph option="byObject"/>
+      </p:transition>
+    </mc:Choice>
+    <mc:Fallback>
+      <p:transition spd="slow">
+        <p:fade/>
+      </p:transition>
+    </mc:Fallback>
+  </mc:AlternateContent>
 </p:sld>
 </file>
 
@@ -6408,6 +6617,18 @@
   <p:clrMapOvr>
     <a:masterClrMapping/>
   </p:clrMapOvr>
+  <mc:AlternateContent xmlns:mc="http://schemas.openxmlformats.org/markup-compatibility/2006">
+    <mc:Choice xmlns:p159="http://schemas.microsoft.com/office/powerpoint/2015/09/main" Requires="p159">
+      <p:transition spd="slow">
+        <p159:morph option="byObject"/>
+      </p:transition>
+    </mc:Choice>
+    <mc:Fallback>
+      <p:transition spd="slow">
+        <p:fade/>
+      </p:transition>
+    </mc:Fallback>
+  </mc:AlternateContent>
 </p:sld>
 </file>
 
@@ -6466,6 +6687,18 @@
   <p:clrMapOvr>
     <a:masterClrMapping/>
   </p:clrMapOvr>
+  <mc:AlternateContent xmlns:mc="http://schemas.openxmlformats.org/markup-compatibility/2006">
+    <mc:Choice xmlns:p159="http://schemas.microsoft.com/office/powerpoint/2015/09/main" Requires="p159">
+      <p:transition spd="slow">
+        <p159:morph option="byObject"/>
+      </p:transition>
+    </mc:Choice>
+    <mc:Fallback>
+      <p:transition spd="slow">
+        <p:fade/>
+      </p:transition>
+    </mc:Fallback>
+  </mc:AlternateContent>
 </p:sld>
 </file>
 
@@ -6561,6 +6794,18 @@
   <p:clrMapOvr>
     <a:masterClrMapping/>
   </p:clrMapOvr>
+  <mc:AlternateContent xmlns:mc="http://schemas.openxmlformats.org/markup-compatibility/2006">
+    <mc:Choice xmlns:p159="http://schemas.microsoft.com/office/powerpoint/2015/09/main" Requires="p159">
+      <p:transition spd="slow">
+        <p159:morph option="byObject"/>
+      </p:transition>
+    </mc:Choice>
+    <mc:Fallback>
+      <p:transition spd="slow">
+        <p:fade/>
+      </p:transition>
+    </mc:Fallback>
+  </mc:AlternateContent>
 </p:sld>
 </file>
 
@@ -6656,6 +6901,18 @@
   <p:clrMapOvr>
     <a:masterClrMapping/>
   </p:clrMapOvr>
+  <mc:AlternateContent xmlns:mc="http://schemas.openxmlformats.org/markup-compatibility/2006">
+    <mc:Choice xmlns:p159="http://schemas.microsoft.com/office/powerpoint/2015/09/main" Requires="p159">
+      <p:transition spd="slow">
+        <p159:morph option="byObject"/>
+      </p:transition>
+    </mc:Choice>
+    <mc:Fallback>
+      <p:transition spd="slow">
+        <p:fade/>
+      </p:transition>
+    </mc:Fallback>
+  </mc:AlternateContent>
 </p:sld>
 </file>
 
